--- a/presentations/Loops. Error Handling, Strict mode.pptx
+++ b/presentations/Loops. Error Handling, Strict mode.pptx
@@ -5,7 +5,7 @@
     <p:sldMasterId id="2147483656" r:id="rId4"/>
   </p:sldMasterIdLst>
   <p:notesMasterIdLst>
-    <p:notesMasterId r:id="rId16"/>
+    <p:notesMasterId r:id="rId51"/>
   </p:notesMasterIdLst>
   <p:sldIdLst>
     <p:sldId id="258" r:id="rId5"/>
@@ -14,32 +14,67 @@
     <p:sldId id="264" r:id="rId8"/>
     <p:sldId id="265" r:id="rId9"/>
     <p:sldId id="266" r:id="rId10"/>
-    <p:sldId id="267" r:id="rId11"/>
-    <p:sldId id="268" r:id="rId12"/>
-    <p:sldId id="261" r:id="rId13"/>
-    <p:sldId id="262" r:id="rId14"/>
-    <p:sldId id="259" r:id="rId15"/>
+    <p:sldId id="269" r:id="rId11"/>
+    <p:sldId id="273" r:id="rId12"/>
+    <p:sldId id="271" r:id="rId13"/>
+    <p:sldId id="272" r:id="rId14"/>
+    <p:sldId id="274" r:id="rId15"/>
+    <p:sldId id="275" r:id="rId16"/>
+    <p:sldId id="267" r:id="rId17"/>
+    <p:sldId id="268" r:id="rId18"/>
+    <p:sldId id="276" r:id="rId19"/>
+    <p:sldId id="277" r:id="rId20"/>
+    <p:sldId id="282" r:id="rId21"/>
+    <p:sldId id="283" r:id="rId22"/>
+    <p:sldId id="284" r:id="rId23"/>
+    <p:sldId id="285" r:id="rId24"/>
+    <p:sldId id="286" r:id="rId25"/>
+    <p:sldId id="278" r:id="rId26"/>
+    <p:sldId id="280" r:id="rId27"/>
+    <p:sldId id="279" r:id="rId28"/>
+    <p:sldId id="281" r:id="rId29"/>
+    <p:sldId id="261" r:id="rId30"/>
+    <p:sldId id="287" r:id="rId31"/>
+    <p:sldId id="288" r:id="rId32"/>
+    <p:sldId id="289" r:id="rId33"/>
+    <p:sldId id="290" r:id="rId34"/>
+    <p:sldId id="291" r:id="rId35"/>
+    <p:sldId id="293" r:id="rId36"/>
+    <p:sldId id="294" r:id="rId37"/>
+    <p:sldId id="295" r:id="rId38"/>
+    <p:sldId id="292" r:id="rId39"/>
+    <p:sldId id="296" r:id="rId40"/>
+    <p:sldId id="297" r:id="rId41"/>
+    <p:sldId id="298" r:id="rId42"/>
+    <p:sldId id="299" r:id="rId43"/>
+    <p:sldId id="300" r:id="rId44"/>
+    <p:sldId id="262" r:id="rId45"/>
+    <p:sldId id="301" r:id="rId46"/>
+    <p:sldId id="302" r:id="rId47"/>
+    <p:sldId id="303" r:id="rId48"/>
+    <p:sldId id="304" r:id="rId49"/>
+    <p:sldId id="259" r:id="rId50"/>
   </p:sldIdLst>
   <p:sldSz cx="12192000" cy="6858000"/>
   <p:notesSz cx="6858000" cy="9144000"/>
   <p:embeddedFontLst>
     <p:embeddedFont>
       <p:font typeface="Calibri" panose="020F0502020204030204" pitchFamily="34" charset="0"/>
-      <p:regular r:id="rId17"/>
-      <p:bold r:id="rId18"/>
-      <p:italic r:id="rId19"/>
-      <p:boldItalic r:id="rId20"/>
+      <p:regular r:id="rId52"/>
+      <p:bold r:id="rId53"/>
+      <p:italic r:id="rId54"/>
+      <p:boldItalic r:id="rId55"/>
     </p:embeddedFont>
     <p:embeddedFont>
       <p:font typeface="Open Sans" panose="020B0604020202020204" charset="0"/>
-      <p:regular r:id="rId21"/>
-      <p:bold r:id="rId22"/>
-      <p:italic r:id="rId23"/>
-      <p:boldItalic r:id="rId24"/>
+      <p:regular r:id="rId56"/>
+      <p:bold r:id="rId57"/>
+      <p:italic r:id="rId58"/>
+      <p:boldItalic r:id="rId59"/>
     </p:embeddedFont>
     <p:embeddedFont>
       <p:font typeface="Proxima Nova Black" panose="020B0604020202020204" charset="0"/>
-      <p:bold r:id="rId25"/>
+      <p:bold r:id="rId60"/>
     </p:embeddedFont>
   </p:embeddedFontLst>
   <p:defaultTextStyle>
@@ -138,6 +173,60 @@
     </a:lvl9pPr>
   </p:defaultTextStyle>
   <p:extLst>
+    <p:ext uri="{521415D9-36F7-43E2-AB2F-B90AF26B5E84}">
+      <p14:sectionLst xmlns:p14="http://schemas.microsoft.com/office/powerpoint/2010/main">
+        <p14:section name="Раздел по умолчанию" id="{4ED83C5E-90E6-472D-AD42-CB1E323BB8D9}">
+          <p14:sldIdLst>
+            <p14:sldId id="258"/>
+            <p14:sldId id="260"/>
+            <p14:sldId id="263"/>
+            <p14:sldId id="264"/>
+            <p14:sldId id="265"/>
+            <p14:sldId id="266"/>
+            <p14:sldId id="269"/>
+            <p14:sldId id="273"/>
+            <p14:sldId id="271"/>
+            <p14:sldId id="272"/>
+            <p14:sldId id="274"/>
+            <p14:sldId id="275"/>
+            <p14:sldId id="267"/>
+            <p14:sldId id="268"/>
+            <p14:sldId id="276"/>
+            <p14:sldId id="277"/>
+            <p14:sldId id="282"/>
+            <p14:sldId id="283"/>
+            <p14:sldId id="284"/>
+            <p14:sldId id="285"/>
+            <p14:sldId id="286"/>
+            <p14:sldId id="278"/>
+            <p14:sldId id="280"/>
+            <p14:sldId id="279"/>
+            <p14:sldId id="281"/>
+            <p14:sldId id="261"/>
+            <p14:sldId id="287"/>
+            <p14:sldId id="288"/>
+            <p14:sldId id="289"/>
+            <p14:sldId id="290"/>
+            <p14:sldId id="291"/>
+            <p14:sldId id="293"/>
+            <p14:sldId id="294"/>
+            <p14:sldId id="295"/>
+            <p14:sldId id="292"/>
+            <p14:sldId id="296"/>
+            <p14:sldId id="297"/>
+            <p14:sldId id="298"/>
+            <p14:sldId id="299"/>
+            <p14:sldId id="300"/>
+            <p14:sldId id="262"/>
+            <p14:sldId id="301"/>
+            <p14:sldId id="302"/>
+            <p14:sldId id="303"/>
+            <p14:sldId id="304"/>
+            <p14:sldId id="259"/>
+          </p14:sldIdLst>
+        </p14:section>
+      </p14:sectionLst>
+    </p:ext>
     <p:ext uri="{EFAFB233-063F-42B5-8137-9DF3F51BA10A}">
       <p15:sldGuideLst xmlns:p15="http://schemas.microsoft.com/office/powerpoint/2012/main"/>
     </p:ext>
@@ -227,7 +316,7 @@
           <a:p>
             <a:fld id="{66798AA2-1685-42F9-B308-E0EDFDECAB3C}" type="datetimeFigureOut">
               <a:rPr lang="uk-UA" smtClean="0"/>
-              <a:t>31.01.2020</a:t>
+              <a:t>01.02.2020</a:t>
             </a:fld>
             <a:endParaRPr lang="uk-UA"/>
           </a:p>
@@ -729,6 +818,1172 @@
 </p:notes>
 </file>
 
+<file path=ppt/notesSlides/notesSlide10.xml><?xml version="1.0" encoding="utf-8"?>
+<p:notes xmlns:a="http://schemas.openxmlformats.org/drawingml/2006/main" xmlns:r="http://schemas.openxmlformats.org/officeDocument/2006/relationships" xmlns:p="http://schemas.openxmlformats.org/presentationml/2006/main">
+  <p:cSld>
+    <p:spTree>
+      <p:nvGrpSpPr>
+        <p:cNvPr id="1" name=""/>
+        <p:cNvGrpSpPr/>
+        <p:nvPr/>
+      </p:nvGrpSpPr>
+      <p:grpSpPr>
+        <a:xfrm>
+          <a:off x="0" y="0"/>
+          <a:ext cx="0" cy="0"/>
+          <a:chOff x="0" y="0"/>
+          <a:chExt cx="0" cy="0"/>
+        </a:xfrm>
+      </p:grpSpPr>
+      <p:sp>
+        <p:nvSpPr>
+          <p:cNvPr id="2" name="Образ слайда 1"/>
+          <p:cNvSpPr>
+            <a:spLocks noGrp="1" noRot="1" noChangeAspect="1"/>
+          </p:cNvSpPr>
+          <p:nvPr>
+            <p:ph type="sldImg"/>
+          </p:nvPr>
+        </p:nvSpPr>
+        <p:spPr/>
+      </p:sp>
+      <p:sp>
+        <p:nvSpPr>
+          <p:cNvPr id="3" name="Заметки 2"/>
+          <p:cNvSpPr>
+            <a:spLocks noGrp="1"/>
+          </p:cNvSpPr>
+          <p:nvPr>
+            <p:ph type="body" idx="1"/>
+          </p:nvPr>
+        </p:nvSpPr>
+        <p:spPr/>
+        <p:txBody>
+          <a:bodyPr/>
+          <a:lstStyle/>
+          <a:p>
+            <a:endParaRPr lang="uk-UA" dirty="0"/>
+          </a:p>
+        </p:txBody>
+      </p:sp>
+      <p:sp>
+        <p:nvSpPr>
+          <p:cNvPr id="4" name="Номер слайда 3"/>
+          <p:cNvSpPr>
+            <a:spLocks noGrp="1"/>
+          </p:cNvSpPr>
+          <p:nvPr>
+            <p:ph type="sldNum" sz="quarter" idx="5"/>
+          </p:nvPr>
+        </p:nvSpPr>
+        <p:spPr/>
+        <p:txBody>
+          <a:bodyPr/>
+          <a:lstStyle/>
+          <a:p>
+            <a:fld id="{C6B9B3CE-BC21-41F4-8896-5AF0EBA9693C}" type="slidenum">
+              <a:rPr lang="uk-UA" smtClean="0"/>
+              <a:t>15</a:t>
+            </a:fld>
+            <a:endParaRPr lang="uk-UA"/>
+          </a:p>
+        </p:txBody>
+      </p:sp>
+    </p:spTree>
+    <p:extLst>
+      <p:ext uri="{BB962C8B-B14F-4D97-AF65-F5344CB8AC3E}">
+        <p14:creationId xmlns:p14="http://schemas.microsoft.com/office/powerpoint/2010/main" val="2929893743"/>
+      </p:ext>
+    </p:extLst>
+  </p:cSld>
+  <p:clrMapOvr>
+    <a:masterClrMapping/>
+  </p:clrMapOvr>
+</p:notes>
+</file>
+
+<file path=ppt/notesSlides/notesSlide11.xml><?xml version="1.0" encoding="utf-8"?>
+<p:notes xmlns:a="http://schemas.openxmlformats.org/drawingml/2006/main" xmlns:r="http://schemas.openxmlformats.org/officeDocument/2006/relationships" xmlns:p="http://schemas.openxmlformats.org/presentationml/2006/main">
+  <p:cSld>
+    <p:spTree>
+      <p:nvGrpSpPr>
+        <p:cNvPr id="1" name=""/>
+        <p:cNvGrpSpPr/>
+        <p:nvPr/>
+      </p:nvGrpSpPr>
+      <p:grpSpPr>
+        <a:xfrm>
+          <a:off x="0" y="0"/>
+          <a:ext cx="0" cy="0"/>
+          <a:chOff x="0" y="0"/>
+          <a:chExt cx="0" cy="0"/>
+        </a:xfrm>
+      </p:grpSpPr>
+      <p:sp>
+        <p:nvSpPr>
+          <p:cNvPr id="2" name="Образ слайда 1"/>
+          <p:cNvSpPr>
+            <a:spLocks noGrp="1" noRot="1" noChangeAspect="1"/>
+          </p:cNvSpPr>
+          <p:nvPr>
+            <p:ph type="sldImg"/>
+          </p:nvPr>
+        </p:nvSpPr>
+        <p:spPr/>
+      </p:sp>
+      <p:sp>
+        <p:nvSpPr>
+          <p:cNvPr id="3" name="Заметки 2"/>
+          <p:cNvSpPr>
+            <a:spLocks noGrp="1"/>
+          </p:cNvSpPr>
+          <p:nvPr>
+            <p:ph type="body" idx="1"/>
+          </p:nvPr>
+        </p:nvSpPr>
+        <p:spPr/>
+        <p:txBody>
+          <a:bodyPr/>
+          <a:lstStyle/>
+          <a:p>
+            <a:endParaRPr lang="uk-UA" dirty="0"/>
+          </a:p>
+        </p:txBody>
+      </p:sp>
+      <p:sp>
+        <p:nvSpPr>
+          <p:cNvPr id="4" name="Номер слайда 3"/>
+          <p:cNvSpPr>
+            <a:spLocks noGrp="1"/>
+          </p:cNvSpPr>
+          <p:nvPr>
+            <p:ph type="sldNum" sz="quarter" idx="5"/>
+          </p:nvPr>
+        </p:nvSpPr>
+        <p:spPr/>
+        <p:txBody>
+          <a:bodyPr/>
+          <a:lstStyle/>
+          <a:p>
+            <a:fld id="{C6B9B3CE-BC21-41F4-8896-5AF0EBA9693C}" type="slidenum">
+              <a:rPr lang="uk-UA" smtClean="0"/>
+              <a:t>16</a:t>
+            </a:fld>
+            <a:endParaRPr lang="uk-UA"/>
+          </a:p>
+        </p:txBody>
+      </p:sp>
+    </p:spTree>
+    <p:extLst>
+      <p:ext uri="{BB962C8B-B14F-4D97-AF65-F5344CB8AC3E}">
+        <p14:creationId xmlns:p14="http://schemas.microsoft.com/office/powerpoint/2010/main" val="1872931449"/>
+      </p:ext>
+    </p:extLst>
+  </p:cSld>
+  <p:clrMapOvr>
+    <a:masterClrMapping/>
+  </p:clrMapOvr>
+</p:notes>
+</file>
+
+<file path=ppt/notesSlides/notesSlide12.xml><?xml version="1.0" encoding="utf-8"?>
+<p:notes xmlns:a="http://schemas.openxmlformats.org/drawingml/2006/main" xmlns:r="http://schemas.openxmlformats.org/officeDocument/2006/relationships" xmlns:p="http://schemas.openxmlformats.org/presentationml/2006/main">
+  <p:cSld>
+    <p:spTree>
+      <p:nvGrpSpPr>
+        <p:cNvPr id="1" name=""/>
+        <p:cNvGrpSpPr/>
+        <p:nvPr/>
+      </p:nvGrpSpPr>
+      <p:grpSpPr>
+        <a:xfrm>
+          <a:off x="0" y="0"/>
+          <a:ext cx="0" cy="0"/>
+          <a:chOff x="0" y="0"/>
+          <a:chExt cx="0" cy="0"/>
+        </a:xfrm>
+      </p:grpSpPr>
+      <p:sp>
+        <p:nvSpPr>
+          <p:cNvPr id="2" name="Образ слайда 1"/>
+          <p:cNvSpPr>
+            <a:spLocks noGrp="1" noRot="1" noChangeAspect="1"/>
+          </p:cNvSpPr>
+          <p:nvPr>
+            <p:ph type="sldImg"/>
+          </p:nvPr>
+        </p:nvSpPr>
+        <p:spPr/>
+      </p:sp>
+      <p:sp>
+        <p:nvSpPr>
+          <p:cNvPr id="3" name="Заметки 2"/>
+          <p:cNvSpPr>
+            <a:spLocks noGrp="1"/>
+          </p:cNvSpPr>
+          <p:nvPr>
+            <p:ph type="body" idx="1"/>
+          </p:nvPr>
+        </p:nvSpPr>
+        <p:spPr/>
+        <p:txBody>
+          <a:bodyPr/>
+          <a:lstStyle/>
+          <a:p>
+            <a:r>
+              <a:rPr lang="en-US" sz="1200" b="0" i="0" kern="1200" dirty="0">
+                <a:solidFill>
+                  <a:schemeClr val="tx1"/>
+                </a:solidFill>
+                <a:effectLst/>
+                <a:latin typeface="+mn-lt"/>
+                <a:ea typeface="+mn-ea"/>
+                <a:cs typeface="+mn-cs"/>
+              </a:rPr>
+              <a:t>For example, you can use a label to identify a loop, and then use the </a:t>
+            </a:r>
+            <a:r>
+              <a:rPr lang="en-US" dirty="0"/>
+              <a:t>break</a:t>
+            </a:r>
+            <a:r>
+              <a:rPr lang="en-US" sz="1200" b="0" i="0" kern="1200" dirty="0">
+                <a:solidFill>
+                  <a:schemeClr val="tx1"/>
+                </a:solidFill>
+                <a:effectLst/>
+                <a:latin typeface="+mn-lt"/>
+                <a:ea typeface="+mn-ea"/>
+                <a:cs typeface="+mn-cs"/>
+              </a:rPr>
+              <a:t> or </a:t>
+            </a:r>
+            <a:r>
+              <a:rPr lang="en-US" dirty="0"/>
+              <a:t>continue</a:t>
+            </a:r>
+            <a:r>
+              <a:rPr lang="en-US" sz="1200" b="0" i="0" kern="1200" dirty="0">
+                <a:solidFill>
+                  <a:schemeClr val="tx1"/>
+                </a:solidFill>
+                <a:effectLst/>
+                <a:latin typeface="+mn-lt"/>
+                <a:ea typeface="+mn-ea"/>
+                <a:cs typeface="+mn-cs"/>
+              </a:rPr>
+              <a:t> statements to indicate whether a program should interrupt the loop or continue its execution.</a:t>
+            </a:r>
+          </a:p>
+          <a:p>
+            <a:endParaRPr lang="en-US" sz="1200" b="0" i="0" kern="1200" dirty="0">
+              <a:solidFill>
+                <a:schemeClr val="tx1"/>
+              </a:solidFill>
+              <a:effectLst/>
+              <a:latin typeface="+mn-lt"/>
+              <a:ea typeface="+mn-ea"/>
+              <a:cs typeface="+mn-cs"/>
+            </a:endParaRPr>
+          </a:p>
+          <a:p>
+            <a:r>
+              <a:rPr lang="en-US" sz="1200" b="0" i="0" kern="1200" dirty="0">
+                <a:solidFill>
+                  <a:schemeClr val="tx1"/>
+                </a:solidFill>
+                <a:effectLst/>
+                <a:latin typeface="+mn-lt"/>
+                <a:ea typeface="+mn-ea"/>
+                <a:cs typeface="+mn-cs"/>
+              </a:rPr>
+              <a:t>The value of </a:t>
+            </a:r>
+            <a:r>
+              <a:rPr lang="en-US" i="1" dirty="0">
+                <a:effectLst/>
+              </a:rPr>
+              <a:t>label</a:t>
+            </a:r>
+            <a:r>
+              <a:rPr lang="en-US" sz="1200" b="0" i="0" kern="1200" dirty="0">
+                <a:solidFill>
+                  <a:schemeClr val="tx1"/>
+                </a:solidFill>
+                <a:effectLst/>
+                <a:latin typeface="+mn-lt"/>
+                <a:ea typeface="+mn-ea"/>
+                <a:cs typeface="+mn-cs"/>
+              </a:rPr>
+              <a:t> may be any JavaScript identifier that is not a reserved word. The </a:t>
+            </a:r>
+            <a:r>
+              <a:rPr lang="en-US" i="1" dirty="0">
+                <a:effectLst/>
+              </a:rPr>
+              <a:t>statement</a:t>
+            </a:r>
+            <a:r>
+              <a:rPr lang="en-US" sz="1200" b="0" i="0" kern="1200" dirty="0">
+                <a:solidFill>
+                  <a:schemeClr val="tx1"/>
+                </a:solidFill>
+                <a:effectLst/>
+                <a:latin typeface="+mn-lt"/>
+                <a:ea typeface="+mn-ea"/>
+                <a:cs typeface="+mn-cs"/>
+              </a:rPr>
+              <a:t> that you identify with a label may be any statement.</a:t>
+            </a:r>
+            <a:endParaRPr lang="uk-UA" dirty="0"/>
+          </a:p>
+        </p:txBody>
+      </p:sp>
+      <p:sp>
+        <p:nvSpPr>
+          <p:cNvPr id="4" name="Номер слайда 3"/>
+          <p:cNvSpPr>
+            <a:spLocks noGrp="1"/>
+          </p:cNvSpPr>
+          <p:nvPr>
+            <p:ph type="sldNum" sz="quarter" idx="5"/>
+          </p:nvPr>
+        </p:nvSpPr>
+        <p:spPr/>
+        <p:txBody>
+          <a:bodyPr/>
+          <a:lstStyle/>
+          <a:p>
+            <a:fld id="{C6B9B3CE-BC21-41F4-8896-5AF0EBA9693C}" type="slidenum">
+              <a:rPr lang="uk-UA" smtClean="0"/>
+              <a:t>17</a:t>
+            </a:fld>
+            <a:endParaRPr lang="uk-UA"/>
+          </a:p>
+        </p:txBody>
+      </p:sp>
+    </p:spTree>
+    <p:extLst>
+      <p:ext uri="{BB962C8B-B14F-4D97-AF65-F5344CB8AC3E}">
+        <p14:creationId xmlns:p14="http://schemas.microsoft.com/office/powerpoint/2010/main" val="2634229415"/>
+      </p:ext>
+    </p:extLst>
+  </p:cSld>
+  <p:clrMapOvr>
+    <a:masterClrMapping/>
+  </p:clrMapOvr>
+</p:notes>
+</file>
+
+<file path=ppt/notesSlides/notesSlide13.xml><?xml version="1.0" encoding="utf-8"?>
+<p:notes xmlns:a="http://schemas.openxmlformats.org/drawingml/2006/main" xmlns:r="http://schemas.openxmlformats.org/officeDocument/2006/relationships" xmlns:p="http://schemas.openxmlformats.org/presentationml/2006/main">
+  <p:cSld>
+    <p:spTree>
+      <p:nvGrpSpPr>
+        <p:cNvPr id="1" name=""/>
+        <p:cNvGrpSpPr/>
+        <p:nvPr/>
+      </p:nvGrpSpPr>
+      <p:grpSpPr>
+        <a:xfrm>
+          <a:off x="0" y="0"/>
+          <a:ext cx="0" cy="0"/>
+          <a:chOff x="0" y="0"/>
+          <a:chExt cx="0" cy="0"/>
+        </a:xfrm>
+      </p:grpSpPr>
+      <p:sp>
+        <p:nvSpPr>
+          <p:cNvPr id="2" name="Образ слайда 1"/>
+          <p:cNvSpPr>
+            <a:spLocks noGrp="1" noRot="1" noChangeAspect="1"/>
+          </p:cNvSpPr>
+          <p:nvPr>
+            <p:ph type="sldImg"/>
+          </p:nvPr>
+        </p:nvSpPr>
+        <p:spPr/>
+      </p:sp>
+      <p:sp>
+        <p:nvSpPr>
+          <p:cNvPr id="3" name="Заметки 2"/>
+          <p:cNvSpPr>
+            <a:spLocks noGrp="1"/>
+          </p:cNvSpPr>
+          <p:nvPr>
+            <p:ph type="body" idx="1"/>
+          </p:nvPr>
+        </p:nvSpPr>
+        <p:spPr/>
+        <p:txBody>
+          <a:bodyPr/>
+          <a:lstStyle/>
+          <a:p>
+            <a:endParaRPr lang="uk-UA" dirty="0"/>
+          </a:p>
+        </p:txBody>
+      </p:sp>
+      <p:sp>
+        <p:nvSpPr>
+          <p:cNvPr id="4" name="Номер слайда 3"/>
+          <p:cNvSpPr>
+            <a:spLocks noGrp="1"/>
+          </p:cNvSpPr>
+          <p:nvPr>
+            <p:ph type="sldNum" sz="quarter" idx="5"/>
+          </p:nvPr>
+        </p:nvSpPr>
+        <p:spPr/>
+        <p:txBody>
+          <a:bodyPr/>
+          <a:lstStyle/>
+          <a:p>
+            <a:fld id="{C6B9B3CE-BC21-41F4-8896-5AF0EBA9693C}" type="slidenum">
+              <a:rPr lang="uk-UA" smtClean="0"/>
+              <a:t>18</a:t>
+            </a:fld>
+            <a:endParaRPr lang="uk-UA"/>
+          </a:p>
+        </p:txBody>
+      </p:sp>
+    </p:spTree>
+    <p:extLst>
+      <p:ext uri="{BB962C8B-B14F-4D97-AF65-F5344CB8AC3E}">
+        <p14:creationId xmlns:p14="http://schemas.microsoft.com/office/powerpoint/2010/main" val="1438836009"/>
+      </p:ext>
+    </p:extLst>
+  </p:cSld>
+  <p:clrMapOvr>
+    <a:masterClrMapping/>
+  </p:clrMapOvr>
+</p:notes>
+</file>
+
+<file path=ppt/notesSlides/notesSlide14.xml><?xml version="1.0" encoding="utf-8"?>
+<p:notes xmlns:a="http://schemas.openxmlformats.org/drawingml/2006/main" xmlns:r="http://schemas.openxmlformats.org/officeDocument/2006/relationships" xmlns:p="http://schemas.openxmlformats.org/presentationml/2006/main">
+  <p:cSld>
+    <p:spTree>
+      <p:nvGrpSpPr>
+        <p:cNvPr id="1" name=""/>
+        <p:cNvGrpSpPr/>
+        <p:nvPr/>
+      </p:nvGrpSpPr>
+      <p:grpSpPr>
+        <a:xfrm>
+          <a:off x="0" y="0"/>
+          <a:ext cx="0" cy="0"/>
+          <a:chOff x="0" y="0"/>
+          <a:chExt cx="0" cy="0"/>
+        </a:xfrm>
+      </p:grpSpPr>
+      <p:sp>
+        <p:nvSpPr>
+          <p:cNvPr id="2" name="Образ слайда 1"/>
+          <p:cNvSpPr>
+            <a:spLocks noGrp="1" noRot="1" noChangeAspect="1"/>
+          </p:cNvSpPr>
+          <p:nvPr>
+            <p:ph type="sldImg"/>
+          </p:nvPr>
+        </p:nvSpPr>
+        <p:spPr/>
+      </p:sp>
+      <p:sp>
+        <p:nvSpPr>
+          <p:cNvPr id="3" name="Заметки 2"/>
+          <p:cNvSpPr>
+            <a:spLocks noGrp="1"/>
+          </p:cNvSpPr>
+          <p:nvPr>
+            <p:ph type="body" idx="1"/>
+          </p:nvPr>
+        </p:nvSpPr>
+        <p:spPr/>
+        <p:txBody>
+          <a:bodyPr/>
+          <a:lstStyle/>
+          <a:p>
+            <a:r>
+              <a:rPr lang="en-US" sz="1200" dirty="0">
+                <a:latin typeface="Open Sans" panose="020B0604020202020204" charset="0"/>
+                <a:ea typeface="Open Sans" panose="020B0604020202020204" charset="0"/>
+                <a:cs typeface="Open Sans" panose="020B0604020202020204" charset="0"/>
+              </a:rPr>
+              <a:t>When you use continue without a label, it terminates the current iteration of the innermost enclosing while, do-while, or for statement and continues execution of the loop with the next iteration. In contrast to the break statement, continue does not terminate the execution of the loop entirely. In a while loop, it jumps back to the condition. In a for loop, it jumps to the increment-expression.</a:t>
+            </a:r>
+            <a:br>
+              <a:rPr lang="en-US" sz="1200" dirty="0">
+                <a:latin typeface="Open Sans" panose="020B0604020202020204" charset="0"/>
+                <a:ea typeface="Open Sans" panose="020B0604020202020204" charset="0"/>
+                <a:cs typeface="Open Sans" panose="020B0604020202020204" charset="0"/>
+              </a:rPr>
+            </a:br>
+            <a:r>
+              <a:rPr lang="en-US" sz="1200" dirty="0">
+                <a:latin typeface="Open Sans" panose="020B0604020202020204" charset="0"/>
+                <a:ea typeface="Open Sans" panose="020B0604020202020204" charset="0"/>
+                <a:cs typeface="Open Sans" panose="020B0604020202020204" charset="0"/>
+              </a:rPr>
+              <a:t>When you use continue with a label, it applies to the looping statement identified with that label.</a:t>
+            </a:r>
+            <a:endParaRPr lang="uk-UA" dirty="0"/>
+          </a:p>
+        </p:txBody>
+      </p:sp>
+      <p:sp>
+        <p:nvSpPr>
+          <p:cNvPr id="4" name="Номер слайда 3"/>
+          <p:cNvSpPr>
+            <a:spLocks noGrp="1"/>
+          </p:cNvSpPr>
+          <p:nvPr>
+            <p:ph type="sldNum" sz="quarter" idx="5"/>
+          </p:nvPr>
+        </p:nvSpPr>
+        <p:spPr/>
+        <p:txBody>
+          <a:bodyPr/>
+          <a:lstStyle/>
+          <a:p>
+            <a:fld id="{C6B9B3CE-BC21-41F4-8896-5AF0EBA9693C}" type="slidenum">
+              <a:rPr lang="uk-UA" smtClean="0"/>
+              <a:t>21</a:t>
+            </a:fld>
+            <a:endParaRPr lang="uk-UA"/>
+          </a:p>
+        </p:txBody>
+      </p:sp>
+    </p:spTree>
+    <p:extLst>
+      <p:ext uri="{BB962C8B-B14F-4D97-AF65-F5344CB8AC3E}">
+        <p14:creationId xmlns:p14="http://schemas.microsoft.com/office/powerpoint/2010/main" val="392866600"/>
+      </p:ext>
+    </p:extLst>
+  </p:cSld>
+  <p:clrMapOvr>
+    <a:masterClrMapping/>
+  </p:clrMapOvr>
+</p:notes>
+</file>
+
+<file path=ppt/notesSlides/notesSlide15.xml><?xml version="1.0" encoding="utf-8"?>
+<p:notes xmlns:a="http://schemas.openxmlformats.org/drawingml/2006/main" xmlns:r="http://schemas.openxmlformats.org/officeDocument/2006/relationships" xmlns:p="http://schemas.openxmlformats.org/presentationml/2006/main">
+  <p:cSld>
+    <p:spTree>
+      <p:nvGrpSpPr>
+        <p:cNvPr id="1" name=""/>
+        <p:cNvGrpSpPr/>
+        <p:nvPr/>
+      </p:nvGrpSpPr>
+      <p:grpSpPr>
+        <a:xfrm>
+          <a:off x="0" y="0"/>
+          <a:ext cx="0" cy="0"/>
+          <a:chOff x="0" y="0"/>
+          <a:chExt cx="0" cy="0"/>
+        </a:xfrm>
+      </p:grpSpPr>
+      <p:sp>
+        <p:nvSpPr>
+          <p:cNvPr id="2" name="Образ слайда 1"/>
+          <p:cNvSpPr>
+            <a:spLocks noGrp="1" noRot="1" noChangeAspect="1"/>
+          </p:cNvSpPr>
+          <p:nvPr>
+            <p:ph type="sldImg"/>
+          </p:nvPr>
+        </p:nvSpPr>
+        <p:spPr/>
+      </p:sp>
+      <p:sp>
+        <p:nvSpPr>
+          <p:cNvPr id="3" name="Заметки 2"/>
+          <p:cNvSpPr>
+            <a:spLocks noGrp="1"/>
+          </p:cNvSpPr>
+          <p:nvPr>
+            <p:ph type="body" idx="1"/>
+          </p:nvPr>
+        </p:nvSpPr>
+        <p:spPr/>
+        <p:txBody>
+          <a:bodyPr/>
+          <a:lstStyle/>
+          <a:p>
+            <a:r>
+              <a:rPr lang="en-US" sz="1200" b="0" i="0" kern="1200" dirty="0">
+                <a:solidFill>
+                  <a:schemeClr val="tx1"/>
+                </a:solidFill>
+                <a:effectLst/>
+                <a:latin typeface="+mn-lt"/>
+                <a:ea typeface="+mn-ea"/>
+                <a:cs typeface="+mn-cs"/>
+              </a:rPr>
+              <a:t>In each iteration, one of the properties of Object is assigned to the variable named </a:t>
+            </a:r>
+            <a:r>
+              <a:rPr lang="en-US" sz="1200" b="0" i="1" kern="1200" dirty="0" err="1">
+                <a:solidFill>
+                  <a:schemeClr val="tx1"/>
+                </a:solidFill>
+                <a:effectLst/>
+                <a:latin typeface="+mn-lt"/>
+                <a:ea typeface="+mn-ea"/>
+                <a:cs typeface="+mn-cs"/>
+              </a:rPr>
+              <a:t>variableName</a:t>
+            </a:r>
+            <a:r>
+              <a:rPr lang="en-US" sz="1200" b="0" i="0" kern="1200" dirty="0">
+                <a:solidFill>
+                  <a:schemeClr val="tx1"/>
+                </a:solidFill>
+                <a:effectLst/>
+                <a:latin typeface="+mn-lt"/>
+                <a:ea typeface="+mn-ea"/>
+                <a:cs typeface="+mn-cs"/>
+              </a:rPr>
+              <a:t> and this loop continues until all of the properties of the Object are processed. </a:t>
+            </a:r>
+            <a:endParaRPr lang="uk-UA" dirty="0"/>
+          </a:p>
+        </p:txBody>
+      </p:sp>
+      <p:sp>
+        <p:nvSpPr>
+          <p:cNvPr id="4" name="Номер слайда 3"/>
+          <p:cNvSpPr>
+            <a:spLocks noGrp="1"/>
+          </p:cNvSpPr>
+          <p:nvPr>
+            <p:ph type="sldNum" sz="quarter" idx="5"/>
+          </p:nvPr>
+        </p:nvSpPr>
+        <p:spPr/>
+        <p:txBody>
+          <a:bodyPr/>
+          <a:lstStyle/>
+          <a:p>
+            <a:fld id="{C6B9B3CE-BC21-41F4-8896-5AF0EBA9693C}" type="slidenum">
+              <a:rPr lang="uk-UA" smtClean="0"/>
+              <a:t>22</a:t>
+            </a:fld>
+            <a:endParaRPr lang="uk-UA"/>
+          </a:p>
+        </p:txBody>
+      </p:sp>
+    </p:spTree>
+    <p:extLst>
+      <p:ext uri="{BB962C8B-B14F-4D97-AF65-F5344CB8AC3E}">
+        <p14:creationId xmlns:p14="http://schemas.microsoft.com/office/powerpoint/2010/main" val="2653707862"/>
+      </p:ext>
+    </p:extLst>
+  </p:cSld>
+  <p:clrMapOvr>
+    <a:masterClrMapping/>
+  </p:clrMapOvr>
+</p:notes>
+</file>
+
+<file path=ppt/notesSlides/notesSlide16.xml><?xml version="1.0" encoding="utf-8"?>
+<p:notes xmlns:a="http://schemas.openxmlformats.org/drawingml/2006/main" xmlns:r="http://schemas.openxmlformats.org/officeDocument/2006/relationships" xmlns:p="http://schemas.openxmlformats.org/presentationml/2006/main">
+  <p:cSld>
+    <p:spTree>
+      <p:nvGrpSpPr>
+        <p:cNvPr id="1" name=""/>
+        <p:cNvGrpSpPr/>
+        <p:nvPr/>
+      </p:nvGrpSpPr>
+      <p:grpSpPr>
+        <a:xfrm>
+          <a:off x="0" y="0"/>
+          <a:ext cx="0" cy="0"/>
+          <a:chOff x="0" y="0"/>
+          <a:chExt cx="0" cy="0"/>
+        </a:xfrm>
+      </p:grpSpPr>
+      <p:sp>
+        <p:nvSpPr>
+          <p:cNvPr id="2" name="Образ слайда 1"/>
+          <p:cNvSpPr>
+            <a:spLocks noGrp="1" noRot="1" noChangeAspect="1"/>
+          </p:cNvSpPr>
+          <p:nvPr>
+            <p:ph type="sldImg"/>
+          </p:nvPr>
+        </p:nvSpPr>
+        <p:spPr/>
+      </p:sp>
+      <p:sp>
+        <p:nvSpPr>
+          <p:cNvPr id="3" name="Заметки 2"/>
+          <p:cNvSpPr>
+            <a:spLocks noGrp="1"/>
+          </p:cNvSpPr>
+          <p:nvPr>
+            <p:ph type="body" idx="1"/>
+          </p:nvPr>
+        </p:nvSpPr>
+        <p:spPr/>
+        <p:txBody>
+          <a:bodyPr/>
+          <a:lstStyle/>
+          <a:p>
+            <a:endParaRPr lang="uk-UA" dirty="0"/>
+          </a:p>
+        </p:txBody>
+      </p:sp>
+      <p:sp>
+        <p:nvSpPr>
+          <p:cNvPr id="4" name="Номер слайда 3"/>
+          <p:cNvSpPr>
+            <a:spLocks noGrp="1"/>
+          </p:cNvSpPr>
+          <p:nvPr>
+            <p:ph type="sldNum" sz="quarter" idx="5"/>
+          </p:nvPr>
+        </p:nvSpPr>
+        <p:spPr/>
+        <p:txBody>
+          <a:bodyPr/>
+          <a:lstStyle/>
+          <a:p>
+            <a:fld id="{C6B9B3CE-BC21-41F4-8896-5AF0EBA9693C}" type="slidenum">
+              <a:rPr lang="uk-UA" smtClean="0"/>
+              <a:t>23</a:t>
+            </a:fld>
+            <a:endParaRPr lang="uk-UA"/>
+          </a:p>
+        </p:txBody>
+      </p:sp>
+    </p:spTree>
+    <p:extLst>
+      <p:ext uri="{BB962C8B-B14F-4D97-AF65-F5344CB8AC3E}">
+        <p14:creationId xmlns:p14="http://schemas.microsoft.com/office/powerpoint/2010/main" val="4273896513"/>
+      </p:ext>
+    </p:extLst>
+  </p:cSld>
+  <p:clrMapOvr>
+    <a:masterClrMapping/>
+  </p:clrMapOvr>
+</p:notes>
+</file>
+
+<file path=ppt/notesSlides/notesSlide17.xml><?xml version="1.0" encoding="utf-8"?>
+<p:notes xmlns:a="http://schemas.openxmlformats.org/drawingml/2006/main" xmlns:r="http://schemas.openxmlformats.org/officeDocument/2006/relationships" xmlns:p="http://schemas.openxmlformats.org/presentationml/2006/main">
+  <p:cSld>
+    <p:spTree>
+      <p:nvGrpSpPr>
+        <p:cNvPr id="1" name=""/>
+        <p:cNvGrpSpPr/>
+        <p:nvPr/>
+      </p:nvGrpSpPr>
+      <p:grpSpPr>
+        <a:xfrm>
+          <a:off x="0" y="0"/>
+          <a:ext cx="0" cy="0"/>
+          <a:chOff x="0" y="0"/>
+          <a:chExt cx="0" cy="0"/>
+        </a:xfrm>
+      </p:grpSpPr>
+      <p:sp>
+        <p:nvSpPr>
+          <p:cNvPr id="2" name="Образ слайда 1"/>
+          <p:cNvSpPr>
+            <a:spLocks noGrp="1" noRot="1" noChangeAspect="1"/>
+          </p:cNvSpPr>
+          <p:nvPr>
+            <p:ph type="sldImg"/>
+          </p:nvPr>
+        </p:nvSpPr>
+        <p:spPr/>
+      </p:sp>
+      <p:sp>
+        <p:nvSpPr>
+          <p:cNvPr id="3" name="Заметки 2"/>
+          <p:cNvSpPr>
+            <a:spLocks noGrp="1"/>
+          </p:cNvSpPr>
+          <p:nvPr>
+            <p:ph type="body" idx="1"/>
+          </p:nvPr>
+        </p:nvSpPr>
+        <p:spPr/>
+        <p:txBody>
+          <a:bodyPr/>
+          <a:lstStyle/>
+          <a:p>
+            <a:r>
+              <a:rPr lang="en-US" sz="1200" b="0" i="0" kern="1200" dirty="0">
+                <a:solidFill>
+                  <a:schemeClr val="tx1"/>
+                </a:solidFill>
+                <a:effectLst/>
+                <a:latin typeface="+mn-lt"/>
+                <a:ea typeface="+mn-ea"/>
+                <a:cs typeface="+mn-cs"/>
+              </a:rPr>
+              <a:t>No matter how great we are at programming, sometimes our scripts have errors. They may occur because of our mistakes, an unexpected user input, an erroneous server response, and for a thousand other reasons.</a:t>
+            </a:r>
+          </a:p>
+          <a:p>
+            <a:r>
+              <a:rPr lang="en-US" sz="1200" b="0" i="0" kern="1200" dirty="0">
+                <a:solidFill>
+                  <a:schemeClr val="tx1"/>
+                </a:solidFill>
+                <a:effectLst/>
+                <a:latin typeface="+mn-lt"/>
+                <a:ea typeface="+mn-ea"/>
+                <a:cs typeface="+mn-cs"/>
+              </a:rPr>
+              <a:t>Usually, a script “dies” (immediately stops) in case of an error, printing it to console.</a:t>
+            </a:r>
+          </a:p>
+          <a:p>
+            <a:r>
+              <a:rPr lang="en-US" sz="1200" b="0" i="0" kern="1200" dirty="0">
+                <a:solidFill>
+                  <a:schemeClr val="tx1"/>
+                </a:solidFill>
+                <a:effectLst/>
+                <a:latin typeface="+mn-lt"/>
+                <a:ea typeface="+mn-ea"/>
+                <a:cs typeface="+mn-cs"/>
+              </a:rPr>
+              <a:t>But there’s a syntax construct </a:t>
+            </a:r>
+            <a:r>
+              <a:rPr lang="en-US" dirty="0" err="1"/>
+              <a:t>try..catch</a:t>
+            </a:r>
+            <a:r>
+              <a:rPr lang="en-US" sz="1200" b="0" i="0" kern="1200" dirty="0">
+                <a:solidFill>
+                  <a:schemeClr val="tx1"/>
+                </a:solidFill>
+                <a:effectLst/>
+                <a:latin typeface="+mn-lt"/>
+                <a:ea typeface="+mn-ea"/>
+                <a:cs typeface="+mn-cs"/>
+              </a:rPr>
+              <a:t> that allows to “catch” errors and, instead of dying, do something more reasonable.</a:t>
+            </a:r>
+            <a:endParaRPr lang="uk-UA" dirty="0"/>
+          </a:p>
+        </p:txBody>
+      </p:sp>
+      <p:sp>
+        <p:nvSpPr>
+          <p:cNvPr id="4" name="Номер слайда 3"/>
+          <p:cNvSpPr>
+            <a:spLocks noGrp="1"/>
+          </p:cNvSpPr>
+          <p:nvPr>
+            <p:ph type="sldNum" sz="quarter" idx="5"/>
+          </p:nvPr>
+        </p:nvSpPr>
+        <p:spPr/>
+        <p:txBody>
+          <a:bodyPr/>
+          <a:lstStyle/>
+          <a:p>
+            <a:fld id="{C6B9B3CE-BC21-41F4-8896-5AF0EBA9693C}" type="slidenum">
+              <a:rPr lang="uk-UA" smtClean="0"/>
+              <a:t>26</a:t>
+            </a:fld>
+            <a:endParaRPr lang="uk-UA"/>
+          </a:p>
+        </p:txBody>
+      </p:sp>
+    </p:spTree>
+    <p:extLst>
+      <p:ext uri="{BB962C8B-B14F-4D97-AF65-F5344CB8AC3E}">
+        <p14:creationId xmlns:p14="http://schemas.microsoft.com/office/powerpoint/2010/main" val="1987731785"/>
+      </p:ext>
+    </p:extLst>
+  </p:cSld>
+  <p:clrMapOvr>
+    <a:masterClrMapping/>
+  </p:clrMapOvr>
+</p:notes>
+</file>
+
+<file path=ppt/notesSlides/notesSlide18.xml><?xml version="1.0" encoding="utf-8"?>
+<p:notes xmlns:a="http://schemas.openxmlformats.org/drawingml/2006/main" xmlns:r="http://schemas.openxmlformats.org/officeDocument/2006/relationships" xmlns:p="http://schemas.openxmlformats.org/presentationml/2006/main">
+  <p:cSld>
+    <p:spTree>
+      <p:nvGrpSpPr>
+        <p:cNvPr id="1" name=""/>
+        <p:cNvGrpSpPr/>
+        <p:nvPr/>
+      </p:nvGrpSpPr>
+      <p:grpSpPr>
+        <a:xfrm>
+          <a:off x="0" y="0"/>
+          <a:ext cx="0" cy="0"/>
+          <a:chOff x="0" y="0"/>
+          <a:chExt cx="0" cy="0"/>
+        </a:xfrm>
+      </p:grpSpPr>
+      <p:sp>
+        <p:nvSpPr>
+          <p:cNvPr id="2" name="Образ слайда 1"/>
+          <p:cNvSpPr>
+            <a:spLocks noGrp="1" noRot="1" noChangeAspect="1"/>
+          </p:cNvSpPr>
+          <p:nvPr>
+            <p:ph type="sldImg"/>
+          </p:nvPr>
+        </p:nvSpPr>
+        <p:spPr/>
+      </p:sp>
+      <p:sp>
+        <p:nvSpPr>
+          <p:cNvPr id="3" name="Заметки 2"/>
+          <p:cNvSpPr>
+            <a:spLocks noGrp="1"/>
+          </p:cNvSpPr>
+          <p:nvPr>
+            <p:ph type="body" idx="1"/>
+          </p:nvPr>
+        </p:nvSpPr>
+        <p:spPr/>
+        <p:txBody>
+          <a:bodyPr/>
+          <a:lstStyle/>
+          <a:p>
+            <a:r>
+              <a:rPr lang="en-US" sz="1200" b="0" i="0" kern="1200" dirty="0">
+                <a:solidFill>
+                  <a:schemeClr val="tx1"/>
+                </a:solidFill>
+                <a:effectLst/>
+                <a:latin typeface="+mn-lt"/>
+                <a:ea typeface="+mn-ea"/>
+                <a:cs typeface="+mn-cs"/>
+              </a:rPr>
+              <a:t>The try statement allows you to define a block of code to be tested for errors while it is being executed.</a:t>
+            </a:r>
+          </a:p>
+          <a:p>
+            <a:r>
+              <a:rPr lang="en-US" sz="1200" b="0" i="0" kern="1200" dirty="0">
+                <a:solidFill>
+                  <a:schemeClr val="tx1"/>
+                </a:solidFill>
+                <a:effectLst/>
+                <a:latin typeface="+mn-lt"/>
+                <a:ea typeface="+mn-ea"/>
+                <a:cs typeface="+mn-cs"/>
+              </a:rPr>
+              <a:t>The catch statement allows you to define a block of code to be executed, if an error occurs in the try block.</a:t>
+            </a:r>
+          </a:p>
+          <a:p>
+            <a:r>
+              <a:rPr lang="en-US" sz="1200" b="0" i="0" kern="1200">
+                <a:solidFill>
+                  <a:schemeClr val="tx1"/>
+                </a:solidFill>
+                <a:effectLst/>
+                <a:latin typeface="+mn-lt"/>
+                <a:ea typeface="+mn-ea"/>
+                <a:cs typeface="+mn-cs"/>
+              </a:rPr>
+              <a:t>The JavaScript statements try and catch come in pairs</a:t>
+            </a:r>
+          </a:p>
+          <a:p>
+            <a:endParaRPr lang="uk-UA" dirty="0"/>
+          </a:p>
+        </p:txBody>
+      </p:sp>
+      <p:sp>
+        <p:nvSpPr>
+          <p:cNvPr id="4" name="Номер слайда 3"/>
+          <p:cNvSpPr>
+            <a:spLocks noGrp="1"/>
+          </p:cNvSpPr>
+          <p:nvPr>
+            <p:ph type="sldNum" sz="quarter" idx="5"/>
+          </p:nvPr>
+        </p:nvSpPr>
+        <p:spPr/>
+        <p:txBody>
+          <a:bodyPr/>
+          <a:lstStyle/>
+          <a:p>
+            <a:fld id="{C6B9B3CE-BC21-41F4-8896-5AF0EBA9693C}" type="slidenum">
+              <a:rPr lang="uk-UA" smtClean="0"/>
+              <a:t>27</a:t>
+            </a:fld>
+            <a:endParaRPr lang="uk-UA"/>
+          </a:p>
+        </p:txBody>
+      </p:sp>
+    </p:spTree>
+    <p:extLst>
+      <p:ext uri="{BB962C8B-B14F-4D97-AF65-F5344CB8AC3E}">
+        <p14:creationId xmlns:p14="http://schemas.microsoft.com/office/powerpoint/2010/main" val="2691836891"/>
+      </p:ext>
+    </p:extLst>
+  </p:cSld>
+  <p:clrMapOvr>
+    <a:masterClrMapping/>
+  </p:clrMapOvr>
+</p:notes>
+</file>
+
+<file path=ppt/notesSlides/notesSlide19.xml><?xml version="1.0" encoding="utf-8"?>
+<p:notes xmlns:a="http://schemas.openxmlformats.org/drawingml/2006/main" xmlns:r="http://schemas.openxmlformats.org/officeDocument/2006/relationships" xmlns:p="http://schemas.openxmlformats.org/presentationml/2006/main">
+  <p:cSld>
+    <p:spTree>
+      <p:nvGrpSpPr>
+        <p:cNvPr id="1" name=""/>
+        <p:cNvGrpSpPr/>
+        <p:nvPr/>
+      </p:nvGrpSpPr>
+      <p:grpSpPr>
+        <a:xfrm>
+          <a:off x="0" y="0"/>
+          <a:ext cx="0" cy="0"/>
+          <a:chOff x="0" y="0"/>
+          <a:chExt cx="0" cy="0"/>
+        </a:xfrm>
+      </p:grpSpPr>
+      <p:sp>
+        <p:nvSpPr>
+          <p:cNvPr id="2" name="Образ слайда 1"/>
+          <p:cNvSpPr>
+            <a:spLocks noGrp="1" noRot="1" noChangeAspect="1"/>
+          </p:cNvSpPr>
+          <p:nvPr>
+            <p:ph type="sldImg"/>
+          </p:nvPr>
+        </p:nvSpPr>
+        <p:spPr/>
+      </p:sp>
+      <p:sp>
+        <p:nvSpPr>
+          <p:cNvPr id="3" name="Заметки 2"/>
+          <p:cNvSpPr>
+            <a:spLocks noGrp="1"/>
+          </p:cNvSpPr>
+          <p:nvPr>
+            <p:ph type="body" idx="1"/>
+          </p:nvPr>
+        </p:nvSpPr>
+        <p:spPr/>
+        <p:txBody>
+          <a:bodyPr/>
+          <a:lstStyle/>
+          <a:p>
+            <a:r>
+              <a:rPr lang="en-US" sz="1200" b="0" i="0" kern="1200" dirty="0">
+                <a:solidFill>
+                  <a:schemeClr val="tx1"/>
+                </a:solidFill>
+                <a:effectLst/>
+                <a:latin typeface="+mn-lt"/>
+                <a:ea typeface="+mn-ea"/>
+                <a:cs typeface="+mn-cs"/>
+              </a:rPr>
+              <a:t>It works like this:</a:t>
+            </a:r>
+          </a:p>
+          <a:p>
+            <a:r>
+              <a:rPr lang="en-US" sz="1200" b="0" i="0" kern="1200" dirty="0">
+                <a:solidFill>
+                  <a:schemeClr val="tx1"/>
+                </a:solidFill>
+                <a:effectLst/>
+                <a:latin typeface="+mn-lt"/>
+                <a:ea typeface="+mn-ea"/>
+                <a:cs typeface="+mn-cs"/>
+              </a:rPr>
+              <a:t>First, the code in try {...} is executed.</a:t>
+            </a:r>
+          </a:p>
+          <a:p>
+            <a:r>
+              <a:rPr lang="en-US" sz="1200" b="0" i="0" kern="1200" dirty="0">
+                <a:solidFill>
+                  <a:schemeClr val="tx1"/>
+                </a:solidFill>
+                <a:effectLst/>
+                <a:latin typeface="+mn-lt"/>
+                <a:ea typeface="+mn-ea"/>
+                <a:cs typeface="+mn-cs"/>
+              </a:rPr>
+              <a:t>If there were no errors, then catch(err) is ignored: the execution reaches the end of try and goes on, skipping catch.</a:t>
+            </a:r>
+          </a:p>
+          <a:p>
+            <a:r>
+              <a:rPr lang="en-US" sz="1200" b="0" i="0" kern="1200" dirty="0">
+                <a:solidFill>
+                  <a:schemeClr val="tx1"/>
+                </a:solidFill>
+                <a:effectLst/>
+                <a:latin typeface="+mn-lt"/>
+                <a:ea typeface="+mn-ea"/>
+                <a:cs typeface="+mn-cs"/>
+              </a:rPr>
+              <a:t>If an error occurs, then try execution is stopped, and the control flows to the beginning of catch(err). The err variable (can use any name for it) will contain an error object with details about what happened.</a:t>
+            </a:r>
+          </a:p>
+          <a:p>
+            <a:br>
+              <a:rPr lang="en-US" dirty="0">
+                <a:effectLst/>
+              </a:rPr>
+            </a:br>
+            <a:endParaRPr lang="uk-UA" dirty="0"/>
+          </a:p>
+          <a:p>
+            <a:endParaRPr lang="uk-UA" dirty="0"/>
+          </a:p>
+        </p:txBody>
+      </p:sp>
+      <p:sp>
+        <p:nvSpPr>
+          <p:cNvPr id="4" name="Номер слайда 3"/>
+          <p:cNvSpPr>
+            <a:spLocks noGrp="1"/>
+          </p:cNvSpPr>
+          <p:nvPr>
+            <p:ph type="sldNum" sz="quarter" idx="5"/>
+          </p:nvPr>
+        </p:nvSpPr>
+        <p:spPr/>
+        <p:txBody>
+          <a:bodyPr/>
+          <a:lstStyle/>
+          <a:p>
+            <a:fld id="{C6B9B3CE-BC21-41F4-8896-5AF0EBA9693C}" type="slidenum">
+              <a:rPr lang="uk-UA" smtClean="0"/>
+              <a:t>28</a:t>
+            </a:fld>
+            <a:endParaRPr lang="uk-UA"/>
+          </a:p>
+        </p:txBody>
+      </p:sp>
+    </p:spTree>
+    <p:extLst>
+      <p:ext uri="{BB962C8B-B14F-4D97-AF65-F5344CB8AC3E}">
+        <p14:creationId xmlns:p14="http://schemas.microsoft.com/office/powerpoint/2010/main" val="1912314382"/>
+      </p:ext>
+    </p:extLst>
+  </p:cSld>
+  <p:clrMapOvr>
+    <a:masterClrMapping/>
+  </p:clrMapOvr>
+</p:notes>
+</file>
+
 <file path=ppt/notesSlides/notesSlide2.xml><?xml version="1.0" encoding="utf-8"?>
 <p:notes xmlns:a="http://schemas.openxmlformats.org/drawingml/2006/main" xmlns:r="http://schemas.openxmlformats.org/officeDocument/2006/relationships" xmlns:p="http://schemas.openxmlformats.org/presentationml/2006/main">
   <p:cSld>
@@ -773,6 +2028,174 @@
           <a:bodyPr/>
           <a:lstStyle/>
           <a:p>
+            <a:endParaRPr lang="uk-UA" dirty="0"/>
+          </a:p>
+        </p:txBody>
+      </p:sp>
+      <p:sp>
+        <p:nvSpPr>
+          <p:cNvPr id="4" name="Номер слайда 3"/>
+          <p:cNvSpPr>
+            <a:spLocks noGrp="1"/>
+          </p:cNvSpPr>
+          <p:nvPr>
+            <p:ph type="sldNum" sz="quarter" idx="5"/>
+          </p:nvPr>
+        </p:nvSpPr>
+        <p:spPr/>
+        <p:txBody>
+          <a:bodyPr/>
+          <a:lstStyle/>
+          <a:p>
+            <a:fld id="{C6B9B3CE-BC21-41F4-8896-5AF0EBA9693C}" type="slidenum">
+              <a:rPr lang="uk-UA" smtClean="0"/>
+              <a:t>6</a:t>
+            </a:fld>
+            <a:endParaRPr lang="uk-UA"/>
+          </a:p>
+        </p:txBody>
+      </p:sp>
+    </p:spTree>
+    <p:extLst>
+      <p:ext uri="{BB962C8B-B14F-4D97-AF65-F5344CB8AC3E}">
+        <p14:creationId xmlns:p14="http://schemas.microsoft.com/office/powerpoint/2010/main" val="3866887540"/>
+      </p:ext>
+    </p:extLst>
+  </p:cSld>
+  <p:clrMapOvr>
+    <a:masterClrMapping/>
+  </p:clrMapOvr>
+</p:notes>
+</file>
+
+<file path=ppt/notesSlides/notesSlide20.xml><?xml version="1.0" encoding="utf-8"?>
+<p:notes xmlns:a="http://schemas.openxmlformats.org/drawingml/2006/main" xmlns:r="http://schemas.openxmlformats.org/officeDocument/2006/relationships" xmlns:p="http://schemas.openxmlformats.org/presentationml/2006/main">
+  <p:cSld>
+    <p:spTree>
+      <p:nvGrpSpPr>
+        <p:cNvPr id="1" name=""/>
+        <p:cNvGrpSpPr/>
+        <p:nvPr/>
+      </p:nvGrpSpPr>
+      <p:grpSpPr>
+        <a:xfrm>
+          <a:off x="0" y="0"/>
+          <a:ext cx="0" cy="0"/>
+          <a:chOff x="0" y="0"/>
+          <a:chExt cx="0" cy="0"/>
+        </a:xfrm>
+      </p:grpSpPr>
+      <p:sp>
+        <p:nvSpPr>
+          <p:cNvPr id="2" name="Образ слайда 1"/>
+          <p:cNvSpPr>
+            <a:spLocks noGrp="1" noRot="1" noChangeAspect="1"/>
+          </p:cNvSpPr>
+          <p:nvPr>
+            <p:ph type="sldImg"/>
+          </p:nvPr>
+        </p:nvSpPr>
+        <p:spPr/>
+      </p:sp>
+      <p:sp>
+        <p:nvSpPr>
+          <p:cNvPr id="3" name="Заметки 2"/>
+          <p:cNvSpPr>
+            <a:spLocks noGrp="1"/>
+          </p:cNvSpPr>
+          <p:nvPr>
+            <p:ph type="body" idx="1"/>
+          </p:nvPr>
+        </p:nvSpPr>
+        <p:spPr/>
+        <p:txBody>
+          <a:bodyPr/>
+          <a:lstStyle/>
+          <a:p>
+            <a:endParaRPr lang="uk-UA" dirty="0"/>
+          </a:p>
+        </p:txBody>
+      </p:sp>
+      <p:sp>
+        <p:nvSpPr>
+          <p:cNvPr id="4" name="Номер слайда 3"/>
+          <p:cNvSpPr>
+            <a:spLocks noGrp="1"/>
+          </p:cNvSpPr>
+          <p:nvPr>
+            <p:ph type="sldNum" sz="quarter" idx="5"/>
+          </p:nvPr>
+        </p:nvSpPr>
+        <p:spPr/>
+        <p:txBody>
+          <a:bodyPr/>
+          <a:lstStyle/>
+          <a:p>
+            <a:fld id="{C6B9B3CE-BC21-41F4-8896-5AF0EBA9693C}" type="slidenum">
+              <a:rPr lang="uk-UA" smtClean="0"/>
+              <a:t>30</a:t>
+            </a:fld>
+            <a:endParaRPr lang="uk-UA"/>
+          </a:p>
+        </p:txBody>
+      </p:sp>
+    </p:spTree>
+    <p:extLst>
+      <p:ext uri="{BB962C8B-B14F-4D97-AF65-F5344CB8AC3E}">
+        <p14:creationId xmlns:p14="http://schemas.microsoft.com/office/powerpoint/2010/main" val="2148290258"/>
+      </p:ext>
+    </p:extLst>
+  </p:cSld>
+  <p:clrMapOvr>
+    <a:masterClrMapping/>
+  </p:clrMapOvr>
+</p:notes>
+</file>
+
+<file path=ppt/notesSlides/notesSlide21.xml><?xml version="1.0" encoding="utf-8"?>
+<p:notes xmlns:a="http://schemas.openxmlformats.org/drawingml/2006/main" xmlns:r="http://schemas.openxmlformats.org/officeDocument/2006/relationships" xmlns:p="http://schemas.openxmlformats.org/presentationml/2006/main">
+  <p:cSld>
+    <p:spTree>
+      <p:nvGrpSpPr>
+        <p:cNvPr id="1" name=""/>
+        <p:cNvGrpSpPr/>
+        <p:nvPr/>
+      </p:nvGrpSpPr>
+      <p:grpSpPr>
+        <a:xfrm>
+          <a:off x="0" y="0"/>
+          <a:ext cx="0" cy="0"/>
+          <a:chOff x="0" y="0"/>
+          <a:chExt cx="0" cy="0"/>
+        </a:xfrm>
+      </p:grpSpPr>
+      <p:sp>
+        <p:nvSpPr>
+          <p:cNvPr id="2" name="Образ слайда 1"/>
+          <p:cNvSpPr>
+            <a:spLocks noGrp="1" noRot="1" noChangeAspect="1"/>
+          </p:cNvSpPr>
+          <p:nvPr>
+            <p:ph type="sldImg"/>
+          </p:nvPr>
+        </p:nvSpPr>
+        <p:spPr/>
+      </p:sp>
+      <p:sp>
+        <p:nvSpPr>
+          <p:cNvPr id="3" name="Заметки 2"/>
+          <p:cNvSpPr>
+            <a:spLocks noGrp="1"/>
+          </p:cNvSpPr>
+          <p:nvPr>
+            <p:ph type="body" idx="1"/>
+          </p:nvPr>
+        </p:nvSpPr>
+        <p:spPr/>
+        <p:txBody>
+          <a:bodyPr/>
+          <a:lstStyle/>
+          <a:p>
             <a:r>
               <a:rPr lang="en-US" sz="1200" b="0" i="0" kern="1200" dirty="0">
                 <a:solidFill>
@@ -783,8 +2206,132 @@
                 <a:ea typeface="+mn-ea"/>
                 <a:cs typeface="+mn-cs"/>
               </a:rPr>
-              <a:t>A for statement consumes the initialization, condition and increment/decrement in one line thereby providing a shorter, easy to debug structure of looping.</a:t>
-            </a:r>
+              <a:t>For </a:t>
+            </a:r>
+            <a:r>
+              <a:rPr lang="en-US" sz="1200" b="0" i="0" kern="1200" dirty="0" err="1">
+                <a:solidFill>
+                  <a:schemeClr val="tx1"/>
+                </a:solidFill>
+                <a:effectLst/>
+                <a:latin typeface="+mn-lt"/>
+                <a:ea typeface="+mn-ea"/>
+                <a:cs typeface="+mn-cs"/>
+              </a:rPr>
+              <a:t>try..catch</a:t>
+            </a:r>
+            <a:r>
+              <a:rPr lang="en-US" sz="1200" b="0" i="0" kern="1200" dirty="0">
+                <a:solidFill>
+                  <a:schemeClr val="tx1"/>
+                </a:solidFill>
+                <a:effectLst/>
+                <a:latin typeface="+mn-lt"/>
+                <a:ea typeface="+mn-ea"/>
+                <a:cs typeface="+mn-cs"/>
+              </a:rPr>
+              <a:t> to work, the code must be runnable. In other words, it should be valid JavaScript. It won’t work if the code is syntactically wrong.</a:t>
+            </a:r>
+          </a:p>
+          <a:p>
+            <a:r>
+              <a:rPr lang="en-US" sz="1200" b="0" i="0" kern="1200" dirty="0">
+                <a:solidFill>
+                  <a:schemeClr val="tx1"/>
+                </a:solidFill>
+                <a:effectLst/>
+                <a:latin typeface="+mn-lt"/>
+                <a:ea typeface="+mn-ea"/>
+                <a:cs typeface="+mn-cs"/>
+              </a:rPr>
+              <a:t>The JavaScript engine first reads the code, and then runs it. The errors that occur on the reading phase are called “parse-time” errors and are unrecoverable (from inside that code). That’s because the engine can’t understand the code.</a:t>
+            </a:r>
+          </a:p>
+          <a:p>
+            <a:endParaRPr lang="en-US" sz="1200" b="0" i="0" kern="1200" dirty="0">
+              <a:solidFill>
+                <a:schemeClr val="tx1"/>
+              </a:solidFill>
+              <a:effectLst/>
+              <a:latin typeface="+mn-lt"/>
+              <a:ea typeface="+mn-ea"/>
+              <a:cs typeface="+mn-cs"/>
+            </a:endParaRPr>
+          </a:p>
+          <a:p>
+            <a:r>
+              <a:rPr lang="en-US" sz="1200" b="0" i="0" kern="1200" dirty="0">
+                <a:solidFill>
+                  <a:schemeClr val="tx1"/>
+                </a:solidFill>
+                <a:effectLst/>
+                <a:latin typeface="+mn-lt"/>
+                <a:ea typeface="+mn-ea"/>
+                <a:cs typeface="+mn-cs"/>
+              </a:rPr>
+              <a:t>If an exception happens in “scheduled” code, like in </a:t>
+            </a:r>
+            <a:r>
+              <a:rPr lang="en-US" dirty="0" err="1"/>
+              <a:t>setTimeout</a:t>
+            </a:r>
+            <a:r>
+              <a:rPr lang="en-US" sz="1200" b="0" i="0" kern="1200" dirty="0">
+                <a:solidFill>
+                  <a:schemeClr val="tx1"/>
+                </a:solidFill>
+                <a:effectLst/>
+                <a:latin typeface="+mn-lt"/>
+                <a:ea typeface="+mn-ea"/>
+                <a:cs typeface="+mn-cs"/>
+              </a:rPr>
+              <a:t>, then </a:t>
+            </a:r>
+            <a:r>
+              <a:rPr lang="en-US" dirty="0" err="1"/>
+              <a:t>try..catch</a:t>
+            </a:r>
+            <a:r>
+              <a:rPr lang="en-US" sz="1200" b="0" i="0" kern="1200" dirty="0">
+                <a:solidFill>
+                  <a:schemeClr val="tx1"/>
+                </a:solidFill>
+                <a:effectLst/>
+                <a:latin typeface="+mn-lt"/>
+                <a:ea typeface="+mn-ea"/>
+                <a:cs typeface="+mn-cs"/>
+              </a:rPr>
+              <a:t> won’t catch it: That’s because the function itself is executed later, when the engine has already left the </a:t>
+            </a:r>
+            <a:r>
+              <a:rPr lang="en-US" dirty="0" err="1"/>
+              <a:t>try..catch</a:t>
+            </a:r>
+            <a:r>
+              <a:rPr lang="en-US" sz="1200" b="0" i="0" kern="1200" dirty="0">
+                <a:solidFill>
+                  <a:schemeClr val="tx1"/>
+                </a:solidFill>
+                <a:effectLst/>
+                <a:latin typeface="+mn-lt"/>
+                <a:ea typeface="+mn-ea"/>
+                <a:cs typeface="+mn-cs"/>
+              </a:rPr>
+              <a:t> construct.</a:t>
+            </a:r>
+          </a:p>
+          <a:p>
+            <a:endParaRPr lang="en-US" sz="1200" b="0" i="0" kern="1200" dirty="0">
+              <a:solidFill>
+                <a:schemeClr val="tx1"/>
+              </a:solidFill>
+              <a:effectLst/>
+              <a:latin typeface="+mn-lt"/>
+              <a:ea typeface="+mn-ea"/>
+              <a:cs typeface="+mn-cs"/>
+            </a:endParaRPr>
+          </a:p>
+          <a:p>
             <a:endParaRPr lang="uk-UA" dirty="0"/>
           </a:p>
         </p:txBody>
@@ -806,7 +2353,7 @@
           <a:p>
             <a:fld id="{C6B9B3CE-BC21-41F4-8896-5AF0EBA9693C}" type="slidenum">
               <a:rPr lang="uk-UA" smtClean="0"/>
-              <a:t>7</a:t>
+              <a:t>31</a:t>
             </a:fld>
             <a:endParaRPr lang="uk-UA"/>
           </a:p>
@@ -815,7 +2362,1249 @@
     </p:spTree>
     <p:extLst>
       <p:ext uri="{BB962C8B-B14F-4D97-AF65-F5344CB8AC3E}">
-        <p14:creationId xmlns:p14="http://schemas.microsoft.com/office/powerpoint/2010/main" val="2410074668"/>
+        <p14:creationId xmlns:p14="http://schemas.microsoft.com/office/powerpoint/2010/main" val="3337258909"/>
+      </p:ext>
+    </p:extLst>
+  </p:cSld>
+  <p:clrMapOvr>
+    <a:masterClrMapping/>
+  </p:clrMapOvr>
+</p:notes>
+</file>
+
+<file path=ppt/notesSlides/notesSlide22.xml><?xml version="1.0" encoding="utf-8"?>
+<p:notes xmlns:a="http://schemas.openxmlformats.org/drawingml/2006/main" xmlns:r="http://schemas.openxmlformats.org/officeDocument/2006/relationships" xmlns:p="http://schemas.openxmlformats.org/presentationml/2006/main">
+  <p:cSld>
+    <p:spTree>
+      <p:nvGrpSpPr>
+        <p:cNvPr id="1" name=""/>
+        <p:cNvGrpSpPr/>
+        <p:nvPr/>
+      </p:nvGrpSpPr>
+      <p:grpSpPr>
+        <a:xfrm>
+          <a:off x="0" y="0"/>
+          <a:ext cx="0" cy="0"/>
+          <a:chOff x="0" y="0"/>
+          <a:chExt cx="0" cy="0"/>
+        </a:xfrm>
+      </p:grpSpPr>
+      <p:sp>
+        <p:nvSpPr>
+          <p:cNvPr id="2" name="Образ слайда 1"/>
+          <p:cNvSpPr>
+            <a:spLocks noGrp="1" noRot="1" noChangeAspect="1"/>
+          </p:cNvSpPr>
+          <p:nvPr>
+            <p:ph type="sldImg"/>
+          </p:nvPr>
+        </p:nvSpPr>
+        <p:spPr/>
+      </p:sp>
+      <p:sp>
+        <p:nvSpPr>
+          <p:cNvPr id="3" name="Заметки 2"/>
+          <p:cNvSpPr>
+            <a:spLocks noGrp="1"/>
+          </p:cNvSpPr>
+          <p:nvPr>
+            <p:ph type="body" idx="1"/>
+          </p:nvPr>
+        </p:nvSpPr>
+        <p:spPr/>
+        <p:txBody>
+          <a:bodyPr/>
+          <a:lstStyle/>
+          <a:p>
+            <a:r>
+              <a:rPr lang="en-US" sz="1200" b="0" i="0" kern="1200" dirty="0">
+                <a:solidFill>
+                  <a:schemeClr val="tx1"/>
+                </a:solidFill>
+                <a:effectLst/>
+                <a:latin typeface="+mn-lt"/>
+                <a:ea typeface="+mn-ea"/>
+                <a:cs typeface="+mn-cs"/>
+              </a:rPr>
+              <a:t>To catch an exception inside a scheduled function, </a:t>
+            </a:r>
+            <a:r>
+              <a:rPr lang="en-US" dirty="0" err="1"/>
+              <a:t>try..catch</a:t>
+            </a:r>
+            <a:r>
+              <a:rPr lang="en-US" sz="1200" b="0" i="0" kern="1200" dirty="0">
+                <a:solidFill>
+                  <a:schemeClr val="tx1"/>
+                </a:solidFill>
+                <a:effectLst/>
+                <a:latin typeface="+mn-lt"/>
+                <a:ea typeface="+mn-ea"/>
+                <a:cs typeface="+mn-cs"/>
+              </a:rPr>
+              <a:t> must be inside that function</a:t>
+            </a:r>
+            <a:endParaRPr lang="uk-UA" dirty="0"/>
+          </a:p>
+        </p:txBody>
+      </p:sp>
+      <p:sp>
+        <p:nvSpPr>
+          <p:cNvPr id="4" name="Номер слайда 3"/>
+          <p:cNvSpPr>
+            <a:spLocks noGrp="1"/>
+          </p:cNvSpPr>
+          <p:nvPr>
+            <p:ph type="sldNum" sz="quarter" idx="5"/>
+          </p:nvPr>
+        </p:nvSpPr>
+        <p:spPr/>
+        <p:txBody>
+          <a:bodyPr/>
+          <a:lstStyle/>
+          <a:p>
+            <a:fld id="{C6B9B3CE-BC21-41F4-8896-5AF0EBA9693C}" type="slidenum">
+              <a:rPr lang="uk-UA" smtClean="0"/>
+              <a:t>32</a:t>
+            </a:fld>
+            <a:endParaRPr lang="uk-UA"/>
+          </a:p>
+        </p:txBody>
+      </p:sp>
+    </p:spTree>
+    <p:extLst>
+      <p:ext uri="{BB962C8B-B14F-4D97-AF65-F5344CB8AC3E}">
+        <p14:creationId xmlns:p14="http://schemas.microsoft.com/office/powerpoint/2010/main" val="993215406"/>
+      </p:ext>
+    </p:extLst>
+  </p:cSld>
+  <p:clrMapOvr>
+    <a:masterClrMapping/>
+  </p:clrMapOvr>
+</p:notes>
+</file>
+
+<file path=ppt/notesSlides/notesSlide23.xml><?xml version="1.0" encoding="utf-8"?>
+<p:notes xmlns:a="http://schemas.openxmlformats.org/drawingml/2006/main" xmlns:r="http://schemas.openxmlformats.org/officeDocument/2006/relationships" xmlns:p="http://schemas.openxmlformats.org/presentationml/2006/main">
+  <p:cSld>
+    <p:spTree>
+      <p:nvGrpSpPr>
+        <p:cNvPr id="1" name=""/>
+        <p:cNvGrpSpPr/>
+        <p:nvPr/>
+      </p:nvGrpSpPr>
+      <p:grpSpPr>
+        <a:xfrm>
+          <a:off x="0" y="0"/>
+          <a:ext cx="0" cy="0"/>
+          <a:chOff x="0" y="0"/>
+          <a:chExt cx="0" cy="0"/>
+        </a:xfrm>
+      </p:grpSpPr>
+      <p:sp>
+        <p:nvSpPr>
+          <p:cNvPr id="2" name="Образ слайда 1"/>
+          <p:cNvSpPr>
+            <a:spLocks noGrp="1" noRot="1" noChangeAspect="1"/>
+          </p:cNvSpPr>
+          <p:nvPr>
+            <p:ph type="sldImg"/>
+          </p:nvPr>
+        </p:nvSpPr>
+        <p:spPr/>
+      </p:sp>
+      <p:sp>
+        <p:nvSpPr>
+          <p:cNvPr id="3" name="Заметки 2"/>
+          <p:cNvSpPr>
+            <a:spLocks noGrp="1"/>
+          </p:cNvSpPr>
+          <p:nvPr>
+            <p:ph type="body" idx="1"/>
+          </p:nvPr>
+        </p:nvSpPr>
+        <p:spPr/>
+        <p:txBody>
+          <a:bodyPr/>
+          <a:lstStyle/>
+          <a:p>
+            <a:endParaRPr lang="uk-UA" dirty="0"/>
+          </a:p>
+        </p:txBody>
+      </p:sp>
+      <p:sp>
+        <p:nvSpPr>
+          <p:cNvPr id="4" name="Номер слайда 3"/>
+          <p:cNvSpPr>
+            <a:spLocks noGrp="1"/>
+          </p:cNvSpPr>
+          <p:nvPr>
+            <p:ph type="sldNum" sz="quarter" idx="5"/>
+          </p:nvPr>
+        </p:nvSpPr>
+        <p:spPr/>
+        <p:txBody>
+          <a:bodyPr/>
+          <a:lstStyle/>
+          <a:p>
+            <a:fld id="{C6B9B3CE-BC21-41F4-8896-5AF0EBA9693C}" type="slidenum">
+              <a:rPr lang="uk-UA" smtClean="0"/>
+              <a:t>34</a:t>
+            </a:fld>
+            <a:endParaRPr lang="uk-UA"/>
+          </a:p>
+        </p:txBody>
+      </p:sp>
+    </p:spTree>
+    <p:extLst>
+      <p:ext uri="{BB962C8B-B14F-4D97-AF65-F5344CB8AC3E}">
+        <p14:creationId xmlns:p14="http://schemas.microsoft.com/office/powerpoint/2010/main" val="1000588193"/>
+      </p:ext>
+    </p:extLst>
+  </p:cSld>
+  <p:clrMapOvr>
+    <a:masterClrMapping/>
+  </p:clrMapOvr>
+</p:notes>
+</file>
+
+<file path=ppt/notesSlides/notesSlide24.xml><?xml version="1.0" encoding="utf-8"?>
+<p:notes xmlns:a="http://schemas.openxmlformats.org/drawingml/2006/main" xmlns:r="http://schemas.openxmlformats.org/officeDocument/2006/relationships" xmlns:p="http://schemas.openxmlformats.org/presentationml/2006/main">
+  <p:cSld>
+    <p:spTree>
+      <p:nvGrpSpPr>
+        <p:cNvPr id="1" name=""/>
+        <p:cNvGrpSpPr/>
+        <p:nvPr/>
+      </p:nvGrpSpPr>
+      <p:grpSpPr>
+        <a:xfrm>
+          <a:off x="0" y="0"/>
+          <a:ext cx="0" cy="0"/>
+          <a:chOff x="0" y="0"/>
+          <a:chExt cx="0" cy="0"/>
+        </a:xfrm>
+      </p:grpSpPr>
+      <p:sp>
+        <p:nvSpPr>
+          <p:cNvPr id="2" name="Образ слайда 1"/>
+          <p:cNvSpPr>
+            <a:spLocks noGrp="1" noRot="1" noChangeAspect="1"/>
+          </p:cNvSpPr>
+          <p:nvPr>
+            <p:ph type="sldImg"/>
+          </p:nvPr>
+        </p:nvSpPr>
+        <p:spPr/>
+      </p:sp>
+      <p:sp>
+        <p:nvSpPr>
+          <p:cNvPr id="3" name="Заметки 2"/>
+          <p:cNvSpPr>
+            <a:spLocks noGrp="1"/>
+          </p:cNvSpPr>
+          <p:nvPr>
+            <p:ph type="body" idx="1"/>
+          </p:nvPr>
+        </p:nvSpPr>
+        <p:spPr/>
+        <p:txBody>
+          <a:bodyPr/>
+          <a:lstStyle/>
+          <a:p>
+            <a:r>
+              <a:rPr lang="en-US" sz="1200" b="0" i="0" kern="1200" dirty="0">
+                <a:solidFill>
+                  <a:schemeClr val="tx1"/>
+                </a:solidFill>
+                <a:effectLst/>
+                <a:latin typeface="+mn-lt"/>
+                <a:ea typeface="+mn-ea"/>
+                <a:cs typeface="+mn-cs"/>
+              </a:rPr>
+              <a:t>An </a:t>
+            </a:r>
+            <a:r>
+              <a:rPr lang="en-US" dirty="0" err="1"/>
+              <a:t>EvalError</a:t>
+            </a:r>
+            <a:r>
+              <a:rPr lang="en-US" sz="1200" b="0" i="0" kern="1200" dirty="0">
+                <a:solidFill>
+                  <a:schemeClr val="tx1"/>
+                </a:solidFill>
+                <a:effectLst/>
+                <a:latin typeface="+mn-lt"/>
+                <a:ea typeface="+mn-ea"/>
+                <a:cs typeface="+mn-cs"/>
+              </a:rPr>
+              <a:t> indicates an error in the eval() function. Newer versions of JavaScript do not throw </a:t>
+            </a:r>
+            <a:r>
+              <a:rPr lang="en-US" sz="1200" b="0" i="0" kern="1200" dirty="0" err="1">
+                <a:solidFill>
+                  <a:schemeClr val="tx1"/>
+                </a:solidFill>
+                <a:effectLst/>
+                <a:latin typeface="+mn-lt"/>
+                <a:ea typeface="+mn-ea"/>
+                <a:cs typeface="+mn-cs"/>
+              </a:rPr>
+              <a:t>EvalError</a:t>
+            </a:r>
+            <a:r>
+              <a:rPr lang="en-US" sz="1200" b="0" i="0" kern="1200" dirty="0">
+                <a:solidFill>
+                  <a:schemeClr val="tx1"/>
+                </a:solidFill>
+                <a:effectLst/>
+                <a:latin typeface="+mn-lt"/>
+                <a:ea typeface="+mn-ea"/>
+                <a:cs typeface="+mn-cs"/>
+              </a:rPr>
+              <a:t>. Use </a:t>
+            </a:r>
+            <a:r>
+              <a:rPr lang="en-US" sz="1200" b="0" i="0" kern="1200" dirty="0" err="1">
+                <a:solidFill>
+                  <a:schemeClr val="tx1"/>
+                </a:solidFill>
+                <a:effectLst/>
+                <a:latin typeface="+mn-lt"/>
+                <a:ea typeface="+mn-ea"/>
+                <a:cs typeface="+mn-cs"/>
+              </a:rPr>
+              <a:t>SyntaxError</a:t>
+            </a:r>
+            <a:r>
+              <a:rPr lang="en-US" sz="1200" b="0" i="0" kern="1200" dirty="0">
+                <a:solidFill>
+                  <a:schemeClr val="tx1"/>
+                </a:solidFill>
+                <a:effectLst/>
+                <a:latin typeface="+mn-lt"/>
+                <a:ea typeface="+mn-ea"/>
+                <a:cs typeface="+mn-cs"/>
+              </a:rPr>
+              <a:t> instead.</a:t>
+            </a:r>
+          </a:p>
+          <a:p>
+            <a:endParaRPr lang="en-US" sz="1200" b="0" i="0" kern="1200" dirty="0">
+              <a:solidFill>
+                <a:schemeClr val="tx1"/>
+              </a:solidFill>
+              <a:effectLst/>
+              <a:latin typeface="+mn-lt"/>
+              <a:ea typeface="+mn-ea"/>
+              <a:cs typeface="+mn-cs"/>
+            </a:endParaRPr>
+          </a:p>
+          <a:p>
+            <a:r>
+              <a:rPr lang="en-US" sz="1200" b="0" i="0" kern="1200" dirty="0">
+                <a:solidFill>
+                  <a:schemeClr val="tx1"/>
+                </a:solidFill>
+                <a:effectLst/>
+                <a:latin typeface="+mn-lt"/>
+                <a:ea typeface="+mn-ea"/>
+                <a:cs typeface="+mn-cs"/>
+              </a:rPr>
+              <a:t>A </a:t>
+            </a:r>
+            <a:r>
+              <a:rPr lang="en-US" sz="1200" b="0" i="0" kern="1200" dirty="0" err="1">
+                <a:solidFill>
+                  <a:schemeClr val="tx1"/>
+                </a:solidFill>
+                <a:effectLst/>
+                <a:latin typeface="+mn-lt"/>
+                <a:ea typeface="+mn-ea"/>
+                <a:cs typeface="+mn-cs"/>
+              </a:rPr>
+              <a:t>RangeError</a:t>
+            </a:r>
+            <a:r>
+              <a:rPr lang="en-US" sz="1200" b="0" i="0" kern="1200" dirty="0">
+                <a:solidFill>
+                  <a:schemeClr val="tx1"/>
+                </a:solidFill>
+                <a:effectLst/>
+                <a:latin typeface="+mn-lt"/>
+                <a:ea typeface="+mn-ea"/>
+                <a:cs typeface="+mn-cs"/>
+              </a:rPr>
+              <a:t> is thrown if you use a number that is outside the range of legal values. For example: You cannot set the number of significant digits of a number to 500.</a:t>
+            </a:r>
+          </a:p>
+          <a:p>
+            <a:endParaRPr lang="en-US" sz="1200" b="0" i="0" kern="1200" dirty="0">
+              <a:solidFill>
+                <a:schemeClr val="tx1"/>
+              </a:solidFill>
+              <a:effectLst/>
+              <a:latin typeface="+mn-lt"/>
+              <a:ea typeface="+mn-ea"/>
+              <a:cs typeface="+mn-cs"/>
+            </a:endParaRPr>
+          </a:p>
+          <a:p>
+            <a:r>
+              <a:rPr lang="en-US" sz="1200" b="0" i="0" kern="1200" dirty="0">
+                <a:solidFill>
+                  <a:schemeClr val="tx1"/>
+                </a:solidFill>
+                <a:effectLst/>
+                <a:latin typeface="+mn-lt"/>
+                <a:ea typeface="+mn-ea"/>
+                <a:cs typeface="+mn-cs"/>
+              </a:rPr>
+              <a:t>A </a:t>
+            </a:r>
+            <a:r>
+              <a:rPr lang="en-US" dirty="0" err="1"/>
+              <a:t>ReferenceError</a:t>
+            </a:r>
+            <a:r>
+              <a:rPr lang="en-US" sz="1200" b="0" i="0" kern="1200" dirty="0">
+                <a:solidFill>
+                  <a:schemeClr val="tx1"/>
+                </a:solidFill>
+                <a:effectLst/>
+                <a:latin typeface="+mn-lt"/>
+                <a:ea typeface="+mn-ea"/>
+                <a:cs typeface="+mn-cs"/>
+              </a:rPr>
+              <a:t> is thrown if you use (reference) a variable that has not been declared.</a:t>
+            </a:r>
+          </a:p>
+          <a:p>
+            <a:endParaRPr lang="en-US" sz="1200" b="0" i="0" kern="1200" dirty="0">
+              <a:solidFill>
+                <a:schemeClr val="tx1"/>
+              </a:solidFill>
+              <a:effectLst/>
+              <a:latin typeface="+mn-lt"/>
+              <a:ea typeface="+mn-ea"/>
+              <a:cs typeface="+mn-cs"/>
+            </a:endParaRPr>
+          </a:p>
+          <a:p>
+            <a:r>
+              <a:rPr lang="en-US" sz="1200" b="0" i="0" kern="1200" dirty="0">
+                <a:solidFill>
+                  <a:schemeClr val="tx1"/>
+                </a:solidFill>
+                <a:effectLst/>
+                <a:latin typeface="+mn-lt"/>
+                <a:ea typeface="+mn-ea"/>
+                <a:cs typeface="+mn-cs"/>
+              </a:rPr>
+              <a:t>A </a:t>
+            </a:r>
+            <a:r>
+              <a:rPr lang="en-US" dirty="0" err="1"/>
+              <a:t>SyntaxError</a:t>
+            </a:r>
+            <a:r>
+              <a:rPr lang="en-US" sz="1200" b="0" i="0" kern="1200" dirty="0">
+                <a:solidFill>
+                  <a:schemeClr val="tx1"/>
+                </a:solidFill>
+                <a:effectLst/>
+                <a:latin typeface="+mn-lt"/>
+                <a:ea typeface="+mn-ea"/>
+                <a:cs typeface="+mn-cs"/>
+              </a:rPr>
+              <a:t> is thrown if you try to evaluate code with a syntax error.</a:t>
+            </a:r>
+          </a:p>
+          <a:p>
+            <a:endParaRPr lang="en-US" sz="1200" b="0" i="0" kern="1200" dirty="0">
+              <a:solidFill>
+                <a:schemeClr val="tx1"/>
+              </a:solidFill>
+              <a:effectLst/>
+              <a:latin typeface="+mn-lt"/>
+              <a:ea typeface="+mn-ea"/>
+              <a:cs typeface="+mn-cs"/>
+            </a:endParaRPr>
+          </a:p>
+          <a:p>
+            <a:r>
+              <a:rPr lang="en-US" sz="1200" b="0" i="0" kern="1200" dirty="0">
+                <a:solidFill>
+                  <a:schemeClr val="tx1"/>
+                </a:solidFill>
+                <a:effectLst/>
+                <a:latin typeface="+mn-lt"/>
+                <a:ea typeface="+mn-ea"/>
+                <a:cs typeface="+mn-cs"/>
+              </a:rPr>
+              <a:t>A </a:t>
+            </a:r>
+            <a:r>
+              <a:rPr lang="en-US" dirty="0" err="1"/>
+              <a:t>TypeError</a:t>
+            </a:r>
+            <a:r>
+              <a:rPr lang="en-US" sz="1200" b="0" i="0" kern="1200" dirty="0">
+                <a:solidFill>
+                  <a:schemeClr val="tx1"/>
+                </a:solidFill>
+                <a:effectLst/>
+                <a:latin typeface="+mn-lt"/>
+                <a:ea typeface="+mn-ea"/>
+                <a:cs typeface="+mn-cs"/>
+              </a:rPr>
+              <a:t> is thrown if you use a value that is outside the range of expected types.</a:t>
+            </a:r>
+          </a:p>
+          <a:p>
+            <a:endParaRPr lang="en-US" sz="1200" b="0" i="0" kern="1200" dirty="0">
+              <a:solidFill>
+                <a:schemeClr val="tx1"/>
+              </a:solidFill>
+              <a:effectLst/>
+              <a:latin typeface="+mn-lt"/>
+              <a:ea typeface="+mn-ea"/>
+              <a:cs typeface="+mn-cs"/>
+            </a:endParaRPr>
+          </a:p>
+          <a:p>
+            <a:r>
+              <a:rPr lang="en-US" sz="1200" b="0" i="0" kern="1200" dirty="0">
+                <a:solidFill>
+                  <a:schemeClr val="tx1"/>
+                </a:solidFill>
+                <a:effectLst/>
+                <a:latin typeface="+mn-lt"/>
+                <a:ea typeface="+mn-ea"/>
+                <a:cs typeface="+mn-cs"/>
+              </a:rPr>
+              <a:t>A </a:t>
+            </a:r>
+            <a:r>
+              <a:rPr lang="en-US" dirty="0" err="1"/>
+              <a:t>URIError</a:t>
+            </a:r>
+            <a:r>
+              <a:rPr lang="en-US" sz="1200" b="0" i="0" kern="1200" dirty="0">
+                <a:solidFill>
+                  <a:schemeClr val="tx1"/>
+                </a:solidFill>
+                <a:effectLst/>
+                <a:latin typeface="+mn-lt"/>
+                <a:ea typeface="+mn-ea"/>
+                <a:cs typeface="+mn-cs"/>
+              </a:rPr>
+              <a:t> is thrown if you use illegal characters in a URI function.</a:t>
+            </a:r>
+          </a:p>
+          <a:p>
+            <a:endParaRPr lang="uk-UA" dirty="0"/>
+          </a:p>
+        </p:txBody>
+      </p:sp>
+      <p:sp>
+        <p:nvSpPr>
+          <p:cNvPr id="4" name="Номер слайда 3"/>
+          <p:cNvSpPr>
+            <a:spLocks noGrp="1"/>
+          </p:cNvSpPr>
+          <p:nvPr>
+            <p:ph type="sldNum" sz="quarter" idx="5"/>
+          </p:nvPr>
+        </p:nvSpPr>
+        <p:spPr/>
+        <p:txBody>
+          <a:bodyPr/>
+          <a:lstStyle/>
+          <a:p>
+            <a:fld id="{C6B9B3CE-BC21-41F4-8896-5AF0EBA9693C}" type="slidenum">
+              <a:rPr lang="uk-UA" smtClean="0"/>
+              <a:t>35</a:t>
+            </a:fld>
+            <a:endParaRPr lang="uk-UA"/>
+          </a:p>
+        </p:txBody>
+      </p:sp>
+    </p:spTree>
+    <p:extLst>
+      <p:ext uri="{BB962C8B-B14F-4D97-AF65-F5344CB8AC3E}">
+        <p14:creationId xmlns:p14="http://schemas.microsoft.com/office/powerpoint/2010/main" val="2367394363"/>
+      </p:ext>
+    </p:extLst>
+  </p:cSld>
+  <p:clrMapOvr>
+    <a:masterClrMapping/>
+  </p:clrMapOvr>
+</p:notes>
+</file>
+
+<file path=ppt/notesSlides/notesSlide25.xml><?xml version="1.0" encoding="utf-8"?>
+<p:notes xmlns:a="http://schemas.openxmlformats.org/drawingml/2006/main" xmlns:r="http://schemas.openxmlformats.org/officeDocument/2006/relationships" xmlns:p="http://schemas.openxmlformats.org/presentationml/2006/main">
+  <p:cSld>
+    <p:spTree>
+      <p:nvGrpSpPr>
+        <p:cNvPr id="1" name=""/>
+        <p:cNvGrpSpPr/>
+        <p:nvPr/>
+      </p:nvGrpSpPr>
+      <p:grpSpPr>
+        <a:xfrm>
+          <a:off x="0" y="0"/>
+          <a:ext cx="0" cy="0"/>
+          <a:chOff x="0" y="0"/>
+          <a:chExt cx="0" cy="0"/>
+        </a:xfrm>
+      </p:grpSpPr>
+      <p:sp>
+        <p:nvSpPr>
+          <p:cNvPr id="2" name="Образ слайда 1"/>
+          <p:cNvSpPr>
+            <a:spLocks noGrp="1" noRot="1" noChangeAspect="1"/>
+          </p:cNvSpPr>
+          <p:nvPr>
+            <p:ph type="sldImg"/>
+          </p:nvPr>
+        </p:nvSpPr>
+        <p:spPr/>
+      </p:sp>
+      <p:sp>
+        <p:nvSpPr>
+          <p:cNvPr id="3" name="Заметки 2"/>
+          <p:cNvSpPr>
+            <a:spLocks noGrp="1"/>
+          </p:cNvSpPr>
+          <p:nvPr>
+            <p:ph type="body" idx="1"/>
+          </p:nvPr>
+        </p:nvSpPr>
+        <p:spPr/>
+        <p:txBody>
+          <a:bodyPr/>
+          <a:lstStyle/>
+          <a:p>
+            <a:r>
+              <a:rPr lang="en-US" sz="1200" b="0" i="0" kern="1200" dirty="0">
+                <a:solidFill>
+                  <a:schemeClr val="tx1"/>
+                </a:solidFill>
+                <a:effectLst/>
+                <a:latin typeface="+mn-lt"/>
+                <a:ea typeface="+mn-ea"/>
+                <a:cs typeface="+mn-cs"/>
+              </a:rPr>
+              <a:t>Technically, we can use anything as an error object. That may be even a primitive, like a number or a string, but it’s better to use objects, preferably with </a:t>
+            </a:r>
+            <a:r>
+              <a:rPr lang="en-US" dirty="0"/>
+              <a:t>name</a:t>
+            </a:r>
+            <a:r>
+              <a:rPr lang="en-US" sz="1200" b="0" i="0" kern="1200" dirty="0">
+                <a:solidFill>
+                  <a:schemeClr val="tx1"/>
+                </a:solidFill>
+                <a:effectLst/>
+                <a:latin typeface="+mn-lt"/>
+                <a:ea typeface="+mn-ea"/>
+                <a:cs typeface="+mn-cs"/>
+              </a:rPr>
+              <a:t> and </a:t>
+            </a:r>
+            <a:r>
+              <a:rPr lang="en-US" dirty="0"/>
+              <a:t>message</a:t>
+            </a:r>
+            <a:r>
+              <a:rPr lang="en-US" sz="1200" b="0" i="0" kern="1200" dirty="0">
+                <a:solidFill>
+                  <a:schemeClr val="tx1"/>
+                </a:solidFill>
+                <a:effectLst/>
+                <a:latin typeface="+mn-lt"/>
+                <a:ea typeface="+mn-ea"/>
+                <a:cs typeface="+mn-cs"/>
+              </a:rPr>
+              <a:t> properties (to stay somewhat compatible with built-in errors).</a:t>
+            </a:r>
+          </a:p>
+          <a:p>
+            <a:endParaRPr lang="en-US" sz="1200" b="0" i="0" kern="1200" dirty="0">
+              <a:solidFill>
+                <a:schemeClr val="tx1"/>
+              </a:solidFill>
+              <a:effectLst/>
+              <a:latin typeface="+mn-lt"/>
+              <a:ea typeface="+mn-ea"/>
+              <a:cs typeface="+mn-cs"/>
+            </a:endParaRPr>
+          </a:p>
+          <a:p>
+            <a:r>
+              <a:rPr lang="en-US" sz="1200" b="0" i="0" kern="1200" dirty="0">
+                <a:solidFill>
+                  <a:schemeClr val="tx1"/>
+                </a:solidFill>
+                <a:effectLst/>
+                <a:latin typeface="+mn-lt"/>
+                <a:ea typeface="+mn-ea"/>
+                <a:cs typeface="+mn-cs"/>
+              </a:rPr>
+              <a:t>JavaScript has many built-in constructors for standard errors, We can use them to create error objects as well.</a:t>
+            </a:r>
+            <a:endParaRPr lang="uk-UA" dirty="0"/>
+          </a:p>
+        </p:txBody>
+      </p:sp>
+      <p:sp>
+        <p:nvSpPr>
+          <p:cNvPr id="4" name="Номер слайда 3"/>
+          <p:cNvSpPr>
+            <a:spLocks noGrp="1"/>
+          </p:cNvSpPr>
+          <p:nvPr>
+            <p:ph type="sldNum" sz="quarter" idx="5"/>
+          </p:nvPr>
+        </p:nvSpPr>
+        <p:spPr/>
+        <p:txBody>
+          <a:bodyPr/>
+          <a:lstStyle/>
+          <a:p>
+            <a:fld id="{C6B9B3CE-BC21-41F4-8896-5AF0EBA9693C}" type="slidenum">
+              <a:rPr lang="uk-UA" smtClean="0"/>
+              <a:t>36</a:t>
+            </a:fld>
+            <a:endParaRPr lang="uk-UA"/>
+          </a:p>
+        </p:txBody>
+      </p:sp>
+    </p:spTree>
+    <p:extLst>
+      <p:ext uri="{BB962C8B-B14F-4D97-AF65-F5344CB8AC3E}">
+        <p14:creationId xmlns:p14="http://schemas.microsoft.com/office/powerpoint/2010/main" val="1238530652"/>
+      </p:ext>
+    </p:extLst>
+  </p:cSld>
+  <p:clrMapOvr>
+    <a:masterClrMapping/>
+  </p:clrMapOvr>
+</p:notes>
+</file>
+
+<file path=ppt/notesSlides/notesSlide26.xml><?xml version="1.0" encoding="utf-8"?>
+<p:notes xmlns:a="http://schemas.openxmlformats.org/drawingml/2006/main" xmlns:r="http://schemas.openxmlformats.org/officeDocument/2006/relationships" xmlns:p="http://schemas.openxmlformats.org/presentationml/2006/main">
+  <p:cSld>
+    <p:spTree>
+      <p:nvGrpSpPr>
+        <p:cNvPr id="1" name=""/>
+        <p:cNvGrpSpPr/>
+        <p:nvPr/>
+      </p:nvGrpSpPr>
+      <p:grpSpPr>
+        <a:xfrm>
+          <a:off x="0" y="0"/>
+          <a:ext cx="0" cy="0"/>
+          <a:chOff x="0" y="0"/>
+          <a:chExt cx="0" cy="0"/>
+        </a:xfrm>
+      </p:grpSpPr>
+      <p:sp>
+        <p:nvSpPr>
+          <p:cNvPr id="2" name="Образ слайда 1"/>
+          <p:cNvSpPr>
+            <a:spLocks noGrp="1" noRot="1" noChangeAspect="1"/>
+          </p:cNvSpPr>
+          <p:nvPr>
+            <p:ph type="sldImg"/>
+          </p:nvPr>
+        </p:nvSpPr>
+        <p:spPr/>
+      </p:sp>
+      <p:sp>
+        <p:nvSpPr>
+          <p:cNvPr id="3" name="Заметки 2"/>
+          <p:cNvSpPr>
+            <a:spLocks noGrp="1"/>
+          </p:cNvSpPr>
+          <p:nvPr>
+            <p:ph type="body" idx="1"/>
+          </p:nvPr>
+        </p:nvSpPr>
+        <p:spPr/>
+        <p:txBody>
+          <a:bodyPr/>
+          <a:lstStyle/>
+          <a:p>
+            <a:endParaRPr lang="uk-UA" dirty="0"/>
+          </a:p>
+        </p:txBody>
+      </p:sp>
+      <p:sp>
+        <p:nvSpPr>
+          <p:cNvPr id="4" name="Номер слайда 3"/>
+          <p:cNvSpPr>
+            <a:spLocks noGrp="1"/>
+          </p:cNvSpPr>
+          <p:nvPr>
+            <p:ph type="sldNum" sz="quarter" idx="5"/>
+          </p:nvPr>
+        </p:nvSpPr>
+        <p:spPr/>
+        <p:txBody>
+          <a:bodyPr/>
+          <a:lstStyle/>
+          <a:p>
+            <a:fld id="{C6B9B3CE-BC21-41F4-8896-5AF0EBA9693C}" type="slidenum">
+              <a:rPr lang="uk-UA" smtClean="0"/>
+              <a:t>37</a:t>
+            </a:fld>
+            <a:endParaRPr lang="uk-UA"/>
+          </a:p>
+        </p:txBody>
+      </p:sp>
+    </p:spTree>
+    <p:extLst>
+      <p:ext uri="{BB962C8B-B14F-4D97-AF65-F5344CB8AC3E}">
+        <p14:creationId xmlns:p14="http://schemas.microsoft.com/office/powerpoint/2010/main" val="161897643"/>
+      </p:ext>
+    </p:extLst>
+  </p:cSld>
+  <p:clrMapOvr>
+    <a:masterClrMapping/>
+  </p:clrMapOvr>
+</p:notes>
+</file>
+
+<file path=ppt/notesSlides/notesSlide27.xml><?xml version="1.0" encoding="utf-8"?>
+<p:notes xmlns:a="http://schemas.openxmlformats.org/drawingml/2006/main" xmlns:r="http://schemas.openxmlformats.org/officeDocument/2006/relationships" xmlns:p="http://schemas.openxmlformats.org/presentationml/2006/main">
+  <p:cSld>
+    <p:spTree>
+      <p:nvGrpSpPr>
+        <p:cNvPr id="1" name=""/>
+        <p:cNvGrpSpPr/>
+        <p:nvPr/>
+      </p:nvGrpSpPr>
+      <p:grpSpPr>
+        <a:xfrm>
+          <a:off x="0" y="0"/>
+          <a:ext cx="0" cy="0"/>
+          <a:chOff x="0" y="0"/>
+          <a:chExt cx="0" cy="0"/>
+        </a:xfrm>
+      </p:grpSpPr>
+      <p:sp>
+        <p:nvSpPr>
+          <p:cNvPr id="2" name="Образ слайда 1"/>
+          <p:cNvSpPr>
+            <a:spLocks noGrp="1" noRot="1" noChangeAspect="1"/>
+          </p:cNvSpPr>
+          <p:nvPr>
+            <p:ph type="sldImg"/>
+          </p:nvPr>
+        </p:nvSpPr>
+        <p:spPr/>
+      </p:sp>
+      <p:sp>
+        <p:nvSpPr>
+          <p:cNvPr id="3" name="Заметки 2"/>
+          <p:cNvSpPr>
+            <a:spLocks noGrp="1"/>
+          </p:cNvSpPr>
+          <p:nvPr>
+            <p:ph type="body" idx="1"/>
+          </p:nvPr>
+        </p:nvSpPr>
+        <p:spPr/>
+        <p:txBody>
+          <a:bodyPr/>
+          <a:lstStyle/>
+          <a:p>
+            <a:r>
+              <a:rPr lang="en-US" sz="1200" dirty="0">
+                <a:latin typeface="Open Sans" panose="020B0604020202020204" charset="0"/>
+                <a:ea typeface="Open Sans" panose="020B0604020202020204" charset="0"/>
+                <a:cs typeface="Open Sans" panose="020B0604020202020204" charset="0"/>
+              </a:rPr>
+              <a:t>The </a:t>
+            </a:r>
+            <a:r>
+              <a:rPr lang="en-US" sz="1200" dirty="0" err="1">
+                <a:latin typeface="Open Sans" panose="020B0604020202020204" charset="0"/>
+                <a:ea typeface="Open Sans" panose="020B0604020202020204" charset="0"/>
+                <a:cs typeface="Open Sans" panose="020B0604020202020204" charset="0"/>
+              </a:rPr>
+              <a:t>try..finally</a:t>
+            </a:r>
+            <a:r>
+              <a:rPr lang="en-US" sz="1200" dirty="0">
+                <a:latin typeface="Open Sans" panose="020B0604020202020204" charset="0"/>
+                <a:ea typeface="Open Sans" panose="020B0604020202020204" charset="0"/>
+                <a:cs typeface="Open Sans" panose="020B0604020202020204" charset="0"/>
+              </a:rPr>
+              <a:t> construct, without catch clause, is also useful. We apply it when we don’t want to handle errors here (let them fall through), but want to be sure that processes that we started are finalized.</a:t>
+            </a:r>
+          </a:p>
+          <a:p>
+            <a:endParaRPr lang="en-US" sz="1200" dirty="0">
+              <a:latin typeface="Open Sans" panose="020B0604020202020204" charset="0"/>
+              <a:ea typeface="Open Sans" panose="020B0604020202020204" charset="0"/>
+              <a:cs typeface="Open Sans" panose="020B0604020202020204" charset="0"/>
+            </a:endParaRPr>
+          </a:p>
+          <a:p>
+            <a:r>
+              <a:rPr lang="en-US" sz="1200" b="0" i="0" kern="1200" dirty="0">
+                <a:solidFill>
+                  <a:schemeClr val="tx1"/>
+                </a:solidFill>
+                <a:effectLst/>
+                <a:latin typeface="+mn-lt"/>
+                <a:ea typeface="+mn-ea"/>
+                <a:cs typeface="+mn-cs"/>
+              </a:rPr>
+              <a:t>In the code above, an error inside </a:t>
+            </a:r>
+            <a:r>
+              <a:rPr lang="en-US" dirty="0"/>
+              <a:t>try</a:t>
+            </a:r>
+            <a:r>
+              <a:rPr lang="en-US" sz="1200" b="0" i="0" kern="1200" dirty="0">
+                <a:solidFill>
+                  <a:schemeClr val="tx1"/>
+                </a:solidFill>
+                <a:effectLst/>
+                <a:latin typeface="+mn-lt"/>
+                <a:ea typeface="+mn-ea"/>
+                <a:cs typeface="+mn-cs"/>
+              </a:rPr>
+              <a:t> always falls out, because there’s no </a:t>
+            </a:r>
+            <a:r>
+              <a:rPr lang="en-US" dirty="0"/>
+              <a:t>catch</a:t>
+            </a:r>
+            <a:r>
+              <a:rPr lang="en-US" sz="1200" b="0" i="0" kern="1200" dirty="0">
+                <a:solidFill>
+                  <a:schemeClr val="tx1"/>
+                </a:solidFill>
+                <a:effectLst/>
+                <a:latin typeface="+mn-lt"/>
+                <a:ea typeface="+mn-ea"/>
+                <a:cs typeface="+mn-cs"/>
+              </a:rPr>
+              <a:t>. But </a:t>
+            </a:r>
+            <a:r>
+              <a:rPr lang="en-US" dirty="0"/>
+              <a:t>finally</a:t>
+            </a:r>
+            <a:r>
+              <a:rPr lang="en-US" sz="1200" b="0" i="0" kern="1200" dirty="0">
+                <a:solidFill>
+                  <a:schemeClr val="tx1"/>
+                </a:solidFill>
+                <a:effectLst/>
+                <a:latin typeface="+mn-lt"/>
+                <a:ea typeface="+mn-ea"/>
+                <a:cs typeface="+mn-cs"/>
+              </a:rPr>
+              <a:t> works before the execution flow leaves the function.</a:t>
+            </a:r>
+            <a:endParaRPr lang="uk-UA" dirty="0"/>
+          </a:p>
+        </p:txBody>
+      </p:sp>
+      <p:sp>
+        <p:nvSpPr>
+          <p:cNvPr id="4" name="Номер слайда 3"/>
+          <p:cNvSpPr>
+            <a:spLocks noGrp="1"/>
+          </p:cNvSpPr>
+          <p:nvPr>
+            <p:ph type="sldNum" sz="quarter" idx="5"/>
+          </p:nvPr>
+        </p:nvSpPr>
+        <p:spPr/>
+        <p:txBody>
+          <a:bodyPr/>
+          <a:lstStyle/>
+          <a:p>
+            <a:fld id="{C6B9B3CE-BC21-41F4-8896-5AF0EBA9693C}" type="slidenum">
+              <a:rPr lang="uk-UA" smtClean="0"/>
+              <a:t>39</a:t>
+            </a:fld>
+            <a:endParaRPr lang="uk-UA"/>
+          </a:p>
+        </p:txBody>
+      </p:sp>
+    </p:spTree>
+    <p:extLst>
+      <p:ext uri="{BB962C8B-B14F-4D97-AF65-F5344CB8AC3E}">
+        <p14:creationId xmlns:p14="http://schemas.microsoft.com/office/powerpoint/2010/main" val="2956357110"/>
+      </p:ext>
+    </p:extLst>
+  </p:cSld>
+  <p:clrMapOvr>
+    <a:masterClrMapping/>
+  </p:clrMapOvr>
+</p:notes>
+</file>
+
+<file path=ppt/notesSlides/notesSlide28.xml><?xml version="1.0" encoding="utf-8"?>
+<p:notes xmlns:a="http://schemas.openxmlformats.org/drawingml/2006/main" xmlns:r="http://schemas.openxmlformats.org/officeDocument/2006/relationships" xmlns:p="http://schemas.openxmlformats.org/presentationml/2006/main">
+  <p:cSld>
+    <p:spTree>
+      <p:nvGrpSpPr>
+        <p:cNvPr id="1" name=""/>
+        <p:cNvGrpSpPr/>
+        <p:nvPr/>
+      </p:nvGrpSpPr>
+      <p:grpSpPr>
+        <a:xfrm>
+          <a:off x="0" y="0"/>
+          <a:ext cx="0" cy="0"/>
+          <a:chOff x="0" y="0"/>
+          <a:chExt cx="0" cy="0"/>
+        </a:xfrm>
+      </p:grpSpPr>
+      <p:sp>
+        <p:nvSpPr>
+          <p:cNvPr id="2" name="Образ слайда 1"/>
+          <p:cNvSpPr>
+            <a:spLocks noGrp="1" noRot="1" noChangeAspect="1"/>
+          </p:cNvSpPr>
+          <p:nvPr>
+            <p:ph type="sldImg"/>
+          </p:nvPr>
+        </p:nvSpPr>
+        <p:spPr/>
+      </p:sp>
+      <p:sp>
+        <p:nvSpPr>
+          <p:cNvPr id="3" name="Заметки 2"/>
+          <p:cNvSpPr>
+            <a:spLocks noGrp="1"/>
+          </p:cNvSpPr>
+          <p:nvPr>
+            <p:ph type="body" idx="1"/>
+          </p:nvPr>
+        </p:nvSpPr>
+        <p:spPr/>
+        <p:txBody>
+          <a:bodyPr/>
+          <a:lstStyle/>
+          <a:p>
+            <a:r>
+              <a:rPr lang="en-US" sz="1200" b="0" i="0" kern="1200" dirty="0">
+                <a:solidFill>
+                  <a:schemeClr val="tx1"/>
+                </a:solidFill>
+                <a:effectLst/>
+                <a:latin typeface="+mn-lt"/>
+                <a:ea typeface="+mn-ea"/>
+                <a:cs typeface="+mn-cs"/>
+              </a:rPr>
+              <a:t>Let’s imagine we’ve got a fatal error outside of </a:t>
+            </a:r>
+            <a:r>
+              <a:rPr lang="en-US" sz="1200" b="0" i="0" kern="1200" dirty="0" err="1">
+                <a:solidFill>
+                  <a:schemeClr val="tx1"/>
+                </a:solidFill>
+                <a:effectLst/>
+                <a:latin typeface="+mn-lt"/>
+                <a:ea typeface="+mn-ea"/>
+                <a:cs typeface="+mn-cs"/>
+              </a:rPr>
+              <a:t>try..catch</a:t>
+            </a:r>
+            <a:r>
+              <a:rPr lang="en-US" sz="1200" b="0" i="0" kern="1200" dirty="0">
+                <a:solidFill>
+                  <a:schemeClr val="tx1"/>
+                </a:solidFill>
+                <a:effectLst/>
+                <a:latin typeface="+mn-lt"/>
+                <a:ea typeface="+mn-ea"/>
+                <a:cs typeface="+mn-cs"/>
+              </a:rPr>
+              <a:t>, and the script died. Like a programming error or some other terrible thing.</a:t>
+            </a:r>
+          </a:p>
+          <a:p>
+            <a:r>
+              <a:rPr lang="en-US" sz="1200" b="0" i="0" kern="1200" dirty="0">
+                <a:solidFill>
+                  <a:schemeClr val="tx1"/>
+                </a:solidFill>
+                <a:effectLst/>
+                <a:latin typeface="+mn-lt"/>
+                <a:ea typeface="+mn-ea"/>
+                <a:cs typeface="+mn-cs"/>
+              </a:rPr>
+              <a:t>Is there a way to react on such occurrences? We may want to log the error, show something to the user (normally they don’t see error messages), etc.</a:t>
+            </a:r>
+          </a:p>
+          <a:p>
+            <a:endParaRPr lang="en-US" sz="1200" b="0" i="0" kern="1200" dirty="0">
+              <a:solidFill>
+                <a:schemeClr val="tx1"/>
+              </a:solidFill>
+              <a:effectLst/>
+              <a:latin typeface="+mn-lt"/>
+              <a:ea typeface="+mn-ea"/>
+              <a:cs typeface="+mn-cs"/>
+            </a:endParaRPr>
+          </a:p>
+          <a:p>
+            <a:r>
+              <a:rPr lang="en-US" sz="1200" b="0" i="0" kern="1200" dirty="0">
+                <a:solidFill>
+                  <a:schemeClr val="tx1"/>
+                </a:solidFill>
+                <a:effectLst/>
+                <a:latin typeface="+mn-lt"/>
+                <a:ea typeface="+mn-ea"/>
+                <a:cs typeface="+mn-cs"/>
+              </a:rPr>
+              <a:t> is not a part of the core JavaScript.</a:t>
+            </a:r>
+          </a:p>
+          <a:p>
+            <a:endParaRPr lang="uk-UA" dirty="0"/>
+          </a:p>
+        </p:txBody>
+      </p:sp>
+      <p:sp>
+        <p:nvSpPr>
+          <p:cNvPr id="4" name="Номер слайда 3"/>
+          <p:cNvSpPr>
+            <a:spLocks noGrp="1"/>
+          </p:cNvSpPr>
+          <p:nvPr>
+            <p:ph type="sldNum" sz="quarter" idx="5"/>
+          </p:nvPr>
+        </p:nvSpPr>
+        <p:spPr/>
+        <p:txBody>
+          <a:bodyPr/>
+          <a:lstStyle/>
+          <a:p>
+            <a:fld id="{C6B9B3CE-BC21-41F4-8896-5AF0EBA9693C}" type="slidenum">
+              <a:rPr lang="uk-UA" smtClean="0"/>
+              <a:t>40</a:t>
+            </a:fld>
+            <a:endParaRPr lang="uk-UA"/>
+          </a:p>
+        </p:txBody>
+      </p:sp>
+    </p:spTree>
+    <p:extLst>
+      <p:ext uri="{BB962C8B-B14F-4D97-AF65-F5344CB8AC3E}">
+        <p14:creationId xmlns:p14="http://schemas.microsoft.com/office/powerpoint/2010/main" val="2995862799"/>
+      </p:ext>
+    </p:extLst>
+  </p:cSld>
+  <p:clrMapOvr>
+    <a:masterClrMapping/>
+  </p:clrMapOvr>
+</p:notes>
+</file>
+
+<file path=ppt/notesSlides/notesSlide29.xml><?xml version="1.0" encoding="utf-8"?>
+<p:notes xmlns:a="http://schemas.openxmlformats.org/drawingml/2006/main" xmlns:r="http://schemas.openxmlformats.org/officeDocument/2006/relationships" xmlns:p="http://schemas.openxmlformats.org/presentationml/2006/main">
+  <p:cSld>
+    <p:spTree>
+      <p:nvGrpSpPr>
+        <p:cNvPr id="1" name=""/>
+        <p:cNvGrpSpPr/>
+        <p:nvPr/>
+      </p:nvGrpSpPr>
+      <p:grpSpPr>
+        <a:xfrm>
+          <a:off x="0" y="0"/>
+          <a:ext cx="0" cy="0"/>
+          <a:chOff x="0" y="0"/>
+          <a:chExt cx="0" cy="0"/>
+        </a:xfrm>
+      </p:grpSpPr>
+      <p:sp>
+        <p:nvSpPr>
+          <p:cNvPr id="2" name="Образ слайда 1"/>
+          <p:cNvSpPr>
+            <a:spLocks noGrp="1" noRot="1" noChangeAspect="1"/>
+          </p:cNvSpPr>
+          <p:nvPr>
+            <p:ph type="sldImg"/>
+          </p:nvPr>
+        </p:nvSpPr>
+        <p:spPr/>
+      </p:sp>
+      <p:sp>
+        <p:nvSpPr>
+          <p:cNvPr id="3" name="Заметки 2"/>
+          <p:cNvSpPr>
+            <a:spLocks noGrp="1"/>
+          </p:cNvSpPr>
+          <p:nvPr>
+            <p:ph type="body" idx="1"/>
+          </p:nvPr>
+        </p:nvSpPr>
+        <p:spPr/>
+        <p:txBody>
+          <a:bodyPr/>
+          <a:lstStyle/>
+          <a:p>
+            <a:r>
+              <a:rPr lang="en-US" sz="1200" b="0" i="0" kern="1200" dirty="0">
+                <a:solidFill>
+                  <a:schemeClr val="tx1"/>
+                </a:solidFill>
+                <a:effectLst/>
+                <a:latin typeface="+mn-lt"/>
+                <a:ea typeface="+mn-ea"/>
+                <a:cs typeface="+mn-cs"/>
+              </a:rPr>
+              <a:t>Strict Mode is a new feature in ECMAScript 5 that allows you to place a program, or a function, in a “strict” operating context. This strict context prevents certain actions from being taken and throws more exceptions. The statement “use strict”; instructs the browser to use the Strict mode, which is a reduced and safer feature set of JavaScript.</a:t>
+            </a:r>
+            <a:endParaRPr lang="uk-UA" dirty="0"/>
+          </a:p>
+        </p:txBody>
+      </p:sp>
+      <p:sp>
+        <p:nvSpPr>
+          <p:cNvPr id="4" name="Номер слайда 3"/>
+          <p:cNvSpPr>
+            <a:spLocks noGrp="1"/>
+          </p:cNvSpPr>
+          <p:nvPr>
+            <p:ph type="sldNum" sz="quarter" idx="5"/>
+          </p:nvPr>
+        </p:nvSpPr>
+        <p:spPr/>
+        <p:txBody>
+          <a:bodyPr/>
+          <a:lstStyle/>
+          <a:p>
+            <a:fld id="{C6B9B3CE-BC21-41F4-8896-5AF0EBA9693C}" type="slidenum">
+              <a:rPr lang="uk-UA" smtClean="0"/>
+              <a:t>41</a:t>
+            </a:fld>
+            <a:endParaRPr lang="uk-UA"/>
+          </a:p>
+        </p:txBody>
+      </p:sp>
+    </p:spTree>
+    <p:extLst>
+      <p:ext uri="{BB962C8B-B14F-4D97-AF65-F5344CB8AC3E}">
+        <p14:creationId xmlns:p14="http://schemas.microsoft.com/office/powerpoint/2010/main" val="2589295412"/>
       </p:ext>
     </p:extLst>
   </p:cSld>
@@ -869,6 +3658,857 @@
           <a:bodyPr/>
           <a:lstStyle/>
           <a:p>
+            <a:endParaRPr lang="uk-UA" dirty="0"/>
+          </a:p>
+        </p:txBody>
+      </p:sp>
+      <p:sp>
+        <p:nvSpPr>
+          <p:cNvPr id="4" name="Номер слайда 3"/>
+          <p:cNvSpPr>
+            <a:spLocks noGrp="1"/>
+          </p:cNvSpPr>
+          <p:nvPr>
+            <p:ph type="sldNum" sz="quarter" idx="5"/>
+          </p:nvPr>
+        </p:nvSpPr>
+        <p:spPr/>
+        <p:txBody>
+          <a:bodyPr/>
+          <a:lstStyle/>
+          <a:p>
+            <a:fld id="{C6B9B3CE-BC21-41F4-8896-5AF0EBA9693C}" type="slidenum">
+              <a:rPr lang="uk-UA" smtClean="0"/>
+              <a:t>7</a:t>
+            </a:fld>
+            <a:endParaRPr lang="uk-UA"/>
+          </a:p>
+        </p:txBody>
+      </p:sp>
+    </p:spTree>
+    <p:extLst>
+      <p:ext uri="{BB962C8B-B14F-4D97-AF65-F5344CB8AC3E}">
+        <p14:creationId xmlns:p14="http://schemas.microsoft.com/office/powerpoint/2010/main" val="1279302323"/>
+      </p:ext>
+    </p:extLst>
+  </p:cSld>
+  <p:clrMapOvr>
+    <a:masterClrMapping/>
+  </p:clrMapOvr>
+</p:notes>
+</file>
+
+<file path=ppt/notesSlides/notesSlide30.xml><?xml version="1.0" encoding="utf-8"?>
+<p:notes xmlns:a="http://schemas.openxmlformats.org/drawingml/2006/main" xmlns:r="http://schemas.openxmlformats.org/officeDocument/2006/relationships" xmlns:p="http://schemas.openxmlformats.org/presentationml/2006/main">
+  <p:cSld>
+    <p:spTree>
+      <p:nvGrpSpPr>
+        <p:cNvPr id="1" name=""/>
+        <p:cNvGrpSpPr/>
+        <p:nvPr/>
+      </p:nvGrpSpPr>
+      <p:grpSpPr>
+        <a:xfrm>
+          <a:off x="0" y="0"/>
+          <a:ext cx="0" cy="0"/>
+          <a:chOff x="0" y="0"/>
+          <a:chExt cx="0" cy="0"/>
+        </a:xfrm>
+      </p:grpSpPr>
+      <p:sp>
+        <p:nvSpPr>
+          <p:cNvPr id="2" name="Образ слайда 1"/>
+          <p:cNvSpPr>
+            <a:spLocks noGrp="1" noRot="1" noChangeAspect="1"/>
+          </p:cNvSpPr>
+          <p:nvPr>
+            <p:ph type="sldImg"/>
+          </p:nvPr>
+        </p:nvSpPr>
+        <p:spPr/>
+      </p:sp>
+      <p:sp>
+        <p:nvSpPr>
+          <p:cNvPr id="3" name="Заметки 2"/>
+          <p:cNvSpPr>
+            <a:spLocks noGrp="1"/>
+          </p:cNvSpPr>
+          <p:nvPr>
+            <p:ph type="body" idx="1"/>
+          </p:nvPr>
+        </p:nvSpPr>
+        <p:spPr/>
+        <p:txBody>
+          <a:bodyPr/>
+          <a:lstStyle/>
+          <a:p>
+            <a:endParaRPr lang="uk-UA" dirty="0"/>
+          </a:p>
+        </p:txBody>
+      </p:sp>
+      <p:sp>
+        <p:nvSpPr>
+          <p:cNvPr id="4" name="Номер слайда 3"/>
+          <p:cNvSpPr>
+            <a:spLocks noGrp="1"/>
+          </p:cNvSpPr>
+          <p:nvPr>
+            <p:ph type="sldNum" sz="quarter" idx="5"/>
+          </p:nvPr>
+        </p:nvSpPr>
+        <p:spPr/>
+        <p:txBody>
+          <a:bodyPr/>
+          <a:lstStyle/>
+          <a:p>
+            <a:fld id="{C6B9B3CE-BC21-41F4-8896-5AF0EBA9693C}" type="slidenum">
+              <a:rPr lang="uk-UA" smtClean="0"/>
+              <a:t>44</a:t>
+            </a:fld>
+            <a:endParaRPr lang="uk-UA"/>
+          </a:p>
+        </p:txBody>
+      </p:sp>
+    </p:spTree>
+    <p:extLst>
+      <p:ext uri="{BB962C8B-B14F-4D97-AF65-F5344CB8AC3E}">
+        <p14:creationId xmlns:p14="http://schemas.microsoft.com/office/powerpoint/2010/main" val="2053356844"/>
+      </p:ext>
+    </p:extLst>
+  </p:cSld>
+  <p:clrMapOvr>
+    <a:masterClrMapping/>
+  </p:clrMapOvr>
+</p:notes>
+</file>
+
+<file path=ppt/notesSlides/notesSlide31.xml><?xml version="1.0" encoding="utf-8"?>
+<p:notes xmlns:a="http://schemas.openxmlformats.org/drawingml/2006/main" xmlns:r="http://schemas.openxmlformats.org/officeDocument/2006/relationships" xmlns:p="http://schemas.openxmlformats.org/presentationml/2006/main">
+  <p:cSld>
+    <p:spTree>
+      <p:nvGrpSpPr>
+        <p:cNvPr id="1" name=""/>
+        <p:cNvGrpSpPr/>
+        <p:nvPr/>
+      </p:nvGrpSpPr>
+      <p:grpSpPr>
+        <a:xfrm>
+          <a:off x="0" y="0"/>
+          <a:ext cx="0" cy="0"/>
+          <a:chOff x="0" y="0"/>
+          <a:chExt cx="0" cy="0"/>
+        </a:xfrm>
+      </p:grpSpPr>
+      <p:sp>
+        <p:nvSpPr>
+          <p:cNvPr id="2" name="Образ слайда 1"/>
+          <p:cNvSpPr>
+            <a:spLocks noGrp="1" noRot="1" noChangeAspect="1"/>
+          </p:cNvSpPr>
+          <p:nvPr>
+            <p:ph type="sldImg"/>
+          </p:nvPr>
+        </p:nvSpPr>
+        <p:spPr/>
+      </p:sp>
+      <p:sp>
+        <p:nvSpPr>
+          <p:cNvPr id="3" name="Заметки 2"/>
+          <p:cNvSpPr>
+            <a:spLocks noGrp="1"/>
+          </p:cNvSpPr>
+          <p:nvPr>
+            <p:ph type="body" idx="1"/>
+          </p:nvPr>
+        </p:nvSpPr>
+        <p:spPr/>
+        <p:txBody>
+          <a:bodyPr/>
+          <a:lstStyle/>
+          <a:p>
+            <a:endParaRPr lang="uk-UA" dirty="0"/>
+          </a:p>
+        </p:txBody>
+      </p:sp>
+      <p:sp>
+        <p:nvSpPr>
+          <p:cNvPr id="4" name="Номер слайда 3"/>
+          <p:cNvSpPr>
+            <a:spLocks noGrp="1"/>
+          </p:cNvSpPr>
+          <p:nvPr>
+            <p:ph type="sldNum" sz="quarter" idx="5"/>
+          </p:nvPr>
+        </p:nvSpPr>
+        <p:spPr/>
+        <p:txBody>
+          <a:bodyPr/>
+          <a:lstStyle/>
+          <a:p>
+            <a:fld id="{C6B9B3CE-BC21-41F4-8896-5AF0EBA9693C}" type="slidenum">
+              <a:rPr lang="uk-UA" smtClean="0"/>
+              <a:t>45</a:t>
+            </a:fld>
+            <a:endParaRPr lang="uk-UA"/>
+          </a:p>
+        </p:txBody>
+      </p:sp>
+    </p:spTree>
+    <p:extLst>
+      <p:ext uri="{BB962C8B-B14F-4D97-AF65-F5344CB8AC3E}">
+        <p14:creationId xmlns:p14="http://schemas.microsoft.com/office/powerpoint/2010/main" val="3481173118"/>
+      </p:ext>
+    </p:extLst>
+  </p:cSld>
+  <p:clrMapOvr>
+    <a:masterClrMapping/>
+  </p:clrMapOvr>
+</p:notes>
+</file>
+
+<file path=ppt/notesSlides/notesSlide4.xml><?xml version="1.0" encoding="utf-8"?>
+<p:notes xmlns:a="http://schemas.openxmlformats.org/drawingml/2006/main" xmlns:r="http://schemas.openxmlformats.org/officeDocument/2006/relationships" xmlns:p="http://schemas.openxmlformats.org/presentationml/2006/main">
+  <p:cSld>
+    <p:spTree>
+      <p:nvGrpSpPr>
+        <p:cNvPr id="1" name=""/>
+        <p:cNvGrpSpPr/>
+        <p:nvPr/>
+      </p:nvGrpSpPr>
+      <p:grpSpPr>
+        <a:xfrm>
+          <a:off x="0" y="0"/>
+          <a:ext cx="0" cy="0"/>
+          <a:chOff x="0" y="0"/>
+          <a:chExt cx="0" cy="0"/>
+        </a:xfrm>
+      </p:grpSpPr>
+      <p:sp>
+        <p:nvSpPr>
+          <p:cNvPr id="2" name="Образ слайда 1"/>
+          <p:cNvSpPr>
+            <a:spLocks noGrp="1" noRot="1" noChangeAspect="1"/>
+          </p:cNvSpPr>
+          <p:nvPr>
+            <p:ph type="sldImg"/>
+          </p:nvPr>
+        </p:nvSpPr>
+        <p:spPr/>
+      </p:sp>
+      <p:sp>
+        <p:nvSpPr>
+          <p:cNvPr id="3" name="Заметки 2"/>
+          <p:cNvSpPr>
+            <a:spLocks noGrp="1"/>
+          </p:cNvSpPr>
+          <p:nvPr>
+            <p:ph type="body" idx="1"/>
+          </p:nvPr>
+        </p:nvSpPr>
+        <p:spPr/>
+        <p:txBody>
+          <a:bodyPr/>
+          <a:lstStyle/>
+          <a:p>
+            <a:r>
+              <a:rPr lang="en-US" dirty="0"/>
+              <a:t>While loop starts with the checking of condition. If it evaluated to true, then the loop body statements are executed otherwise first statement following the loop is executed. For this reason it is also called Entry control loop</a:t>
+            </a:r>
+          </a:p>
+          <a:p>
+            <a:r>
+              <a:rPr lang="en-US" dirty="0"/>
+              <a:t>Once the condition is evaluated to true, the statements in the loop body are executed. Normally the statements contain an update value for the variable being processed for the next iteration.</a:t>
+            </a:r>
+          </a:p>
+          <a:p>
+            <a:r>
+              <a:rPr lang="en-US" dirty="0"/>
+              <a:t>When the condition becomes false, the loop terminates which marks the end of its life cycle.</a:t>
+            </a:r>
+            <a:endParaRPr lang="uk-UA" dirty="0"/>
+          </a:p>
+          <a:p>
+            <a:endParaRPr lang="uk-UA" dirty="0"/>
+          </a:p>
+        </p:txBody>
+      </p:sp>
+      <p:sp>
+        <p:nvSpPr>
+          <p:cNvPr id="4" name="Номер слайда 3"/>
+          <p:cNvSpPr>
+            <a:spLocks noGrp="1"/>
+          </p:cNvSpPr>
+          <p:nvPr>
+            <p:ph type="sldNum" sz="quarter" idx="5"/>
+          </p:nvPr>
+        </p:nvSpPr>
+        <p:spPr/>
+        <p:txBody>
+          <a:bodyPr/>
+          <a:lstStyle/>
+          <a:p>
+            <a:fld id="{C6B9B3CE-BC21-41F4-8896-5AF0EBA9693C}" type="slidenum">
+              <a:rPr lang="uk-UA" smtClean="0"/>
+              <a:t>8</a:t>
+            </a:fld>
+            <a:endParaRPr lang="uk-UA"/>
+          </a:p>
+        </p:txBody>
+      </p:sp>
+    </p:spTree>
+    <p:extLst>
+      <p:ext uri="{BB962C8B-B14F-4D97-AF65-F5344CB8AC3E}">
+        <p14:creationId xmlns:p14="http://schemas.microsoft.com/office/powerpoint/2010/main" val="2878049453"/>
+      </p:ext>
+    </p:extLst>
+  </p:cSld>
+  <p:clrMapOvr>
+    <a:masterClrMapping/>
+  </p:clrMapOvr>
+</p:notes>
+</file>
+
+<file path=ppt/notesSlides/notesSlide5.xml><?xml version="1.0" encoding="utf-8"?>
+<p:notes xmlns:a="http://schemas.openxmlformats.org/drawingml/2006/main" xmlns:r="http://schemas.openxmlformats.org/officeDocument/2006/relationships" xmlns:p="http://schemas.openxmlformats.org/presentationml/2006/main">
+  <p:cSld>
+    <p:spTree>
+      <p:nvGrpSpPr>
+        <p:cNvPr id="1" name=""/>
+        <p:cNvGrpSpPr/>
+        <p:nvPr/>
+      </p:nvGrpSpPr>
+      <p:grpSpPr>
+        <a:xfrm>
+          <a:off x="0" y="0"/>
+          <a:ext cx="0" cy="0"/>
+          <a:chOff x="0" y="0"/>
+          <a:chExt cx="0" cy="0"/>
+        </a:xfrm>
+      </p:grpSpPr>
+      <p:sp>
+        <p:nvSpPr>
+          <p:cNvPr id="2" name="Образ слайда 1"/>
+          <p:cNvSpPr>
+            <a:spLocks noGrp="1" noRot="1" noChangeAspect="1"/>
+          </p:cNvSpPr>
+          <p:nvPr>
+            <p:ph type="sldImg"/>
+          </p:nvPr>
+        </p:nvSpPr>
+        <p:spPr/>
+      </p:sp>
+      <p:sp>
+        <p:nvSpPr>
+          <p:cNvPr id="3" name="Заметки 2"/>
+          <p:cNvSpPr>
+            <a:spLocks noGrp="1"/>
+          </p:cNvSpPr>
+          <p:nvPr>
+            <p:ph type="body" idx="1"/>
+          </p:nvPr>
+        </p:nvSpPr>
+        <p:spPr/>
+        <p:txBody>
+          <a:bodyPr/>
+          <a:lstStyle/>
+          <a:p>
+            <a:endParaRPr lang="uk-UA" dirty="0"/>
+          </a:p>
+        </p:txBody>
+      </p:sp>
+      <p:sp>
+        <p:nvSpPr>
+          <p:cNvPr id="4" name="Номер слайда 3"/>
+          <p:cNvSpPr>
+            <a:spLocks noGrp="1"/>
+          </p:cNvSpPr>
+          <p:nvPr>
+            <p:ph type="sldNum" sz="quarter" idx="5"/>
+          </p:nvPr>
+        </p:nvSpPr>
+        <p:spPr/>
+        <p:txBody>
+          <a:bodyPr/>
+          <a:lstStyle/>
+          <a:p>
+            <a:fld id="{C6B9B3CE-BC21-41F4-8896-5AF0EBA9693C}" type="slidenum">
+              <a:rPr lang="uk-UA" smtClean="0"/>
+              <a:t>9</a:t>
+            </a:fld>
+            <a:endParaRPr lang="uk-UA"/>
+          </a:p>
+        </p:txBody>
+      </p:sp>
+    </p:spTree>
+    <p:extLst>
+      <p:ext uri="{BB962C8B-B14F-4D97-AF65-F5344CB8AC3E}">
+        <p14:creationId xmlns:p14="http://schemas.microsoft.com/office/powerpoint/2010/main" val="1987648813"/>
+      </p:ext>
+    </p:extLst>
+  </p:cSld>
+  <p:clrMapOvr>
+    <a:masterClrMapping/>
+  </p:clrMapOvr>
+</p:notes>
+</file>
+
+<file path=ppt/notesSlides/notesSlide6.xml><?xml version="1.0" encoding="utf-8"?>
+<p:notes xmlns:a="http://schemas.openxmlformats.org/drawingml/2006/main" xmlns:r="http://schemas.openxmlformats.org/officeDocument/2006/relationships" xmlns:p="http://schemas.openxmlformats.org/presentationml/2006/main">
+  <p:cSld>
+    <p:spTree>
+      <p:nvGrpSpPr>
+        <p:cNvPr id="1" name=""/>
+        <p:cNvGrpSpPr/>
+        <p:nvPr/>
+      </p:nvGrpSpPr>
+      <p:grpSpPr>
+        <a:xfrm>
+          <a:off x="0" y="0"/>
+          <a:ext cx="0" cy="0"/>
+          <a:chOff x="0" y="0"/>
+          <a:chExt cx="0" cy="0"/>
+        </a:xfrm>
+      </p:grpSpPr>
+      <p:sp>
+        <p:nvSpPr>
+          <p:cNvPr id="2" name="Образ слайда 1"/>
+          <p:cNvSpPr>
+            <a:spLocks noGrp="1" noRot="1" noChangeAspect="1"/>
+          </p:cNvSpPr>
+          <p:nvPr>
+            <p:ph type="sldImg"/>
+          </p:nvPr>
+        </p:nvSpPr>
+        <p:spPr/>
+      </p:sp>
+      <p:sp>
+        <p:nvSpPr>
+          <p:cNvPr id="3" name="Заметки 2"/>
+          <p:cNvSpPr>
+            <a:spLocks noGrp="1"/>
+          </p:cNvSpPr>
+          <p:nvPr>
+            <p:ph type="body" idx="1"/>
+          </p:nvPr>
+        </p:nvSpPr>
+        <p:spPr/>
+        <p:txBody>
+          <a:bodyPr/>
+          <a:lstStyle/>
+          <a:p>
+            <a:r>
+              <a:rPr lang="en-US" dirty="0"/>
+              <a:t>do while loop is similar to while loop with only difference that it checks for condition after executing the statements</a:t>
+            </a:r>
+          </a:p>
+          <a:p>
+            <a:endParaRPr lang="en-US" dirty="0"/>
+          </a:p>
+          <a:p>
+            <a:pPr fontAlgn="base"/>
+            <a:r>
+              <a:rPr lang="en-US" sz="1200" b="0" i="0" kern="1200" dirty="0">
+                <a:solidFill>
+                  <a:schemeClr val="tx1"/>
+                </a:solidFill>
+                <a:effectLst/>
+                <a:latin typeface="+mn-lt"/>
+                <a:ea typeface="+mn-ea"/>
+                <a:cs typeface="+mn-cs"/>
+              </a:rPr>
+              <a:t>The while loop differs from the do-while loop in one important way — with a while loop, the condition to be evaluated is tested at the beginning of each loop iteration, so if the conditional expression evaluates to false, the loop will never be executed.</a:t>
+            </a:r>
+          </a:p>
+          <a:p>
+            <a:pPr fontAlgn="base"/>
+            <a:r>
+              <a:rPr lang="en-US" sz="1200" b="0" i="0" kern="1200" dirty="0">
+                <a:solidFill>
+                  <a:schemeClr val="tx1"/>
+                </a:solidFill>
+                <a:effectLst/>
+                <a:latin typeface="+mn-lt"/>
+                <a:ea typeface="+mn-ea"/>
+                <a:cs typeface="+mn-cs"/>
+              </a:rPr>
+              <a:t>With a do-while loop, on the other hand, the loop will always be executed once even if the conditional expression evaluates to false, because unlike the while loop, the condition is evaluated at the end of the loop iteration rather than the beginning.</a:t>
+            </a:r>
+          </a:p>
+          <a:p>
+            <a:endParaRPr lang="uk-UA" dirty="0"/>
+          </a:p>
+        </p:txBody>
+      </p:sp>
+      <p:sp>
+        <p:nvSpPr>
+          <p:cNvPr id="4" name="Номер слайда 3"/>
+          <p:cNvSpPr>
+            <a:spLocks noGrp="1"/>
+          </p:cNvSpPr>
+          <p:nvPr>
+            <p:ph type="sldNum" sz="quarter" idx="5"/>
+          </p:nvPr>
+        </p:nvSpPr>
+        <p:spPr/>
+        <p:txBody>
+          <a:bodyPr/>
+          <a:lstStyle/>
+          <a:p>
+            <a:fld id="{C6B9B3CE-BC21-41F4-8896-5AF0EBA9693C}" type="slidenum">
+              <a:rPr lang="uk-UA" smtClean="0"/>
+              <a:t>10</a:t>
+            </a:fld>
+            <a:endParaRPr lang="uk-UA"/>
+          </a:p>
+        </p:txBody>
+      </p:sp>
+    </p:spTree>
+    <p:extLst>
+      <p:ext uri="{BB962C8B-B14F-4D97-AF65-F5344CB8AC3E}">
+        <p14:creationId xmlns:p14="http://schemas.microsoft.com/office/powerpoint/2010/main" val="1024352570"/>
+      </p:ext>
+    </p:extLst>
+  </p:cSld>
+  <p:clrMapOvr>
+    <a:masterClrMapping/>
+  </p:clrMapOvr>
+</p:notes>
+</file>
+
+<file path=ppt/notesSlides/notesSlide7.xml><?xml version="1.0" encoding="utf-8"?>
+<p:notes xmlns:a="http://schemas.openxmlformats.org/drawingml/2006/main" xmlns:r="http://schemas.openxmlformats.org/officeDocument/2006/relationships" xmlns:p="http://schemas.openxmlformats.org/presentationml/2006/main">
+  <p:cSld>
+    <p:spTree>
+      <p:nvGrpSpPr>
+        <p:cNvPr id="1" name=""/>
+        <p:cNvGrpSpPr/>
+        <p:nvPr/>
+      </p:nvGrpSpPr>
+      <p:grpSpPr>
+        <a:xfrm>
+          <a:off x="0" y="0"/>
+          <a:ext cx="0" cy="0"/>
+          <a:chOff x="0" y="0"/>
+          <a:chExt cx="0" cy="0"/>
+        </a:xfrm>
+      </p:grpSpPr>
+      <p:sp>
+        <p:nvSpPr>
+          <p:cNvPr id="2" name="Образ слайда 1"/>
+          <p:cNvSpPr>
+            <a:spLocks noGrp="1" noRot="1" noChangeAspect="1"/>
+          </p:cNvSpPr>
+          <p:nvPr>
+            <p:ph type="sldImg"/>
+          </p:nvPr>
+        </p:nvSpPr>
+        <p:spPr/>
+      </p:sp>
+      <p:sp>
+        <p:nvSpPr>
+          <p:cNvPr id="3" name="Заметки 2"/>
+          <p:cNvSpPr>
+            <a:spLocks noGrp="1"/>
+          </p:cNvSpPr>
+          <p:nvPr>
+            <p:ph type="body" idx="1"/>
+          </p:nvPr>
+        </p:nvSpPr>
+        <p:spPr/>
+        <p:txBody>
+          <a:bodyPr/>
+          <a:lstStyle/>
+          <a:p>
+            <a:pPr fontAlgn="base"/>
+            <a:r>
+              <a:rPr lang="en-US" sz="1200" b="0" i="0" kern="1200" dirty="0">
+                <a:solidFill>
+                  <a:schemeClr val="tx1"/>
+                </a:solidFill>
+                <a:effectLst/>
+                <a:latin typeface="+mn-lt"/>
+                <a:ea typeface="+mn-ea"/>
+                <a:cs typeface="+mn-cs"/>
+              </a:rPr>
+              <a:t>do while loop starts with the execution of the statement(s). There is no checking of any condition for the first time.</a:t>
+            </a:r>
+          </a:p>
+          <a:p>
+            <a:pPr fontAlgn="base"/>
+            <a:r>
+              <a:rPr lang="en-US" sz="1200" b="0" i="0" kern="1200" dirty="0">
+                <a:solidFill>
+                  <a:schemeClr val="tx1"/>
+                </a:solidFill>
+                <a:effectLst/>
+                <a:latin typeface="+mn-lt"/>
+                <a:ea typeface="+mn-ea"/>
+                <a:cs typeface="+mn-cs"/>
+              </a:rPr>
+              <a:t>After the execution of the statements, and update of the variable value, the condition is checked for true or false value. If it is evaluated to true, next iteration of loop starts.</a:t>
+            </a:r>
+          </a:p>
+          <a:p>
+            <a:pPr fontAlgn="base"/>
+            <a:r>
+              <a:rPr lang="en-US" sz="1200" b="0" i="0" kern="1200" dirty="0">
+                <a:solidFill>
+                  <a:schemeClr val="tx1"/>
+                </a:solidFill>
+                <a:effectLst/>
+                <a:latin typeface="+mn-lt"/>
+                <a:ea typeface="+mn-ea"/>
+                <a:cs typeface="+mn-cs"/>
+              </a:rPr>
+              <a:t>When the condition becomes false, the loop terminates which marks the end of its life cycle.</a:t>
+            </a:r>
+          </a:p>
+          <a:p>
+            <a:pPr fontAlgn="base"/>
+            <a:r>
+              <a:rPr lang="en-US" sz="1200" b="0" i="0" kern="1200" dirty="0">
+                <a:solidFill>
+                  <a:schemeClr val="tx1"/>
+                </a:solidFill>
+                <a:effectLst/>
+                <a:latin typeface="+mn-lt"/>
+                <a:ea typeface="+mn-ea"/>
+                <a:cs typeface="+mn-cs"/>
+              </a:rPr>
+              <a:t>It is important to note that the do-while loop will execute its statements </a:t>
+            </a:r>
+            <a:r>
+              <a:rPr lang="en-US" sz="1200" b="0" i="0" kern="1200" dirty="0" err="1">
+                <a:solidFill>
+                  <a:schemeClr val="tx1"/>
+                </a:solidFill>
+                <a:effectLst/>
+                <a:latin typeface="+mn-lt"/>
+                <a:ea typeface="+mn-ea"/>
+                <a:cs typeface="+mn-cs"/>
+              </a:rPr>
+              <a:t>atleast</a:t>
+            </a:r>
+            <a:r>
+              <a:rPr lang="en-US" sz="1200" b="0" i="0" kern="1200" dirty="0">
+                <a:solidFill>
+                  <a:schemeClr val="tx1"/>
+                </a:solidFill>
+                <a:effectLst/>
+                <a:latin typeface="+mn-lt"/>
+                <a:ea typeface="+mn-ea"/>
+                <a:cs typeface="+mn-cs"/>
+              </a:rPr>
+              <a:t> once before any condition is checked, and therefore is an example of exit control loop.</a:t>
+            </a:r>
+          </a:p>
+          <a:p>
+            <a:endParaRPr lang="uk-UA" dirty="0"/>
+          </a:p>
+        </p:txBody>
+      </p:sp>
+      <p:sp>
+        <p:nvSpPr>
+          <p:cNvPr id="4" name="Номер слайда 3"/>
+          <p:cNvSpPr>
+            <a:spLocks noGrp="1"/>
+          </p:cNvSpPr>
+          <p:nvPr>
+            <p:ph type="sldNum" sz="quarter" idx="5"/>
+          </p:nvPr>
+        </p:nvSpPr>
+        <p:spPr/>
+        <p:txBody>
+          <a:bodyPr/>
+          <a:lstStyle/>
+          <a:p>
+            <a:fld id="{C6B9B3CE-BC21-41F4-8896-5AF0EBA9693C}" type="slidenum">
+              <a:rPr lang="uk-UA" smtClean="0"/>
+              <a:t>11</a:t>
+            </a:fld>
+            <a:endParaRPr lang="uk-UA"/>
+          </a:p>
+        </p:txBody>
+      </p:sp>
+    </p:spTree>
+    <p:extLst>
+      <p:ext uri="{BB962C8B-B14F-4D97-AF65-F5344CB8AC3E}">
+        <p14:creationId xmlns:p14="http://schemas.microsoft.com/office/powerpoint/2010/main" val="1618493124"/>
+      </p:ext>
+    </p:extLst>
+  </p:cSld>
+  <p:clrMapOvr>
+    <a:masterClrMapping/>
+  </p:clrMapOvr>
+</p:notes>
+</file>
+
+<file path=ppt/notesSlides/notesSlide8.xml><?xml version="1.0" encoding="utf-8"?>
+<p:notes xmlns:a="http://schemas.openxmlformats.org/drawingml/2006/main" xmlns:r="http://schemas.openxmlformats.org/officeDocument/2006/relationships" xmlns:p="http://schemas.openxmlformats.org/presentationml/2006/main">
+  <p:cSld>
+    <p:spTree>
+      <p:nvGrpSpPr>
+        <p:cNvPr id="1" name=""/>
+        <p:cNvGrpSpPr/>
+        <p:nvPr/>
+      </p:nvGrpSpPr>
+      <p:grpSpPr>
+        <a:xfrm>
+          <a:off x="0" y="0"/>
+          <a:ext cx="0" cy="0"/>
+          <a:chOff x="0" y="0"/>
+          <a:chExt cx="0" cy="0"/>
+        </a:xfrm>
+      </p:grpSpPr>
+      <p:sp>
+        <p:nvSpPr>
+          <p:cNvPr id="2" name="Образ слайда 1"/>
+          <p:cNvSpPr>
+            <a:spLocks noGrp="1" noRot="1" noChangeAspect="1"/>
+          </p:cNvSpPr>
+          <p:nvPr>
+            <p:ph type="sldImg"/>
+          </p:nvPr>
+        </p:nvSpPr>
+        <p:spPr/>
+      </p:sp>
+      <p:sp>
+        <p:nvSpPr>
+          <p:cNvPr id="3" name="Заметки 2"/>
+          <p:cNvSpPr>
+            <a:spLocks noGrp="1"/>
+          </p:cNvSpPr>
+          <p:nvPr>
+            <p:ph type="body" idx="1"/>
+          </p:nvPr>
+        </p:nvSpPr>
+        <p:spPr/>
+        <p:txBody>
+          <a:bodyPr/>
+          <a:lstStyle/>
+          <a:p>
+            <a:r>
+              <a:rPr lang="en-US" sz="1200" b="0" i="0" kern="1200" dirty="0">
+                <a:solidFill>
+                  <a:schemeClr val="tx1"/>
+                </a:solidFill>
+                <a:effectLst/>
+                <a:latin typeface="+mn-lt"/>
+                <a:ea typeface="+mn-ea"/>
+                <a:cs typeface="+mn-cs"/>
+              </a:rPr>
+              <a:t>A for statement consumes the initialization, condition and increment/decrement in one line thereby providing a shorter, easy to debug structure of looping.</a:t>
+            </a:r>
+          </a:p>
+          <a:p>
+            <a:endParaRPr lang="en-US" sz="1200" b="0" i="0" kern="1200" dirty="0">
+              <a:solidFill>
+                <a:schemeClr val="tx1"/>
+              </a:solidFill>
+              <a:effectLst/>
+              <a:latin typeface="+mn-lt"/>
+              <a:ea typeface="+mn-ea"/>
+              <a:cs typeface="+mn-cs"/>
+            </a:endParaRPr>
+          </a:p>
+          <a:p>
+            <a:r>
+              <a:rPr lang="en-US" sz="1200" b="0" i="0" kern="1200" dirty="0">
+                <a:solidFill>
+                  <a:schemeClr val="tx1"/>
+                </a:solidFill>
+                <a:effectLst/>
+                <a:latin typeface="+mn-lt"/>
+                <a:ea typeface="+mn-ea"/>
+                <a:cs typeface="+mn-cs"/>
+              </a:rPr>
+              <a:t>for loop provides a concise way of writing the loop structure. Unlike a while loop, a for statement consumes the initialization, condition and increment/decrement in one line thereby providing a shorter, easy to debug structure of looping.</a:t>
+            </a:r>
+            <a:endParaRPr lang="uk-UA" dirty="0"/>
+          </a:p>
+        </p:txBody>
+      </p:sp>
+      <p:sp>
+        <p:nvSpPr>
+          <p:cNvPr id="4" name="Номер слайда 3"/>
+          <p:cNvSpPr>
+            <a:spLocks noGrp="1"/>
+          </p:cNvSpPr>
+          <p:nvPr>
+            <p:ph type="sldNum" sz="quarter" idx="5"/>
+          </p:nvPr>
+        </p:nvSpPr>
+        <p:spPr/>
+        <p:txBody>
+          <a:bodyPr/>
+          <a:lstStyle/>
+          <a:p>
+            <a:fld id="{C6B9B3CE-BC21-41F4-8896-5AF0EBA9693C}" type="slidenum">
+              <a:rPr lang="uk-UA" smtClean="0"/>
+              <a:t>13</a:t>
+            </a:fld>
+            <a:endParaRPr lang="uk-UA"/>
+          </a:p>
+        </p:txBody>
+      </p:sp>
+    </p:spTree>
+    <p:extLst>
+      <p:ext uri="{BB962C8B-B14F-4D97-AF65-F5344CB8AC3E}">
+        <p14:creationId xmlns:p14="http://schemas.microsoft.com/office/powerpoint/2010/main" val="2410074668"/>
+      </p:ext>
+    </p:extLst>
+  </p:cSld>
+  <p:clrMapOvr>
+    <a:masterClrMapping/>
+  </p:clrMapOvr>
+</p:notes>
+</file>
+
+<file path=ppt/notesSlides/notesSlide9.xml><?xml version="1.0" encoding="utf-8"?>
+<p:notes xmlns:a="http://schemas.openxmlformats.org/drawingml/2006/main" xmlns:r="http://schemas.openxmlformats.org/officeDocument/2006/relationships" xmlns:p="http://schemas.openxmlformats.org/presentationml/2006/main">
+  <p:cSld>
+    <p:spTree>
+      <p:nvGrpSpPr>
+        <p:cNvPr id="1" name=""/>
+        <p:cNvGrpSpPr/>
+        <p:nvPr/>
+      </p:nvGrpSpPr>
+      <p:grpSpPr>
+        <a:xfrm>
+          <a:off x="0" y="0"/>
+          <a:ext cx="0" cy="0"/>
+          <a:chOff x="0" y="0"/>
+          <a:chExt cx="0" cy="0"/>
+        </a:xfrm>
+      </p:grpSpPr>
+      <p:sp>
+        <p:nvSpPr>
+          <p:cNvPr id="2" name="Образ слайда 1"/>
+          <p:cNvSpPr>
+            <a:spLocks noGrp="1" noRot="1" noChangeAspect="1"/>
+          </p:cNvSpPr>
+          <p:nvPr>
+            <p:ph type="sldImg"/>
+          </p:nvPr>
+        </p:nvSpPr>
+        <p:spPr/>
+      </p:sp>
+      <p:sp>
+        <p:nvSpPr>
+          <p:cNvPr id="3" name="Заметки 2"/>
+          <p:cNvSpPr>
+            <a:spLocks noGrp="1"/>
+          </p:cNvSpPr>
+          <p:nvPr>
+            <p:ph type="body" idx="1"/>
+          </p:nvPr>
+        </p:nvSpPr>
+        <p:spPr/>
+        <p:txBody>
+          <a:bodyPr/>
+          <a:lstStyle/>
+          <a:p>
             <a:pPr fontAlgn="base"/>
             <a:r>
               <a:rPr lang="en-US" sz="1200" b="1" i="0" kern="1200" dirty="0">
@@ -1036,10 +4676,10 @@
                 <a:ea typeface="+mn-ea"/>
                 <a:cs typeface="+mn-cs"/>
               </a:rPr>
-              <a:t>Loop </a:t>
-            </a:r>
-            <a:r>
-              <a:rPr lang="en-US" sz="1200" b="1" i="0" kern="1200" dirty="0" err="1">
+              <a:t>Loop termination:</a:t>
+            </a:r>
+            <a:r>
+              <a:rPr lang="uk-UA" sz="1200" b="1" i="0" kern="1200" dirty="0">
                 <a:solidFill>
                   <a:schemeClr val="tx1"/>
                 </a:solidFill>
@@ -1048,10 +4688,10 @@
                 <a:ea typeface="+mn-ea"/>
                 <a:cs typeface="+mn-cs"/>
               </a:rPr>
-              <a:t>termination:</a:t>
-            </a:r>
-            <a:r>
-              <a:rPr lang="en-US" sz="1200" b="0" i="0" kern="1200" dirty="0" err="1">
+              <a:t> </a:t>
+            </a:r>
+            <a:r>
+              <a:rPr lang="en-US" sz="1200" b="0" i="0" kern="1200" dirty="0">
                 <a:solidFill>
                   <a:schemeClr val="tx1"/>
                 </a:solidFill>
@@ -1060,23 +4700,11 @@
                 <a:ea typeface="+mn-ea"/>
                 <a:cs typeface="+mn-cs"/>
               </a:rPr>
-              <a:t>When</a:t>
-            </a:r>
-            <a:r>
-              <a:rPr lang="en-US" sz="1200" b="0" i="0" kern="1200">
-                <a:solidFill>
-                  <a:schemeClr val="tx1"/>
-                </a:solidFill>
-                <a:effectLst/>
-                <a:latin typeface="+mn-lt"/>
-                <a:ea typeface="+mn-ea"/>
-                <a:cs typeface="+mn-cs"/>
-              </a:rPr>
-              <a:t> the condition becomes false, the loop terminates marking the end of its life cycle.</a:t>
-            </a:r>
-          </a:p>
-          <a:p>
-            <a:endParaRPr lang="uk-UA"/>
+              <a:t>When the condition becomes false, the loop terminates marking the end of its life cycle.</a:t>
+            </a:r>
+          </a:p>
+          <a:p>
+            <a:endParaRPr lang="uk-UA" dirty="0"/>
           </a:p>
         </p:txBody>
       </p:sp>
@@ -1097,7 +4725,7 @@
           <a:p>
             <a:fld id="{C6B9B3CE-BC21-41F4-8896-5AF0EBA9693C}" type="slidenum">
               <a:rPr lang="uk-UA" smtClean="0"/>
-              <a:t>8</a:t>
+              <a:t>14</a:t>
             </a:fld>
             <a:endParaRPr lang="uk-UA"/>
           </a:p>
@@ -6274,7 +9902,7 @@
           <p:cNvPr id="2" name="Заголовок 1">
             <a:extLst>
               <a:ext uri="{FF2B5EF4-FFF2-40B4-BE49-F238E27FC236}">
-                <a16:creationId xmlns:a16="http://schemas.microsoft.com/office/drawing/2014/main" id="{F18364EC-DAFA-4F05-9138-5FEE8236AD93}"/>
+                <a16:creationId xmlns:a16="http://schemas.microsoft.com/office/drawing/2014/main" id="{B8F7697E-CE22-496F-957C-3F60B03DA2C9}"/>
               </a:ext>
             </a:extLst>
           </p:cNvPr>
@@ -6296,20 +9924,53 @@
               </a:lnSpc>
             </a:pPr>
             <a:r>
-              <a:rPr lang="en-US" sz="6000" dirty="0"/>
-              <a:t>Strict mode</a:t>
-            </a:r>
-            <a:br>
-              <a:rPr lang="en-US" dirty="0"/>
-            </a:br>
-            <a:endParaRPr lang="uk-UA" dirty="0"/>
-          </a:p>
-        </p:txBody>
-      </p:sp>
+              <a:rPr lang="en-US" sz="4000" dirty="0"/>
+              <a:t>do while loop</a:t>
+            </a:r>
+            <a:endParaRPr lang="uk-UA" sz="4000" dirty="0"/>
+          </a:p>
+        </p:txBody>
+      </p:sp>
+      <p:pic>
+        <p:nvPicPr>
+          <p:cNvPr id="5" name="Рисунок 4">
+            <a:extLst>
+              <a:ext uri="{FF2B5EF4-FFF2-40B4-BE49-F238E27FC236}">
+                <a16:creationId xmlns:a16="http://schemas.microsoft.com/office/drawing/2014/main" id="{B0A9B49D-1D05-4B44-A6A3-080363AFF2E6}"/>
+              </a:ext>
+            </a:extLst>
+          </p:cNvPr>
+          <p:cNvPicPr>
+            <a:picLocks noChangeAspect="1"/>
+          </p:cNvPicPr>
+          <p:nvPr/>
+        </p:nvPicPr>
+        <p:blipFill>
+          <a:blip r:embed="rId3">
+            <a:extLst>
+              <a:ext uri="{28A0092B-C50C-407E-A947-70E740481C1C}">
+                <a14:useLocalDpi xmlns:a14="http://schemas.microsoft.com/office/drawing/2010/main" val="0"/>
+              </a:ext>
+            </a:extLst>
+          </a:blip>
+          <a:stretch>
+            <a:fillRect/>
+          </a:stretch>
+        </p:blipFill>
+        <p:spPr>
+          <a:xfrm>
+            <a:off x="2762167" y="1835911"/>
+            <a:ext cx="6667665" cy="2500375"/>
+          </a:xfrm>
+          <a:prstGeom prst="rect">
+            <a:avLst/>
+          </a:prstGeom>
+        </p:spPr>
+      </p:pic>
     </p:spTree>
     <p:extLst>
       <p:ext uri="{BB962C8B-B14F-4D97-AF65-F5344CB8AC3E}">
-        <p14:creationId xmlns:p14="http://schemas.microsoft.com/office/powerpoint/2010/main" val="3859329213"/>
+        <p14:creationId xmlns:p14="http://schemas.microsoft.com/office/powerpoint/2010/main" val="1597850836"/>
       </p:ext>
     </p:extLst>
   </p:cSld>
@@ -6341,7 +10002,7 @@
           <p:cNvPr id="2" name="Заголовок 1">
             <a:extLst>
               <a:ext uri="{FF2B5EF4-FFF2-40B4-BE49-F238E27FC236}">
-                <a16:creationId xmlns:a16="http://schemas.microsoft.com/office/drawing/2014/main" id="{C539E99D-7C2E-404C-95EA-2011AA5F66F2}"/>
+                <a16:creationId xmlns:a16="http://schemas.microsoft.com/office/drawing/2014/main" id="{8A69962D-5E1D-47E6-A724-71F7462155CA}"/>
               </a:ext>
             </a:extLst>
           </p:cNvPr>
@@ -6363,12 +10024,230 @@
               </a:lnSpc>
             </a:pPr>
             <a:r>
+              <a:rPr lang="en-US" sz="2400" dirty="0">
+                <a:latin typeface="Open Sans" panose="020B0604020202020204" charset="0"/>
+                <a:ea typeface="Open Sans" panose="020B0604020202020204" charset="0"/>
+                <a:cs typeface="Open Sans" panose="020B0604020202020204" charset="0"/>
+              </a:rPr>
+              <a:t>Flowchart:</a:t>
+            </a:r>
+            <a:br>
+              <a:rPr lang="en-US" sz="2400" dirty="0">
+                <a:latin typeface="Open Sans" panose="020B0604020202020204" charset="0"/>
+                <a:ea typeface="Open Sans" panose="020B0604020202020204" charset="0"/>
+                <a:cs typeface="Open Sans" panose="020B0604020202020204" charset="0"/>
+              </a:rPr>
+            </a:br>
+            <a:endParaRPr lang="uk-UA" sz="2400" dirty="0">
+              <a:latin typeface="Open Sans" panose="020B0604020202020204" charset="0"/>
+              <a:ea typeface="Open Sans" panose="020B0604020202020204" charset="0"/>
+              <a:cs typeface="Open Sans" panose="020B0604020202020204" charset="0"/>
+            </a:endParaRPr>
+          </a:p>
+        </p:txBody>
+      </p:sp>
+      <p:pic>
+        <p:nvPicPr>
+          <p:cNvPr id="5" name="Рисунок 4">
+            <a:extLst>
+              <a:ext uri="{FF2B5EF4-FFF2-40B4-BE49-F238E27FC236}">
+                <a16:creationId xmlns:a16="http://schemas.microsoft.com/office/drawing/2014/main" id="{E4DD292B-8041-4A67-A126-D87D64BF54A6}"/>
+              </a:ext>
+            </a:extLst>
+          </p:cNvPr>
+          <p:cNvPicPr>
+            <a:picLocks noChangeAspect="1"/>
+          </p:cNvPicPr>
+          <p:nvPr/>
+        </p:nvPicPr>
+        <p:blipFill>
+          <a:blip r:embed="rId3">
+            <a:extLst>
+              <a:ext uri="{28A0092B-C50C-407E-A947-70E740481C1C}">
+                <a14:useLocalDpi xmlns:a14="http://schemas.microsoft.com/office/drawing/2010/main" val="0"/>
+              </a:ext>
+            </a:extLst>
+          </a:blip>
+          <a:stretch>
+            <a:fillRect/>
+          </a:stretch>
+        </p:blipFill>
+        <p:spPr>
+          <a:xfrm>
+            <a:off x="2013709" y="1149279"/>
+            <a:ext cx="8164582" cy="4559441"/>
+          </a:xfrm>
+          <a:prstGeom prst="rect">
+            <a:avLst/>
+          </a:prstGeom>
+        </p:spPr>
+      </p:pic>
+    </p:spTree>
+    <p:extLst>
+      <p:ext uri="{BB962C8B-B14F-4D97-AF65-F5344CB8AC3E}">
+        <p14:creationId xmlns:p14="http://schemas.microsoft.com/office/powerpoint/2010/main" val="2884738851"/>
+      </p:ext>
+    </p:extLst>
+  </p:cSld>
+  <p:clrMapOvr>
+    <a:masterClrMapping/>
+  </p:clrMapOvr>
+</p:sld>
+</file>
+
+<file path=ppt/slides/slide12.xml><?xml version="1.0" encoding="utf-8"?>
+<p:sld xmlns:a="http://schemas.openxmlformats.org/drawingml/2006/main" xmlns:r="http://schemas.openxmlformats.org/officeDocument/2006/relationships" xmlns:p="http://schemas.openxmlformats.org/presentationml/2006/main">
+  <p:cSld>
+    <p:spTree>
+      <p:nvGrpSpPr>
+        <p:cNvPr id="1" name=""/>
+        <p:cNvGrpSpPr/>
+        <p:nvPr/>
+      </p:nvGrpSpPr>
+      <p:grpSpPr>
+        <a:xfrm>
+          <a:off x="0" y="0"/>
+          <a:ext cx="0" cy="0"/>
+          <a:chOff x="0" y="0"/>
+          <a:chExt cx="0" cy="0"/>
+        </a:xfrm>
+      </p:grpSpPr>
+      <p:sp>
+        <p:nvSpPr>
+          <p:cNvPr id="2" name="Заголовок 1">
+            <a:extLst>
+              <a:ext uri="{FF2B5EF4-FFF2-40B4-BE49-F238E27FC236}">
+                <a16:creationId xmlns:a16="http://schemas.microsoft.com/office/drawing/2014/main" id="{0AACB2AA-0A94-4EFC-9C85-2E998A756890}"/>
+              </a:ext>
+            </a:extLst>
+          </p:cNvPr>
+          <p:cNvSpPr>
+            <a:spLocks noGrp="1"/>
+          </p:cNvSpPr>
+          <p:nvPr>
+            <p:ph type="title"/>
+          </p:nvPr>
+        </p:nvSpPr>
+        <p:spPr/>
+        <p:txBody>
+          <a:bodyPr/>
+          <a:lstStyle/>
+          <a:p>
+            <a:r>
+              <a:rPr lang="en-US" sz="100" dirty="0"/>
+              <a:t>.</a:t>
+            </a:r>
+            <a:endParaRPr lang="uk-UA" sz="100" dirty="0"/>
+          </a:p>
+        </p:txBody>
+      </p:sp>
+      <p:pic>
+        <p:nvPicPr>
+          <p:cNvPr id="5" name="Рисунок 4">
+            <a:extLst>
+              <a:ext uri="{FF2B5EF4-FFF2-40B4-BE49-F238E27FC236}">
+                <a16:creationId xmlns:a16="http://schemas.microsoft.com/office/drawing/2014/main" id="{891250F2-1FE6-4C49-B2BC-7C5EA6CBF902}"/>
+              </a:ext>
+            </a:extLst>
+          </p:cNvPr>
+          <p:cNvPicPr>
+            <a:picLocks noChangeAspect="1"/>
+          </p:cNvPicPr>
+          <p:nvPr/>
+        </p:nvPicPr>
+        <p:blipFill>
+          <a:blip r:embed="rId2">
+            <a:extLst>
+              <a:ext uri="{28A0092B-C50C-407E-A947-70E740481C1C}">
+                <a14:useLocalDpi xmlns:a14="http://schemas.microsoft.com/office/drawing/2010/main" val="0"/>
+              </a:ext>
+            </a:extLst>
+          </a:blip>
+          <a:stretch>
+            <a:fillRect/>
+          </a:stretch>
+        </p:blipFill>
+        <p:spPr>
+          <a:xfrm>
+            <a:off x="2802081" y="973354"/>
+            <a:ext cx="6587837" cy="4911291"/>
+          </a:xfrm>
+          <a:prstGeom prst="rect">
+            <a:avLst/>
+          </a:prstGeom>
+        </p:spPr>
+      </p:pic>
+    </p:spTree>
+    <p:extLst>
+      <p:ext uri="{BB962C8B-B14F-4D97-AF65-F5344CB8AC3E}">
+        <p14:creationId xmlns:p14="http://schemas.microsoft.com/office/powerpoint/2010/main" val="1327857964"/>
+      </p:ext>
+    </p:extLst>
+  </p:cSld>
+  <p:clrMapOvr>
+    <a:masterClrMapping/>
+  </p:clrMapOvr>
+</p:sld>
+</file>
+
+<file path=ppt/slides/slide13.xml><?xml version="1.0" encoding="utf-8"?>
+<p:sld xmlns:a="http://schemas.openxmlformats.org/drawingml/2006/main" xmlns:r="http://schemas.openxmlformats.org/officeDocument/2006/relationships" xmlns:p="http://schemas.openxmlformats.org/presentationml/2006/main">
+  <p:cSld>
+    <p:spTree>
+      <p:nvGrpSpPr>
+        <p:cNvPr id="1" name=""/>
+        <p:cNvGrpSpPr/>
+        <p:nvPr/>
+      </p:nvGrpSpPr>
+      <p:grpSpPr>
+        <a:xfrm>
+          <a:off x="0" y="0"/>
+          <a:ext cx="0" cy="0"/>
+          <a:chOff x="0" y="0"/>
+          <a:chExt cx="0" cy="0"/>
+        </a:xfrm>
+      </p:grpSpPr>
+      <p:sp>
+        <p:nvSpPr>
+          <p:cNvPr id="2" name="Заголовок 1">
+            <a:extLst>
+              <a:ext uri="{FF2B5EF4-FFF2-40B4-BE49-F238E27FC236}">
+                <a16:creationId xmlns:a16="http://schemas.microsoft.com/office/drawing/2014/main" id="{F5C43290-24A5-4637-ABFE-B40B343E344F}"/>
+              </a:ext>
+            </a:extLst>
+          </p:cNvPr>
+          <p:cNvSpPr>
+            <a:spLocks noGrp="1"/>
+          </p:cNvSpPr>
+          <p:nvPr>
+            <p:ph type="title"/>
+          </p:nvPr>
+        </p:nvSpPr>
+        <p:spPr/>
+        <p:txBody>
+          <a:bodyPr/>
+          <a:lstStyle/>
+          <a:p>
+            <a:pPr>
+              <a:lnSpc>
+                <a:spcPct val="100000"/>
+              </a:lnSpc>
+            </a:pPr>
+            <a:r>
               <a:rPr lang="en-US" sz="4000" dirty="0"/>
-              <a:t>Links</a:t>
+              <a:t>for loop</a:t>
             </a:r>
             <a:br>
               <a:rPr lang="en-US" sz="4000" dirty="0"/>
             </a:br>
+            <a:r>
+              <a:rPr lang="en-US" sz="2400" dirty="0">
+                <a:latin typeface="Open Sans" panose="020B0604020202020204" charset="0"/>
+                <a:ea typeface="Open Sans" panose="020B0604020202020204" charset="0"/>
+                <a:cs typeface="Open Sans" panose="020B0604020202020204" charset="0"/>
+              </a:rPr>
+              <a:t>The most frequently used loop in JavaScript is the for-loop. The for loop has the following syntax:</a:t>
+            </a:r>
             <a:br>
               <a:rPr lang="en-US" sz="2400" dirty="0">
                 <a:latin typeface="Open Sans" panose="020B0604020202020204" charset="0"/>
@@ -6376,52 +10255,804 @@
                 <a:cs typeface="Open Sans" panose="020B0604020202020204" charset="0"/>
               </a:rPr>
             </a:br>
-            <a:r>
-              <a:rPr lang="en-US" sz="2400" dirty="0">
-                <a:latin typeface="Open Sans" panose="020B0604020202020204" charset="0"/>
-                <a:ea typeface="Open Sans" panose="020B0604020202020204" charset="0"/>
-                <a:cs typeface="Open Sans" panose="020B0604020202020204" charset="0"/>
-              </a:rPr>
-              <a:t>1.</a:t>
-            </a:r>
-            <a:br>
-              <a:rPr lang="en-US" sz="2400" dirty="0">
-                <a:latin typeface="Open Sans" panose="020B0604020202020204" charset="0"/>
-                <a:ea typeface="Open Sans" panose="020B0604020202020204" charset="0"/>
-                <a:cs typeface="Open Sans" panose="020B0604020202020204" charset="0"/>
-              </a:rPr>
-            </a:br>
-            <a:r>
-              <a:rPr lang="en-US" sz="2400" dirty="0">
-                <a:latin typeface="Open Sans" panose="020B0604020202020204" charset="0"/>
-                <a:ea typeface="Open Sans" panose="020B0604020202020204" charset="0"/>
-                <a:cs typeface="Open Sans" panose="020B0604020202020204" charset="0"/>
-              </a:rPr>
-              <a:t>2.</a:t>
-            </a:r>
-            <a:br>
-              <a:rPr lang="en-US" sz="2400" dirty="0">
-                <a:latin typeface="Open Sans" panose="020B0604020202020204" charset="0"/>
-                <a:ea typeface="Open Sans" panose="020B0604020202020204" charset="0"/>
-                <a:cs typeface="Open Sans" panose="020B0604020202020204" charset="0"/>
-              </a:rPr>
-            </a:br>
-            <a:r>
-              <a:rPr lang="en-US" sz="2400">
-                <a:latin typeface="Open Sans" panose="020B0604020202020204" charset="0"/>
-                <a:ea typeface="Open Sans" panose="020B0604020202020204" charset="0"/>
-                <a:cs typeface="Open Sans" panose="020B0604020202020204" charset="0"/>
-              </a:rPr>
-              <a:t>3.</a:t>
-            </a:r>
-            <a:endParaRPr lang="uk-UA" sz="4000" dirty="0"/>
-          </a:p>
-        </p:txBody>
-      </p:sp>
+            <a:endParaRPr lang="uk-UA" sz="2400" dirty="0">
+              <a:latin typeface="Open Sans" panose="020B0604020202020204" charset="0"/>
+              <a:ea typeface="Open Sans" panose="020B0604020202020204" charset="0"/>
+              <a:cs typeface="Open Sans" panose="020B0604020202020204" charset="0"/>
+            </a:endParaRPr>
+          </a:p>
+        </p:txBody>
+      </p:sp>
+      <p:pic>
+        <p:nvPicPr>
+          <p:cNvPr id="9" name="Рисунок 8">
+            <a:extLst>
+              <a:ext uri="{FF2B5EF4-FFF2-40B4-BE49-F238E27FC236}">
+                <a16:creationId xmlns:a16="http://schemas.microsoft.com/office/drawing/2014/main" id="{4B4DE349-4833-48DB-9FCA-BE698C189314}"/>
+              </a:ext>
+            </a:extLst>
+          </p:cNvPr>
+          <p:cNvPicPr>
+            <a:picLocks noChangeAspect="1"/>
+          </p:cNvPicPr>
+          <p:nvPr/>
+        </p:nvPicPr>
+        <p:blipFill>
+          <a:blip r:embed="rId3">
+            <a:extLst>
+              <a:ext uri="{28A0092B-C50C-407E-A947-70E740481C1C}">
+                <a14:useLocalDpi xmlns:a14="http://schemas.microsoft.com/office/drawing/2010/main" val="0"/>
+              </a:ext>
+            </a:extLst>
+          </a:blip>
+          <a:stretch>
+            <a:fillRect/>
+          </a:stretch>
+        </p:blipFill>
+        <p:spPr>
+          <a:xfrm>
+            <a:off x="1937881" y="3086099"/>
+            <a:ext cx="8316237" cy="2073603"/>
+          </a:xfrm>
+          <a:prstGeom prst="rect">
+            <a:avLst/>
+          </a:prstGeom>
+        </p:spPr>
+      </p:pic>
     </p:spTree>
     <p:extLst>
       <p:ext uri="{BB962C8B-B14F-4D97-AF65-F5344CB8AC3E}">
-        <p14:creationId xmlns:p14="http://schemas.microsoft.com/office/powerpoint/2010/main" val="280159713"/>
+        <p14:creationId xmlns:p14="http://schemas.microsoft.com/office/powerpoint/2010/main" val="889611468"/>
+      </p:ext>
+    </p:extLst>
+  </p:cSld>
+  <p:clrMapOvr>
+    <a:masterClrMapping/>
+  </p:clrMapOvr>
+</p:sld>
+</file>
+
+<file path=ppt/slides/slide14.xml><?xml version="1.0" encoding="utf-8"?>
+<p:sld xmlns:a="http://schemas.openxmlformats.org/drawingml/2006/main" xmlns:r="http://schemas.openxmlformats.org/officeDocument/2006/relationships" xmlns:p="http://schemas.openxmlformats.org/presentationml/2006/main">
+  <p:cSld>
+    <p:spTree>
+      <p:nvGrpSpPr>
+        <p:cNvPr id="1" name=""/>
+        <p:cNvGrpSpPr/>
+        <p:nvPr/>
+      </p:nvGrpSpPr>
+      <p:grpSpPr>
+        <a:xfrm>
+          <a:off x="0" y="0"/>
+          <a:ext cx="0" cy="0"/>
+          <a:chOff x="0" y="0"/>
+          <a:chExt cx="0" cy="0"/>
+        </a:xfrm>
+      </p:grpSpPr>
+      <p:sp>
+        <p:nvSpPr>
+          <p:cNvPr id="2" name="Заголовок 1">
+            <a:extLst>
+              <a:ext uri="{FF2B5EF4-FFF2-40B4-BE49-F238E27FC236}">
+                <a16:creationId xmlns:a16="http://schemas.microsoft.com/office/drawing/2014/main" id="{1ECEAD2E-D0EB-48F1-9EB5-A00B56D7A693}"/>
+              </a:ext>
+            </a:extLst>
+          </p:cNvPr>
+          <p:cNvSpPr>
+            <a:spLocks noGrp="1"/>
+          </p:cNvSpPr>
+          <p:nvPr>
+            <p:ph type="title"/>
+          </p:nvPr>
+        </p:nvSpPr>
+        <p:spPr/>
+        <p:txBody>
+          <a:bodyPr/>
+          <a:lstStyle/>
+          <a:p>
+            <a:pPr>
+              <a:lnSpc>
+                <a:spcPct val="100000"/>
+              </a:lnSpc>
+            </a:pPr>
+            <a:r>
+              <a:rPr lang="en-US" sz="2400" dirty="0">
+                <a:latin typeface="Open Sans" panose="020B0604020202020204" charset="0"/>
+                <a:ea typeface="Open Sans" panose="020B0604020202020204" charset="0"/>
+                <a:cs typeface="Open Sans" panose="020B0604020202020204" charset="0"/>
+              </a:rPr>
+              <a:t>Flowchart:</a:t>
+            </a:r>
+            <a:br>
+              <a:rPr lang="en-US" sz="2400" dirty="0">
+                <a:latin typeface="Open Sans" panose="020B0604020202020204" charset="0"/>
+                <a:ea typeface="Open Sans" panose="020B0604020202020204" charset="0"/>
+                <a:cs typeface="Open Sans" panose="020B0604020202020204" charset="0"/>
+              </a:rPr>
+            </a:br>
+            <a:endParaRPr lang="uk-UA" sz="2400" dirty="0">
+              <a:latin typeface="Open Sans" panose="020B0604020202020204" charset="0"/>
+              <a:ea typeface="Open Sans" panose="020B0604020202020204" charset="0"/>
+              <a:cs typeface="Open Sans" panose="020B0604020202020204" charset="0"/>
+            </a:endParaRPr>
+          </a:p>
+        </p:txBody>
+      </p:sp>
+      <p:pic>
+        <p:nvPicPr>
+          <p:cNvPr id="5" name="Рисунок 4">
+            <a:extLst>
+              <a:ext uri="{FF2B5EF4-FFF2-40B4-BE49-F238E27FC236}">
+                <a16:creationId xmlns:a16="http://schemas.microsoft.com/office/drawing/2014/main" id="{E46F531F-75A6-43F7-9064-8849145775F0}"/>
+              </a:ext>
+            </a:extLst>
+          </p:cNvPr>
+          <p:cNvPicPr>
+            <a:picLocks noChangeAspect="1"/>
+          </p:cNvPicPr>
+          <p:nvPr/>
+        </p:nvPicPr>
+        <p:blipFill>
+          <a:blip r:embed="rId3">
+            <a:extLst>
+              <a:ext uri="{28A0092B-C50C-407E-A947-70E740481C1C}">
+                <a14:useLocalDpi xmlns:a14="http://schemas.microsoft.com/office/drawing/2010/main" val="0"/>
+              </a:ext>
+            </a:extLst>
+          </a:blip>
+          <a:stretch>
+            <a:fillRect/>
+          </a:stretch>
+        </p:blipFill>
+        <p:spPr>
+          <a:xfrm>
+            <a:off x="1085087" y="1371600"/>
+            <a:ext cx="10021825" cy="4114800"/>
+          </a:xfrm>
+          <a:prstGeom prst="rect">
+            <a:avLst/>
+          </a:prstGeom>
+        </p:spPr>
+      </p:pic>
+    </p:spTree>
+    <p:extLst>
+      <p:ext uri="{BB962C8B-B14F-4D97-AF65-F5344CB8AC3E}">
+        <p14:creationId xmlns:p14="http://schemas.microsoft.com/office/powerpoint/2010/main" val="3258691789"/>
+      </p:ext>
+    </p:extLst>
+  </p:cSld>
+  <p:clrMapOvr>
+    <a:masterClrMapping/>
+  </p:clrMapOvr>
+</p:sld>
+</file>
+
+<file path=ppt/slides/slide15.xml><?xml version="1.0" encoding="utf-8"?>
+<p:sld xmlns:a="http://schemas.openxmlformats.org/drawingml/2006/main" xmlns:r="http://schemas.openxmlformats.org/officeDocument/2006/relationships" xmlns:p="http://schemas.openxmlformats.org/presentationml/2006/main">
+  <p:cSld>
+    <p:spTree>
+      <p:nvGrpSpPr>
+        <p:cNvPr id="1" name=""/>
+        <p:cNvGrpSpPr/>
+        <p:nvPr/>
+      </p:nvGrpSpPr>
+      <p:grpSpPr>
+        <a:xfrm>
+          <a:off x="0" y="0"/>
+          <a:ext cx="0" cy="0"/>
+          <a:chOff x="0" y="0"/>
+          <a:chExt cx="0" cy="0"/>
+        </a:xfrm>
+      </p:grpSpPr>
+      <p:sp>
+        <p:nvSpPr>
+          <p:cNvPr id="2" name="Заголовок 1">
+            <a:extLst>
+              <a:ext uri="{FF2B5EF4-FFF2-40B4-BE49-F238E27FC236}">
+                <a16:creationId xmlns:a16="http://schemas.microsoft.com/office/drawing/2014/main" id="{40148B06-D762-4DCE-BED5-06DB5611122E}"/>
+              </a:ext>
+            </a:extLst>
+          </p:cNvPr>
+          <p:cNvSpPr>
+            <a:spLocks noGrp="1"/>
+          </p:cNvSpPr>
+          <p:nvPr>
+            <p:ph type="title"/>
+          </p:nvPr>
+        </p:nvSpPr>
+        <p:spPr/>
+        <p:txBody>
+          <a:bodyPr/>
+          <a:lstStyle/>
+          <a:p>
+            <a:r>
+              <a:rPr lang="en-US" sz="100" dirty="0"/>
+              <a:t>.</a:t>
+            </a:r>
+            <a:endParaRPr lang="uk-UA" sz="100" dirty="0"/>
+          </a:p>
+        </p:txBody>
+      </p:sp>
+      <p:pic>
+        <p:nvPicPr>
+          <p:cNvPr id="5" name="Рисунок 4">
+            <a:extLst>
+              <a:ext uri="{FF2B5EF4-FFF2-40B4-BE49-F238E27FC236}">
+                <a16:creationId xmlns:a16="http://schemas.microsoft.com/office/drawing/2014/main" id="{23702232-705A-4691-B2A4-E1A47FC16661}"/>
+              </a:ext>
+            </a:extLst>
+          </p:cNvPr>
+          <p:cNvPicPr>
+            <a:picLocks noChangeAspect="1"/>
+          </p:cNvPicPr>
+          <p:nvPr/>
+        </p:nvPicPr>
+        <p:blipFill>
+          <a:blip r:embed="rId3">
+            <a:extLst>
+              <a:ext uri="{28A0092B-C50C-407E-A947-70E740481C1C}">
+                <a14:useLocalDpi xmlns:a14="http://schemas.microsoft.com/office/drawing/2010/main" val="0"/>
+              </a:ext>
+            </a:extLst>
+          </a:blip>
+          <a:stretch>
+            <a:fillRect/>
+          </a:stretch>
+        </p:blipFill>
+        <p:spPr>
+          <a:xfrm>
+            <a:off x="2550968" y="651559"/>
+            <a:ext cx="7090064" cy="4869080"/>
+          </a:xfrm>
+          <a:prstGeom prst="rect">
+            <a:avLst/>
+          </a:prstGeom>
+        </p:spPr>
+      </p:pic>
+    </p:spTree>
+    <p:extLst>
+      <p:ext uri="{BB962C8B-B14F-4D97-AF65-F5344CB8AC3E}">
+        <p14:creationId xmlns:p14="http://schemas.microsoft.com/office/powerpoint/2010/main" val="1076063425"/>
+      </p:ext>
+    </p:extLst>
+  </p:cSld>
+  <p:clrMapOvr>
+    <a:masterClrMapping/>
+  </p:clrMapOvr>
+</p:sld>
+</file>
+
+<file path=ppt/slides/slide16.xml><?xml version="1.0" encoding="utf-8"?>
+<p:sld xmlns:a="http://schemas.openxmlformats.org/drawingml/2006/main" xmlns:r="http://schemas.openxmlformats.org/officeDocument/2006/relationships" xmlns:p="http://schemas.openxmlformats.org/presentationml/2006/main">
+  <p:cSld>
+    <p:spTree>
+      <p:nvGrpSpPr>
+        <p:cNvPr id="1" name=""/>
+        <p:cNvGrpSpPr/>
+        <p:nvPr/>
+      </p:nvGrpSpPr>
+      <p:grpSpPr>
+        <a:xfrm>
+          <a:off x="0" y="0"/>
+          <a:ext cx="0" cy="0"/>
+          <a:chOff x="0" y="0"/>
+          <a:chExt cx="0" cy="0"/>
+        </a:xfrm>
+      </p:grpSpPr>
+      <p:sp>
+        <p:nvSpPr>
+          <p:cNvPr id="2" name="Заголовок 1">
+            <a:extLst>
+              <a:ext uri="{FF2B5EF4-FFF2-40B4-BE49-F238E27FC236}">
+                <a16:creationId xmlns:a16="http://schemas.microsoft.com/office/drawing/2014/main" id="{7037FE46-F2BD-4100-BDB8-AA1AB6EA2894}"/>
+              </a:ext>
+            </a:extLst>
+          </p:cNvPr>
+          <p:cNvSpPr>
+            <a:spLocks noGrp="1"/>
+          </p:cNvSpPr>
+          <p:nvPr>
+            <p:ph type="title"/>
+          </p:nvPr>
+        </p:nvSpPr>
+        <p:spPr/>
+        <p:txBody>
+          <a:bodyPr/>
+          <a:lstStyle/>
+          <a:p>
+            <a:pPr>
+              <a:lnSpc>
+                <a:spcPct val="100000"/>
+              </a:lnSpc>
+            </a:pPr>
+            <a:r>
+              <a:rPr lang="en-US" sz="2400" dirty="0">
+                <a:latin typeface="Open Sans" panose="020B0604020202020204" charset="0"/>
+                <a:ea typeface="Open Sans" panose="020B0604020202020204" charset="0"/>
+                <a:cs typeface="Open Sans" panose="020B0604020202020204" charset="0"/>
+              </a:rPr>
+              <a:t>The for loop is particularly useful for iterating over an array.</a:t>
+            </a:r>
+            <a:br>
+              <a:rPr lang="en-US" sz="2400" dirty="0">
+                <a:latin typeface="Open Sans" panose="020B0604020202020204" charset="0"/>
+                <a:ea typeface="Open Sans" panose="020B0604020202020204" charset="0"/>
+                <a:cs typeface="Open Sans" panose="020B0604020202020204" charset="0"/>
+              </a:rPr>
+            </a:br>
+            <a:br>
+              <a:rPr lang="en-US" sz="2400" dirty="0">
+                <a:latin typeface="Open Sans" panose="020B0604020202020204" charset="0"/>
+                <a:ea typeface="Open Sans" panose="020B0604020202020204" charset="0"/>
+                <a:cs typeface="Open Sans" panose="020B0604020202020204" charset="0"/>
+              </a:rPr>
+            </a:br>
+            <a:endParaRPr lang="uk-UA" sz="2400" dirty="0">
+              <a:latin typeface="Open Sans" panose="020B0604020202020204" charset="0"/>
+              <a:ea typeface="Open Sans" panose="020B0604020202020204" charset="0"/>
+              <a:cs typeface="Open Sans" panose="020B0604020202020204" charset="0"/>
+            </a:endParaRPr>
+          </a:p>
+        </p:txBody>
+      </p:sp>
+      <p:pic>
+        <p:nvPicPr>
+          <p:cNvPr id="6" name="Рисунок 5">
+            <a:extLst>
+              <a:ext uri="{FF2B5EF4-FFF2-40B4-BE49-F238E27FC236}">
+                <a16:creationId xmlns:a16="http://schemas.microsoft.com/office/drawing/2014/main" id="{FF031B9E-79ED-4CCF-AB43-89FF8C4E7D35}"/>
+              </a:ext>
+            </a:extLst>
+          </p:cNvPr>
+          <p:cNvPicPr>
+            <a:picLocks noChangeAspect="1"/>
+          </p:cNvPicPr>
+          <p:nvPr/>
+        </p:nvPicPr>
+        <p:blipFill>
+          <a:blip r:embed="rId3">
+            <a:extLst>
+              <a:ext uri="{28A0092B-C50C-407E-A947-70E740481C1C}">
+                <a14:useLocalDpi xmlns:a14="http://schemas.microsoft.com/office/drawing/2010/main" val="0"/>
+              </a:ext>
+            </a:extLst>
+          </a:blip>
+          <a:stretch>
+            <a:fillRect/>
+          </a:stretch>
+        </p:blipFill>
+        <p:spPr>
+          <a:xfrm>
+            <a:off x="3096209" y="1371600"/>
+            <a:ext cx="5999581" cy="4092023"/>
+          </a:xfrm>
+          <a:prstGeom prst="rect">
+            <a:avLst/>
+          </a:prstGeom>
+        </p:spPr>
+      </p:pic>
+    </p:spTree>
+    <p:extLst>
+      <p:ext uri="{BB962C8B-B14F-4D97-AF65-F5344CB8AC3E}">
+        <p14:creationId xmlns:p14="http://schemas.microsoft.com/office/powerpoint/2010/main" val="1185541293"/>
+      </p:ext>
+    </p:extLst>
+  </p:cSld>
+  <p:clrMapOvr>
+    <a:masterClrMapping/>
+  </p:clrMapOvr>
+</p:sld>
+</file>
+
+<file path=ppt/slides/slide17.xml><?xml version="1.0" encoding="utf-8"?>
+<p:sld xmlns:a="http://schemas.openxmlformats.org/drawingml/2006/main" xmlns:r="http://schemas.openxmlformats.org/officeDocument/2006/relationships" xmlns:p="http://schemas.openxmlformats.org/presentationml/2006/main">
+  <p:cSld>
+    <p:spTree>
+      <p:nvGrpSpPr>
+        <p:cNvPr id="1" name=""/>
+        <p:cNvGrpSpPr/>
+        <p:nvPr/>
+      </p:nvGrpSpPr>
+      <p:grpSpPr>
+        <a:xfrm>
+          <a:off x="0" y="0"/>
+          <a:ext cx="0" cy="0"/>
+          <a:chOff x="0" y="0"/>
+          <a:chExt cx="0" cy="0"/>
+        </a:xfrm>
+      </p:grpSpPr>
+      <p:sp>
+        <p:nvSpPr>
+          <p:cNvPr id="2" name="Заголовок 1">
+            <a:extLst>
+              <a:ext uri="{FF2B5EF4-FFF2-40B4-BE49-F238E27FC236}">
+                <a16:creationId xmlns:a16="http://schemas.microsoft.com/office/drawing/2014/main" id="{29F433DB-277D-455A-A975-F6C43B8A6926}"/>
+              </a:ext>
+            </a:extLst>
+          </p:cNvPr>
+          <p:cNvSpPr>
+            <a:spLocks noGrp="1"/>
+          </p:cNvSpPr>
+          <p:nvPr>
+            <p:ph type="title"/>
+          </p:nvPr>
+        </p:nvSpPr>
+        <p:spPr/>
+        <p:txBody>
+          <a:bodyPr/>
+          <a:lstStyle/>
+          <a:p>
+            <a:pPr>
+              <a:lnSpc>
+                <a:spcPct val="100000"/>
+              </a:lnSpc>
+            </a:pPr>
+            <a:r>
+              <a:rPr lang="en-US" sz="4000" dirty="0"/>
+              <a:t>labeled statement</a:t>
+            </a:r>
+            <a:br>
+              <a:rPr lang="en-US" sz="4000" dirty="0"/>
+            </a:br>
+            <a:r>
+              <a:rPr lang="en-US" sz="2400" dirty="0">
+                <a:latin typeface="Open Sans" panose="020B0604020202020204" charset="0"/>
+                <a:ea typeface="Open Sans" panose="020B0604020202020204" charset="0"/>
+                <a:cs typeface="Open Sans" panose="020B0604020202020204" charset="0"/>
+              </a:rPr>
+              <a:t>A label provides a statement with an identifier that lets you refer to it elsewhere in your program. </a:t>
+            </a:r>
+            <a:endParaRPr lang="uk-UA" sz="2400" dirty="0">
+              <a:latin typeface="Open Sans" panose="020B0604020202020204" charset="0"/>
+              <a:ea typeface="Open Sans" panose="020B0604020202020204" charset="0"/>
+              <a:cs typeface="Open Sans" panose="020B0604020202020204" charset="0"/>
+            </a:endParaRPr>
+          </a:p>
+        </p:txBody>
+      </p:sp>
+      <p:pic>
+        <p:nvPicPr>
+          <p:cNvPr id="9" name="Рисунок 8">
+            <a:extLst>
+              <a:ext uri="{FF2B5EF4-FFF2-40B4-BE49-F238E27FC236}">
+                <a16:creationId xmlns:a16="http://schemas.microsoft.com/office/drawing/2014/main" id="{728D4E69-4909-4FE2-BD09-852127AEAEE9}"/>
+              </a:ext>
+            </a:extLst>
+          </p:cNvPr>
+          <p:cNvPicPr>
+            <a:picLocks noChangeAspect="1"/>
+          </p:cNvPicPr>
+          <p:nvPr/>
+        </p:nvPicPr>
+        <p:blipFill>
+          <a:blip r:embed="rId3">
+            <a:extLst>
+              <a:ext uri="{28A0092B-C50C-407E-A947-70E740481C1C}">
+                <a14:useLocalDpi xmlns:a14="http://schemas.microsoft.com/office/drawing/2010/main" val="0"/>
+              </a:ext>
+            </a:extLst>
+          </a:blip>
+          <a:stretch>
+            <a:fillRect/>
+          </a:stretch>
+        </p:blipFill>
+        <p:spPr>
+          <a:xfrm>
+            <a:off x="3440855" y="2824958"/>
+            <a:ext cx="5310290" cy="2266588"/>
+          </a:xfrm>
+          <a:prstGeom prst="rect">
+            <a:avLst/>
+          </a:prstGeom>
+        </p:spPr>
+      </p:pic>
+    </p:spTree>
+    <p:extLst>
+      <p:ext uri="{BB962C8B-B14F-4D97-AF65-F5344CB8AC3E}">
+        <p14:creationId xmlns:p14="http://schemas.microsoft.com/office/powerpoint/2010/main" val="204458003"/>
+      </p:ext>
+    </p:extLst>
+  </p:cSld>
+  <p:clrMapOvr>
+    <a:masterClrMapping/>
+  </p:clrMapOvr>
+</p:sld>
+</file>
+
+<file path=ppt/slides/slide18.xml><?xml version="1.0" encoding="utf-8"?>
+<p:sld xmlns:a="http://schemas.openxmlformats.org/drawingml/2006/main" xmlns:r="http://schemas.openxmlformats.org/officeDocument/2006/relationships" xmlns:p="http://schemas.openxmlformats.org/presentationml/2006/main">
+  <p:cSld>
+    <p:spTree>
+      <p:nvGrpSpPr>
+        <p:cNvPr id="1" name=""/>
+        <p:cNvGrpSpPr/>
+        <p:nvPr/>
+      </p:nvGrpSpPr>
+      <p:grpSpPr>
+        <a:xfrm>
+          <a:off x="0" y="0"/>
+          <a:ext cx="0" cy="0"/>
+          <a:chOff x="0" y="0"/>
+          <a:chExt cx="0" cy="0"/>
+        </a:xfrm>
+      </p:grpSpPr>
+      <p:sp>
+        <p:nvSpPr>
+          <p:cNvPr id="2" name="Заголовок 1">
+            <a:extLst>
+              <a:ext uri="{FF2B5EF4-FFF2-40B4-BE49-F238E27FC236}">
+                <a16:creationId xmlns:a16="http://schemas.microsoft.com/office/drawing/2014/main" id="{04DFB8CD-417A-4924-A27A-C3C5FA92DAD1}"/>
+              </a:ext>
+            </a:extLst>
+          </p:cNvPr>
+          <p:cNvSpPr>
+            <a:spLocks noGrp="1"/>
+          </p:cNvSpPr>
+          <p:nvPr>
+            <p:ph type="title"/>
+          </p:nvPr>
+        </p:nvSpPr>
+        <p:spPr/>
+        <p:txBody>
+          <a:bodyPr/>
+          <a:lstStyle/>
+          <a:p>
+            <a:pPr>
+              <a:lnSpc>
+                <a:spcPct val="100000"/>
+              </a:lnSpc>
+            </a:pPr>
+            <a:r>
+              <a:rPr lang="en-US" sz="4000" dirty="0"/>
+              <a:t>break statement</a:t>
+            </a:r>
+            <a:br>
+              <a:rPr lang="en-US" sz="4000" dirty="0"/>
+            </a:br>
+            <a:r>
+              <a:rPr lang="en-US" sz="2400" dirty="0">
+                <a:latin typeface="Open Sans" panose="020B0604020202020204" charset="0"/>
+                <a:ea typeface="Open Sans" panose="020B0604020202020204" charset="0"/>
+                <a:cs typeface="Open Sans" panose="020B0604020202020204" charset="0"/>
+              </a:rPr>
+              <a:t>Use the break statement to terminate a loop, switch, or in conjunction with a labeled statement.</a:t>
+            </a:r>
+            <a:br>
+              <a:rPr lang="en-US" sz="2400" dirty="0">
+                <a:latin typeface="Open Sans" panose="020B0604020202020204" charset="0"/>
+                <a:ea typeface="Open Sans" panose="020B0604020202020204" charset="0"/>
+                <a:cs typeface="Open Sans" panose="020B0604020202020204" charset="0"/>
+              </a:rPr>
+            </a:br>
+            <a:br>
+              <a:rPr lang="en-US" sz="2400" dirty="0">
+                <a:latin typeface="Open Sans" panose="020B0604020202020204" charset="0"/>
+                <a:ea typeface="Open Sans" panose="020B0604020202020204" charset="0"/>
+                <a:cs typeface="Open Sans" panose="020B0604020202020204" charset="0"/>
+              </a:rPr>
+            </a:br>
+            <a:r>
+              <a:rPr lang="en-US" sz="2400" dirty="0">
+                <a:latin typeface="Open Sans" panose="020B0604020202020204" charset="0"/>
+                <a:ea typeface="Open Sans" panose="020B0604020202020204" charset="0"/>
+                <a:cs typeface="Open Sans" panose="020B0604020202020204" charset="0"/>
+              </a:rPr>
+              <a:t>- When you use break without a label, it terminates the innermost enclosing while, do-while, for, or switch immediately and transfers control to the following statement.</a:t>
+            </a:r>
+            <a:br>
+              <a:rPr lang="en-US" sz="2400" dirty="0">
+                <a:latin typeface="Open Sans" panose="020B0604020202020204" charset="0"/>
+                <a:ea typeface="Open Sans" panose="020B0604020202020204" charset="0"/>
+                <a:cs typeface="Open Sans" panose="020B0604020202020204" charset="0"/>
+              </a:rPr>
+            </a:br>
+            <a:r>
+              <a:rPr lang="en-US" sz="2400" dirty="0">
+                <a:latin typeface="Open Sans" panose="020B0604020202020204" charset="0"/>
+                <a:ea typeface="Open Sans" panose="020B0604020202020204" charset="0"/>
+                <a:cs typeface="Open Sans" panose="020B0604020202020204" charset="0"/>
+              </a:rPr>
+              <a:t>- When you use break with a label, it terminates the specified labeled statement.</a:t>
+            </a:r>
+            <a:endParaRPr lang="uk-UA" sz="2400" dirty="0">
+              <a:latin typeface="Open Sans" panose="020B0604020202020204" charset="0"/>
+              <a:ea typeface="Open Sans" panose="020B0604020202020204" charset="0"/>
+              <a:cs typeface="Open Sans" panose="020B0604020202020204" charset="0"/>
+            </a:endParaRPr>
+          </a:p>
+        </p:txBody>
+      </p:sp>
+    </p:spTree>
+    <p:extLst>
+      <p:ext uri="{BB962C8B-B14F-4D97-AF65-F5344CB8AC3E}">
+        <p14:creationId xmlns:p14="http://schemas.microsoft.com/office/powerpoint/2010/main" val="4102216040"/>
+      </p:ext>
+    </p:extLst>
+  </p:cSld>
+  <p:clrMapOvr>
+    <a:masterClrMapping/>
+  </p:clrMapOvr>
+</p:sld>
+</file>
+
+<file path=ppt/slides/slide19.xml><?xml version="1.0" encoding="utf-8"?>
+<p:sld xmlns:a="http://schemas.openxmlformats.org/drawingml/2006/main" xmlns:r="http://schemas.openxmlformats.org/officeDocument/2006/relationships" xmlns:p="http://schemas.openxmlformats.org/presentationml/2006/main">
+  <p:cSld>
+    <p:spTree>
+      <p:nvGrpSpPr>
+        <p:cNvPr id="1" name=""/>
+        <p:cNvGrpSpPr/>
+        <p:nvPr/>
+      </p:nvGrpSpPr>
+      <p:grpSpPr>
+        <a:xfrm>
+          <a:off x="0" y="0"/>
+          <a:ext cx="0" cy="0"/>
+          <a:chOff x="0" y="0"/>
+          <a:chExt cx="0" cy="0"/>
+        </a:xfrm>
+      </p:grpSpPr>
+      <p:sp>
+        <p:nvSpPr>
+          <p:cNvPr id="2" name="Заголовок 1">
+            <a:extLst>
+              <a:ext uri="{FF2B5EF4-FFF2-40B4-BE49-F238E27FC236}">
+                <a16:creationId xmlns:a16="http://schemas.microsoft.com/office/drawing/2014/main" id="{9E76C5B1-AC93-487B-9DD8-C01A8E307806}"/>
+              </a:ext>
+            </a:extLst>
+          </p:cNvPr>
+          <p:cNvSpPr>
+            <a:spLocks noGrp="1"/>
+          </p:cNvSpPr>
+          <p:nvPr>
+            <p:ph type="title"/>
+          </p:nvPr>
+        </p:nvSpPr>
+        <p:spPr/>
+        <p:txBody>
+          <a:bodyPr/>
+          <a:lstStyle/>
+          <a:p>
+            <a:pPr>
+              <a:lnSpc>
+                <a:spcPct val="100000"/>
+              </a:lnSpc>
+            </a:pPr>
+            <a:r>
+              <a:rPr lang="en-US" sz="2400" dirty="0">
+                <a:latin typeface="Open Sans" panose="020B0604020202020204" charset="0"/>
+                <a:ea typeface="Open Sans" panose="020B0604020202020204" charset="0"/>
+                <a:cs typeface="Open Sans" panose="020B0604020202020204" charset="0"/>
+              </a:rPr>
+              <a:t>The syntax of the break statement looks like this:</a:t>
+            </a:r>
+            <a:br>
+              <a:rPr lang="en-US" sz="2400" dirty="0">
+                <a:latin typeface="Open Sans" panose="020B0604020202020204" charset="0"/>
+                <a:ea typeface="Open Sans" panose="020B0604020202020204" charset="0"/>
+                <a:cs typeface="Open Sans" panose="020B0604020202020204" charset="0"/>
+              </a:rPr>
+            </a:br>
+            <a:br>
+              <a:rPr lang="en-US" sz="2400" dirty="0">
+                <a:latin typeface="Open Sans" panose="020B0604020202020204" charset="0"/>
+                <a:ea typeface="Open Sans" panose="020B0604020202020204" charset="0"/>
+                <a:cs typeface="Open Sans" panose="020B0604020202020204" charset="0"/>
+              </a:rPr>
+            </a:br>
+            <a:br>
+              <a:rPr lang="en-US" sz="2400" dirty="0">
+                <a:latin typeface="Open Sans" panose="020B0604020202020204" charset="0"/>
+                <a:ea typeface="Open Sans" panose="020B0604020202020204" charset="0"/>
+                <a:cs typeface="Open Sans" panose="020B0604020202020204" charset="0"/>
+              </a:rPr>
+            </a:br>
+            <a:br>
+              <a:rPr lang="en-US" sz="2400" dirty="0">
+                <a:latin typeface="Open Sans" panose="020B0604020202020204" charset="0"/>
+                <a:ea typeface="Open Sans" panose="020B0604020202020204" charset="0"/>
+                <a:cs typeface="Open Sans" panose="020B0604020202020204" charset="0"/>
+              </a:rPr>
+            </a:br>
+            <a:br>
+              <a:rPr lang="en-US" sz="2400" dirty="0">
+                <a:latin typeface="Open Sans" panose="020B0604020202020204" charset="0"/>
+                <a:ea typeface="Open Sans" panose="020B0604020202020204" charset="0"/>
+                <a:cs typeface="Open Sans" panose="020B0604020202020204" charset="0"/>
+              </a:rPr>
+            </a:br>
+            <a:br>
+              <a:rPr lang="en-US" sz="2400" dirty="0">
+                <a:latin typeface="Open Sans" panose="020B0604020202020204" charset="0"/>
+                <a:ea typeface="Open Sans" panose="020B0604020202020204" charset="0"/>
+                <a:cs typeface="Open Sans" panose="020B0604020202020204" charset="0"/>
+              </a:rPr>
+            </a:br>
+            <a:br>
+              <a:rPr lang="en-US" sz="2400" dirty="0">
+                <a:latin typeface="Open Sans" panose="020B0604020202020204" charset="0"/>
+                <a:ea typeface="Open Sans" panose="020B0604020202020204" charset="0"/>
+                <a:cs typeface="Open Sans" panose="020B0604020202020204" charset="0"/>
+              </a:rPr>
+            </a:br>
+            <a:br>
+              <a:rPr lang="en-US" sz="2400" dirty="0">
+                <a:latin typeface="Open Sans" panose="020B0604020202020204" charset="0"/>
+                <a:ea typeface="Open Sans" panose="020B0604020202020204" charset="0"/>
+                <a:cs typeface="Open Sans" panose="020B0604020202020204" charset="0"/>
+              </a:rPr>
+            </a:br>
+            <a:r>
+              <a:rPr lang="en-US" sz="2400" dirty="0">
+                <a:latin typeface="Open Sans" panose="020B0604020202020204" charset="0"/>
+                <a:ea typeface="Open Sans" panose="020B0604020202020204" charset="0"/>
+                <a:cs typeface="Open Sans" panose="020B0604020202020204" charset="0"/>
+              </a:rPr>
+              <a:t>The first form of the syntax terminates the innermost enclosing loop or switch.</a:t>
+            </a:r>
+            <a:br>
+              <a:rPr lang="en-US" sz="2400" dirty="0">
+                <a:latin typeface="Open Sans" panose="020B0604020202020204" charset="0"/>
+                <a:ea typeface="Open Sans" panose="020B0604020202020204" charset="0"/>
+                <a:cs typeface="Open Sans" panose="020B0604020202020204" charset="0"/>
+              </a:rPr>
+            </a:br>
+            <a:r>
+              <a:rPr lang="en-US" sz="2400" dirty="0">
+                <a:latin typeface="Open Sans" panose="020B0604020202020204" charset="0"/>
+                <a:ea typeface="Open Sans" panose="020B0604020202020204" charset="0"/>
+                <a:cs typeface="Open Sans" panose="020B0604020202020204" charset="0"/>
+              </a:rPr>
+              <a:t>The second form of the syntax terminates the specified enclosing labeled statement.</a:t>
+            </a:r>
+            <a:endParaRPr lang="uk-UA" sz="2400" dirty="0">
+              <a:latin typeface="Open Sans" panose="020B0604020202020204" charset="0"/>
+              <a:ea typeface="Open Sans" panose="020B0604020202020204" charset="0"/>
+              <a:cs typeface="Open Sans" panose="020B0604020202020204" charset="0"/>
+            </a:endParaRPr>
+          </a:p>
+        </p:txBody>
+      </p:sp>
+      <p:pic>
+        <p:nvPicPr>
+          <p:cNvPr id="6" name="Рисунок 5">
+            <a:extLst>
+              <a:ext uri="{FF2B5EF4-FFF2-40B4-BE49-F238E27FC236}">
+                <a16:creationId xmlns:a16="http://schemas.microsoft.com/office/drawing/2014/main" id="{DDC1DC64-07C7-4256-BF3E-A553D92C0BB5}"/>
+              </a:ext>
+            </a:extLst>
+          </p:cNvPr>
+          <p:cNvPicPr>
+            <a:picLocks noChangeAspect="1"/>
+          </p:cNvPicPr>
+          <p:nvPr/>
+        </p:nvPicPr>
+        <p:blipFill>
+          <a:blip r:embed="rId2">
+            <a:extLst>
+              <a:ext uri="{28A0092B-C50C-407E-A947-70E740481C1C}">
+                <a14:useLocalDpi xmlns:a14="http://schemas.microsoft.com/office/drawing/2010/main" val="0"/>
+              </a:ext>
+            </a:extLst>
+          </a:blip>
+          <a:stretch>
+            <a:fillRect/>
+          </a:stretch>
+        </p:blipFill>
+        <p:spPr>
+          <a:xfrm>
+            <a:off x="4894500" y="1962619"/>
+            <a:ext cx="2402999" cy="1123480"/>
+          </a:xfrm>
+          <a:prstGeom prst="rect">
+            <a:avLst/>
+          </a:prstGeom>
+        </p:spPr>
+      </p:pic>
+    </p:spTree>
+    <p:extLst>
+      <p:ext uri="{BB962C8B-B14F-4D97-AF65-F5344CB8AC3E}">
+        <p14:creationId xmlns:p14="http://schemas.microsoft.com/office/powerpoint/2010/main" val="1137087946"/>
       </p:ext>
     </p:extLst>
   </p:cSld>
@@ -6503,6 +11134,1160 @@
     <p:extLst>
       <p:ext uri="{BB962C8B-B14F-4D97-AF65-F5344CB8AC3E}">
         <p14:creationId xmlns:p14="http://schemas.microsoft.com/office/powerpoint/2010/main" val="991398517"/>
+      </p:ext>
+    </p:extLst>
+  </p:cSld>
+  <p:clrMapOvr>
+    <a:masterClrMapping/>
+  </p:clrMapOvr>
+</p:sld>
+</file>
+
+<file path=ppt/slides/slide20.xml><?xml version="1.0" encoding="utf-8"?>
+<p:sld xmlns:a="http://schemas.openxmlformats.org/drawingml/2006/main" xmlns:r="http://schemas.openxmlformats.org/officeDocument/2006/relationships" xmlns:p="http://schemas.openxmlformats.org/presentationml/2006/main">
+  <p:cSld>
+    <p:spTree>
+      <p:nvGrpSpPr>
+        <p:cNvPr id="1" name=""/>
+        <p:cNvGrpSpPr/>
+        <p:nvPr/>
+      </p:nvGrpSpPr>
+      <p:grpSpPr>
+        <a:xfrm>
+          <a:off x="0" y="0"/>
+          <a:ext cx="0" cy="0"/>
+          <a:chOff x="0" y="0"/>
+          <a:chExt cx="0" cy="0"/>
+        </a:xfrm>
+      </p:grpSpPr>
+      <p:sp>
+        <p:nvSpPr>
+          <p:cNvPr id="2" name="Заголовок 1">
+            <a:extLst>
+              <a:ext uri="{FF2B5EF4-FFF2-40B4-BE49-F238E27FC236}">
+                <a16:creationId xmlns:a16="http://schemas.microsoft.com/office/drawing/2014/main" id="{FEF26724-9E95-4D89-89DB-7404637F173F}"/>
+              </a:ext>
+            </a:extLst>
+          </p:cNvPr>
+          <p:cNvSpPr>
+            <a:spLocks noGrp="1"/>
+          </p:cNvSpPr>
+          <p:nvPr>
+            <p:ph type="title"/>
+          </p:nvPr>
+        </p:nvSpPr>
+        <p:spPr/>
+        <p:txBody>
+          <a:bodyPr/>
+          <a:lstStyle/>
+          <a:p>
+            <a:r>
+              <a:rPr lang="uk-UA" sz="100" dirty="0"/>
+              <a:t>.</a:t>
+            </a:r>
+          </a:p>
+        </p:txBody>
+      </p:sp>
+      <p:pic>
+        <p:nvPicPr>
+          <p:cNvPr id="5" name="Рисунок 4">
+            <a:extLst>
+              <a:ext uri="{FF2B5EF4-FFF2-40B4-BE49-F238E27FC236}">
+                <a16:creationId xmlns:a16="http://schemas.microsoft.com/office/drawing/2014/main" id="{1B7C156A-2E9A-417A-BD10-0BC3F3DAA60B}"/>
+              </a:ext>
+            </a:extLst>
+          </p:cNvPr>
+          <p:cNvPicPr>
+            <a:picLocks noChangeAspect="1"/>
+          </p:cNvPicPr>
+          <p:nvPr/>
+        </p:nvPicPr>
+        <p:blipFill>
+          <a:blip r:embed="rId2">
+            <a:extLst>
+              <a:ext uri="{28A0092B-C50C-407E-A947-70E740481C1C}">
+                <a14:useLocalDpi xmlns:a14="http://schemas.microsoft.com/office/drawing/2010/main" val="0"/>
+              </a:ext>
+            </a:extLst>
+          </a:blip>
+          <a:stretch>
+            <a:fillRect/>
+          </a:stretch>
+        </p:blipFill>
+        <p:spPr>
+          <a:xfrm>
+            <a:off x="4152900" y="685799"/>
+            <a:ext cx="3809651" cy="4800601"/>
+          </a:xfrm>
+          <a:prstGeom prst="rect">
+            <a:avLst/>
+          </a:prstGeom>
+        </p:spPr>
+      </p:pic>
+    </p:spTree>
+    <p:extLst>
+      <p:ext uri="{BB962C8B-B14F-4D97-AF65-F5344CB8AC3E}">
+        <p14:creationId xmlns:p14="http://schemas.microsoft.com/office/powerpoint/2010/main" val="1049649147"/>
+      </p:ext>
+    </p:extLst>
+  </p:cSld>
+  <p:clrMapOvr>
+    <a:masterClrMapping/>
+  </p:clrMapOvr>
+</p:sld>
+</file>
+
+<file path=ppt/slides/slide21.xml><?xml version="1.0" encoding="utf-8"?>
+<p:sld xmlns:a="http://schemas.openxmlformats.org/drawingml/2006/main" xmlns:r="http://schemas.openxmlformats.org/officeDocument/2006/relationships" xmlns:p="http://schemas.openxmlformats.org/presentationml/2006/main">
+  <p:cSld>
+    <p:spTree>
+      <p:nvGrpSpPr>
+        <p:cNvPr id="1" name=""/>
+        <p:cNvGrpSpPr/>
+        <p:nvPr/>
+      </p:nvGrpSpPr>
+      <p:grpSpPr>
+        <a:xfrm>
+          <a:off x="0" y="0"/>
+          <a:ext cx="0" cy="0"/>
+          <a:chOff x="0" y="0"/>
+          <a:chExt cx="0" cy="0"/>
+        </a:xfrm>
+      </p:grpSpPr>
+      <p:sp>
+        <p:nvSpPr>
+          <p:cNvPr id="2" name="Заголовок 1">
+            <a:extLst>
+              <a:ext uri="{FF2B5EF4-FFF2-40B4-BE49-F238E27FC236}">
+                <a16:creationId xmlns:a16="http://schemas.microsoft.com/office/drawing/2014/main" id="{C17569F1-0BF0-465E-A99C-DD4F550EDE16}"/>
+              </a:ext>
+            </a:extLst>
+          </p:cNvPr>
+          <p:cNvSpPr>
+            <a:spLocks noGrp="1"/>
+          </p:cNvSpPr>
+          <p:nvPr>
+            <p:ph type="title"/>
+          </p:nvPr>
+        </p:nvSpPr>
+        <p:spPr/>
+        <p:txBody>
+          <a:bodyPr/>
+          <a:lstStyle/>
+          <a:p>
+            <a:pPr>
+              <a:lnSpc>
+                <a:spcPct val="100000"/>
+              </a:lnSpc>
+            </a:pPr>
+            <a:r>
+              <a:rPr lang="en-US" sz="4000" dirty="0"/>
+              <a:t>continue statement</a:t>
+            </a:r>
+            <a:br>
+              <a:rPr lang="uk-UA" sz="4000" dirty="0"/>
+            </a:br>
+            <a:r>
+              <a:rPr lang="en-US" sz="2400" dirty="0">
+                <a:latin typeface="Open Sans" panose="020B0604020202020204" charset="0"/>
+                <a:ea typeface="Open Sans" panose="020B0604020202020204" charset="0"/>
+                <a:cs typeface="Open Sans" panose="020B0604020202020204" charset="0"/>
+              </a:rPr>
+              <a:t>The continue statement can be used to restart a while, do-while, for, or label statement.</a:t>
+            </a:r>
+            <a:br>
+              <a:rPr lang="en-US" sz="2400" dirty="0">
+                <a:latin typeface="Open Sans" panose="020B0604020202020204" charset="0"/>
+                <a:ea typeface="Open Sans" panose="020B0604020202020204" charset="0"/>
+                <a:cs typeface="Open Sans" panose="020B0604020202020204" charset="0"/>
+              </a:rPr>
+            </a:br>
+            <a:r>
+              <a:rPr lang="en-US" sz="2400" dirty="0">
+                <a:latin typeface="Open Sans" panose="020B0604020202020204" charset="0"/>
+                <a:ea typeface="Open Sans" panose="020B0604020202020204" charset="0"/>
+                <a:cs typeface="Open Sans" panose="020B0604020202020204" charset="0"/>
+              </a:rPr>
+              <a:t>It skips the rest of the loop and jumps back to the beginning of the loop.</a:t>
+            </a:r>
+            <a:br>
+              <a:rPr lang="en-US" sz="2400" dirty="0">
+                <a:latin typeface="Open Sans" panose="020B0604020202020204" charset="0"/>
+                <a:ea typeface="Open Sans" panose="020B0604020202020204" charset="0"/>
+                <a:cs typeface="Open Sans" panose="020B0604020202020204" charset="0"/>
+              </a:rPr>
+            </a:br>
+            <a:endParaRPr lang="uk-UA" sz="2400" dirty="0">
+              <a:latin typeface="Open Sans" panose="020B0604020202020204" charset="0"/>
+              <a:ea typeface="Open Sans" panose="020B0604020202020204" charset="0"/>
+              <a:cs typeface="Open Sans" panose="020B0604020202020204" charset="0"/>
+            </a:endParaRPr>
+          </a:p>
+        </p:txBody>
+      </p:sp>
+      <p:sp>
+        <p:nvSpPr>
+          <p:cNvPr id="3" name="Текст 2">
+            <a:extLst>
+              <a:ext uri="{FF2B5EF4-FFF2-40B4-BE49-F238E27FC236}">
+                <a16:creationId xmlns:a16="http://schemas.microsoft.com/office/drawing/2014/main" id="{D5384A90-564E-4F90-9153-0AE5F9B0E45A}"/>
+              </a:ext>
+            </a:extLst>
+          </p:cNvPr>
+          <p:cNvSpPr>
+            <a:spLocks noGrp="1"/>
+          </p:cNvSpPr>
+          <p:nvPr>
+            <p:ph type="body" sz="quarter" idx="10"/>
+          </p:nvPr>
+        </p:nvSpPr>
+        <p:spPr/>
+        <p:txBody>
+          <a:bodyPr/>
+          <a:lstStyle/>
+          <a:p>
+            <a:endParaRPr lang="uk-UA"/>
+          </a:p>
+        </p:txBody>
+      </p:sp>
+    </p:spTree>
+    <p:extLst>
+      <p:ext uri="{BB962C8B-B14F-4D97-AF65-F5344CB8AC3E}">
+        <p14:creationId xmlns:p14="http://schemas.microsoft.com/office/powerpoint/2010/main" val="1680250498"/>
+      </p:ext>
+    </p:extLst>
+  </p:cSld>
+  <p:clrMapOvr>
+    <a:masterClrMapping/>
+  </p:clrMapOvr>
+</p:sld>
+</file>
+
+<file path=ppt/slides/slide22.xml><?xml version="1.0" encoding="utf-8"?>
+<p:sld xmlns:a="http://schemas.openxmlformats.org/drawingml/2006/main" xmlns:r="http://schemas.openxmlformats.org/officeDocument/2006/relationships" xmlns:p="http://schemas.openxmlformats.org/presentationml/2006/main">
+  <p:cSld>
+    <p:spTree>
+      <p:nvGrpSpPr>
+        <p:cNvPr id="1" name=""/>
+        <p:cNvGrpSpPr/>
+        <p:nvPr/>
+      </p:nvGrpSpPr>
+      <p:grpSpPr>
+        <a:xfrm>
+          <a:off x="0" y="0"/>
+          <a:ext cx="0" cy="0"/>
+          <a:chOff x="0" y="0"/>
+          <a:chExt cx="0" cy="0"/>
+        </a:xfrm>
+      </p:grpSpPr>
+      <p:sp>
+        <p:nvSpPr>
+          <p:cNvPr id="2" name="Заголовок 1">
+            <a:extLst>
+              <a:ext uri="{FF2B5EF4-FFF2-40B4-BE49-F238E27FC236}">
+                <a16:creationId xmlns:a16="http://schemas.microsoft.com/office/drawing/2014/main" id="{D0455371-EAF4-4B16-B57A-11EB3B5B665F}"/>
+              </a:ext>
+            </a:extLst>
+          </p:cNvPr>
+          <p:cNvSpPr>
+            <a:spLocks noGrp="1"/>
+          </p:cNvSpPr>
+          <p:nvPr>
+            <p:ph type="title"/>
+          </p:nvPr>
+        </p:nvSpPr>
+        <p:spPr/>
+        <p:txBody>
+          <a:bodyPr/>
+          <a:lstStyle/>
+          <a:p>
+            <a:pPr>
+              <a:lnSpc>
+                <a:spcPct val="100000"/>
+              </a:lnSpc>
+            </a:pPr>
+            <a:r>
+              <a:rPr lang="en-US" sz="4000" b="1" dirty="0"/>
+              <a:t>for…in loop</a:t>
+            </a:r>
+            <a:br>
+              <a:rPr lang="en-US" sz="4000" b="1" dirty="0"/>
+            </a:br>
+            <a:r>
+              <a:rPr lang="en-US" sz="2400" dirty="0">
+                <a:latin typeface="Open Sans" panose="020B0604020202020204" charset="0"/>
+                <a:ea typeface="Open Sans" panose="020B0604020202020204" charset="0"/>
+                <a:cs typeface="Open Sans" panose="020B0604020202020204" charset="0"/>
+              </a:rPr>
+              <a:t>JavaScript also includes another version of for loop also known as the </a:t>
+            </a:r>
+            <a:r>
+              <a:rPr lang="en-US" sz="2400" dirty="0" err="1">
+                <a:latin typeface="Open Sans" panose="020B0604020202020204" charset="0"/>
+                <a:ea typeface="Open Sans" panose="020B0604020202020204" charset="0"/>
+                <a:cs typeface="Open Sans" panose="020B0604020202020204" charset="0"/>
+              </a:rPr>
+              <a:t>for..in</a:t>
+            </a:r>
+            <a:r>
+              <a:rPr lang="en-US" sz="2400" dirty="0">
+                <a:latin typeface="Open Sans" panose="020B0604020202020204" charset="0"/>
+                <a:ea typeface="Open Sans" panose="020B0604020202020204" charset="0"/>
+                <a:cs typeface="Open Sans" panose="020B0604020202020204" charset="0"/>
+              </a:rPr>
+              <a:t> Loops. The </a:t>
+            </a:r>
+            <a:r>
+              <a:rPr lang="en-US" sz="2400" dirty="0" err="1">
+                <a:latin typeface="Open Sans" panose="020B0604020202020204" charset="0"/>
+                <a:ea typeface="Open Sans" panose="020B0604020202020204" charset="0"/>
+                <a:cs typeface="Open Sans" panose="020B0604020202020204" charset="0"/>
+              </a:rPr>
+              <a:t>for..in</a:t>
+            </a:r>
+            <a:r>
+              <a:rPr lang="en-US" sz="2400" dirty="0">
+                <a:latin typeface="Open Sans" panose="020B0604020202020204" charset="0"/>
+                <a:ea typeface="Open Sans" panose="020B0604020202020204" charset="0"/>
+                <a:cs typeface="Open Sans" panose="020B0604020202020204" charset="0"/>
+              </a:rPr>
+              <a:t> loop provides a simpler way to iterate through the properties of an object.</a:t>
+            </a:r>
+            <a:br>
+              <a:rPr lang="en-US" sz="4000" b="1" dirty="0"/>
+            </a:br>
+            <a:endParaRPr lang="uk-UA" sz="4000" dirty="0"/>
+          </a:p>
+        </p:txBody>
+      </p:sp>
+      <p:pic>
+        <p:nvPicPr>
+          <p:cNvPr id="5" name="Рисунок 4">
+            <a:extLst>
+              <a:ext uri="{FF2B5EF4-FFF2-40B4-BE49-F238E27FC236}">
+                <a16:creationId xmlns:a16="http://schemas.microsoft.com/office/drawing/2014/main" id="{0A7FED18-CF30-4009-A456-A35799A50933}"/>
+              </a:ext>
+            </a:extLst>
+          </p:cNvPr>
+          <p:cNvPicPr>
+            <a:picLocks noChangeAspect="1"/>
+          </p:cNvPicPr>
+          <p:nvPr/>
+        </p:nvPicPr>
+        <p:blipFill>
+          <a:blip r:embed="rId3">
+            <a:extLst>
+              <a:ext uri="{28A0092B-C50C-407E-A947-70E740481C1C}">
+                <a14:useLocalDpi xmlns:a14="http://schemas.microsoft.com/office/drawing/2010/main" val="0"/>
+              </a:ext>
+            </a:extLst>
+          </a:blip>
+          <a:stretch>
+            <a:fillRect/>
+          </a:stretch>
+        </p:blipFill>
+        <p:spPr>
+          <a:xfrm>
+            <a:off x="2554564" y="3086099"/>
+            <a:ext cx="7082871" cy="2153576"/>
+          </a:xfrm>
+          <a:prstGeom prst="rect">
+            <a:avLst/>
+          </a:prstGeom>
+        </p:spPr>
+      </p:pic>
+    </p:spTree>
+    <p:extLst>
+      <p:ext uri="{BB962C8B-B14F-4D97-AF65-F5344CB8AC3E}">
+        <p14:creationId xmlns:p14="http://schemas.microsoft.com/office/powerpoint/2010/main" val="4088108835"/>
+      </p:ext>
+    </p:extLst>
+  </p:cSld>
+  <p:clrMapOvr>
+    <a:masterClrMapping/>
+  </p:clrMapOvr>
+</p:sld>
+</file>
+
+<file path=ppt/slides/slide23.xml><?xml version="1.0" encoding="utf-8"?>
+<p:sld xmlns:a="http://schemas.openxmlformats.org/drawingml/2006/main" xmlns:r="http://schemas.openxmlformats.org/officeDocument/2006/relationships" xmlns:p="http://schemas.openxmlformats.org/presentationml/2006/main">
+  <p:cSld>
+    <p:spTree>
+      <p:nvGrpSpPr>
+        <p:cNvPr id="1" name=""/>
+        <p:cNvGrpSpPr/>
+        <p:nvPr/>
+      </p:nvGrpSpPr>
+      <p:grpSpPr>
+        <a:xfrm>
+          <a:off x="0" y="0"/>
+          <a:ext cx="0" cy="0"/>
+          <a:chOff x="0" y="0"/>
+          <a:chExt cx="0" cy="0"/>
+        </a:xfrm>
+      </p:grpSpPr>
+      <p:sp>
+        <p:nvSpPr>
+          <p:cNvPr id="2" name="Заголовок 1">
+            <a:extLst>
+              <a:ext uri="{FF2B5EF4-FFF2-40B4-BE49-F238E27FC236}">
+                <a16:creationId xmlns:a16="http://schemas.microsoft.com/office/drawing/2014/main" id="{E660BF84-1316-4DDC-9E68-A2457347AEE1}"/>
+              </a:ext>
+            </a:extLst>
+          </p:cNvPr>
+          <p:cNvSpPr>
+            <a:spLocks noGrp="1"/>
+          </p:cNvSpPr>
+          <p:nvPr>
+            <p:ph type="title"/>
+          </p:nvPr>
+        </p:nvSpPr>
+        <p:spPr/>
+        <p:txBody>
+          <a:bodyPr/>
+          <a:lstStyle/>
+          <a:p>
+            <a:r>
+              <a:rPr lang="en-US" sz="100" dirty="0"/>
+              <a:t>.</a:t>
+            </a:r>
+            <a:endParaRPr lang="uk-UA" sz="100" dirty="0"/>
+          </a:p>
+        </p:txBody>
+      </p:sp>
+      <p:pic>
+        <p:nvPicPr>
+          <p:cNvPr id="9" name="Рисунок 8">
+            <a:extLst>
+              <a:ext uri="{FF2B5EF4-FFF2-40B4-BE49-F238E27FC236}">
+                <a16:creationId xmlns:a16="http://schemas.microsoft.com/office/drawing/2014/main" id="{5E329976-C7B9-4A86-BB9B-F6F9F3DF295E}"/>
+              </a:ext>
+            </a:extLst>
+          </p:cNvPr>
+          <p:cNvPicPr>
+            <a:picLocks noChangeAspect="1"/>
+          </p:cNvPicPr>
+          <p:nvPr/>
+        </p:nvPicPr>
+        <p:blipFill>
+          <a:blip r:embed="rId3">
+            <a:extLst>
+              <a:ext uri="{28A0092B-C50C-407E-A947-70E740481C1C}">
+                <a14:useLocalDpi xmlns:a14="http://schemas.microsoft.com/office/drawing/2010/main" val="0"/>
+              </a:ext>
+            </a:extLst>
+          </a:blip>
+          <a:stretch>
+            <a:fillRect/>
+          </a:stretch>
+        </p:blipFill>
+        <p:spPr>
+          <a:xfrm>
+            <a:off x="2968612" y="387572"/>
+            <a:ext cx="6254776" cy="5397054"/>
+          </a:xfrm>
+          <a:prstGeom prst="rect">
+            <a:avLst/>
+          </a:prstGeom>
+        </p:spPr>
+      </p:pic>
+    </p:spTree>
+    <p:extLst>
+      <p:ext uri="{BB962C8B-B14F-4D97-AF65-F5344CB8AC3E}">
+        <p14:creationId xmlns:p14="http://schemas.microsoft.com/office/powerpoint/2010/main" val="92665699"/>
+      </p:ext>
+    </p:extLst>
+  </p:cSld>
+  <p:clrMapOvr>
+    <a:masterClrMapping/>
+  </p:clrMapOvr>
+</p:sld>
+</file>
+
+<file path=ppt/slides/slide24.xml><?xml version="1.0" encoding="utf-8"?>
+<p:sld xmlns:a="http://schemas.openxmlformats.org/drawingml/2006/main" xmlns:r="http://schemas.openxmlformats.org/officeDocument/2006/relationships" xmlns:p="http://schemas.openxmlformats.org/presentationml/2006/main">
+  <p:cSld>
+    <p:spTree>
+      <p:nvGrpSpPr>
+        <p:cNvPr id="1" name=""/>
+        <p:cNvGrpSpPr/>
+        <p:nvPr/>
+      </p:nvGrpSpPr>
+      <p:grpSpPr>
+        <a:xfrm>
+          <a:off x="0" y="0"/>
+          <a:ext cx="0" cy="0"/>
+          <a:chOff x="0" y="0"/>
+          <a:chExt cx="0" cy="0"/>
+        </a:xfrm>
+      </p:grpSpPr>
+      <p:sp>
+        <p:nvSpPr>
+          <p:cNvPr id="2" name="Заголовок 1">
+            <a:extLst>
+              <a:ext uri="{FF2B5EF4-FFF2-40B4-BE49-F238E27FC236}">
+                <a16:creationId xmlns:a16="http://schemas.microsoft.com/office/drawing/2014/main" id="{BBAF1AC1-485C-49FD-AF17-8D5A78523631}"/>
+              </a:ext>
+            </a:extLst>
+          </p:cNvPr>
+          <p:cNvSpPr>
+            <a:spLocks noGrp="1"/>
+          </p:cNvSpPr>
+          <p:nvPr>
+            <p:ph type="title"/>
+          </p:nvPr>
+        </p:nvSpPr>
+        <p:spPr/>
+        <p:txBody>
+          <a:bodyPr/>
+          <a:lstStyle/>
+          <a:p>
+            <a:pPr>
+              <a:lnSpc>
+                <a:spcPct val="100000"/>
+              </a:lnSpc>
+            </a:pPr>
+            <a:r>
+              <a:rPr lang="en-US" sz="4000" b="1" dirty="0"/>
+              <a:t>for...of loop</a:t>
+            </a:r>
+            <a:br>
+              <a:rPr lang="en-US" b="1" dirty="0"/>
+            </a:br>
+            <a:r>
+              <a:rPr lang="en-US" sz="2400" dirty="0">
+                <a:latin typeface="Open Sans" panose="020B0604020202020204" charset="0"/>
+                <a:ea typeface="Open Sans" panose="020B0604020202020204" charset="0"/>
+                <a:cs typeface="Open Sans" panose="020B0604020202020204" charset="0"/>
+              </a:rPr>
+              <a:t>ES6 introduces a new for-of loop which allows us to iterate over arrays or other </a:t>
+            </a:r>
+            <a:r>
+              <a:rPr lang="en-US" sz="2400" dirty="0" err="1">
+                <a:latin typeface="Open Sans" panose="020B0604020202020204" charset="0"/>
+                <a:ea typeface="Open Sans" panose="020B0604020202020204" charset="0"/>
+                <a:cs typeface="Open Sans" panose="020B0604020202020204" charset="0"/>
+              </a:rPr>
+              <a:t>iterable</a:t>
+            </a:r>
+            <a:r>
+              <a:rPr lang="en-US" sz="2400" dirty="0">
+                <a:latin typeface="Open Sans" panose="020B0604020202020204" charset="0"/>
+                <a:ea typeface="Open Sans" panose="020B0604020202020204" charset="0"/>
+                <a:cs typeface="Open Sans" panose="020B0604020202020204" charset="0"/>
+              </a:rPr>
+              <a:t> objects (e.g. strings) very easily. Also, the code inside the loop is executed for each element of the </a:t>
+            </a:r>
+            <a:r>
+              <a:rPr lang="en-US" sz="2400" dirty="0" err="1">
+                <a:latin typeface="Open Sans" panose="020B0604020202020204" charset="0"/>
+                <a:ea typeface="Open Sans" panose="020B0604020202020204" charset="0"/>
+                <a:cs typeface="Open Sans" panose="020B0604020202020204" charset="0"/>
+              </a:rPr>
+              <a:t>iterable</a:t>
+            </a:r>
+            <a:r>
+              <a:rPr lang="en-US" sz="2400" dirty="0">
+                <a:latin typeface="Open Sans" panose="020B0604020202020204" charset="0"/>
+                <a:ea typeface="Open Sans" panose="020B0604020202020204" charset="0"/>
+                <a:cs typeface="Open Sans" panose="020B0604020202020204" charset="0"/>
+              </a:rPr>
+              <a:t> object.</a:t>
+            </a:r>
+            <a:br>
+              <a:rPr lang="en-US" sz="2400" dirty="0">
+                <a:latin typeface="Open Sans" panose="020B0604020202020204" charset="0"/>
+                <a:ea typeface="Open Sans" panose="020B0604020202020204" charset="0"/>
+                <a:cs typeface="Open Sans" panose="020B0604020202020204" charset="0"/>
+              </a:rPr>
+            </a:br>
+            <a:br>
+              <a:rPr lang="en-US" sz="2400" dirty="0">
+                <a:latin typeface="Open Sans" panose="020B0604020202020204" charset="0"/>
+                <a:ea typeface="Open Sans" panose="020B0604020202020204" charset="0"/>
+                <a:cs typeface="Open Sans" panose="020B0604020202020204" charset="0"/>
+              </a:rPr>
+            </a:br>
+            <a:r>
+              <a:rPr lang="en-US" sz="2400" dirty="0">
+                <a:latin typeface="Open Sans" panose="020B0604020202020204" charset="0"/>
+                <a:ea typeface="Open Sans" panose="020B0604020202020204" charset="0"/>
+                <a:cs typeface="Open Sans" panose="020B0604020202020204" charset="0"/>
+              </a:rPr>
+              <a:t>Note: The for...of loop doesn't work with objects because they are not </a:t>
+            </a:r>
+            <a:r>
+              <a:rPr lang="en-US" sz="2400" dirty="0" err="1">
+                <a:latin typeface="Open Sans" panose="020B0604020202020204" charset="0"/>
+                <a:ea typeface="Open Sans" panose="020B0604020202020204" charset="0"/>
+                <a:cs typeface="Open Sans" panose="020B0604020202020204" charset="0"/>
+              </a:rPr>
+              <a:t>iterable</a:t>
+            </a:r>
+            <a:r>
+              <a:rPr lang="en-US" sz="2400" dirty="0">
+                <a:latin typeface="Open Sans" panose="020B0604020202020204" charset="0"/>
+                <a:ea typeface="Open Sans" panose="020B0604020202020204" charset="0"/>
+                <a:cs typeface="Open Sans" panose="020B0604020202020204" charset="0"/>
+              </a:rPr>
+              <a:t>.</a:t>
+            </a:r>
+            <a:br>
+              <a:rPr lang="en-US" sz="2400" dirty="0">
+                <a:latin typeface="Open Sans" panose="020B0604020202020204" charset="0"/>
+                <a:ea typeface="Open Sans" panose="020B0604020202020204" charset="0"/>
+                <a:cs typeface="Open Sans" panose="020B0604020202020204" charset="0"/>
+              </a:rPr>
+            </a:br>
+            <a:endParaRPr lang="uk-UA" sz="2400" dirty="0">
+              <a:latin typeface="Open Sans" panose="020B0604020202020204" charset="0"/>
+              <a:ea typeface="Open Sans" panose="020B0604020202020204" charset="0"/>
+              <a:cs typeface="Open Sans" panose="020B0604020202020204" charset="0"/>
+            </a:endParaRPr>
+          </a:p>
+        </p:txBody>
+      </p:sp>
+    </p:spTree>
+    <p:extLst>
+      <p:ext uri="{BB962C8B-B14F-4D97-AF65-F5344CB8AC3E}">
+        <p14:creationId xmlns:p14="http://schemas.microsoft.com/office/powerpoint/2010/main" val="2061808160"/>
+      </p:ext>
+    </p:extLst>
+  </p:cSld>
+  <p:clrMapOvr>
+    <a:masterClrMapping/>
+  </p:clrMapOvr>
+</p:sld>
+</file>
+
+<file path=ppt/slides/slide25.xml><?xml version="1.0" encoding="utf-8"?>
+<p:sld xmlns:a="http://schemas.openxmlformats.org/drawingml/2006/main" xmlns:r="http://schemas.openxmlformats.org/officeDocument/2006/relationships" xmlns:p="http://schemas.openxmlformats.org/presentationml/2006/main">
+  <p:cSld>
+    <p:spTree>
+      <p:nvGrpSpPr>
+        <p:cNvPr id="1" name=""/>
+        <p:cNvGrpSpPr/>
+        <p:nvPr/>
+      </p:nvGrpSpPr>
+      <p:grpSpPr>
+        <a:xfrm>
+          <a:off x="0" y="0"/>
+          <a:ext cx="0" cy="0"/>
+          <a:chOff x="0" y="0"/>
+          <a:chExt cx="0" cy="0"/>
+        </a:xfrm>
+      </p:grpSpPr>
+      <p:sp>
+        <p:nvSpPr>
+          <p:cNvPr id="2" name="Заголовок 1">
+            <a:extLst>
+              <a:ext uri="{FF2B5EF4-FFF2-40B4-BE49-F238E27FC236}">
+                <a16:creationId xmlns:a16="http://schemas.microsoft.com/office/drawing/2014/main" id="{91972088-F5F7-47C8-B32C-D5B1060913C1}"/>
+              </a:ext>
+            </a:extLst>
+          </p:cNvPr>
+          <p:cNvSpPr>
+            <a:spLocks noGrp="1"/>
+          </p:cNvSpPr>
+          <p:nvPr>
+            <p:ph type="title"/>
+          </p:nvPr>
+        </p:nvSpPr>
+        <p:spPr/>
+        <p:txBody>
+          <a:bodyPr/>
+          <a:lstStyle/>
+          <a:p>
+            <a:r>
+              <a:rPr lang="en-US" sz="100" dirty="0"/>
+              <a:t>.</a:t>
+            </a:r>
+            <a:endParaRPr lang="uk-UA" sz="100" dirty="0"/>
+          </a:p>
+        </p:txBody>
+      </p:sp>
+      <p:pic>
+        <p:nvPicPr>
+          <p:cNvPr id="5" name="Рисунок 4">
+            <a:extLst>
+              <a:ext uri="{FF2B5EF4-FFF2-40B4-BE49-F238E27FC236}">
+                <a16:creationId xmlns:a16="http://schemas.microsoft.com/office/drawing/2014/main" id="{38F70B3E-4F95-4CF4-8F8A-DAA3E65F864F}"/>
+              </a:ext>
+            </a:extLst>
+          </p:cNvPr>
+          <p:cNvPicPr>
+            <a:picLocks noChangeAspect="1"/>
+          </p:cNvPicPr>
+          <p:nvPr/>
+        </p:nvPicPr>
+        <p:blipFill>
+          <a:blip r:embed="rId2">
+            <a:extLst>
+              <a:ext uri="{28A0092B-C50C-407E-A947-70E740481C1C}">
+                <a14:useLocalDpi xmlns:a14="http://schemas.microsoft.com/office/drawing/2010/main" val="0"/>
+              </a:ext>
+            </a:extLst>
+          </a:blip>
+          <a:stretch>
+            <a:fillRect/>
+          </a:stretch>
+        </p:blipFill>
+        <p:spPr>
+          <a:xfrm>
+            <a:off x="2321570" y="850022"/>
+            <a:ext cx="7548860" cy="4472154"/>
+          </a:xfrm>
+          <a:prstGeom prst="rect">
+            <a:avLst/>
+          </a:prstGeom>
+        </p:spPr>
+      </p:pic>
+    </p:spTree>
+    <p:extLst>
+      <p:ext uri="{BB962C8B-B14F-4D97-AF65-F5344CB8AC3E}">
+        <p14:creationId xmlns:p14="http://schemas.microsoft.com/office/powerpoint/2010/main" val="3673524096"/>
+      </p:ext>
+    </p:extLst>
+  </p:cSld>
+  <p:clrMapOvr>
+    <a:masterClrMapping/>
+  </p:clrMapOvr>
+</p:sld>
+</file>
+
+<file path=ppt/slides/slide26.xml><?xml version="1.0" encoding="utf-8"?>
+<p:sld xmlns:a="http://schemas.openxmlformats.org/drawingml/2006/main" xmlns:r="http://schemas.openxmlformats.org/officeDocument/2006/relationships" xmlns:p="http://schemas.openxmlformats.org/presentationml/2006/main">
+  <p:cSld>
+    <p:spTree>
+      <p:nvGrpSpPr>
+        <p:cNvPr id="1" name=""/>
+        <p:cNvGrpSpPr/>
+        <p:nvPr/>
+      </p:nvGrpSpPr>
+      <p:grpSpPr>
+        <a:xfrm>
+          <a:off x="0" y="0"/>
+          <a:ext cx="0" cy="0"/>
+          <a:chOff x="0" y="0"/>
+          <a:chExt cx="0" cy="0"/>
+        </a:xfrm>
+      </p:grpSpPr>
+      <p:sp>
+        <p:nvSpPr>
+          <p:cNvPr id="2" name="Заголовок 1">
+            <a:extLst>
+              <a:ext uri="{FF2B5EF4-FFF2-40B4-BE49-F238E27FC236}">
+                <a16:creationId xmlns:a16="http://schemas.microsoft.com/office/drawing/2014/main" id="{7C0919D3-3EBC-495D-B03B-E2E6A3E4DF89}"/>
+              </a:ext>
+            </a:extLst>
+          </p:cNvPr>
+          <p:cNvSpPr>
+            <a:spLocks noGrp="1"/>
+          </p:cNvSpPr>
+          <p:nvPr>
+            <p:ph type="title"/>
+          </p:nvPr>
+        </p:nvSpPr>
+        <p:spPr/>
+        <p:txBody>
+          <a:bodyPr/>
+          <a:lstStyle/>
+          <a:p>
+            <a:pPr>
+              <a:lnSpc>
+                <a:spcPct val="100000"/>
+              </a:lnSpc>
+            </a:pPr>
+            <a:r>
+              <a:rPr lang="en-US" sz="6000" dirty="0"/>
+              <a:t>Error Handling</a:t>
+            </a:r>
+            <a:br>
+              <a:rPr lang="en-US" sz="6000" dirty="0"/>
+            </a:br>
+            <a:r>
+              <a:rPr lang="en-US" sz="2400" dirty="0">
+                <a:latin typeface="Open Sans" panose="020B0604020202020204" charset="0"/>
+                <a:ea typeface="Open Sans" panose="020B0604020202020204" charset="0"/>
+                <a:cs typeface="Open Sans" panose="020B0604020202020204" charset="0"/>
+              </a:rPr>
+              <a:t>When executing JavaScript code, different errors can occur.</a:t>
+            </a:r>
+            <a:br>
+              <a:rPr lang="en-US" sz="2400" dirty="0">
+                <a:latin typeface="Open Sans" panose="020B0604020202020204" charset="0"/>
+                <a:ea typeface="Open Sans" panose="020B0604020202020204" charset="0"/>
+                <a:cs typeface="Open Sans" panose="020B0604020202020204" charset="0"/>
+              </a:rPr>
+            </a:br>
+            <a:br>
+              <a:rPr lang="en-US" sz="2400" dirty="0">
+                <a:latin typeface="Open Sans" panose="020B0604020202020204" charset="0"/>
+                <a:ea typeface="Open Sans" panose="020B0604020202020204" charset="0"/>
+                <a:cs typeface="Open Sans" panose="020B0604020202020204" charset="0"/>
+              </a:rPr>
+            </a:br>
+            <a:r>
+              <a:rPr lang="en-US" sz="2400" dirty="0">
+                <a:latin typeface="Open Sans" panose="020B0604020202020204" charset="0"/>
+                <a:ea typeface="Open Sans" panose="020B0604020202020204" charset="0"/>
+                <a:cs typeface="Open Sans" panose="020B0604020202020204" charset="0"/>
+              </a:rPr>
+              <a:t>Errors can be coding errors made by the programmer, errors due to wrong input, and other unforeseeable things.</a:t>
+            </a:r>
+            <a:endParaRPr lang="uk-UA" sz="2400" dirty="0">
+              <a:latin typeface="Open Sans" panose="020B0604020202020204" charset="0"/>
+              <a:ea typeface="Open Sans" panose="020B0604020202020204" charset="0"/>
+              <a:cs typeface="Open Sans" panose="020B0604020202020204" charset="0"/>
+            </a:endParaRPr>
+          </a:p>
+        </p:txBody>
+      </p:sp>
+    </p:spTree>
+    <p:extLst>
+      <p:ext uri="{BB962C8B-B14F-4D97-AF65-F5344CB8AC3E}">
+        <p14:creationId xmlns:p14="http://schemas.microsoft.com/office/powerpoint/2010/main" val="2038504576"/>
+      </p:ext>
+    </p:extLst>
+  </p:cSld>
+  <p:clrMapOvr>
+    <a:masterClrMapping/>
+  </p:clrMapOvr>
+</p:sld>
+</file>
+
+<file path=ppt/slides/slide27.xml><?xml version="1.0" encoding="utf-8"?>
+<p:sld xmlns:a="http://schemas.openxmlformats.org/drawingml/2006/main" xmlns:r="http://schemas.openxmlformats.org/officeDocument/2006/relationships" xmlns:p="http://schemas.openxmlformats.org/presentationml/2006/main">
+  <p:cSld>
+    <p:spTree>
+      <p:nvGrpSpPr>
+        <p:cNvPr id="1" name=""/>
+        <p:cNvGrpSpPr/>
+        <p:nvPr/>
+      </p:nvGrpSpPr>
+      <p:grpSpPr>
+        <a:xfrm>
+          <a:off x="0" y="0"/>
+          <a:ext cx="0" cy="0"/>
+          <a:chOff x="0" y="0"/>
+          <a:chExt cx="0" cy="0"/>
+        </a:xfrm>
+      </p:grpSpPr>
+      <p:sp>
+        <p:nvSpPr>
+          <p:cNvPr id="2" name="Заголовок 1">
+            <a:extLst>
+              <a:ext uri="{FF2B5EF4-FFF2-40B4-BE49-F238E27FC236}">
+                <a16:creationId xmlns:a16="http://schemas.microsoft.com/office/drawing/2014/main" id="{5E39F148-F27E-4AF7-9139-57B155A77A0A}"/>
+              </a:ext>
+            </a:extLst>
+          </p:cNvPr>
+          <p:cNvSpPr>
+            <a:spLocks noGrp="1"/>
+          </p:cNvSpPr>
+          <p:nvPr>
+            <p:ph type="title"/>
+          </p:nvPr>
+        </p:nvSpPr>
+        <p:spPr/>
+        <p:txBody>
+          <a:bodyPr/>
+          <a:lstStyle/>
+          <a:p>
+            <a:pPr>
+              <a:lnSpc>
+                <a:spcPct val="100000"/>
+              </a:lnSpc>
+            </a:pPr>
+            <a:r>
+              <a:rPr lang="en-US" sz="4000" dirty="0"/>
+              <a:t>The try…catch syntax</a:t>
+            </a:r>
+            <a:br>
+              <a:rPr lang="en-US" sz="4000" dirty="0"/>
+            </a:br>
+            <a:r>
+              <a:rPr lang="en-US" sz="2400" dirty="0">
+                <a:latin typeface="Open Sans" panose="020B0604020202020204" charset="0"/>
+                <a:ea typeface="Open Sans" panose="020B0604020202020204" charset="0"/>
+                <a:cs typeface="Open Sans" panose="020B0604020202020204" charset="0"/>
+              </a:rPr>
+              <a:t>The </a:t>
+            </a:r>
+            <a:r>
+              <a:rPr lang="en-US" sz="2400" dirty="0" err="1">
+                <a:latin typeface="Open Sans" panose="020B0604020202020204" charset="0"/>
+                <a:ea typeface="Open Sans" panose="020B0604020202020204" charset="0"/>
+                <a:cs typeface="Open Sans" panose="020B0604020202020204" charset="0"/>
+              </a:rPr>
+              <a:t>try..catch</a:t>
+            </a:r>
+            <a:r>
+              <a:rPr lang="en-US" sz="2400" dirty="0">
+                <a:latin typeface="Open Sans" panose="020B0604020202020204" charset="0"/>
+                <a:ea typeface="Open Sans" panose="020B0604020202020204" charset="0"/>
+                <a:cs typeface="Open Sans" panose="020B0604020202020204" charset="0"/>
+              </a:rPr>
+              <a:t> construct has two main blocks: try, and then catch:</a:t>
+            </a:r>
+            <a:br>
+              <a:rPr lang="en-US" sz="2400" dirty="0">
+                <a:latin typeface="Open Sans" panose="020B0604020202020204" charset="0"/>
+                <a:ea typeface="Open Sans" panose="020B0604020202020204" charset="0"/>
+                <a:cs typeface="Open Sans" panose="020B0604020202020204" charset="0"/>
+              </a:rPr>
+            </a:br>
+            <a:endParaRPr lang="uk-UA" sz="2400" dirty="0">
+              <a:latin typeface="Open Sans" panose="020B0604020202020204" charset="0"/>
+              <a:ea typeface="Open Sans" panose="020B0604020202020204" charset="0"/>
+              <a:cs typeface="Open Sans" panose="020B0604020202020204" charset="0"/>
+            </a:endParaRPr>
+          </a:p>
+        </p:txBody>
+      </p:sp>
+      <p:pic>
+        <p:nvPicPr>
+          <p:cNvPr id="6" name="Рисунок 5">
+            <a:extLst>
+              <a:ext uri="{FF2B5EF4-FFF2-40B4-BE49-F238E27FC236}">
+                <a16:creationId xmlns:a16="http://schemas.microsoft.com/office/drawing/2014/main" id="{E2B49E57-8B0F-4B6A-9B03-EEA221FE469F}"/>
+              </a:ext>
+            </a:extLst>
+          </p:cNvPr>
+          <p:cNvPicPr>
+            <a:picLocks noChangeAspect="1"/>
+          </p:cNvPicPr>
+          <p:nvPr/>
+        </p:nvPicPr>
+        <p:blipFill>
+          <a:blip r:embed="rId3">
+            <a:extLst>
+              <a:ext uri="{28A0092B-C50C-407E-A947-70E740481C1C}">
+                <a14:useLocalDpi xmlns:a14="http://schemas.microsoft.com/office/drawing/2010/main" val="0"/>
+              </a:ext>
+            </a:extLst>
+          </a:blip>
+          <a:stretch>
+            <a:fillRect/>
+          </a:stretch>
+        </p:blipFill>
+        <p:spPr>
+          <a:xfrm>
+            <a:off x="3441045" y="2021415"/>
+            <a:ext cx="5309909" cy="2815169"/>
+          </a:xfrm>
+          <a:prstGeom prst="rect">
+            <a:avLst/>
+          </a:prstGeom>
+        </p:spPr>
+      </p:pic>
+    </p:spTree>
+    <p:extLst>
+      <p:ext uri="{BB962C8B-B14F-4D97-AF65-F5344CB8AC3E}">
+        <p14:creationId xmlns:p14="http://schemas.microsoft.com/office/powerpoint/2010/main" val="816815161"/>
+      </p:ext>
+    </p:extLst>
+  </p:cSld>
+  <p:clrMapOvr>
+    <a:masterClrMapping/>
+  </p:clrMapOvr>
+</p:sld>
+</file>
+
+<file path=ppt/slides/slide28.xml><?xml version="1.0" encoding="utf-8"?>
+<p:sld xmlns:a="http://schemas.openxmlformats.org/drawingml/2006/main" xmlns:r="http://schemas.openxmlformats.org/officeDocument/2006/relationships" xmlns:p="http://schemas.openxmlformats.org/presentationml/2006/main">
+  <p:cSld>
+    <p:spTree>
+      <p:nvGrpSpPr>
+        <p:cNvPr id="1" name=""/>
+        <p:cNvGrpSpPr/>
+        <p:nvPr/>
+      </p:nvGrpSpPr>
+      <p:grpSpPr>
+        <a:xfrm>
+          <a:off x="0" y="0"/>
+          <a:ext cx="0" cy="0"/>
+          <a:chOff x="0" y="0"/>
+          <a:chExt cx="0" cy="0"/>
+        </a:xfrm>
+      </p:grpSpPr>
+      <p:sp>
+        <p:nvSpPr>
+          <p:cNvPr id="2" name="Заголовок 1">
+            <a:extLst>
+              <a:ext uri="{FF2B5EF4-FFF2-40B4-BE49-F238E27FC236}">
+                <a16:creationId xmlns:a16="http://schemas.microsoft.com/office/drawing/2014/main" id="{0E1976CA-9B36-497A-99D7-AAEFFDA6E713}"/>
+              </a:ext>
+            </a:extLst>
+          </p:cNvPr>
+          <p:cNvSpPr>
+            <a:spLocks noGrp="1"/>
+          </p:cNvSpPr>
+          <p:nvPr>
+            <p:ph type="title"/>
+          </p:nvPr>
+        </p:nvSpPr>
+        <p:spPr/>
+        <p:txBody>
+          <a:bodyPr/>
+          <a:lstStyle/>
+          <a:p>
+            <a:r>
+              <a:rPr lang="en-US" sz="100" dirty="0"/>
+              <a:t>.</a:t>
+            </a:r>
+            <a:endParaRPr lang="uk-UA" sz="100" dirty="0"/>
+          </a:p>
+        </p:txBody>
+      </p:sp>
+      <p:pic>
+        <p:nvPicPr>
+          <p:cNvPr id="5" name="Рисунок 4">
+            <a:extLst>
+              <a:ext uri="{FF2B5EF4-FFF2-40B4-BE49-F238E27FC236}">
+                <a16:creationId xmlns:a16="http://schemas.microsoft.com/office/drawing/2014/main" id="{7B8CD6C2-6F9D-4950-9E85-3F8C6116CC1F}"/>
+              </a:ext>
+            </a:extLst>
+          </p:cNvPr>
+          <p:cNvPicPr>
+            <a:picLocks noChangeAspect="1"/>
+          </p:cNvPicPr>
+          <p:nvPr/>
+        </p:nvPicPr>
+        <p:blipFill>
+          <a:blip r:embed="rId3">
+            <a:extLst>
+              <a:ext uri="{28A0092B-C50C-407E-A947-70E740481C1C}">
+                <a14:useLocalDpi xmlns:a14="http://schemas.microsoft.com/office/drawing/2010/main" val="0"/>
+              </a:ext>
+            </a:extLst>
+          </a:blip>
+          <a:stretch>
+            <a:fillRect/>
+          </a:stretch>
+        </p:blipFill>
+        <p:spPr>
+          <a:xfrm>
+            <a:off x="3049130" y="730893"/>
+            <a:ext cx="6093740" cy="4755507"/>
+          </a:xfrm>
+          <a:prstGeom prst="rect">
+            <a:avLst/>
+          </a:prstGeom>
+        </p:spPr>
+      </p:pic>
+    </p:spTree>
+    <p:extLst>
+      <p:ext uri="{BB962C8B-B14F-4D97-AF65-F5344CB8AC3E}">
+        <p14:creationId xmlns:p14="http://schemas.microsoft.com/office/powerpoint/2010/main" val="1530793926"/>
+      </p:ext>
+    </p:extLst>
+  </p:cSld>
+  <p:clrMapOvr>
+    <a:masterClrMapping/>
+  </p:clrMapOvr>
+</p:sld>
+</file>
+
+<file path=ppt/slides/slide29.xml><?xml version="1.0" encoding="utf-8"?>
+<p:sld xmlns:a="http://schemas.openxmlformats.org/drawingml/2006/main" xmlns:r="http://schemas.openxmlformats.org/officeDocument/2006/relationships" xmlns:p="http://schemas.openxmlformats.org/presentationml/2006/main">
+  <p:cSld>
+    <p:spTree>
+      <p:nvGrpSpPr>
+        <p:cNvPr id="1" name=""/>
+        <p:cNvGrpSpPr/>
+        <p:nvPr/>
+      </p:nvGrpSpPr>
+      <p:grpSpPr>
+        <a:xfrm>
+          <a:off x="0" y="0"/>
+          <a:ext cx="0" cy="0"/>
+          <a:chOff x="0" y="0"/>
+          <a:chExt cx="0" cy="0"/>
+        </a:xfrm>
+      </p:grpSpPr>
+      <p:sp>
+        <p:nvSpPr>
+          <p:cNvPr id="2" name="Заголовок 1">
+            <a:extLst>
+              <a:ext uri="{FF2B5EF4-FFF2-40B4-BE49-F238E27FC236}">
+                <a16:creationId xmlns:a16="http://schemas.microsoft.com/office/drawing/2014/main" id="{05F15C77-5C2C-4144-9DED-B0BC784683E0}"/>
+              </a:ext>
+            </a:extLst>
+          </p:cNvPr>
+          <p:cNvSpPr>
+            <a:spLocks noGrp="1"/>
+          </p:cNvSpPr>
+          <p:nvPr>
+            <p:ph type="title"/>
+          </p:nvPr>
+        </p:nvSpPr>
+        <p:spPr/>
+        <p:txBody>
+          <a:bodyPr/>
+          <a:lstStyle/>
+          <a:p>
+            <a:pPr>
+              <a:lnSpc>
+                <a:spcPct val="100000"/>
+              </a:lnSpc>
+            </a:pPr>
+            <a:r>
+              <a:rPr lang="en-US" sz="2400" dirty="0">
+                <a:latin typeface="Open Sans" panose="020B0604020202020204" charset="0"/>
+                <a:ea typeface="Open Sans" panose="020B0604020202020204" charset="0"/>
+                <a:cs typeface="Open Sans" panose="020B0604020202020204" charset="0"/>
+              </a:rPr>
+              <a:t>Example</a:t>
+            </a:r>
+            <a:endParaRPr lang="uk-UA" sz="2400" dirty="0">
+              <a:latin typeface="Open Sans" panose="020B0604020202020204" charset="0"/>
+              <a:ea typeface="Open Sans" panose="020B0604020202020204" charset="0"/>
+              <a:cs typeface="Open Sans" panose="020B0604020202020204" charset="0"/>
+            </a:endParaRPr>
+          </a:p>
+        </p:txBody>
+      </p:sp>
+      <p:pic>
+        <p:nvPicPr>
+          <p:cNvPr id="5" name="Рисунок 4">
+            <a:extLst>
+              <a:ext uri="{FF2B5EF4-FFF2-40B4-BE49-F238E27FC236}">
+                <a16:creationId xmlns:a16="http://schemas.microsoft.com/office/drawing/2014/main" id="{FB5EA54F-BB15-4B92-A448-8BA5DBF8B145}"/>
+              </a:ext>
+            </a:extLst>
+          </p:cNvPr>
+          <p:cNvPicPr>
+            <a:picLocks noChangeAspect="1"/>
+          </p:cNvPicPr>
+          <p:nvPr/>
+        </p:nvPicPr>
+        <p:blipFill>
+          <a:blip r:embed="rId2">
+            <a:extLst>
+              <a:ext uri="{28A0092B-C50C-407E-A947-70E740481C1C}">
+                <a14:useLocalDpi xmlns:a14="http://schemas.microsoft.com/office/drawing/2010/main" val="0"/>
+              </a:ext>
+            </a:extLst>
+          </a:blip>
+          <a:stretch>
+            <a:fillRect/>
+          </a:stretch>
+        </p:blipFill>
+        <p:spPr>
+          <a:xfrm>
+            <a:off x="1191491" y="1594418"/>
+            <a:ext cx="9809018" cy="3669164"/>
+          </a:xfrm>
+          <a:prstGeom prst="rect">
+            <a:avLst/>
+          </a:prstGeom>
+        </p:spPr>
+      </p:pic>
+    </p:spTree>
+    <p:extLst>
+      <p:ext uri="{BB962C8B-B14F-4D97-AF65-F5344CB8AC3E}">
+        <p14:creationId xmlns:p14="http://schemas.microsoft.com/office/powerpoint/2010/main" val="1384394345"/>
       </p:ext>
     </p:extLst>
   </p:cSld>
@@ -6627,6 +12412,1312 @@
 </p:sld>
 </file>
 
+<file path=ppt/slides/slide30.xml><?xml version="1.0" encoding="utf-8"?>
+<p:sld xmlns:a="http://schemas.openxmlformats.org/drawingml/2006/main" xmlns:r="http://schemas.openxmlformats.org/officeDocument/2006/relationships" xmlns:p="http://schemas.openxmlformats.org/presentationml/2006/main">
+  <p:cSld>
+    <p:spTree>
+      <p:nvGrpSpPr>
+        <p:cNvPr id="1" name=""/>
+        <p:cNvGrpSpPr/>
+        <p:nvPr/>
+      </p:nvGrpSpPr>
+      <p:grpSpPr>
+        <a:xfrm>
+          <a:off x="0" y="0"/>
+          <a:ext cx="0" cy="0"/>
+          <a:chOff x="0" y="0"/>
+          <a:chExt cx="0" cy="0"/>
+        </a:xfrm>
+      </p:grpSpPr>
+      <p:sp>
+        <p:nvSpPr>
+          <p:cNvPr id="2" name="Заголовок 1">
+            <a:extLst>
+              <a:ext uri="{FF2B5EF4-FFF2-40B4-BE49-F238E27FC236}">
+                <a16:creationId xmlns:a16="http://schemas.microsoft.com/office/drawing/2014/main" id="{05F15C77-5C2C-4144-9DED-B0BC784683E0}"/>
+              </a:ext>
+            </a:extLst>
+          </p:cNvPr>
+          <p:cNvSpPr>
+            <a:spLocks noGrp="1"/>
+          </p:cNvSpPr>
+          <p:nvPr>
+            <p:ph type="title"/>
+          </p:nvPr>
+        </p:nvSpPr>
+        <p:spPr/>
+        <p:txBody>
+          <a:bodyPr/>
+          <a:lstStyle/>
+          <a:p>
+            <a:pPr>
+              <a:lnSpc>
+                <a:spcPct val="100000"/>
+              </a:lnSpc>
+            </a:pPr>
+            <a:r>
+              <a:rPr lang="en-US" sz="2400" dirty="0">
+                <a:latin typeface="Open Sans" panose="020B0604020202020204" charset="0"/>
+                <a:ea typeface="Open Sans" panose="020B0604020202020204" charset="0"/>
+                <a:cs typeface="Open Sans" panose="020B0604020202020204" charset="0"/>
+              </a:rPr>
+              <a:t>Example</a:t>
+            </a:r>
+            <a:endParaRPr lang="uk-UA" sz="2400" dirty="0">
+              <a:latin typeface="Open Sans" panose="020B0604020202020204" charset="0"/>
+              <a:ea typeface="Open Sans" panose="020B0604020202020204" charset="0"/>
+              <a:cs typeface="Open Sans" panose="020B0604020202020204" charset="0"/>
+            </a:endParaRPr>
+          </a:p>
+        </p:txBody>
+      </p:sp>
+      <p:pic>
+        <p:nvPicPr>
+          <p:cNvPr id="4" name="Рисунок 3">
+            <a:extLst>
+              <a:ext uri="{FF2B5EF4-FFF2-40B4-BE49-F238E27FC236}">
+                <a16:creationId xmlns:a16="http://schemas.microsoft.com/office/drawing/2014/main" id="{9045C9AF-91F2-446F-BFBA-FED35406D352}"/>
+              </a:ext>
+            </a:extLst>
+          </p:cNvPr>
+          <p:cNvPicPr>
+            <a:picLocks noChangeAspect="1"/>
+          </p:cNvPicPr>
+          <p:nvPr/>
+        </p:nvPicPr>
+        <p:blipFill>
+          <a:blip r:embed="rId3">
+            <a:extLst>
+              <a:ext uri="{28A0092B-C50C-407E-A947-70E740481C1C}">
+                <a14:useLocalDpi xmlns:a14="http://schemas.microsoft.com/office/drawing/2010/main" val="0"/>
+              </a:ext>
+            </a:extLst>
+          </a:blip>
+          <a:stretch>
+            <a:fillRect/>
+          </a:stretch>
+        </p:blipFill>
+        <p:spPr>
+          <a:xfrm>
+            <a:off x="1918854" y="1254742"/>
+            <a:ext cx="8354291" cy="4348516"/>
+          </a:xfrm>
+          <a:prstGeom prst="rect">
+            <a:avLst/>
+          </a:prstGeom>
+        </p:spPr>
+      </p:pic>
+    </p:spTree>
+    <p:extLst>
+      <p:ext uri="{BB962C8B-B14F-4D97-AF65-F5344CB8AC3E}">
+        <p14:creationId xmlns:p14="http://schemas.microsoft.com/office/powerpoint/2010/main" val="56777683"/>
+      </p:ext>
+    </p:extLst>
+  </p:cSld>
+  <p:clrMapOvr>
+    <a:masterClrMapping/>
+  </p:clrMapOvr>
+</p:sld>
+</file>
+
+<file path=ppt/slides/slide31.xml><?xml version="1.0" encoding="utf-8"?>
+<p:sld xmlns:a="http://schemas.openxmlformats.org/drawingml/2006/main" xmlns:r="http://schemas.openxmlformats.org/officeDocument/2006/relationships" xmlns:p="http://schemas.openxmlformats.org/presentationml/2006/main">
+  <p:cSld>
+    <p:spTree>
+      <p:nvGrpSpPr>
+        <p:cNvPr id="1" name=""/>
+        <p:cNvGrpSpPr/>
+        <p:nvPr/>
+      </p:nvGrpSpPr>
+      <p:grpSpPr>
+        <a:xfrm>
+          <a:off x="0" y="0"/>
+          <a:ext cx="0" cy="0"/>
+          <a:chOff x="0" y="0"/>
+          <a:chExt cx="0" cy="0"/>
+        </a:xfrm>
+      </p:grpSpPr>
+      <p:sp>
+        <p:nvSpPr>
+          <p:cNvPr id="2" name="Заголовок 1">
+            <a:extLst>
+              <a:ext uri="{FF2B5EF4-FFF2-40B4-BE49-F238E27FC236}">
+                <a16:creationId xmlns:a16="http://schemas.microsoft.com/office/drawing/2014/main" id="{35C8A316-279F-4DEB-B81B-7F0147E3EA94}"/>
+              </a:ext>
+            </a:extLst>
+          </p:cNvPr>
+          <p:cNvSpPr>
+            <a:spLocks noGrp="1"/>
+          </p:cNvSpPr>
+          <p:nvPr>
+            <p:ph type="title"/>
+          </p:nvPr>
+        </p:nvSpPr>
+        <p:spPr/>
+        <p:txBody>
+          <a:bodyPr/>
+          <a:lstStyle/>
+          <a:p>
+            <a:pPr>
+              <a:lnSpc>
+                <a:spcPct val="100000"/>
+              </a:lnSpc>
+            </a:pPr>
+            <a:r>
+              <a:rPr lang="en-US" sz="2400" dirty="0">
+                <a:latin typeface="Open Sans" panose="020B0604020202020204" charset="0"/>
+                <a:ea typeface="Open Sans" panose="020B0604020202020204" charset="0"/>
+                <a:cs typeface="Open Sans" panose="020B0604020202020204" charset="0"/>
+              </a:rPr>
+              <a:t>Note:</a:t>
+            </a:r>
+            <a:br>
+              <a:rPr lang="en-US" sz="2400" dirty="0">
+                <a:latin typeface="Open Sans" panose="020B0604020202020204" charset="0"/>
+                <a:ea typeface="Open Sans" panose="020B0604020202020204" charset="0"/>
+                <a:cs typeface="Open Sans" panose="020B0604020202020204" charset="0"/>
+              </a:rPr>
+            </a:br>
+            <a:br>
+              <a:rPr lang="en-US" sz="2400" dirty="0">
+                <a:latin typeface="Open Sans" panose="020B0604020202020204" charset="0"/>
+                <a:ea typeface="Open Sans" panose="020B0604020202020204" charset="0"/>
+                <a:cs typeface="Open Sans" panose="020B0604020202020204" charset="0"/>
+              </a:rPr>
+            </a:br>
+            <a:r>
+              <a:rPr lang="en-US" sz="2400" dirty="0">
+                <a:latin typeface="Open Sans" panose="020B0604020202020204" charset="0"/>
+                <a:ea typeface="Open Sans" panose="020B0604020202020204" charset="0"/>
+                <a:cs typeface="Open Sans" panose="020B0604020202020204" charset="0"/>
+              </a:rPr>
+              <a:t>- </a:t>
+            </a:r>
+            <a:r>
+              <a:rPr lang="en-US" sz="2400" dirty="0" err="1">
+                <a:latin typeface="Open Sans" panose="020B0604020202020204" charset="0"/>
+                <a:ea typeface="Open Sans" panose="020B0604020202020204" charset="0"/>
+                <a:cs typeface="Open Sans" panose="020B0604020202020204" charset="0"/>
+              </a:rPr>
+              <a:t>try..catch</a:t>
+            </a:r>
+            <a:r>
+              <a:rPr lang="en-US" sz="2400" dirty="0">
+                <a:latin typeface="Open Sans" panose="020B0604020202020204" charset="0"/>
+                <a:ea typeface="Open Sans" panose="020B0604020202020204" charset="0"/>
+                <a:cs typeface="Open Sans" panose="020B0604020202020204" charset="0"/>
+              </a:rPr>
+              <a:t> only works for runtime errors</a:t>
+            </a:r>
+            <a:br>
+              <a:rPr lang="en-US" sz="2400" dirty="0">
+                <a:latin typeface="Open Sans" panose="020B0604020202020204" charset="0"/>
+                <a:ea typeface="Open Sans" panose="020B0604020202020204" charset="0"/>
+                <a:cs typeface="Open Sans" panose="020B0604020202020204" charset="0"/>
+              </a:rPr>
+            </a:br>
+            <a:br>
+              <a:rPr lang="en-US" sz="2400" dirty="0">
+                <a:latin typeface="Open Sans" panose="020B0604020202020204" charset="0"/>
+                <a:ea typeface="Open Sans" panose="020B0604020202020204" charset="0"/>
+                <a:cs typeface="Open Sans" panose="020B0604020202020204" charset="0"/>
+              </a:rPr>
+            </a:br>
+            <a:r>
+              <a:rPr lang="en-US" sz="2400" dirty="0">
+                <a:latin typeface="Open Sans" panose="020B0604020202020204" charset="0"/>
+                <a:ea typeface="Open Sans" panose="020B0604020202020204" charset="0"/>
+                <a:cs typeface="Open Sans" panose="020B0604020202020204" charset="0"/>
+              </a:rPr>
+              <a:t>- </a:t>
+            </a:r>
+            <a:r>
+              <a:rPr lang="en-US" sz="2400" dirty="0" err="1">
+                <a:latin typeface="Open Sans" panose="020B0604020202020204" charset="0"/>
+                <a:ea typeface="Open Sans" panose="020B0604020202020204" charset="0"/>
+                <a:cs typeface="Open Sans" panose="020B0604020202020204" charset="0"/>
+              </a:rPr>
+              <a:t>try..catch</a:t>
+            </a:r>
+            <a:r>
+              <a:rPr lang="en-US" sz="2400" dirty="0">
+                <a:latin typeface="Open Sans" panose="020B0604020202020204" charset="0"/>
+                <a:ea typeface="Open Sans" panose="020B0604020202020204" charset="0"/>
+                <a:cs typeface="Open Sans" panose="020B0604020202020204" charset="0"/>
+              </a:rPr>
+              <a:t> works synchronously</a:t>
+            </a:r>
+            <a:endParaRPr lang="uk-UA" sz="2400" dirty="0">
+              <a:latin typeface="Open Sans" panose="020B0604020202020204" charset="0"/>
+              <a:ea typeface="Open Sans" panose="020B0604020202020204" charset="0"/>
+              <a:cs typeface="Open Sans" panose="020B0604020202020204" charset="0"/>
+            </a:endParaRPr>
+          </a:p>
+        </p:txBody>
+      </p:sp>
+    </p:spTree>
+    <p:extLst>
+      <p:ext uri="{BB962C8B-B14F-4D97-AF65-F5344CB8AC3E}">
+        <p14:creationId xmlns:p14="http://schemas.microsoft.com/office/powerpoint/2010/main" val="2055116911"/>
+      </p:ext>
+    </p:extLst>
+  </p:cSld>
+  <p:clrMapOvr>
+    <a:masterClrMapping/>
+  </p:clrMapOvr>
+</p:sld>
+</file>
+
+<file path=ppt/slides/slide32.xml><?xml version="1.0" encoding="utf-8"?>
+<p:sld xmlns:a="http://schemas.openxmlformats.org/drawingml/2006/main" xmlns:r="http://schemas.openxmlformats.org/officeDocument/2006/relationships" xmlns:p="http://schemas.openxmlformats.org/presentationml/2006/main">
+  <p:cSld>
+    <p:spTree>
+      <p:nvGrpSpPr>
+        <p:cNvPr id="1" name=""/>
+        <p:cNvGrpSpPr/>
+        <p:nvPr/>
+      </p:nvGrpSpPr>
+      <p:grpSpPr>
+        <a:xfrm>
+          <a:off x="0" y="0"/>
+          <a:ext cx="0" cy="0"/>
+          <a:chOff x="0" y="0"/>
+          <a:chExt cx="0" cy="0"/>
+        </a:xfrm>
+      </p:grpSpPr>
+      <p:sp>
+        <p:nvSpPr>
+          <p:cNvPr id="2" name="Заголовок 1">
+            <a:extLst>
+              <a:ext uri="{FF2B5EF4-FFF2-40B4-BE49-F238E27FC236}">
+                <a16:creationId xmlns:a16="http://schemas.microsoft.com/office/drawing/2014/main" id="{D323473A-A112-470A-9DFC-8951D5A2675A}"/>
+              </a:ext>
+            </a:extLst>
+          </p:cNvPr>
+          <p:cNvSpPr>
+            <a:spLocks noGrp="1"/>
+          </p:cNvSpPr>
+          <p:nvPr>
+            <p:ph type="title"/>
+          </p:nvPr>
+        </p:nvSpPr>
+        <p:spPr/>
+        <p:txBody>
+          <a:bodyPr/>
+          <a:lstStyle/>
+          <a:p>
+            <a:r>
+              <a:rPr lang="uk-UA" sz="100" dirty="0"/>
+              <a:t>.</a:t>
+            </a:r>
+          </a:p>
+        </p:txBody>
+      </p:sp>
+      <p:pic>
+        <p:nvPicPr>
+          <p:cNvPr id="9" name="Рисунок 8">
+            <a:extLst>
+              <a:ext uri="{FF2B5EF4-FFF2-40B4-BE49-F238E27FC236}">
+                <a16:creationId xmlns:a16="http://schemas.microsoft.com/office/drawing/2014/main" id="{D8190508-EF09-4EAE-9CDA-DA0E02AC31BA}"/>
+              </a:ext>
+            </a:extLst>
+          </p:cNvPr>
+          <p:cNvPicPr>
+            <a:picLocks noChangeAspect="1"/>
+          </p:cNvPicPr>
+          <p:nvPr/>
+        </p:nvPicPr>
+        <p:blipFill>
+          <a:blip r:embed="rId3">
+            <a:extLst>
+              <a:ext uri="{28A0092B-C50C-407E-A947-70E740481C1C}">
+                <a14:useLocalDpi xmlns:a14="http://schemas.microsoft.com/office/drawing/2010/main" val="0"/>
+              </a:ext>
+            </a:extLst>
+          </a:blip>
+          <a:stretch>
+            <a:fillRect/>
+          </a:stretch>
+        </p:blipFill>
+        <p:spPr>
+          <a:xfrm>
+            <a:off x="685799" y="685799"/>
+            <a:ext cx="5993295" cy="1950405"/>
+          </a:xfrm>
+          <a:prstGeom prst="rect">
+            <a:avLst/>
+          </a:prstGeom>
+        </p:spPr>
+      </p:pic>
+      <p:pic>
+        <p:nvPicPr>
+          <p:cNvPr id="11" name="Рисунок 10">
+            <a:extLst>
+              <a:ext uri="{FF2B5EF4-FFF2-40B4-BE49-F238E27FC236}">
+                <a16:creationId xmlns:a16="http://schemas.microsoft.com/office/drawing/2014/main" id="{08391B43-6DDE-4DC8-B391-47E29F39E856}"/>
+              </a:ext>
+            </a:extLst>
+          </p:cNvPr>
+          <p:cNvPicPr>
+            <a:picLocks noChangeAspect="1"/>
+          </p:cNvPicPr>
+          <p:nvPr/>
+        </p:nvPicPr>
+        <p:blipFill>
+          <a:blip r:embed="rId4">
+            <a:extLst>
+              <a:ext uri="{28A0092B-C50C-407E-A947-70E740481C1C}">
+                <a14:useLocalDpi xmlns:a14="http://schemas.microsoft.com/office/drawing/2010/main" val="0"/>
+              </a:ext>
+            </a:extLst>
+          </a:blip>
+          <a:stretch>
+            <a:fillRect/>
+          </a:stretch>
+        </p:blipFill>
+        <p:spPr>
+          <a:xfrm>
+            <a:off x="5512904" y="2909869"/>
+            <a:ext cx="5993295" cy="2066653"/>
+          </a:xfrm>
+          <a:prstGeom prst="rect">
+            <a:avLst/>
+          </a:prstGeom>
+        </p:spPr>
+      </p:pic>
+    </p:spTree>
+    <p:extLst>
+      <p:ext uri="{BB962C8B-B14F-4D97-AF65-F5344CB8AC3E}">
+        <p14:creationId xmlns:p14="http://schemas.microsoft.com/office/powerpoint/2010/main" val="2120834454"/>
+      </p:ext>
+    </p:extLst>
+  </p:cSld>
+  <p:clrMapOvr>
+    <a:masterClrMapping/>
+  </p:clrMapOvr>
+</p:sld>
+</file>
+
+<file path=ppt/slides/slide33.xml><?xml version="1.0" encoding="utf-8"?>
+<p:sld xmlns:a="http://schemas.openxmlformats.org/drawingml/2006/main" xmlns:r="http://schemas.openxmlformats.org/officeDocument/2006/relationships" xmlns:p="http://schemas.openxmlformats.org/presentationml/2006/main">
+  <p:cSld>
+    <p:spTree>
+      <p:nvGrpSpPr>
+        <p:cNvPr id="1" name=""/>
+        <p:cNvGrpSpPr/>
+        <p:nvPr/>
+      </p:nvGrpSpPr>
+      <p:grpSpPr>
+        <a:xfrm>
+          <a:off x="0" y="0"/>
+          <a:ext cx="0" cy="0"/>
+          <a:chOff x="0" y="0"/>
+          <a:chExt cx="0" cy="0"/>
+        </a:xfrm>
+      </p:grpSpPr>
+      <p:sp>
+        <p:nvSpPr>
+          <p:cNvPr id="2" name="Заголовок 1">
+            <a:extLst>
+              <a:ext uri="{FF2B5EF4-FFF2-40B4-BE49-F238E27FC236}">
+                <a16:creationId xmlns:a16="http://schemas.microsoft.com/office/drawing/2014/main" id="{8FE649AE-ECB9-4ACB-B7F7-0E6EC55EDB51}"/>
+              </a:ext>
+            </a:extLst>
+          </p:cNvPr>
+          <p:cNvSpPr>
+            <a:spLocks noGrp="1"/>
+          </p:cNvSpPr>
+          <p:nvPr>
+            <p:ph type="title"/>
+          </p:nvPr>
+        </p:nvSpPr>
+        <p:spPr/>
+        <p:txBody>
+          <a:bodyPr/>
+          <a:lstStyle/>
+          <a:p>
+            <a:pPr>
+              <a:lnSpc>
+                <a:spcPct val="100000"/>
+              </a:lnSpc>
+            </a:pPr>
+            <a:r>
+              <a:rPr lang="en-US" sz="4000" dirty="0"/>
+              <a:t>Error object</a:t>
+            </a:r>
+            <a:br>
+              <a:rPr lang="uk-UA" sz="4000" dirty="0"/>
+            </a:br>
+            <a:r>
+              <a:rPr lang="en-US" sz="2400" dirty="0">
+                <a:latin typeface="Open Sans" panose="020B0604020202020204" charset="0"/>
+                <a:ea typeface="Open Sans" panose="020B0604020202020204" charset="0"/>
+                <a:cs typeface="Open Sans" panose="020B0604020202020204" charset="0"/>
+              </a:rPr>
+              <a:t>When an error occurs, JavaScript generates an object containing the details about it. The object is then passed as an argument to catch:</a:t>
+            </a:r>
+            <a:endParaRPr lang="uk-UA" sz="2400" dirty="0">
+              <a:latin typeface="Open Sans" panose="020B0604020202020204" charset="0"/>
+              <a:ea typeface="Open Sans" panose="020B0604020202020204" charset="0"/>
+              <a:cs typeface="Open Sans" panose="020B0604020202020204" charset="0"/>
+            </a:endParaRPr>
+          </a:p>
+        </p:txBody>
+      </p:sp>
+      <p:pic>
+        <p:nvPicPr>
+          <p:cNvPr id="6" name="Рисунок 5">
+            <a:extLst>
+              <a:ext uri="{FF2B5EF4-FFF2-40B4-BE49-F238E27FC236}">
+                <a16:creationId xmlns:a16="http://schemas.microsoft.com/office/drawing/2014/main" id="{EA85B3F9-23C2-48AB-A6D4-8C77104728E6}"/>
+              </a:ext>
+            </a:extLst>
+          </p:cNvPr>
+          <p:cNvPicPr>
+            <a:picLocks noChangeAspect="1"/>
+          </p:cNvPicPr>
+          <p:nvPr/>
+        </p:nvPicPr>
+        <p:blipFill>
+          <a:blip r:embed="rId2">
+            <a:extLst>
+              <a:ext uri="{28A0092B-C50C-407E-A947-70E740481C1C}">
+                <a14:useLocalDpi xmlns:a14="http://schemas.microsoft.com/office/drawing/2010/main" val="0"/>
+              </a:ext>
+            </a:extLst>
+          </a:blip>
+          <a:stretch>
+            <a:fillRect/>
+          </a:stretch>
+        </p:blipFill>
+        <p:spPr>
+          <a:xfrm>
+            <a:off x="2494439" y="2724107"/>
+            <a:ext cx="7203121" cy="1409785"/>
+          </a:xfrm>
+          <a:prstGeom prst="rect">
+            <a:avLst/>
+          </a:prstGeom>
+        </p:spPr>
+      </p:pic>
+    </p:spTree>
+    <p:extLst>
+      <p:ext uri="{BB962C8B-B14F-4D97-AF65-F5344CB8AC3E}">
+        <p14:creationId xmlns:p14="http://schemas.microsoft.com/office/powerpoint/2010/main" val="3231483490"/>
+      </p:ext>
+    </p:extLst>
+  </p:cSld>
+  <p:clrMapOvr>
+    <a:masterClrMapping/>
+  </p:clrMapOvr>
+</p:sld>
+</file>
+
+<file path=ppt/slides/slide34.xml><?xml version="1.0" encoding="utf-8"?>
+<p:sld xmlns:a="http://schemas.openxmlformats.org/drawingml/2006/main" xmlns:r="http://schemas.openxmlformats.org/officeDocument/2006/relationships" xmlns:p="http://schemas.openxmlformats.org/presentationml/2006/main">
+  <p:cSld>
+    <p:spTree>
+      <p:nvGrpSpPr>
+        <p:cNvPr id="1" name=""/>
+        <p:cNvGrpSpPr/>
+        <p:nvPr/>
+      </p:nvGrpSpPr>
+      <p:grpSpPr>
+        <a:xfrm>
+          <a:off x="0" y="0"/>
+          <a:ext cx="0" cy="0"/>
+          <a:chOff x="0" y="0"/>
+          <a:chExt cx="0" cy="0"/>
+        </a:xfrm>
+      </p:grpSpPr>
+      <p:sp>
+        <p:nvSpPr>
+          <p:cNvPr id="2" name="Заголовок 1">
+            <a:extLst>
+              <a:ext uri="{FF2B5EF4-FFF2-40B4-BE49-F238E27FC236}">
+                <a16:creationId xmlns:a16="http://schemas.microsoft.com/office/drawing/2014/main" id="{098B60F5-A972-4610-B54E-5A906A6C2311}"/>
+              </a:ext>
+            </a:extLst>
+          </p:cNvPr>
+          <p:cNvSpPr>
+            <a:spLocks noGrp="1"/>
+          </p:cNvSpPr>
+          <p:nvPr>
+            <p:ph type="title"/>
+          </p:nvPr>
+        </p:nvSpPr>
+        <p:spPr/>
+        <p:txBody>
+          <a:bodyPr/>
+          <a:lstStyle/>
+          <a:p>
+            <a:pPr>
+              <a:lnSpc>
+                <a:spcPct val="100000"/>
+              </a:lnSpc>
+            </a:pPr>
+            <a:r>
+              <a:rPr lang="en-US" sz="4000" dirty="0"/>
+              <a:t>Error Object Properties</a:t>
+            </a:r>
+            <a:br>
+              <a:rPr lang="en-US" dirty="0"/>
+            </a:br>
+            <a:r>
+              <a:rPr lang="en-US" sz="2400" dirty="0">
+                <a:latin typeface="Open Sans" panose="020B0604020202020204" charset="0"/>
+                <a:ea typeface="Open Sans" panose="020B0604020202020204" charset="0"/>
+                <a:cs typeface="Open Sans" panose="020B0604020202020204" charset="0"/>
+              </a:rPr>
+              <a:t>The error object provides two useful properties: name and message.</a:t>
+            </a:r>
+            <a:endParaRPr lang="uk-UA" sz="2400" dirty="0">
+              <a:latin typeface="Open Sans" panose="020B0604020202020204" charset="0"/>
+              <a:ea typeface="Open Sans" panose="020B0604020202020204" charset="0"/>
+              <a:cs typeface="Open Sans" panose="020B0604020202020204" charset="0"/>
+            </a:endParaRPr>
+          </a:p>
+        </p:txBody>
+      </p:sp>
+      <p:pic>
+        <p:nvPicPr>
+          <p:cNvPr id="5" name="Рисунок 4">
+            <a:extLst>
+              <a:ext uri="{FF2B5EF4-FFF2-40B4-BE49-F238E27FC236}">
+                <a16:creationId xmlns:a16="http://schemas.microsoft.com/office/drawing/2014/main" id="{16B930A3-6230-4DEE-85D9-7789B8D7C825}"/>
+              </a:ext>
+            </a:extLst>
+          </p:cNvPr>
+          <p:cNvPicPr>
+            <a:picLocks noChangeAspect="1"/>
+          </p:cNvPicPr>
+          <p:nvPr/>
+        </p:nvPicPr>
+        <p:blipFill>
+          <a:blip r:embed="rId3">
+            <a:extLst>
+              <a:ext uri="{28A0092B-C50C-407E-A947-70E740481C1C}">
+                <a14:useLocalDpi xmlns:a14="http://schemas.microsoft.com/office/drawing/2010/main" val="0"/>
+              </a:ext>
+            </a:extLst>
+          </a:blip>
+          <a:stretch>
+            <a:fillRect/>
+          </a:stretch>
+        </p:blipFill>
+        <p:spPr>
+          <a:xfrm>
+            <a:off x="2107226" y="2555762"/>
+            <a:ext cx="7977547" cy="1746476"/>
+          </a:xfrm>
+          <a:prstGeom prst="rect">
+            <a:avLst/>
+          </a:prstGeom>
+        </p:spPr>
+      </p:pic>
+    </p:spTree>
+    <p:extLst>
+      <p:ext uri="{BB962C8B-B14F-4D97-AF65-F5344CB8AC3E}">
+        <p14:creationId xmlns:p14="http://schemas.microsoft.com/office/powerpoint/2010/main" val="2948565042"/>
+      </p:ext>
+    </p:extLst>
+  </p:cSld>
+  <p:clrMapOvr>
+    <a:masterClrMapping/>
+  </p:clrMapOvr>
+</p:sld>
+</file>
+
+<file path=ppt/slides/slide35.xml><?xml version="1.0" encoding="utf-8"?>
+<p:sld xmlns:a="http://schemas.openxmlformats.org/drawingml/2006/main" xmlns:r="http://schemas.openxmlformats.org/officeDocument/2006/relationships" xmlns:p="http://schemas.openxmlformats.org/presentationml/2006/main">
+  <p:cSld>
+    <p:spTree>
+      <p:nvGrpSpPr>
+        <p:cNvPr id="1" name=""/>
+        <p:cNvGrpSpPr/>
+        <p:nvPr/>
+      </p:nvGrpSpPr>
+      <p:grpSpPr>
+        <a:xfrm>
+          <a:off x="0" y="0"/>
+          <a:ext cx="0" cy="0"/>
+          <a:chOff x="0" y="0"/>
+          <a:chExt cx="0" cy="0"/>
+        </a:xfrm>
+      </p:grpSpPr>
+      <p:sp>
+        <p:nvSpPr>
+          <p:cNvPr id="2" name="Заголовок 1">
+            <a:extLst>
+              <a:ext uri="{FF2B5EF4-FFF2-40B4-BE49-F238E27FC236}">
+                <a16:creationId xmlns:a16="http://schemas.microsoft.com/office/drawing/2014/main" id="{515D1C74-7533-48F5-ACE9-E7BC4A0A702E}"/>
+              </a:ext>
+            </a:extLst>
+          </p:cNvPr>
+          <p:cNvSpPr>
+            <a:spLocks noGrp="1"/>
+          </p:cNvSpPr>
+          <p:nvPr>
+            <p:ph type="title"/>
+          </p:nvPr>
+        </p:nvSpPr>
+        <p:spPr/>
+        <p:txBody>
+          <a:bodyPr/>
+          <a:lstStyle/>
+          <a:p>
+            <a:pPr>
+              <a:lnSpc>
+                <a:spcPct val="100000"/>
+              </a:lnSpc>
+            </a:pPr>
+            <a:r>
+              <a:rPr lang="en-US" sz="4000" dirty="0"/>
+              <a:t>Error Name Values</a:t>
+            </a:r>
+            <a:br>
+              <a:rPr lang="en-US" sz="4000" dirty="0"/>
+            </a:br>
+            <a:r>
+              <a:rPr lang="en-US" sz="2400" dirty="0">
+                <a:latin typeface="Open Sans" panose="020B0604020202020204" charset="0"/>
+                <a:ea typeface="Open Sans" panose="020B0604020202020204" charset="0"/>
+                <a:cs typeface="Open Sans" panose="020B0604020202020204" charset="0"/>
+              </a:rPr>
+              <a:t>Six different values can be returned by the error name property:</a:t>
+            </a:r>
+            <a:endParaRPr lang="uk-UA" sz="2400" dirty="0">
+              <a:latin typeface="Open Sans" panose="020B0604020202020204" charset="0"/>
+              <a:ea typeface="Open Sans" panose="020B0604020202020204" charset="0"/>
+              <a:cs typeface="Open Sans" panose="020B0604020202020204" charset="0"/>
+            </a:endParaRPr>
+          </a:p>
+        </p:txBody>
+      </p:sp>
+      <p:pic>
+        <p:nvPicPr>
+          <p:cNvPr id="5" name="Рисунок 4">
+            <a:extLst>
+              <a:ext uri="{FF2B5EF4-FFF2-40B4-BE49-F238E27FC236}">
+                <a16:creationId xmlns:a16="http://schemas.microsoft.com/office/drawing/2014/main" id="{5861EA81-9D9A-4234-845B-278AE4062D27}"/>
+              </a:ext>
+            </a:extLst>
+          </p:cNvPr>
+          <p:cNvPicPr>
+            <a:picLocks noChangeAspect="1"/>
+          </p:cNvPicPr>
+          <p:nvPr/>
+        </p:nvPicPr>
+        <p:blipFill>
+          <a:blip r:embed="rId3">
+            <a:extLst>
+              <a:ext uri="{28A0092B-C50C-407E-A947-70E740481C1C}">
+                <a14:useLocalDpi xmlns:a14="http://schemas.microsoft.com/office/drawing/2010/main" val="0"/>
+              </a:ext>
+            </a:extLst>
+          </a:blip>
+          <a:stretch>
+            <a:fillRect/>
+          </a:stretch>
+        </p:blipFill>
+        <p:spPr>
+          <a:xfrm>
+            <a:off x="1997662" y="1869832"/>
+            <a:ext cx="8196675" cy="3616568"/>
+          </a:xfrm>
+          <a:prstGeom prst="rect">
+            <a:avLst/>
+          </a:prstGeom>
+        </p:spPr>
+      </p:pic>
+    </p:spTree>
+    <p:extLst>
+      <p:ext uri="{BB962C8B-B14F-4D97-AF65-F5344CB8AC3E}">
+        <p14:creationId xmlns:p14="http://schemas.microsoft.com/office/powerpoint/2010/main" val="3438511600"/>
+      </p:ext>
+    </p:extLst>
+  </p:cSld>
+  <p:clrMapOvr>
+    <a:masterClrMapping/>
+  </p:clrMapOvr>
+</p:sld>
+</file>
+
+<file path=ppt/slides/slide36.xml><?xml version="1.0" encoding="utf-8"?>
+<p:sld xmlns:a="http://schemas.openxmlformats.org/drawingml/2006/main" xmlns:r="http://schemas.openxmlformats.org/officeDocument/2006/relationships" xmlns:p="http://schemas.openxmlformats.org/presentationml/2006/main">
+  <p:cSld>
+    <p:spTree>
+      <p:nvGrpSpPr>
+        <p:cNvPr id="1" name=""/>
+        <p:cNvGrpSpPr/>
+        <p:nvPr/>
+      </p:nvGrpSpPr>
+      <p:grpSpPr>
+        <a:xfrm>
+          <a:off x="0" y="0"/>
+          <a:ext cx="0" cy="0"/>
+          <a:chOff x="0" y="0"/>
+          <a:chExt cx="0" cy="0"/>
+        </a:xfrm>
+      </p:grpSpPr>
+      <p:sp>
+        <p:nvSpPr>
+          <p:cNvPr id="2" name="Заголовок 1">
+            <a:extLst>
+              <a:ext uri="{FF2B5EF4-FFF2-40B4-BE49-F238E27FC236}">
+                <a16:creationId xmlns:a16="http://schemas.microsoft.com/office/drawing/2014/main" id="{73574EB1-58B4-4A3B-9FAD-48FB6F412452}"/>
+              </a:ext>
+            </a:extLst>
+          </p:cNvPr>
+          <p:cNvSpPr>
+            <a:spLocks noGrp="1"/>
+          </p:cNvSpPr>
+          <p:nvPr>
+            <p:ph type="title"/>
+          </p:nvPr>
+        </p:nvSpPr>
+        <p:spPr/>
+        <p:txBody>
+          <a:bodyPr/>
+          <a:lstStyle/>
+          <a:p>
+            <a:pPr>
+              <a:lnSpc>
+                <a:spcPct val="100000"/>
+              </a:lnSpc>
+            </a:pPr>
+            <a:r>
+              <a:rPr lang="en-US" sz="4000" dirty="0"/>
+              <a:t>Throwing our own errors</a:t>
+            </a:r>
+            <a:br>
+              <a:rPr lang="en-US" sz="4000" dirty="0"/>
+            </a:br>
+            <a:r>
+              <a:rPr lang="en-US" sz="2400" dirty="0">
+                <a:latin typeface="Open Sans" panose="020B0604020202020204" charset="0"/>
+                <a:ea typeface="Open Sans" panose="020B0604020202020204" charset="0"/>
+                <a:cs typeface="Open Sans" panose="020B0604020202020204" charset="0"/>
+              </a:rPr>
+              <a:t>The throw operator generates an error.</a:t>
+            </a:r>
+            <a:br>
+              <a:rPr lang="en-US" sz="2400" dirty="0">
+                <a:latin typeface="Open Sans" panose="020B0604020202020204" charset="0"/>
+                <a:ea typeface="Open Sans" panose="020B0604020202020204" charset="0"/>
+                <a:cs typeface="Open Sans" panose="020B0604020202020204" charset="0"/>
+              </a:rPr>
+            </a:br>
+            <a:br>
+              <a:rPr lang="en-US" sz="2400" dirty="0">
+                <a:latin typeface="Open Sans" panose="020B0604020202020204" charset="0"/>
+                <a:ea typeface="Open Sans" panose="020B0604020202020204" charset="0"/>
+                <a:cs typeface="Open Sans" panose="020B0604020202020204" charset="0"/>
+              </a:rPr>
+            </a:br>
+            <a:endParaRPr lang="uk-UA" sz="2400" dirty="0">
+              <a:latin typeface="Open Sans" panose="020B0604020202020204" charset="0"/>
+              <a:ea typeface="Open Sans" panose="020B0604020202020204" charset="0"/>
+              <a:cs typeface="Open Sans" panose="020B0604020202020204" charset="0"/>
+            </a:endParaRPr>
+          </a:p>
+        </p:txBody>
+      </p:sp>
+      <p:sp>
+        <p:nvSpPr>
+          <p:cNvPr id="3" name="Текст 2">
+            <a:extLst>
+              <a:ext uri="{FF2B5EF4-FFF2-40B4-BE49-F238E27FC236}">
+                <a16:creationId xmlns:a16="http://schemas.microsoft.com/office/drawing/2014/main" id="{00BE6CEF-C3BC-4DFA-8789-034F39402D58}"/>
+              </a:ext>
+            </a:extLst>
+          </p:cNvPr>
+          <p:cNvSpPr>
+            <a:spLocks noGrp="1"/>
+          </p:cNvSpPr>
+          <p:nvPr>
+            <p:ph type="body" sz="quarter" idx="10"/>
+          </p:nvPr>
+        </p:nvSpPr>
+        <p:spPr/>
+        <p:txBody>
+          <a:bodyPr/>
+          <a:lstStyle/>
+          <a:p>
+            <a:endParaRPr lang="uk-UA"/>
+          </a:p>
+        </p:txBody>
+      </p:sp>
+      <p:pic>
+        <p:nvPicPr>
+          <p:cNvPr id="5" name="Рисунок 4">
+            <a:extLst>
+              <a:ext uri="{FF2B5EF4-FFF2-40B4-BE49-F238E27FC236}">
+                <a16:creationId xmlns:a16="http://schemas.microsoft.com/office/drawing/2014/main" id="{77D458E0-FF9D-425F-B6AF-81CFA3FA9599}"/>
+              </a:ext>
+            </a:extLst>
+          </p:cNvPr>
+          <p:cNvPicPr>
+            <a:picLocks noChangeAspect="1"/>
+          </p:cNvPicPr>
+          <p:nvPr/>
+        </p:nvPicPr>
+        <p:blipFill>
+          <a:blip r:embed="rId3">
+            <a:extLst>
+              <a:ext uri="{28A0092B-C50C-407E-A947-70E740481C1C}">
+                <a14:useLocalDpi xmlns:a14="http://schemas.microsoft.com/office/drawing/2010/main" val="0"/>
+              </a:ext>
+            </a:extLst>
+          </a:blip>
+          <a:stretch>
+            <a:fillRect/>
+          </a:stretch>
+        </p:blipFill>
+        <p:spPr>
+          <a:xfrm>
+            <a:off x="4504920" y="2286000"/>
+            <a:ext cx="2883118" cy="700185"/>
+          </a:xfrm>
+          <a:prstGeom prst="rect">
+            <a:avLst/>
+          </a:prstGeom>
+        </p:spPr>
+      </p:pic>
+    </p:spTree>
+    <p:extLst>
+      <p:ext uri="{BB962C8B-B14F-4D97-AF65-F5344CB8AC3E}">
+        <p14:creationId xmlns:p14="http://schemas.microsoft.com/office/powerpoint/2010/main" val="3848860647"/>
+      </p:ext>
+    </p:extLst>
+  </p:cSld>
+  <p:clrMapOvr>
+    <a:masterClrMapping/>
+  </p:clrMapOvr>
+</p:sld>
+</file>
+
+<file path=ppt/slides/slide37.xml><?xml version="1.0" encoding="utf-8"?>
+<p:sld xmlns:a="http://schemas.openxmlformats.org/drawingml/2006/main" xmlns:r="http://schemas.openxmlformats.org/officeDocument/2006/relationships" xmlns:p="http://schemas.openxmlformats.org/presentationml/2006/main">
+  <p:cSld>
+    <p:spTree>
+      <p:nvGrpSpPr>
+        <p:cNvPr id="1" name=""/>
+        <p:cNvGrpSpPr/>
+        <p:nvPr/>
+      </p:nvGrpSpPr>
+      <p:grpSpPr>
+        <a:xfrm>
+          <a:off x="0" y="0"/>
+          <a:ext cx="0" cy="0"/>
+          <a:chOff x="0" y="0"/>
+          <a:chExt cx="0" cy="0"/>
+        </a:xfrm>
+      </p:grpSpPr>
+      <p:sp>
+        <p:nvSpPr>
+          <p:cNvPr id="2" name="Заголовок 1">
+            <a:extLst>
+              <a:ext uri="{FF2B5EF4-FFF2-40B4-BE49-F238E27FC236}">
+                <a16:creationId xmlns:a16="http://schemas.microsoft.com/office/drawing/2014/main" id="{938BB306-A0F0-49EF-9A57-E8C20BD83D56}"/>
+              </a:ext>
+            </a:extLst>
+          </p:cNvPr>
+          <p:cNvSpPr>
+            <a:spLocks noGrp="1"/>
+          </p:cNvSpPr>
+          <p:nvPr>
+            <p:ph type="title"/>
+          </p:nvPr>
+        </p:nvSpPr>
+        <p:spPr/>
+        <p:txBody>
+          <a:bodyPr/>
+          <a:lstStyle/>
+          <a:p>
+            <a:pPr>
+              <a:lnSpc>
+                <a:spcPct val="100000"/>
+              </a:lnSpc>
+            </a:pPr>
+            <a:r>
+              <a:rPr lang="en-US" sz="4000" dirty="0"/>
+              <a:t>try…catch…finally</a:t>
+            </a:r>
+            <a:br>
+              <a:rPr lang="en-US" sz="4000" dirty="0"/>
+            </a:br>
+            <a:r>
+              <a:rPr lang="en-US" sz="2400" dirty="0">
+                <a:latin typeface="Open Sans" panose="020B0604020202020204" charset="0"/>
+                <a:ea typeface="Open Sans" panose="020B0604020202020204" charset="0"/>
+                <a:cs typeface="Open Sans" panose="020B0604020202020204" charset="0"/>
+              </a:rPr>
+              <a:t>The </a:t>
+            </a:r>
+            <a:r>
+              <a:rPr lang="en-US" sz="2400" dirty="0" err="1">
+                <a:latin typeface="Open Sans" panose="020B0604020202020204" charset="0"/>
+                <a:ea typeface="Open Sans" panose="020B0604020202020204" charset="0"/>
+                <a:cs typeface="Open Sans" panose="020B0604020202020204" charset="0"/>
+              </a:rPr>
+              <a:t>try..catch</a:t>
+            </a:r>
+            <a:r>
+              <a:rPr lang="en-US" sz="2400" dirty="0">
+                <a:latin typeface="Open Sans" panose="020B0604020202020204" charset="0"/>
+                <a:ea typeface="Open Sans" panose="020B0604020202020204" charset="0"/>
+                <a:cs typeface="Open Sans" panose="020B0604020202020204" charset="0"/>
+              </a:rPr>
+              <a:t> construct may have one more code clause: finally.</a:t>
+            </a:r>
+            <a:br>
+              <a:rPr lang="en-US" sz="2400" dirty="0">
+                <a:latin typeface="Open Sans" panose="020B0604020202020204" charset="0"/>
+                <a:ea typeface="Open Sans" panose="020B0604020202020204" charset="0"/>
+                <a:cs typeface="Open Sans" panose="020B0604020202020204" charset="0"/>
+              </a:rPr>
+            </a:br>
+            <a:br>
+              <a:rPr lang="en-US" sz="2400" dirty="0">
+                <a:latin typeface="Open Sans" panose="020B0604020202020204" charset="0"/>
+                <a:ea typeface="Open Sans" panose="020B0604020202020204" charset="0"/>
+                <a:cs typeface="Open Sans" panose="020B0604020202020204" charset="0"/>
+              </a:rPr>
+            </a:br>
+            <a:r>
+              <a:rPr lang="en-US" sz="2400" dirty="0">
+                <a:latin typeface="Open Sans" panose="020B0604020202020204" charset="0"/>
+                <a:ea typeface="Open Sans" panose="020B0604020202020204" charset="0"/>
+                <a:cs typeface="Open Sans" panose="020B0604020202020204" charset="0"/>
+              </a:rPr>
+              <a:t>If it exists, it runs in all cases:</a:t>
+            </a:r>
+            <a:br>
+              <a:rPr lang="en-US" sz="2400" dirty="0">
+                <a:latin typeface="Open Sans" panose="020B0604020202020204" charset="0"/>
+                <a:ea typeface="Open Sans" panose="020B0604020202020204" charset="0"/>
+                <a:cs typeface="Open Sans" panose="020B0604020202020204" charset="0"/>
+              </a:rPr>
+            </a:br>
+            <a:r>
+              <a:rPr lang="en-US" sz="2400" dirty="0">
+                <a:latin typeface="Open Sans" panose="020B0604020202020204" charset="0"/>
+                <a:ea typeface="Open Sans" panose="020B0604020202020204" charset="0"/>
+                <a:cs typeface="Open Sans" panose="020B0604020202020204" charset="0"/>
+              </a:rPr>
+              <a:t>- after try, if there were no errors,</a:t>
+            </a:r>
+            <a:br>
+              <a:rPr lang="en-US" sz="2400" dirty="0">
+                <a:latin typeface="Open Sans" panose="020B0604020202020204" charset="0"/>
+                <a:ea typeface="Open Sans" panose="020B0604020202020204" charset="0"/>
+                <a:cs typeface="Open Sans" panose="020B0604020202020204" charset="0"/>
+              </a:rPr>
+            </a:br>
+            <a:r>
+              <a:rPr lang="en-US" sz="2400" dirty="0">
+                <a:latin typeface="Open Sans" panose="020B0604020202020204" charset="0"/>
+                <a:ea typeface="Open Sans" panose="020B0604020202020204" charset="0"/>
+                <a:cs typeface="Open Sans" panose="020B0604020202020204" charset="0"/>
+              </a:rPr>
+              <a:t>- after catch, if there were errors.</a:t>
+            </a:r>
+            <a:endParaRPr lang="uk-UA" sz="2400" dirty="0">
+              <a:latin typeface="Open Sans" panose="020B0604020202020204" charset="0"/>
+              <a:ea typeface="Open Sans" panose="020B0604020202020204" charset="0"/>
+              <a:cs typeface="Open Sans" panose="020B0604020202020204" charset="0"/>
+            </a:endParaRPr>
+          </a:p>
+        </p:txBody>
+      </p:sp>
+      <p:pic>
+        <p:nvPicPr>
+          <p:cNvPr id="7" name="Рисунок 6">
+            <a:extLst>
+              <a:ext uri="{FF2B5EF4-FFF2-40B4-BE49-F238E27FC236}">
+                <a16:creationId xmlns:a16="http://schemas.microsoft.com/office/drawing/2014/main" id="{FF220439-EFB0-40B9-9EA0-8263317B63E5}"/>
+              </a:ext>
+            </a:extLst>
+          </p:cNvPr>
+          <p:cNvPicPr>
+            <a:picLocks noChangeAspect="1"/>
+          </p:cNvPicPr>
+          <p:nvPr/>
+        </p:nvPicPr>
+        <p:blipFill>
+          <a:blip r:embed="rId3">
+            <a:extLst>
+              <a:ext uri="{28A0092B-C50C-407E-A947-70E740481C1C}">
+                <a14:useLocalDpi xmlns:a14="http://schemas.microsoft.com/office/drawing/2010/main" val="0"/>
+              </a:ext>
+            </a:extLst>
+          </a:blip>
+          <a:stretch>
+            <a:fillRect/>
+          </a:stretch>
+        </p:blipFill>
+        <p:spPr>
+          <a:xfrm>
+            <a:off x="3785920" y="3327151"/>
+            <a:ext cx="4196030" cy="2384795"/>
+          </a:xfrm>
+          <a:prstGeom prst="rect">
+            <a:avLst/>
+          </a:prstGeom>
+        </p:spPr>
+      </p:pic>
+    </p:spTree>
+    <p:extLst>
+      <p:ext uri="{BB962C8B-B14F-4D97-AF65-F5344CB8AC3E}">
+        <p14:creationId xmlns:p14="http://schemas.microsoft.com/office/powerpoint/2010/main" val="3676066219"/>
+      </p:ext>
+    </p:extLst>
+  </p:cSld>
+  <p:clrMapOvr>
+    <a:masterClrMapping/>
+  </p:clrMapOvr>
+</p:sld>
+</file>
+
+<file path=ppt/slides/slide38.xml><?xml version="1.0" encoding="utf-8"?>
+<p:sld xmlns:a="http://schemas.openxmlformats.org/drawingml/2006/main" xmlns:r="http://schemas.openxmlformats.org/officeDocument/2006/relationships" xmlns:p="http://schemas.openxmlformats.org/presentationml/2006/main">
+  <p:cSld>
+    <p:spTree>
+      <p:nvGrpSpPr>
+        <p:cNvPr id="1" name=""/>
+        <p:cNvGrpSpPr/>
+        <p:nvPr/>
+      </p:nvGrpSpPr>
+      <p:grpSpPr>
+        <a:xfrm>
+          <a:off x="0" y="0"/>
+          <a:ext cx="0" cy="0"/>
+          <a:chOff x="0" y="0"/>
+          <a:chExt cx="0" cy="0"/>
+        </a:xfrm>
+      </p:grpSpPr>
+      <p:sp>
+        <p:nvSpPr>
+          <p:cNvPr id="2" name="Заголовок 1">
+            <a:extLst>
+              <a:ext uri="{FF2B5EF4-FFF2-40B4-BE49-F238E27FC236}">
+                <a16:creationId xmlns:a16="http://schemas.microsoft.com/office/drawing/2014/main" id="{AD5B0950-57BF-4E62-AE4B-236F9BDB97EB}"/>
+              </a:ext>
+            </a:extLst>
+          </p:cNvPr>
+          <p:cNvSpPr>
+            <a:spLocks noGrp="1"/>
+          </p:cNvSpPr>
+          <p:nvPr>
+            <p:ph type="title"/>
+          </p:nvPr>
+        </p:nvSpPr>
+        <p:spPr/>
+        <p:txBody>
+          <a:bodyPr/>
+          <a:lstStyle/>
+          <a:p>
+            <a:pPr>
+              <a:lnSpc>
+                <a:spcPct val="100000"/>
+              </a:lnSpc>
+            </a:pPr>
+            <a:r>
+              <a:rPr lang="en-US" sz="4000" dirty="0"/>
+              <a:t>finally and return</a:t>
+            </a:r>
+            <a:br>
+              <a:rPr lang="en-US" sz="4000" dirty="0"/>
+            </a:br>
+            <a:r>
+              <a:rPr lang="en-US" sz="2400" dirty="0">
+                <a:latin typeface="Open Sans" panose="020B0604020202020204" charset="0"/>
+                <a:ea typeface="Open Sans" panose="020B0604020202020204" charset="0"/>
+                <a:cs typeface="Open Sans" panose="020B0604020202020204" charset="0"/>
+              </a:rPr>
+              <a:t>The finally clause works for any exit from </a:t>
+            </a:r>
+            <a:r>
+              <a:rPr lang="en-US" sz="2400" dirty="0" err="1">
+                <a:latin typeface="Open Sans" panose="020B0604020202020204" charset="0"/>
+                <a:ea typeface="Open Sans" panose="020B0604020202020204" charset="0"/>
+                <a:cs typeface="Open Sans" panose="020B0604020202020204" charset="0"/>
+              </a:rPr>
+              <a:t>try..catch</a:t>
+            </a:r>
+            <a:r>
+              <a:rPr lang="en-US" sz="2400" dirty="0">
+                <a:latin typeface="Open Sans" panose="020B0604020202020204" charset="0"/>
+                <a:ea typeface="Open Sans" panose="020B0604020202020204" charset="0"/>
+                <a:cs typeface="Open Sans" panose="020B0604020202020204" charset="0"/>
+              </a:rPr>
+              <a:t>. That includes an explicit return.</a:t>
+            </a:r>
+            <a:endParaRPr lang="uk-UA" sz="2400" dirty="0">
+              <a:latin typeface="Open Sans" panose="020B0604020202020204" charset="0"/>
+              <a:ea typeface="Open Sans" panose="020B0604020202020204" charset="0"/>
+              <a:cs typeface="Open Sans" panose="020B0604020202020204" charset="0"/>
+            </a:endParaRPr>
+          </a:p>
+        </p:txBody>
+      </p:sp>
+      <p:pic>
+        <p:nvPicPr>
+          <p:cNvPr id="7" name="Рисунок 6">
+            <a:extLst>
+              <a:ext uri="{FF2B5EF4-FFF2-40B4-BE49-F238E27FC236}">
+                <a16:creationId xmlns:a16="http://schemas.microsoft.com/office/drawing/2014/main" id="{2D4C964E-04CC-4724-A188-127B8D81DD14}"/>
+              </a:ext>
+            </a:extLst>
+          </p:cNvPr>
+          <p:cNvPicPr>
+            <a:picLocks noChangeAspect="1"/>
+          </p:cNvPicPr>
+          <p:nvPr/>
+        </p:nvPicPr>
+        <p:blipFill>
+          <a:blip r:embed="rId2">
+            <a:extLst>
+              <a:ext uri="{28A0092B-C50C-407E-A947-70E740481C1C}">
+                <a14:useLocalDpi xmlns:a14="http://schemas.microsoft.com/office/drawing/2010/main" val="0"/>
+              </a:ext>
+            </a:extLst>
+          </a:blip>
+          <a:stretch>
+            <a:fillRect/>
+          </a:stretch>
+        </p:blipFill>
+        <p:spPr>
+          <a:xfrm>
+            <a:off x="2666205" y="2724150"/>
+            <a:ext cx="6859589" cy="2762250"/>
+          </a:xfrm>
+          <a:prstGeom prst="rect">
+            <a:avLst/>
+          </a:prstGeom>
+        </p:spPr>
+      </p:pic>
+    </p:spTree>
+    <p:extLst>
+      <p:ext uri="{BB962C8B-B14F-4D97-AF65-F5344CB8AC3E}">
+        <p14:creationId xmlns:p14="http://schemas.microsoft.com/office/powerpoint/2010/main" val="3646732185"/>
+      </p:ext>
+    </p:extLst>
+  </p:cSld>
+  <p:clrMapOvr>
+    <a:masterClrMapping/>
+  </p:clrMapOvr>
+</p:sld>
+</file>
+
+<file path=ppt/slides/slide39.xml><?xml version="1.0" encoding="utf-8"?>
+<p:sld xmlns:a="http://schemas.openxmlformats.org/drawingml/2006/main" xmlns:r="http://schemas.openxmlformats.org/officeDocument/2006/relationships" xmlns:p="http://schemas.openxmlformats.org/presentationml/2006/main">
+  <p:cSld>
+    <p:spTree>
+      <p:nvGrpSpPr>
+        <p:cNvPr id="1" name=""/>
+        <p:cNvGrpSpPr/>
+        <p:nvPr/>
+      </p:nvGrpSpPr>
+      <p:grpSpPr>
+        <a:xfrm>
+          <a:off x="0" y="0"/>
+          <a:ext cx="0" cy="0"/>
+          <a:chOff x="0" y="0"/>
+          <a:chExt cx="0" cy="0"/>
+        </a:xfrm>
+      </p:grpSpPr>
+      <p:sp>
+        <p:nvSpPr>
+          <p:cNvPr id="2" name="Заголовок 1">
+            <a:extLst>
+              <a:ext uri="{FF2B5EF4-FFF2-40B4-BE49-F238E27FC236}">
+                <a16:creationId xmlns:a16="http://schemas.microsoft.com/office/drawing/2014/main" id="{E44DD881-5C6A-4911-94CB-2217A9B5F678}"/>
+              </a:ext>
+            </a:extLst>
+          </p:cNvPr>
+          <p:cNvSpPr>
+            <a:spLocks noGrp="1"/>
+          </p:cNvSpPr>
+          <p:nvPr>
+            <p:ph type="title"/>
+          </p:nvPr>
+        </p:nvSpPr>
+        <p:spPr/>
+        <p:txBody>
+          <a:bodyPr/>
+          <a:lstStyle/>
+          <a:p>
+            <a:pPr>
+              <a:lnSpc>
+                <a:spcPct val="100000"/>
+              </a:lnSpc>
+            </a:pPr>
+            <a:r>
+              <a:rPr lang="en-US" sz="4000" b="1" dirty="0" err="1"/>
+              <a:t>try..finally</a:t>
+            </a:r>
+            <a:br>
+              <a:rPr lang="en-US" sz="4000" b="1" dirty="0"/>
+            </a:br>
+            <a:endParaRPr lang="uk-UA" sz="2400" dirty="0">
+              <a:latin typeface="Open Sans" panose="020B0604020202020204" charset="0"/>
+              <a:ea typeface="Open Sans" panose="020B0604020202020204" charset="0"/>
+              <a:cs typeface="Open Sans" panose="020B0604020202020204" charset="0"/>
+            </a:endParaRPr>
+          </a:p>
+        </p:txBody>
+      </p:sp>
+      <p:pic>
+        <p:nvPicPr>
+          <p:cNvPr id="5" name="Рисунок 4">
+            <a:extLst>
+              <a:ext uri="{FF2B5EF4-FFF2-40B4-BE49-F238E27FC236}">
+                <a16:creationId xmlns:a16="http://schemas.microsoft.com/office/drawing/2014/main" id="{3BB815C3-9A26-4642-8608-5D230717138B}"/>
+              </a:ext>
+            </a:extLst>
+          </p:cNvPr>
+          <p:cNvPicPr>
+            <a:picLocks noChangeAspect="1"/>
+          </p:cNvPicPr>
+          <p:nvPr/>
+        </p:nvPicPr>
+        <p:blipFill>
+          <a:blip r:embed="rId3">
+            <a:extLst>
+              <a:ext uri="{28A0092B-C50C-407E-A947-70E740481C1C}">
+                <a14:useLocalDpi xmlns:a14="http://schemas.microsoft.com/office/drawing/2010/main" val="0"/>
+              </a:ext>
+            </a:extLst>
+          </a:blip>
+          <a:stretch>
+            <a:fillRect/>
+          </a:stretch>
+        </p:blipFill>
+        <p:spPr>
+          <a:xfrm>
+            <a:off x="2153972" y="2297749"/>
+            <a:ext cx="7884056" cy="2262502"/>
+          </a:xfrm>
+          <a:prstGeom prst="rect">
+            <a:avLst/>
+          </a:prstGeom>
+        </p:spPr>
+      </p:pic>
+    </p:spTree>
+    <p:extLst>
+      <p:ext uri="{BB962C8B-B14F-4D97-AF65-F5344CB8AC3E}">
+        <p14:creationId xmlns:p14="http://schemas.microsoft.com/office/powerpoint/2010/main" val="3567499270"/>
+      </p:ext>
+    </p:extLst>
+  </p:cSld>
+  <p:clrMapOvr>
+    <a:masterClrMapping/>
+  </p:clrMapOvr>
+</p:sld>
+</file>
+
 <file path=ppt/slides/slide4.xml><?xml version="1.0" encoding="utf-8"?>
 <p:sld xmlns:a="http://schemas.openxmlformats.org/drawingml/2006/main" xmlns:r="http://schemas.openxmlformats.org/officeDocument/2006/relationships" xmlns:p="http://schemas.openxmlformats.org/presentationml/2006/main">
   <p:cSld>
@@ -6749,6 +13840,925 @@
 </p:sld>
 </file>
 
+<file path=ppt/slides/slide40.xml><?xml version="1.0" encoding="utf-8"?>
+<p:sld xmlns:a="http://schemas.openxmlformats.org/drawingml/2006/main" xmlns:r="http://schemas.openxmlformats.org/officeDocument/2006/relationships" xmlns:p="http://schemas.openxmlformats.org/presentationml/2006/main">
+  <p:cSld>
+    <p:spTree>
+      <p:nvGrpSpPr>
+        <p:cNvPr id="1" name=""/>
+        <p:cNvGrpSpPr/>
+        <p:nvPr/>
+      </p:nvGrpSpPr>
+      <p:grpSpPr>
+        <a:xfrm>
+          <a:off x="0" y="0"/>
+          <a:ext cx="0" cy="0"/>
+          <a:chOff x="0" y="0"/>
+          <a:chExt cx="0" cy="0"/>
+        </a:xfrm>
+      </p:grpSpPr>
+      <p:sp>
+        <p:nvSpPr>
+          <p:cNvPr id="2" name="Заголовок 1">
+            <a:extLst>
+              <a:ext uri="{FF2B5EF4-FFF2-40B4-BE49-F238E27FC236}">
+                <a16:creationId xmlns:a16="http://schemas.microsoft.com/office/drawing/2014/main" id="{E376A246-42CB-42CD-927A-92E6A7344ECC}"/>
+              </a:ext>
+            </a:extLst>
+          </p:cNvPr>
+          <p:cNvSpPr>
+            <a:spLocks noGrp="1"/>
+          </p:cNvSpPr>
+          <p:nvPr>
+            <p:ph type="title"/>
+          </p:nvPr>
+        </p:nvSpPr>
+        <p:spPr/>
+        <p:txBody>
+          <a:bodyPr/>
+          <a:lstStyle/>
+          <a:p>
+            <a:pPr>
+              <a:lnSpc>
+                <a:spcPct val="100000"/>
+              </a:lnSpc>
+            </a:pPr>
+            <a:r>
+              <a:rPr lang="en-US" sz="4000" dirty="0"/>
+              <a:t>Global catch</a:t>
+            </a:r>
+            <a:br>
+              <a:rPr lang="en-US" sz="4000" dirty="0"/>
+            </a:br>
+            <a:r>
+              <a:rPr lang="en-US" sz="2400" dirty="0">
+                <a:latin typeface="Open Sans" panose="020B0604020202020204" charset="0"/>
+                <a:ea typeface="Open Sans" panose="020B0604020202020204" charset="0"/>
+                <a:cs typeface="Open Sans" panose="020B0604020202020204" charset="0"/>
+              </a:rPr>
+              <a:t>in the browser we can assign a function to the special </a:t>
+            </a:r>
+            <a:r>
+              <a:rPr lang="en-US" sz="2400" dirty="0" err="1">
+                <a:latin typeface="Open Sans" panose="020B0604020202020204" charset="0"/>
+                <a:ea typeface="Open Sans" panose="020B0604020202020204" charset="0"/>
+                <a:cs typeface="Open Sans" panose="020B0604020202020204" charset="0"/>
+              </a:rPr>
+              <a:t>window.onerror</a:t>
+            </a:r>
+            <a:r>
+              <a:rPr lang="en-US" sz="2400" dirty="0">
+                <a:latin typeface="Open Sans" panose="020B0604020202020204" charset="0"/>
+                <a:ea typeface="Open Sans" panose="020B0604020202020204" charset="0"/>
+                <a:cs typeface="Open Sans" panose="020B0604020202020204" charset="0"/>
+              </a:rPr>
+              <a:t> property, that will run in case of an uncaught error.</a:t>
+            </a:r>
+            <a:endParaRPr lang="uk-UA" sz="2400" dirty="0">
+              <a:latin typeface="Open Sans" panose="020B0604020202020204" charset="0"/>
+              <a:ea typeface="Open Sans" panose="020B0604020202020204" charset="0"/>
+              <a:cs typeface="Open Sans" panose="020B0604020202020204" charset="0"/>
+            </a:endParaRPr>
+          </a:p>
+        </p:txBody>
+      </p:sp>
+      <p:pic>
+        <p:nvPicPr>
+          <p:cNvPr id="5" name="Рисунок 4">
+            <a:extLst>
+              <a:ext uri="{FF2B5EF4-FFF2-40B4-BE49-F238E27FC236}">
+                <a16:creationId xmlns:a16="http://schemas.microsoft.com/office/drawing/2014/main" id="{BF9F3522-D1AB-44E9-A2EA-8297178F1CAD}"/>
+              </a:ext>
+            </a:extLst>
+          </p:cNvPr>
+          <p:cNvPicPr>
+            <a:picLocks noChangeAspect="1"/>
+          </p:cNvPicPr>
+          <p:nvPr/>
+        </p:nvPicPr>
+        <p:blipFill>
+          <a:blip r:embed="rId3">
+            <a:extLst>
+              <a:ext uri="{28A0092B-C50C-407E-A947-70E740481C1C}">
+                <a14:useLocalDpi xmlns:a14="http://schemas.microsoft.com/office/drawing/2010/main" val="0"/>
+              </a:ext>
+            </a:extLst>
+          </a:blip>
+          <a:stretch>
+            <a:fillRect/>
+          </a:stretch>
+        </p:blipFill>
+        <p:spPr>
+          <a:xfrm>
+            <a:off x="2389556" y="2809524"/>
+            <a:ext cx="7412887" cy="2676876"/>
+          </a:xfrm>
+          <a:prstGeom prst="rect">
+            <a:avLst/>
+          </a:prstGeom>
+        </p:spPr>
+      </p:pic>
+    </p:spTree>
+    <p:extLst>
+      <p:ext uri="{BB962C8B-B14F-4D97-AF65-F5344CB8AC3E}">
+        <p14:creationId xmlns:p14="http://schemas.microsoft.com/office/powerpoint/2010/main" val="1587811170"/>
+      </p:ext>
+    </p:extLst>
+  </p:cSld>
+  <p:clrMapOvr>
+    <a:masterClrMapping/>
+  </p:clrMapOvr>
+</p:sld>
+</file>
+
+<file path=ppt/slides/slide41.xml><?xml version="1.0" encoding="utf-8"?>
+<p:sld xmlns:a="http://schemas.openxmlformats.org/drawingml/2006/main" xmlns:r="http://schemas.openxmlformats.org/officeDocument/2006/relationships" xmlns:p="http://schemas.openxmlformats.org/presentationml/2006/main">
+  <p:cSld>
+    <p:spTree>
+      <p:nvGrpSpPr>
+        <p:cNvPr id="1" name=""/>
+        <p:cNvGrpSpPr/>
+        <p:nvPr/>
+      </p:nvGrpSpPr>
+      <p:grpSpPr>
+        <a:xfrm>
+          <a:off x="0" y="0"/>
+          <a:ext cx="0" cy="0"/>
+          <a:chOff x="0" y="0"/>
+          <a:chExt cx="0" cy="0"/>
+        </a:xfrm>
+      </p:grpSpPr>
+      <p:sp>
+        <p:nvSpPr>
+          <p:cNvPr id="2" name="Заголовок 1">
+            <a:extLst>
+              <a:ext uri="{FF2B5EF4-FFF2-40B4-BE49-F238E27FC236}">
+                <a16:creationId xmlns:a16="http://schemas.microsoft.com/office/drawing/2014/main" id="{F18364EC-DAFA-4F05-9138-5FEE8236AD93}"/>
+              </a:ext>
+            </a:extLst>
+          </p:cNvPr>
+          <p:cNvSpPr>
+            <a:spLocks noGrp="1"/>
+          </p:cNvSpPr>
+          <p:nvPr>
+            <p:ph type="title"/>
+          </p:nvPr>
+        </p:nvSpPr>
+        <p:spPr/>
+        <p:txBody>
+          <a:bodyPr/>
+          <a:lstStyle/>
+          <a:p>
+            <a:pPr>
+              <a:lnSpc>
+                <a:spcPct val="100000"/>
+              </a:lnSpc>
+            </a:pPr>
+            <a:r>
+              <a:rPr lang="en-US" sz="6000" dirty="0"/>
+              <a:t>Strict mode</a:t>
+            </a:r>
+            <a:br>
+              <a:rPr lang="en-US" sz="6000" dirty="0"/>
+            </a:br>
+            <a:r>
+              <a:rPr lang="en-US" sz="2400" dirty="0">
+                <a:latin typeface="Open Sans" panose="020B0604020202020204" charset="0"/>
+                <a:ea typeface="Open Sans" panose="020B0604020202020204" charset="0"/>
+                <a:cs typeface="Open Sans" panose="020B0604020202020204" charset="0"/>
+              </a:rPr>
+              <a:t>ECMAScript 5 (ES5) appeared in 2009. It added new features to the language and modified some of the existing ones. To keep the old code working, most such modifications are off by default. You need to explicitly enable them with a special directive: "use strict".</a:t>
+            </a:r>
+            <a:br>
+              <a:rPr lang="en-US" dirty="0"/>
+            </a:br>
+            <a:endParaRPr lang="uk-UA" dirty="0"/>
+          </a:p>
+        </p:txBody>
+      </p:sp>
+    </p:spTree>
+    <p:extLst>
+      <p:ext uri="{BB962C8B-B14F-4D97-AF65-F5344CB8AC3E}">
+        <p14:creationId xmlns:p14="http://schemas.microsoft.com/office/powerpoint/2010/main" val="3859329213"/>
+      </p:ext>
+    </p:extLst>
+  </p:cSld>
+  <p:clrMapOvr>
+    <a:masterClrMapping/>
+  </p:clrMapOvr>
+</p:sld>
+</file>
+
+<file path=ppt/slides/slide42.xml><?xml version="1.0" encoding="utf-8"?>
+<p:sld xmlns:a="http://schemas.openxmlformats.org/drawingml/2006/main" xmlns:r="http://schemas.openxmlformats.org/officeDocument/2006/relationships" xmlns:p="http://schemas.openxmlformats.org/presentationml/2006/main">
+  <p:cSld>
+    <p:spTree>
+      <p:nvGrpSpPr>
+        <p:cNvPr id="1" name=""/>
+        <p:cNvGrpSpPr/>
+        <p:nvPr/>
+      </p:nvGrpSpPr>
+      <p:grpSpPr>
+        <a:xfrm>
+          <a:off x="0" y="0"/>
+          <a:ext cx="0" cy="0"/>
+          <a:chOff x="0" y="0"/>
+          <a:chExt cx="0" cy="0"/>
+        </a:xfrm>
+      </p:grpSpPr>
+      <p:sp>
+        <p:nvSpPr>
+          <p:cNvPr id="2" name="Заголовок 1">
+            <a:extLst>
+              <a:ext uri="{FF2B5EF4-FFF2-40B4-BE49-F238E27FC236}">
+                <a16:creationId xmlns:a16="http://schemas.microsoft.com/office/drawing/2014/main" id="{B81F1240-77B8-4C05-A8E6-DC5C2798FD9B}"/>
+              </a:ext>
+            </a:extLst>
+          </p:cNvPr>
+          <p:cNvSpPr>
+            <a:spLocks noGrp="1"/>
+          </p:cNvSpPr>
+          <p:nvPr>
+            <p:ph type="title"/>
+          </p:nvPr>
+        </p:nvSpPr>
+        <p:spPr/>
+        <p:txBody>
+          <a:bodyPr/>
+          <a:lstStyle/>
+          <a:p>
+            <a:pPr>
+              <a:lnSpc>
+                <a:spcPct val="100000"/>
+              </a:lnSpc>
+            </a:pPr>
+            <a:r>
+              <a:rPr lang="en-US" sz="4000" b="1" dirty="0" err="1"/>
+              <a:t>Benifits</a:t>
+            </a:r>
+            <a:r>
+              <a:rPr lang="en-US" sz="4000" b="1" dirty="0"/>
+              <a:t> of using ‘use strict’</a:t>
+            </a:r>
+            <a:br>
+              <a:rPr lang="en-US" sz="2000" dirty="0">
+                <a:latin typeface="Open Sans" panose="020B0604020202020204" charset="0"/>
+                <a:ea typeface="Open Sans" panose="020B0604020202020204" charset="0"/>
+                <a:cs typeface="Open Sans" panose="020B0604020202020204" charset="0"/>
+              </a:rPr>
+            </a:br>
+            <a:br>
+              <a:rPr lang="en-US" sz="2000" dirty="0">
+                <a:latin typeface="Open Sans" panose="020B0604020202020204" charset="0"/>
+                <a:ea typeface="Open Sans" panose="020B0604020202020204" charset="0"/>
+                <a:cs typeface="Open Sans" panose="020B0604020202020204" charset="0"/>
+              </a:rPr>
+            </a:br>
+            <a:r>
+              <a:rPr lang="en-US" sz="2000" dirty="0">
+                <a:latin typeface="Open Sans" panose="020B0604020202020204" charset="0"/>
+                <a:ea typeface="Open Sans" panose="020B0604020202020204" charset="0"/>
+                <a:cs typeface="Open Sans" panose="020B0604020202020204" charset="0"/>
+              </a:rPr>
+              <a:t>- eliminates some JavaScript silent errors by changing them to throw errors.</a:t>
+            </a:r>
+            <a:br>
+              <a:rPr lang="en-US" sz="2000" dirty="0">
+                <a:latin typeface="Open Sans" panose="020B0604020202020204" charset="0"/>
+                <a:ea typeface="Open Sans" panose="020B0604020202020204" charset="0"/>
+                <a:cs typeface="Open Sans" panose="020B0604020202020204" charset="0"/>
+              </a:rPr>
+            </a:br>
+            <a:r>
+              <a:rPr lang="en-US" sz="2000" dirty="0">
+                <a:latin typeface="Open Sans" panose="020B0604020202020204" charset="0"/>
+                <a:ea typeface="Open Sans" panose="020B0604020202020204" charset="0"/>
+                <a:cs typeface="Open Sans" panose="020B0604020202020204" charset="0"/>
+              </a:rPr>
+              <a:t>- fixes mistakes that make it difficult for JavaScript engines to perform optimizations: strict mode code can sometimes be made to run faster than identical code that’s not strict mode.</a:t>
+            </a:r>
+            <a:br>
+              <a:rPr lang="en-US" sz="2000" dirty="0">
+                <a:latin typeface="Open Sans" panose="020B0604020202020204" charset="0"/>
+                <a:ea typeface="Open Sans" panose="020B0604020202020204" charset="0"/>
+                <a:cs typeface="Open Sans" panose="020B0604020202020204" charset="0"/>
+              </a:rPr>
+            </a:br>
+            <a:r>
+              <a:rPr lang="en-US" sz="2000" dirty="0">
+                <a:latin typeface="Open Sans" panose="020B0604020202020204" charset="0"/>
+                <a:ea typeface="Open Sans" panose="020B0604020202020204" charset="0"/>
+                <a:cs typeface="Open Sans" panose="020B0604020202020204" charset="0"/>
+              </a:rPr>
+              <a:t>- prohibits some syntax likely to be defined in future versions of ECMAScript.</a:t>
+            </a:r>
+            <a:br>
+              <a:rPr lang="en-US" sz="2000" dirty="0">
+                <a:latin typeface="Open Sans" panose="020B0604020202020204" charset="0"/>
+                <a:ea typeface="Open Sans" panose="020B0604020202020204" charset="0"/>
+                <a:cs typeface="Open Sans" panose="020B0604020202020204" charset="0"/>
+              </a:rPr>
+            </a:br>
+            <a:r>
+              <a:rPr lang="en-US" sz="2000" dirty="0">
+                <a:latin typeface="Open Sans" panose="020B0604020202020204" charset="0"/>
+                <a:ea typeface="Open Sans" panose="020B0604020202020204" charset="0"/>
+                <a:cs typeface="Open Sans" panose="020B0604020202020204" charset="0"/>
+              </a:rPr>
+              <a:t>- prevents, or throws errors, when relatively “unsafe” actions are taken (such as gaining access to the global object).</a:t>
+            </a:r>
+            <a:br>
+              <a:rPr lang="en-US" sz="2000" dirty="0">
+                <a:latin typeface="Open Sans" panose="020B0604020202020204" charset="0"/>
+                <a:ea typeface="Open Sans" panose="020B0604020202020204" charset="0"/>
+                <a:cs typeface="Open Sans" panose="020B0604020202020204" charset="0"/>
+              </a:rPr>
+            </a:br>
+            <a:r>
+              <a:rPr lang="en-US" sz="2000" dirty="0">
+                <a:latin typeface="Open Sans" panose="020B0604020202020204" charset="0"/>
+                <a:ea typeface="Open Sans" panose="020B0604020202020204" charset="0"/>
+                <a:cs typeface="Open Sans" panose="020B0604020202020204" charset="0"/>
+              </a:rPr>
+              <a:t>- disables features that are confusing or poorly thought out.</a:t>
+            </a:r>
+            <a:br>
+              <a:rPr lang="en-US" sz="2000" dirty="0">
+                <a:latin typeface="Open Sans" panose="020B0604020202020204" charset="0"/>
+                <a:ea typeface="Open Sans" panose="020B0604020202020204" charset="0"/>
+                <a:cs typeface="Open Sans" panose="020B0604020202020204" charset="0"/>
+              </a:rPr>
+            </a:br>
+            <a:r>
+              <a:rPr lang="en-US" sz="2000" dirty="0">
+                <a:latin typeface="Open Sans" panose="020B0604020202020204" charset="0"/>
+                <a:ea typeface="Open Sans" panose="020B0604020202020204" charset="0"/>
+                <a:cs typeface="Open Sans" panose="020B0604020202020204" charset="0"/>
+              </a:rPr>
+              <a:t>- makes it easier to write “secure” JavaScript.</a:t>
+            </a:r>
+            <a:br>
+              <a:rPr lang="en-US" sz="4000" b="1" dirty="0"/>
+            </a:br>
+            <a:endParaRPr lang="uk-UA" sz="4000" dirty="0"/>
+          </a:p>
+        </p:txBody>
+      </p:sp>
+    </p:spTree>
+    <p:extLst>
+      <p:ext uri="{BB962C8B-B14F-4D97-AF65-F5344CB8AC3E}">
+        <p14:creationId xmlns:p14="http://schemas.microsoft.com/office/powerpoint/2010/main" val="1331754776"/>
+      </p:ext>
+    </p:extLst>
+  </p:cSld>
+  <p:clrMapOvr>
+    <a:masterClrMapping/>
+  </p:clrMapOvr>
+</p:sld>
+</file>
+
+<file path=ppt/slides/slide43.xml><?xml version="1.0" encoding="utf-8"?>
+<p:sld xmlns:a="http://schemas.openxmlformats.org/drawingml/2006/main" xmlns:r="http://schemas.openxmlformats.org/officeDocument/2006/relationships" xmlns:p="http://schemas.openxmlformats.org/presentationml/2006/main">
+  <p:cSld>
+    <p:spTree>
+      <p:nvGrpSpPr>
+        <p:cNvPr id="1" name=""/>
+        <p:cNvGrpSpPr/>
+        <p:nvPr/>
+      </p:nvGrpSpPr>
+      <p:grpSpPr>
+        <a:xfrm>
+          <a:off x="0" y="0"/>
+          <a:ext cx="0" cy="0"/>
+          <a:chOff x="0" y="0"/>
+          <a:chExt cx="0" cy="0"/>
+        </a:xfrm>
+      </p:grpSpPr>
+      <p:sp>
+        <p:nvSpPr>
+          <p:cNvPr id="2" name="Заголовок 1">
+            <a:extLst>
+              <a:ext uri="{FF2B5EF4-FFF2-40B4-BE49-F238E27FC236}">
+                <a16:creationId xmlns:a16="http://schemas.microsoft.com/office/drawing/2014/main" id="{F134F38D-9DD3-4A4B-B21B-7D01F4863BA7}"/>
+              </a:ext>
+            </a:extLst>
+          </p:cNvPr>
+          <p:cNvSpPr>
+            <a:spLocks noGrp="1"/>
+          </p:cNvSpPr>
+          <p:nvPr>
+            <p:ph type="title"/>
+          </p:nvPr>
+        </p:nvSpPr>
+        <p:spPr/>
+        <p:txBody>
+          <a:bodyPr/>
+          <a:lstStyle/>
+          <a:p>
+            <a:pPr>
+              <a:lnSpc>
+                <a:spcPct val="100000"/>
+              </a:lnSpc>
+            </a:pPr>
+            <a:r>
+              <a:rPr lang="en-US" sz="4000" b="1" dirty="0"/>
+              <a:t>How to use strict mode</a:t>
+            </a:r>
+            <a:br>
+              <a:rPr lang="en-US" sz="4000" b="1" dirty="0"/>
+            </a:br>
+            <a:r>
+              <a:rPr lang="en-US" sz="2400" dirty="0">
+                <a:latin typeface="Open Sans" panose="020B0604020202020204" charset="0"/>
+                <a:ea typeface="Open Sans" panose="020B0604020202020204" charset="0"/>
+                <a:cs typeface="Open Sans" panose="020B0604020202020204" charset="0"/>
+              </a:rPr>
+              <a:t>Strict mode can be used in two ways – used in global scope for the entire script and can be applied to individual functions. Strict mode doesn’t work with block statements enclosed in {} braces.</a:t>
+            </a:r>
+            <a:endParaRPr lang="uk-UA" sz="2400" dirty="0">
+              <a:latin typeface="Open Sans" panose="020B0604020202020204" charset="0"/>
+              <a:ea typeface="Open Sans" panose="020B0604020202020204" charset="0"/>
+              <a:cs typeface="Open Sans" panose="020B0604020202020204" charset="0"/>
+            </a:endParaRPr>
+          </a:p>
+        </p:txBody>
+      </p:sp>
+    </p:spTree>
+    <p:extLst>
+      <p:ext uri="{BB962C8B-B14F-4D97-AF65-F5344CB8AC3E}">
+        <p14:creationId xmlns:p14="http://schemas.microsoft.com/office/powerpoint/2010/main" val="666828161"/>
+      </p:ext>
+    </p:extLst>
+  </p:cSld>
+  <p:clrMapOvr>
+    <a:masterClrMapping/>
+  </p:clrMapOvr>
+</p:sld>
+</file>
+
+<file path=ppt/slides/slide44.xml><?xml version="1.0" encoding="utf-8"?>
+<p:sld xmlns:a="http://schemas.openxmlformats.org/drawingml/2006/main" xmlns:r="http://schemas.openxmlformats.org/officeDocument/2006/relationships" xmlns:p="http://schemas.openxmlformats.org/presentationml/2006/main">
+  <p:cSld>
+    <p:spTree>
+      <p:nvGrpSpPr>
+        <p:cNvPr id="1" name=""/>
+        <p:cNvGrpSpPr/>
+        <p:nvPr/>
+      </p:nvGrpSpPr>
+      <p:grpSpPr>
+        <a:xfrm>
+          <a:off x="0" y="0"/>
+          <a:ext cx="0" cy="0"/>
+          <a:chOff x="0" y="0"/>
+          <a:chExt cx="0" cy="0"/>
+        </a:xfrm>
+      </p:grpSpPr>
+      <p:sp>
+        <p:nvSpPr>
+          <p:cNvPr id="2" name="Заголовок 1">
+            <a:extLst>
+              <a:ext uri="{FF2B5EF4-FFF2-40B4-BE49-F238E27FC236}">
+                <a16:creationId xmlns:a16="http://schemas.microsoft.com/office/drawing/2014/main" id="{D1950297-A38D-41FA-8261-5B42E392E233}"/>
+              </a:ext>
+            </a:extLst>
+          </p:cNvPr>
+          <p:cNvSpPr>
+            <a:spLocks noGrp="1"/>
+          </p:cNvSpPr>
+          <p:nvPr>
+            <p:ph type="title"/>
+          </p:nvPr>
+        </p:nvSpPr>
+        <p:spPr/>
+        <p:txBody>
+          <a:bodyPr/>
+          <a:lstStyle/>
+          <a:p>
+            <a:pPr>
+              <a:lnSpc>
+                <a:spcPct val="100000"/>
+              </a:lnSpc>
+            </a:pPr>
+            <a:r>
+              <a:rPr lang="en-US" sz="4000" b="1" dirty="0"/>
+              <a:t>Using Strict mode for the entire script</a:t>
+            </a:r>
+            <a:br>
+              <a:rPr lang="en-US" sz="4000" b="1" dirty="0"/>
+            </a:br>
+            <a:r>
+              <a:rPr lang="en-US" sz="2400" dirty="0">
+                <a:latin typeface="Open Sans" panose="020B0604020202020204" charset="0"/>
+                <a:ea typeface="Open Sans" panose="020B0604020202020204" charset="0"/>
+                <a:cs typeface="Open Sans" panose="020B0604020202020204" charset="0"/>
+              </a:rPr>
+              <a:t>To invoke strict mode for an entire script, put the exact statement “use strict”; (or ‘use strict’;) before any other statements.</a:t>
+            </a:r>
+            <a:endParaRPr lang="uk-UA" sz="2400" dirty="0">
+              <a:latin typeface="Open Sans" panose="020B0604020202020204" charset="0"/>
+              <a:ea typeface="Open Sans" panose="020B0604020202020204" charset="0"/>
+              <a:cs typeface="Open Sans" panose="020B0604020202020204" charset="0"/>
+            </a:endParaRPr>
+          </a:p>
+        </p:txBody>
+      </p:sp>
+      <p:pic>
+        <p:nvPicPr>
+          <p:cNvPr id="5" name="Рисунок 4">
+            <a:extLst>
+              <a:ext uri="{FF2B5EF4-FFF2-40B4-BE49-F238E27FC236}">
+                <a16:creationId xmlns:a16="http://schemas.microsoft.com/office/drawing/2014/main" id="{E903DF9C-C526-4E9A-89B6-1D91A52DC9DD}"/>
+              </a:ext>
+            </a:extLst>
+          </p:cNvPr>
+          <p:cNvPicPr>
+            <a:picLocks noChangeAspect="1"/>
+          </p:cNvPicPr>
+          <p:nvPr/>
+        </p:nvPicPr>
+        <p:blipFill>
+          <a:blip r:embed="rId3">
+            <a:extLst>
+              <a:ext uri="{28A0092B-C50C-407E-A947-70E740481C1C}">
+                <a14:useLocalDpi xmlns:a14="http://schemas.microsoft.com/office/drawing/2010/main" val="0"/>
+              </a:ext>
+            </a:extLst>
+          </a:blip>
+          <a:stretch>
+            <a:fillRect/>
+          </a:stretch>
+        </p:blipFill>
+        <p:spPr>
+          <a:xfrm>
+            <a:off x="2366751" y="3086099"/>
+            <a:ext cx="7458498" cy="1623199"/>
+          </a:xfrm>
+          <a:prstGeom prst="rect">
+            <a:avLst/>
+          </a:prstGeom>
+        </p:spPr>
+      </p:pic>
+    </p:spTree>
+    <p:extLst>
+      <p:ext uri="{BB962C8B-B14F-4D97-AF65-F5344CB8AC3E}">
+        <p14:creationId xmlns:p14="http://schemas.microsoft.com/office/powerpoint/2010/main" val="3877564756"/>
+      </p:ext>
+    </p:extLst>
+  </p:cSld>
+  <p:clrMapOvr>
+    <a:masterClrMapping/>
+  </p:clrMapOvr>
+</p:sld>
+</file>
+
+<file path=ppt/slides/slide45.xml><?xml version="1.0" encoding="utf-8"?>
+<p:sld xmlns:a="http://schemas.openxmlformats.org/drawingml/2006/main" xmlns:r="http://schemas.openxmlformats.org/officeDocument/2006/relationships" xmlns:p="http://schemas.openxmlformats.org/presentationml/2006/main">
+  <p:cSld>
+    <p:spTree>
+      <p:nvGrpSpPr>
+        <p:cNvPr id="1" name=""/>
+        <p:cNvGrpSpPr/>
+        <p:nvPr/>
+      </p:nvGrpSpPr>
+      <p:grpSpPr>
+        <a:xfrm>
+          <a:off x="0" y="0"/>
+          <a:ext cx="0" cy="0"/>
+          <a:chOff x="0" y="0"/>
+          <a:chExt cx="0" cy="0"/>
+        </a:xfrm>
+      </p:grpSpPr>
+      <p:sp>
+        <p:nvSpPr>
+          <p:cNvPr id="2" name="Заголовок 1">
+            <a:extLst>
+              <a:ext uri="{FF2B5EF4-FFF2-40B4-BE49-F238E27FC236}">
+                <a16:creationId xmlns:a16="http://schemas.microsoft.com/office/drawing/2014/main" id="{0FD5E882-024C-49AC-866F-594AF9C173A7}"/>
+              </a:ext>
+            </a:extLst>
+          </p:cNvPr>
+          <p:cNvSpPr>
+            <a:spLocks noGrp="1"/>
+          </p:cNvSpPr>
+          <p:nvPr>
+            <p:ph type="title"/>
+          </p:nvPr>
+        </p:nvSpPr>
+        <p:spPr/>
+        <p:txBody>
+          <a:bodyPr/>
+          <a:lstStyle/>
+          <a:p>
+            <a:pPr>
+              <a:lnSpc>
+                <a:spcPct val="100000"/>
+              </a:lnSpc>
+            </a:pPr>
+            <a:r>
+              <a:rPr lang="en-US" sz="4000" b="1" dirty="0">
+                <a:latin typeface="Proxima Nova Black" panose="020B0604020202020204" charset="0"/>
+              </a:rPr>
+              <a:t>Using Strict mode </a:t>
+            </a:r>
+            <a:r>
+              <a:rPr lang="en-US" sz="4000" dirty="0">
+                <a:latin typeface="Proxima Nova Black" panose="020B0604020202020204" charset="0"/>
+                <a:ea typeface="Open Sans" panose="020B0604020202020204" charset="0"/>
+                <a:cs typeface="Open Sans" panose="020B0604020202020204" charset="0"/>
+              </a:rPr>
+              <a:t>for a function</a:t>
+            </a:r>
+            <a:br>
+              <a:rPr lang="en-US" dirty="0"/>
+            </a:br>
+            <a:r>
+              <a:rPr lang="en-US" sz="2400" dirty="0">
+                <a:latin typeface="Open Sans" panose="020B0604020202020204" charset="0"/>
+                <a:ea typeface="Open Sans" panose="020B0604020202020204" charset="0"/>
+                <a:cs typeface="Open Sans" panose="020B0604020202020204" charset="0"/>
+              </a:rPr>
+              <a:t>Put the exact statement “use strict”; (or ‘use strict’;) in the function’s body before any other statements.</a:t>
+            </a:r>
+            <a:endParaRPr lang="uk-UA" sz="2400" dirty="0">
+              <a:latin typeface="Open Sans" panose="020B0604020202020204" charset="0"/>
+              <a:ea typeface="Open Sans" panose="020B0604020202020204" charset="0"/>
+              <a:cs typeface="Open Sans" panose="020B0604020202020204" charset="0"/>
+            </a:endParaRPr>
+          </a:p>
+        </p:txBody>
+      </p:sp>
+      <p:pic>
+        <p:nvPicPr>
+          <p:cNvPr id="6" name="Рисунок 5">
+            <a:extLst>
+              <a:ext uri="{FF2B5EF4-FFF2-40B4-BE49-F238E27FC236}">
+                <a16:creationId xmlns:a16="http://schemas.microsoft.com/office/drawing/2014/main" id="{68D537BE-445D-41F6-8E39-8A74678DE088}"/>
+              </a:ext>
+            </a:extLst>
+          </p:cNvPr>
+          <p:cNvPicPr>
+            <a:picLocks noChangeAspect="1"/>
+          </p:cNvPicPr>
+          <p:nvPr/>
+        </p:nvPicPr>
+        <p:blipFill>
+          <a:blip r:embed="rId3">
+            <a:extLst>
+              <a:ext uri="{28A0092B-C50C-407E-A947-70E740481C1C}">
+                <a14:useLocalDpi xmlns:a14="http://schemas.microsoft.com/office/drawing/2010/main" val="0"/>
+              </a:ext>
+            </a:extLst>
+          </a:blip>
+          <a:stretch>
+            <a:fillRect/>
+          </a:stretch>
+        </p:blipFill>
+        <p:spPr>
+          <a:xfrm>
+            <a:off x="3463068" y="2082053"/>
+            <a:ext cx="5265863" cy="3618659"/>
+          </a:xfrm>
+          <a:prstGeom prst="rect">
+            <a:avLst/>
+          </a:prstGeom>
+        </p:spPr>
+      </p:pic>
+    </p:spTree>
+    <p:extLst>
+      <p:ext uri="{BB962C8B-B14F-4D97-AF65-F5344CB8AC3E}">
+        <p14:creationId xmlns:p14="http://schemas.microsoft.com/office/powerpoint/2010/main" val="1977500575"/>
+      </p:ext>
+    </p:extLst>
+  </p:cSld>
+  <p:clrMapOvr>
+    <a:masterClrMapping/>
+  </p:clrMapOvr>
+</p:sld>
+</file>
+
+<file path=ppt/slides/slide46.xml><?xml version="1.0" encoding="utf-8"?>
+<p:sld xmlns:a="http://schemas.openxmlformats.org/drawingml/2006/main" xmlns:r="http://schemas.openxmlformats.org/officeDocument/2006/relationships" xmlns:p="http://schemas.openxmlformats.org/presentationml/2006/main">
+  <p:cSld>
+    <p:spTree>
+      <p:nvGrpSpPr>
+        <p:cNvPr id="1" name=""/>
+        <p:cNvGrpSpPr/>
+        <p:nvPr/>
+      </p:nvGrpSpPr>
+      <p:grpSpPr>
+        <a:xfrm>
+          <a:off x="0" y="0"/>
+          <a:ext cx="0" cy="0"/>
+          <a:chOff x="0" y="0"/>
+          <a:chExt cx="0" cy="0"/>
+        </a:xfrm>
+      </p:grpSpPr>
+      <p:sp>
+        <p:nvSpPr>
+          <p:cNvPr id="2" name="Заголовок 1">
+            <a:extLst>
+              <a:ext uri="{FF2B5EF4-FFF2-40B4-BE49-F238E27FC236}">
+                <a16:creationId xmlns:a16="http://schemas.microsoft.com/office/drawing/2014/main" id="{C539E99D-7C2E-404C-95EA-2011AA5F66F2}"/>
+              </a:ext>
+            </a:extLst>
+          </p:cNvPr>
+          <p:cNvSpPr>
+            <a:spLocks noGrp="1"/>
+          </p:cNvSpPr>
+          <p:nvPr>
+            <p:ph type="title"/>
+          </p:nvPr>
+        </p:nvSpPr>
+        <p:spPr/>
+        <p:txBody>
+          <a:bodyPr/>
+          <a:lstStyle/>
+          <a:p>
+            <a:pPr>
+              <a:lnSpc>
+                <a:spcPct val="100000"/>
+              </a:lnSpc>
+            </a:pPr>
+            <a:r>
+              <a:rPr lang="en-US" sz="4000" dirty="0"/>
+              <a:t>Links</a:t>
+            </a:r>
+            <a:br>
+              <a:rPr lang="en-US" sz="4000" dirty="0"/>
+            </a:br>
+            <a:br>
+              <a:rPr lang="en-US" sz="2400" dirty="0">
+                <a:latin typeface="Open Sans" panose="020B0604020202020204" charset="0"/>
+                <a:ea typeface="Open Sans" panose="020B0604020202020204" charset="0"/>
+                <a:cs typeface="Open Sans" panose="020B0604020202020204" charset="0"/>
+              </a:rPr>
+            </a:br>
+            <a:r>
+              <a:rPr lang="en-US" sz="2000" dirty="0">
+                <a:latin typeface="Open Sans" panose="020B0604020202020204" charset="0"/>
+                <a:ea typeface="Open Sans" panose="020B0604020202020204" charset="0"/>
+                <a:cs typeface="Open Sans" panose="020B0604020202020204" charset="0"/>
+              </a:rPr>
+              <a:t>1. </a:t>
+            </a:r>
+            <a:r>
+              <a:rPr lang="en-US" sz="2000" dirty="0">
+                <a:latin typeface="Open Sans" panose="020B0604020202020204" charset="0"/>
+                <a:ea typeface="Open Sans" panose="020B0604020202020204" charset="0"/>
+                <a:cs typeface="Open Sans" panose="020B0604020202020204" charset="0"/>
+                <a:hlinkClick r:id="rId2"/>
+              </a:rPr>
+              <a:t>https://www.geeksforgeeks.org/loops-in-javascript/</a:t>
+            </a:r>
+            <a:br>
+              <a:rPr lang="en-US" sz="2000" dirty="0">
+                <a:latin typeface="Open Sans" panose="020B0604020202020204" charset="0"/>
+                <a:ea typeface="Open Sans" panose="020B0604020202020204" charset="0"/>
+                <a:cs typeface="Open Sans" panose="020B0604020202020204" charset="0"/>
+              </a:rPr>
+            </a:br>
+            <a:r>
+              <a:rPr lang="en-US" sz="2000" dirty="0">
+                <a:latin typeface="Open Sans" panose="020B0604020202020204" charset="0"/>
+                <a:ea typeface="Open Sans" panose="020B0604020202020204" charset="0"/>
+                <a:cs typeface="Open Sans" panose="020B0604020202020204" charset="0"/>
+              </a:rPr>
+              <a:t>2. </a:t>
+            </a:r>
+            <a:r>
+              <a:rPr lang="en-US" sz="2000" dirty="0">
+                <a:latin typeface="Open Sans" panose="020B0604020202020204" charset="0"/>
+                <a:ea typeface="Open Sans" panose="020B0604020202020204" charset="0"/>
+                <a:cs typeface="Open Sans" panose="020B0604020202020204" charset="0"/>
+                <a:hlinkClick r:id="rId3"/>
+              </a:rPr>
+              <a:t>https://www.learn-js.org/en/Loops</a:t>
+            </a:r>
+            <a:br>
+              <a:rPr lang="en-US" sz="2000" dirty="0">
+                <a:latin typeface="Open Sans" panose="020B0604020202020204" charset="0"/>
+                <a:ea typeface="Open Sans" panose="020B0604020202020204" charset="0"/>
+                <a:cs typeface="Open Sans" panose="020B0604020202020204" charset="0"/>
+              </a:rPr>
+            </a:br>
+            <a:r>
+              <a:rPr lang="en-US" sz="2000" dirty="0">
+                <a:latin typeface="Open Sans" panose="020B0604020202020204" charset="0"/>
+                <a:ea typeface="Open Sans" panose="020B0604020202020204" charset="0"/>
+                <a:cs typeface="Open Sans" panose="020B0604020202020204" charset="0"/>
+              </a:rPr>
+              <a:t>3. </a:t>
+            </a:r>
+            <a:r>
+              <a:rPr lang="en-US" sz="2000" dirty="0">
+                <a:latin typeface="Open Sans" panose="020B0604020202020204" charset="0"/>
+                <a:ea typeface="Open Sans" panose="020B0604020202020204" charset="0"/>
+                <a:cs typeface="Open Sans" panose="020B0604020202020204" charset="0"/>
+                <a:hlinkClick r:id="rId4"/>
+              </a:rPr>
+              <a:t>https://developer.mozilla.org/en-US/docs/Web/JavaScript/Guide/Loops_and_iteration</a:t>
+            </a:r>
+            <a:br>
+              <a:rPr lang="en-US" sz="2000" dirty="0">
+                <a:latin typeface="Open Sans" panose="020B0604020202020204" charset="0"/>
+                <a:ea typeface="Open Sans" panose="020B0604020202020204" charset="0"/>
+                <a:cs typeface="Open Sans" panose="020B0604020202020204" charset="0"/>
+              </a:rPr>
+            </a:br>
+            <a:r>
+              <a:rPr lang="en-US" sz="2000" dirty="0">
+                <a:latin typeface="Open Sans" panose="020B0604020202020204" charset="0"/>
+                <a:ea typeface="Open Sans" panose="020B0604020202020204" charset="0"/>
+                <a:cs typeface="Open Sans" panose="020B0604020202020204" charset="0"/>
+              </a:rPr>
+              <a:t>4. </a:t>
+            </a:r>
+            <a:r>
+              <a:rPr lang="en-US" sz="2000" dirty="0">
+                <a:latin typeface="Open Sans" panose="020B0604020202020204" charset="0"/>
+                <a:ea typeface="Open Sans" panose="020B0604020202020204" charset="0"/>
+                <a:cs typeface="Open Sans" panose="020B0604020202020204" charset="0"/>
+                <a:hlinkClick r:id="rId5"/>
+              </a:rPr>
+              <a:t>https://javascript.info/try-catch</a:t>
+            </a:r>
+            <a:br>
+              <a:rPr lang="en-US" sz="2000" dirty="0">
+                <a:latin typeface="Open Sans" panose="020B0604020202020204" charset="0"/>
+                <a:ea typeface="Open Sans" panose="020B0604020202020204" charset="0"/>
+                <a:cs typeface="Open Sans" panose="020B0604020202020204" charset="0"/>
+              </a:rPr>
+            </a:br>
+            <a:r>
+              <a:rPr lang="en-US" sz="2000" dirty="0">
+                <a:latin typeface="Open Sans" panose="020B0604020202020204" charset="0"/>
+                <a:ea typeface="Open Sans" panose="020B0604020202020204" charset="0"/>
+                <a:cs typeface="Open Sans" panose="020B0604020202020204" charset="0"/>
+              </a:rPr>
+              <a:t>5. </a:t>
+            </a:r>
+            <a:r>
+              <a:rPr lang="en-US" sz="2000" dirty="0">
+                <a:latin typeface="Open Sans" panose="020B0604020202020204" charset="0"/>
+                <a:ea typeface="Open Sans" panose="020B0604020202020204" charset="0"/>
+                <a:cs typeface="Open Sans" panose="020B0604020202020204" charset="0"/>
+                <a:hlinkClick r:id="rId6"/>
+              </a:rPr>
+              <a:t>https://developer.mozilla.org/uk/docs/Web/JavaScript/Guide/Control_flow_and_error_handling</a:t>
+            </a:r>
+            <a:br>
+              <a:rPr lang="en-US" sz="2000" dirty="0">
+                <a:latin typeface="Open Sans" panose="020B0604020202020204" charset="0"/>
+                <a:ea typeface="Open Sans" panose="020B0604020202020204" charset="0"/>
+                <a:cs typeface="Open Sans" panose="020B0604020202020204" charset="0"/>
+              </a:rPr>
+            </a:br>
+            <a:r>
+              <a:rPr lang="en-US" sz="2000" dirty="0">
+                <a:latin typeface="Open Sans" panose="020B0604020202020204" charset="0"/>
+                <a:ea typeface="Open Sans" panose="020B0604020202020204" charset="0"/>
+                <a:cs typeface="Open Sans" panose="020B0604020202020204" charset="0"/>
+              </a:rPr>
+              <a:t>6.</a:t>
+            </a:r>
+            <a:r>
+              <a:rPr lang="uk-UA" sz="2000" dirty="0">
+                <a:latin typeface="Open Sans" panose="020B0604020202020204" charset="0"/>
+                <a:ea typeface="Open Sans" panose="020B0604020202020204" charset="0"/>
+                <a:cs typeface="Open Sans" panose="020B0604020202020204" charset="0"/>
+              </a:rPr>
+              <a:t> </a:t>
+            </a:r>
+            <a:r>
+              <a:rPr lang="en-US" sz="2000" dirty="0">
+                <a:latin typeface="Open Sans" panose="020B0604020202020204" charset="0"/>
+                <a:ea typeface="Open Sans" panose="020B0604020202020204" charset="0"/>
+                <a:cs typeface="Open Sans" panose="020B0604020202020204" charset="0"/>
+                <a:hlinkClick r:id="rId7"/>
+              </a:rPr>
+              <a:t>https://developer.mozilla.org/uk/docs/Web/JavaScript/Reference/Strict_mode</a:t>
+            </a:r>
+            <a:endParaRPr lang="uk-UA" sz="2000" dirty="0">
+              <a:latin typeface="Open Sans" panose="020B0604020202020204" charset="0"/>
+              <a:ea typeface="Open Sans" panose="020B0604020202020204" charset="0"/>
+              <a:cs typeface="Open Sans" panose="020B0604020202020204" charset="0"/>
+            </a:endParaRPr>
+          </a:p>
+        </p:txBody>
+      </p:sp>
+    </p:spTree>
+    <p:extLst>
+      <p:ext uri="{BB962C8B-B14F-4D97-AF65-F5344CB8AC3E}">
+        <p14:creationId xmlns:p14="http://schemas.microsoft.com/office/powerpoint/2010/main" val="280159713"/>
+      </p:ext>
+    </p:extLst>
+  </p:cSld>
+  <p:clrMapOvr>
+    <a:masterClrMapping/>
+  </p:clrMapOvr>
+</p:sld>
+</file>
+
 <file path=ppt/slides/slide5.xml><?xml version="1.0" encoding="utf-8"?>
 <p:sld xmlns:a="http://schemas.openxmlformats.org/drawingml/2006/main" xmlns:r="http://schemas.openxmlformats.org/officeDocument/2006/relationships" xmlns:p="http://schemas.openxmlformats.org/presentationml/2006/main">
   <p:cSld>
@@ -6912,7 +14922,7 @@
               </a:rPr>
             </a:br>
             <a:br>
-              <a:rPr lang="en-US" sz="2400" dirty="0">
+              <a:rPr lang="uk-UA" sz="2400" dirty="0">
                 <a:latin typeface="Open Sans" panose="020B0604020202020204" charset="0"/>
                 <a:ea typeface="Open Sans" panose="020B0604020202020204" charset="0"/>
                 <a:cs typeface="Open Sans" panose="020B0604020202020204" charset="0"/>
@@ -6927,7 +14937,7 @@
                 <a:ea typeface="Open Sans" panose="020B0604020202020204" charset="0"/>
                 <a:cs typeface="Open Sans" panose="020B0604020202020204" charset="0"/>
               </a:rPr>
-              <a:t>for</a:t>
+              <a:t>while</a:t>
             </a:r>
             <a:r>
               <a:rPr lang="en-US" sz="2400" dirty="0">
@@ -6935,7 +14945,7 @@
                 <a:ea typeface="Open Sans" panose="020B0604020202020204" charset="0"/>
                 <a:cs typeface="Open Sans" panose="020B0604020202020204" charset="0"/>
               </a:rPr>
-              <a:t> - loops through a block of code a number of times</a:t>
+              <a:t> - loops through a block of code while a specified condition is true</a:t>
             </a:r>
             <a:br>
               <a:rPr lang="en-US" sz="2400" dirty="0">
@@ -6953,7 +14963,7 @@
                 <a:ea typeface="Open Sans" panose="020B0604020202020204" charset="0"/>
                 <a:cs typeface="Open Sans" panose="020B0604020202020204" charset="0"/>
               </a:rPr>
-              <a:t>for/in </a:t>
+              <a:t>do/while </a:t>
             </a:r>
             <a:r>
               <a:rPr lang="en-US" sz="2400" dirty="0">
@@ -6961,7 +14971,7 @@
                 <a:ea typeface="Open Sans" panose="020B0604020202020204" charset="0"/>
                 <a:cs typeface="Open Sans" panose="020B0604020202020204" charset="0"/>
               </a:rPr>
-              <a:t>- loops through the properties of an object</a:t>
+              <a:t>- also loops through a block of code while a specified condition is true</a:t>
             </a:r>
             <a:br>
               <a:rPr lang="en-US" sz="2400" dirty="0">
@@ -6979,7 +14989,7 @@
                 <a:ea typeface="Open Sans" panose="020B0604020202020204" charset="0"/>
                 <a:cs typeface="Open Sans" panose="020B0604020202020204" charset="0"/>
               </a:rPr>
-              <a:t>for/of </a:t>
+              <a:t>for</a:t>
             </a:r>
             <a:r>
               <a:rPr lang="en-US" sz="2400" dirty="0">
@@ -6987,23 +14997,7 @@
                 <a:ea typeface="Open Sans" panose="020B0604020202020204" charset="0"/>
                 <a:cs typeface="Open Sans" panose="020B0604020202020204" charset="0"/>
               </a:rPr>
-              <a:t>- loops through the values of an </a:t>
-            </a:r>
-            <a:r>
-              <a:rPr lang="en-US" sz="2400" dirty="0" err="1">
-                <a:latin typeface="Open Sans" panose="020B0604020202020204" charset="0"/>
-                <a:ea typeface="Open Sans" panose="020B0604020202020204" charset="0"/>
-                <a:cs typeface="Open Sans" panose="020B0604020202020204" charset="0"/>
-              </a:rPr>
-              <a:t>iterable</a:t>
-            </a:r>
-            <a:r>
-              <a:rPr lang="en-US" sz="2400" dirty="0">
-                <a:latin typeface="Open Sans" panose="020B0604020202020204" charset="0"/>
-                <a:ea typeface="Open Sans" panose="020B0604020202020204" charset="0"/>
-                <a:cs typeface="Open Sans" panose="020B0604020202020204" charset="0"/>
-              </a:rPr>
-              <a:t> object</a:t>
+              <a:t> - loops through a block of code a number of times</a:t>
             </a:r>
             <a:br>
               <a:rPr lang="en-US" sz="2400" dirty="0">
@@ -7021,7 +15015,7 @@
                 <a:ea typeface="Open Sans" panose="020B0604020202020204" charset="0"/>
                 <a:cs typeface="Open Sans" panose="020B0604020202020204" charset="0"/>
               </a:rPr>
-              <a:t>while</a:t>
+              <a:t>for/in </a:t>
             </a:r>
             <a:r>
               <a:rPr lang="en-US" sz="2400" dirty="0">
@@ -7029,7 +15023,7 @@
                 <a:ea typeface="Open Sans" panose="020B0604020202020204" charset="0"/>
                 <a:cs typeface="Open Sans" panose="020B0604020202020204" charset="0"/>
               </a:rPr>
-              <a:t> - loops through a block of code while a specified condition is true</a:t>
+              <a:t>- loops through the properties of an object</a:t>
             </a:r>
             <a:br>
               <a:rPr lang="en-US" sz="2400" dirty="0">
@@ -7047,7 +15041,7 @@
                 <a:ea typeface="Open Sans" panose="020B0604020202020204" charset="0"/>
                 <a:cs typeface="Open Sans" panose="020B0604020202020204" charset="0"/>
               </a:rPr>
-              <a:t>do/while </a:t>
+              <a:t>for/of </a:t>
             </a:r>
             <a:r>
               <a:rPr lang="en-US" sz="2400" dirty="0">
@@ -7055,8 +15049,47 @@
                 <a:ea typeface="Open Sans" panose="020B0604020202020204" charset="0"/>
                 <a:cs typeface="Open Sans" panose="020B0604020202020204" charset="0"/>
               </a:rPr>
-              <a:t>- also loops through a block of code while a specified condition is true</a:t>
-            </a:r>
+              <a:t>- loops through the values of an </a:t>
+            </a:r>
+            <a:r>
+              <a:rPr lang="en-US" sz="2400" dirty="0" err="1">
+                <a:latin typeface="Open Sans" panose="020B0604020202020204" charset="0"/>
+                <a:ea typeface="Open Sans" panose="020B0604020202020204" charset="0"/>
+                <a:cs typeface="Open Sans" panose="020B0604020202020204" charset="0"/>
+              </a:rPr>
+              <a:t>iterable</a:t>
+            </a:r>
+            <a:r>
+              <a:rPr lang="en-US" sz="2400" dirty="0">
+                <a:latin typeface="Open Sans" panose="020B0604020202020204" charset="0"/>
+                <a:ea typeface="Open Sans" panose="020B0604020202020204" charset="0"/>
+                <a:cs typeface="Open Sans" panose="020B0604020202020204" charset="0"/>
+              </a:rPr>
+              <a:t> object</a:t>
+            </a:r>
+            <a:r>
+              <a:rPr lang="uk-UA" sz="2400" dirty="0">
+                <a:latin typeface="Open Sans" panose="020B0604020202020204" charset="0"/>
+                <a:ea typeface="Open Sans" panose="020B0604020202020204" charset="0"/>
+                <a:cs typeface="Open Sans" panose="020B0604020202020204" charset="0"/>
+              </a:rPr>
+              <a:t> </a:t>
+            </a:r>
+            <a:r>
+              <a:rPr lang="en-US" sz="2400" dirty="0">
+                <a:latin typeface="Open Sans" panose="020B0604020202020204" charset="0"/>
+                <a:ea typeface="Open Sans" panose="020B0604020202020204" charset="0"/>
+                <a:cs typeface="Open Sans" panose="020B0604020202020204" charset="0"/>
+              </a:rPr>
+              <a:t>as arrays, strings, etc.</a:t>
+            </a:r>
+            <a:br>
+              <a:rPr lang="en-US" sz="2400" dirty="0">
+                <a:latin typeface="Open Sans" panose="020B0604020202020204" charset="0"/>
+                <a:ea typeface="Open Sans" panose="020B0604020202020204" charset="0"/>
+                <a:cs typeface="Open Sans" panose="020B0604020202020204" charset="0"/>
+              </a:rPr>
+            </a:br>
             <a:endParaRPr lang="uk-UA" sz="2400" dirty="0">
               <a:latin typeface="Open Sans" panose="020B0604020202020204" charset="0"/>
               <a:ea typeface="Open Sans" panose="020B0604020202020204" charset="0"/>
@@ -7100,7 +15133,7 @@
           <p:cNvPr id="2" name="Заголовок 1">
             <a:extLst>
               <a:ext uri="{FF2B5EF4-FFF2-40B4-BE49-F238E27FC236}">
-                <a16:creationId xmlns:a16="http://schemas.microsoft.com/office/drawing/2014/main" id="{F5C43290-24A5-4637-ABFE-B40B343E344F}"/>
+                <a16:creationId xmlns:a16="http://schemas.microsoft.com/office/drawing/2014/main" id="{5428A761-BC37-405E-B967-FEB2C64B3F9B}"/>
               </a:ext>
             </a:extLst>
           </p:cNvPr>
@@ -7122,11 +15155,11 @@
               </a:lnSpc>
             </a:pPr>
             <a:r>
-              <a:rPr lang="en-US" sz="4000" dirty="0"/>
-              <a:t>for loop</a:t>
+              <a:rPr lang="en-US" sz="4000" b="1" dirty="0"/>
+              <a:t>while loop</a:t>
             </a:r>
             <a:br>
-              <a:rPr lang="en-US" sz="4000" dirty="0"/>
+              <a:rPr lang="en-US" b="1" dirty="0"/>
             </a:br>
             <a:r>
               <a:rPr lang="en-US" sz="2400" dirty="0">
@@ -7134,7 +15167,7 @@
                 <a:ea typeface="Open Sans" panose="020B0604020202020204" charset="0"/>
                 <a:cs typeface="Open Sans" panose="020B0604020202020204" charset="0"/>
               </a:rPr>
-              <a:t>The most frequently used loop in JavaScript is the for-loop. The for loop has the following syntax:</a:t>
+              <a:t>This is the simplest looping statement provided by JavaScript.</a:t>
             </a:r>
             <a:br>
               <a:rPr lang="en-US" sz="2400" dirty="0">
@@ -7143,6 +15176,21 @@
                 <a:cs typeface="Open Sans" panose="020B0604020202020204" charset="0"/>
               </a:rPr>
             </a:br>
+            <a:br>
+              <a:rPr lang="en-US" sz="2400" dirty="0">
+                <a:latin typeface="Open Sans" panose="020B0604020202020204" charset="0"/>
+                <a:ea typeface="Open Sans" panose="020B0604020202020204" charset="0"/>
+                <a:cs typeface="Open Sans" panose="020B0604020202020204" charset="0"/>
+              </a:rPr>
+            </a:br>
+            <a:r>
+              <a:rPr lang="en-US" sz="2400" dirty="0">
+                <a:latin typeface="Open Sans" panose="020B0604020202020204" charset="0"/>
+                <a:ea typeface="Open Sans" panose="020B0604020202020204" charset="0"/>
+                <a:cs typeface="Open Sans" panose="020B0604020202020204" charset="0"/>
+              </a:rPr>
+              <a:t>The while loop loops through a block of code as long as the specified condition evaluates to true. As soon as the condition fails, the loop is stopped. The generic syntax of the while loop is:</a:t>
+            </a:r>
             <a:endParaRPr lang="uk-UA" sz="2400" dirty="0">
               <a:latin typeface="Open Sans" panose="020B0604020202020204" charset="0"/>
               <a:ea typeface="Open Sans" panose="020B0604020202020204" charset="0"/>
@@ -7153,10 +15201,10 @@
       </p:sp>
       <p:pic>
         <p:nvPicPr>
-          <p:cNvPr id="8" name="Рисунок 7">
+          <p:cNvPr id="6" name="Рисунок 5">
             <a:extLst>
               <a:ext uri="{FF2B5EF4-FFF2-40B4-BE49-F238E27FC236}">
-                <a16:creationId xmlns:a16="http://schemas.microsoft.com/office/drawing/2014/main" id="{16204BA7-E835-4FE6-A287-9DE2F4F428F9}"/>
+                <a16:creationId xmlns:a16="http://schemas.microsoft.com/office/drawing/2014/main" id="{1E76C470-8ED4-49D6-9FB4-A6DADDB5B561}"/>
               </a:ext>
             </a:extLst>
           </p:cNvPr>
@@ -7179,8 +15227,8 @@
         </p:blipFill>
         <p:spPr>
           <a:xfrm>
-            <a:off x="753797" y="2830806"/>
-            <a:ext cx="10684405" cy="1196388"/>
+            <a:off x="3064088" y="3429000"/>
+            <a:ext cx="6063824" cy="2202873"/>
           </a:xfrm>
           <a:prstGeom prst="rect">
             <a:avLst/>
@@ -7190,7 +15238,7 @@
     </p:spTree>
     <p:extLst>
       <p:ext uri="{BB962C8B-B14F-4D97-AF65-F5344CB8AC3E}">
-        <p14:creationId xmlns:p14="http://schemas.microsoft.com/office/powerpoint/2010/main" val="889611468"/>
+        <p14:creationId xmlns:p14="http://schemas.microsoft.com/office/powerpoint/2010/main" val="2635920737"/>
       </p:ext>
     </p:extLst>
   </p:cSld>
@@ -7222,7 +15270,7 @@
           <p:cNvPr id="2" name="Заголовок 1">
             <a:extLst>
               <a:ext uri="{FF2B5EF4-FFF2-40B4-BE49-F238E27FC236}">
-                <a16:creationId xmlns:a16="http://schemas.microsoft.com/office/drawing/2014/main" id="{1ECEAD2E-D0EB-48F1-9EB5-A00B56D7A693}"/>
+                <a16:creationId xmlns:a16="http://schemas.microsoft.com/office/drawing/2014/main" id="{1B87EF78-2CA8-4788-986C-F2702D6E7F9E}"/>
               </a:ext>
             </a:extLst>
           </p:cNvPr>
@@ -7251,13 +15299,6 @@
               </a:rPr>
               <a:t>Flowchart:</a:t>
             </a:r>
-            <a:br>
-              <a:rPr lang="en-US" sz="2400" dirty="0">
-                <a:latin typeface="Open Sans" panose="020B0604020202020204" charset="0"/>
-                <a:ea typeface="Open Sans" panose="020B0604020202020204" charset="0"/>
-                <a:cs typeface="Open Sans" panose="020B0604020202020204" charset="0"/>
-              </a:rPr>
-            </a:br>
             <a:endParaRPr lang="uk-UA" sz="2400" dirty="0">
               <a:latin typeface="Open Sans" panose="020B0604020202020204" charset="0"/>
               <a:ea typeface="Open Sans" panose="020B0604020202020204" charset="0"/>
@@ -7271,7 +15312,7 @@
           <p:cNvPr id="5" name="Рисунок 4">
             <a:extLst>
               <a:ext uri="{FF2B5EF4-FFF2-40B4-BE49-F238E27FC236}">
-                <a16:creationId xmlns:a16="http://schemas.microsoft.com/office/drawing/2014/main" id="{E46F531F-75A6-43F7-9064-8849145775F0}"/>
+                <a16:creationId xmlns:a16="http://schemas.microsoft.com/office/drawing/2014/main" id="{D0BB4510-1569-4920-9A25-EAEAFCAE8543}"/>
               </a:ext>
             </a:extLst>
           </p:cNvPr>
@@ -7294,8 +15335,8 @@
         </p:blipFill>
         <p:spPr>
           <a:xfrm>
-            <a:off x="1085087" y="1371600"/>
-            <a:ext cx="10021825" cy="4114800"/>
+            <a:off x="1425153" y="1268733"/>
+            <a:ext cx="9341694" cy="4320533"/>
           </a:xfrm>
           <a:prstGeom prst="rect">
             <a:avLst/>
@@ -7305,7 +15346,7 @@
     </p:spTree>
     <p:extLst>
       <p:ext uri="{BB962C8B-B14F-4D97-AF65-F5344CB8AC3E}">
-        <p14:creationId xmlns:p14="http://schemas.microsoft.com/office/powerpoint/2010/main" val="3258691789"/>
+        <p14:creationId xmlns:p14="http://schemas.microsoft.com/office/powerpoint/2010/main" val="964914555"/>
       </p:ext>
     </p:extLst>
   </p:cSld>
@@ -7337,7 +15378,7 @@
           <p:cNvPr id="2" name="Заголовок 1">
             <a:extLst>
               <a:ext uri="{FF2B5EF4-FFF2-40B4-BE49-F238E27FC236}">
-                <a16:creationId xmlns:a16="http://schemas.microsoft.com/office/drawing/2014/main" id="{7C0919D3-3EBC-495D-B03B-E2E6A3E4DF89}"/>
+                <a16:creationId xmlns:a16="http://schemas.microsoft.com/office/drawing/2014/main" id="{C552F9C9-9E96-49F6-8E4B-77A602E8C35C}"/>
               </a:ext>
             </a:extLst>
           </p:cNvPr>
@@ -7353,23 +15394,54 @@
           <a:bodyPr/>
           <a:lstStyle/>
           <a:p>
-            <a:pPr>
-              <a:lnSpc>
-                <a:spcPct val="100000"/>
-              </a:lnSpc>
-            </a:pPr>
-            <a:r>
-              <a:rPr lang="en-US" sz="6000" dirty="0"/>
-              <a:t>Error Handling</a:t>
-            </a:r>
-            <a:endParaRPr lang="uk-UA" sz="6000" dirty="0"/>
-          </a:p>
-        </p:txBody>
-      </p:sp>
+            <a:r>
+              <a:rPr lang="en-US" sz="100" dirty="0"/>
+              <a:t>,</a:t>
+            </a:r>
+            <a:endParaRPr lang="uk-UA" sz="100" dirty="0"/>
+          </a:p>
+        </p:txBody>
+      </p:sp>
+      <p:pic>
+        <p:nvPicPr>
+          <p:cNvPr id="9" name="Рисунок 8">
+            <a:extLst>
+              <a:ext uri="{FF2B5EF4-FFF2-40B4-BE49-F238E27FC236}">
+                <a16:creationId xmlns:a16="http://schemas.microsoft.com/office/drawing/2014/main" id="{A310020A-55C4-41B6-8C6A-83132F87AD32}"/>
+              </a:ext>
+            </a:extLst>
+          </p:cNvPr>
+          <p:cNvPicPr>
+            <a:picLocks noChangeAspect="1"/>
+          </p:cNvPicPr>
+          <p:nvPr/>
+        </p:nvPicPr>
+        <p:blipFill>
+          <a:blip r:embed="rId3">
+            <a:extLst>
+              <a:ext uri="{28A0092B-C50C-407E-A947-70E740481C1C}">
+                <a14:useLocalDpi xmlns:a14="http://schemas.microsoft.com/office/drawing/2010/main" val="0"/>
+              </a:ext>
+            </a:extLst>
+          </a:blip>
+          <a:stretch>
+            <a:fillRect/>
+          </a:stretch>
+        </p:blipFill>
+        <p:spPr>
+          <a:xfrm>
+            <a:off x="2720551" y="389049"/>
+            <a:ext cx="6750898" cy="5394100"/>
+          </a:xfrm>
+          <a:prstGeom prst="rect">
+            <a:avLst/>
+          </a:prstGeom>
+        </p:spPr>
+      </p:pic>
     </p:spTree>
     <p:extLst>
       <p:ext uri="{BB962C8B-B14F-4D97-AF65-F5344CB8AC3E}">
-        <p14:creationId xmlns:p14="http://schemas.microsoft.com/office/powerpoint/2010/main" val="2038504576"/>
+        <p14:creationId xmlns:p14="http://schemas.microsoft.com/office/powerpoint/2010/main" val="2053031513"/>
       </p:ext>
     </p:extLst>
   </p:cSld>
@@ -7936,14 +16008,6 @@
 </file>
 
 <file path=customXml/item1.xml><?xml version="1.0" encoding="utf-8"?>
-<p:properties xmlns:p="http://schemas.microsoft.com/office/2006/metadata/properties" xmlns:xsi="http://www.w3.org/2001/XMLSchema-instance" xmlns:pc="http://schemas.microsoft.com/office/infopath/2007/PartnerControls">
-  <documentManagement>
-    <_x041a__x043e__x043c__x0435__x0442__x0430__x0440_ xmlns="835f28f2-30f1-4728-84d2-86d96e143488" xsi:nil="true"/>
-  </documentManagement>
-</p:properties>
-</file>
-
-<file path=customXml/item2.xml><?xml version="1.0" encoding="utf-8"?>
 <ct:contentTypeSchema xmlns:ct="http://schemas.microsoft.com/office/2006/metadata/contentType" xmlns:ma="http://schemas.microsoft.com/office/2006/metadata/properties/metaAttributes" ct:_="" ma:_="" ma:contentTypeName="Документ" ma:contentTypeID="0x0101004195FC54A15F344D83577B1CDDD67A5D" ma:contentTypeVersion="9" ma:contentTypeDescription="Создание документа." ma:contentTypeScope="" ma:versionID="961ec8db58076c7d3e9f84b9cd82fd45">
   <xsd:schema xmlns:xsd="http://www.w3.org/2001/XMLSchema" xmlns:xs="http://www.w3.org/2001/XMLSchema" xmlns:p="http://schemas.microsoft.com/office/2006/metadata/properties" xmlns:ns2="341e6018-ac0a-4dfb-8409-db9e0d25502e" xmlns:ns3="835f28f2-30f1-4728-84d2-86d96e143488" targetNamespace="http://schemas.microsoft.com/office/2006/metadata/properties" ma:root="true" ma:fieldsID="bd9f0c80ada20ee560e77d723f3ef44e" ns2:_="" ns3:_="">
     <xsd:import namespace="341e6018-ac0a-4dfb-8409-db9e0d25502e"/>
@@ -8142,7 +16206,7 @@
 </ct:contentTypeSchema>
 </file>
 
-<file path=customXml/item3.xml><?xml version="1.0" encoding="utf-8"?>
+<file path=customXml/item2.xml><?xml version="1.0" encoding="utf-8"?>
 <?mso-contentType ?>
 <FormTemplates xmlns="http://schemas.microsoft.com/sharepoint/v3/contenttype/forms">
   <Display>DocumentLibraryForm</Display>
@@ -8151,24 +16215,15 @@
 </FormTemplates>
 </file>
 
-<file path=customXml/itemProps1.xml><?xml version="1.0" encoding="utf-8"?>
-<ds:datastoreItem xmlns:ds="http://schemas.openxmlformats.org/officeDocument/2006/customXml" ds:itemID="{B3A1340B-3A1B-4156-ADE3-51DF6C2C795D}">
-  <ds:schemaRefs>
-    <ds:schemaRef ds:uri="http://schemas.microsoft.com/office/2006/documentManagement/types"/>
-    <ds:schemaRef ds:uri="http://purl.org/dc/elements/1.1/"/>
-    <ds:schemaRef ds:uri="835f28f2-30f1-4728-84d2-86d96e143488"/>
-    <ds:schemaRef ds:uri="http://purl.org/dc/dcmitype/"/>
-    <ds:schemaRef ds:uri="http://schemas.microsoft.com/office/infopath/2007/PartnerControls"/>
-    <ds:schemaRef ds:uri="341e6018-ac0a-4dfb-8409-db9e0d25502e"/>
-    <ds:schemaRef ds:uri="http://purl.org/dc/terms/"/>
-    <ds:schemaRef ds:uri="http://schemas.openxmlformats.org/package/2006/metadata/core-properties"/>
-    <ds:schemaRef ds:uri="http://schemas.microsoft.com/office/2006/metadata/properties"/>
-    <ds:schemaRef ds:uri="http://www.w3.org/XML/1998/namespace"/>
-  </ds:schemaRefs>
-</ds:datastoreItem>
+<file path=customXml/item3.xml><?xml version="1.0" encoding="utf-8"?>
+<p:properties xmlns:p="http://schemas.microsoft.com/office/2006/metadata/properties" xmlns:xsi="http://www.w3.org/2001/XMLSchema-instance" xmlns:pc="http://schemas.microsoft.com/office/infopath/2007/PartnerControls">
+  <documentManagement>
+    <_x041a__x043e__x043c__x0435__x0442__x0430__x0440_ xmlns="835f28f2-30f1-4728-84d2-86d96e143488" xsi:nil="true"/>
+  </documentManagement>
+</p:properties>
 </file>
 
-<file path=customXml/itemProps2.xml><?xml version="1.0" encoding="utf-8"?>
+<file path=customXml/itemProps1.xml><?xml version="1.0" encoding="utf-8"?>
 <ds:datastoreItem xmlns:ds="http://schemas.openxmlformats.org/officeDocument/2006/customXml" ds:itemID="{CAFDAB34-20E1-438F-BCB2-ECDA5496F36D}">
   <ds:schemaRefs>
     <ds:schemaRef ds:uri="http://schemas.microsoft.com/office/2006/metadata/contentType"/>
@@ -8187,10 +16242,27 @@
 </ds:datastoreItem>
 </file>
 
-<file path=customXml/itemProps3.xml><?xml version="1.0" encoding="utf-8"?>
+<file path=customXml/itemProps2.xml><?xml version="1.0" encoding="utf-8"?>
 <ds:datastoreItem xmlns:ds="http://schemas.openxmlformats.org/officeDocument/2006/customXml" ds:itemID="{296B3B9E-03D8-4766-BF45-6129617CF026}">
   <ds:schemaRefs>
     <ds:schemaRef ds:uri="http://schemas.microsoft.com/sharepoint/v3/contenttype/forms"/>
   </ds:schemaRefs>
 </ds:datastoreItem>
+</file>
+
+<file path=customXml/itemProps3.xml><?xml version="1.0" encoding="utf-8"?>
+<ds:datastoreItem xmlns:ds="http://schemas.openxmlformats.org/officeDocument/2006/customXml" ds:itemID="{B3A1340B-3A1B-4156-ADE3-51DF6C2C795D}">
+  <ds:schemaRefs>
+    <ds:schemaRef ds:uri="http://schemas.microsoft.com/office/2006/documentManagement/types"/>
+    <ds:schemaRef ds:uri="http://purl.org/dc/elements/1.1/"/>
+    <ds:schemaRef ds:uri="835f28f2-30f1-4728-84d2-86d96e143488"/>
+    <ds:schemaRef ds:uri="http://purl.org/dc/dcmitype/"/>
+    <ds:schemaRef ds:uri="http://schemas.microsoft.com/office/infopath/2007/PartnerControls"/>
+    <ds:schemaRef ds:uri="341e6018-ac0a-4dfb-8409-db9e0d25502e"/>
+    <ds:schemaRef ds:uri="http://purl.org/dc/terms/"/>
+    <ds:schemaRef ds:uri="http://schemas.openxmlformats.org/package/2006/metadata/core-properties"/>
+    <ds:schemaRef ds:uri="http://schemas.microsoft.com/office/2006/metadata/properties"/>
+    <ds:schemaRef ds:uri="http://www.w3.org/XML/1998/namespace"/>
+  </ds:schemaRefs>
+</ds:datastoreItem>
 </file>
--- a/presentations/Loops. Error Handling, Strict mode.pptx
+++ b/presentations/Loops. Error Handling, Strict mode.pptx
@@ -5,7 +5,7 @@
     <p:sldMasterId id="2147483656" r:id="rId4"/>
   </p:sldMasterIdLst>
   <p:notesMasterIdLst>
-    <p:notesMasterId r:id="rId51"/>
+    <p:notesMasterId r:id="rId52"/>
   </p:notesMasterIdLst>
   <p:sldIdLst>
     <p:sldId id="258" r:id="rId5"/>
@@ -34,47 +34,48 @@
     <p:sldId id="279" r:id="rId28"/>
     <p:sldId id="281" r:id="rId29"/>
     <p:sldId id="261" r:id="rId30"/>
-    <p:sldId id="287" r:id="rId31"/>
-    <p:sldId id="288" r:id="rId32"/>
-    <p:sldId id="289" r:id="rId33"/>
-    <p:sldId id="290" r:id="rId34"/>
-    <p:sldId id="291" r:id="rId35"/>
-    <p:sldId id="293" r:id="rId36"/>
-    <p:sldId id="294" r:id="rId37"/>
-    <p:sldId id="295" r:id="rId38"/>
-    <p:sldId id="292" r:id="rId39"/>
-    <p:sldId id="296" r:id="rId40"/>
-    <p:sldId id="297" r:id="rId41"/>
-    <p:sldId id="298" r:id="rId42"/>
-    <p:sldId id="299" r:id="rId43"/>
-    <p:sldId id="300" r:id="rId44"/>
-    <p:sldId id="262" r:id="rId45"/>
-    <p:sldId id="301" r:id="rId46"/>
-    <p:sldId id="302" r:id="rId47"/>
-    <p:sldId id="303" r:id="rId48"/>
-    <p:sldId id="304" r:id="rId49"/>
-    <p:sldId id="259" r:id="rId50"/>
+    <p:sldId id="305" r:id="rId31"/>
+    <p:sldId id="287" r:id="rId32"/>
+    <p:sldId id="288" r:id="rId33"/>
+    <p:sldId id="289" r:id="rId34"/>
+    <p:sldId id="290" r:id="rId35"/>
+    <p:sldId id="291" r:id="rId36"/>
+    <p:sldId id="293" r:id="rId37"/>
+    <p:sldId id="294" r:id="rId38"/>
+    <p:sldId id="295" r:id="rId39"/>
+    <p:sldId id="292" r:id="rId40"/>
+    <p:sldId id="296" r:id="rId41"/>
+    <p:sldId id="297" r:id="rId42"/>
+    <p:sldId id="298" r:id="rId43"/>
+    <p:sldId id="299" r:id="rId44"/>
+    <p:sldId id="300" r:id="rId45"/>
+    <p:sldId id="262" r:id="rId46"/>
+    <p:sldId id="301" r:id="rId47"/>
+    <p:sldId id="302" r:id="rId48"/>
+    <p:sldId id="303" r:id="rId49"/>
+    <p:sldId id="304" r:id="rId50"/>
+    <p:sldId id="259" r:id="rId51"/>
   </p:sldIdLst>
   <p:sldSz cx="12192000" cy="6858000"/>
   <p:notesSz cx="6858000" cy="9144000"/>
   <p:embeddedFontLst>
     <p:embeddedFont>
       <p:font typeface="Calibri" panose="020F0502020204030204" pitchFamily="34" charset="0"/>
-      <p:regular r:id="rId52"/>
-      <p:bold r:id="rId53"/>
-      <p:italic r:id="rId54"/>
-      <p:boldItalic r:id="rId55"/>
+      <p:regular r:id="rId53"/>
+      <p:bold r:id="rId54"/>
+      <p:italic r:id="rId55"/>
+      <p:boldItalic r:id="rId56"/>
     </p:embeddedFont>
     <p:embeddedFont>
       <p:font typeface="Open Sans" panose="020B0604020202020204" charset="0"/>
-      <p:regular r:id="rId56"/>
-      <p:bold r:id="rId57"/>
-      <p:italic r:id="rId58"/>
-      <p:boldItalic r:id="rId59"/>
+      <p:regular r:id="rId57"/>
+      <p:bold r:id="rId58"/>
+      <p:italic r:id="rId59"/>
+      <p:boldItalic r:id="rId60"/>
     </p:embeddedFont>
     <p:embeddedFont>
       <p:font typeface="Proxima Nova Black" panose="020B0604020202020204" charset="0"/>
-      <p:bold r:id="rId60"/>
+      <p:bold r:id="rId61"/>
     </p:embeddedFont>
   </p:embeddedFontLst>
   <p:defaultTextStyle>
@@ -203,6 +204,7 @@
             <p14:sldId id="279"/>
             <p14:sldId id="281"/>
             <p14:sldId id="261"/>
+            <p14:sldId id="305"/>
             <p14:sldId id="287"/>
             <p14:sldId id="288"/>
             <p14:sldId id="289"/>
@@ -316,7 +318,7 @@
           <a:p>
             <a:fld id="{66798AA2-1685-42F9-B308-E0EDFDECAB3C}" type="datetimeFigureOut">
               <a:rPr lang="uk-UA" smtClean="0"/>
-              <a:t>01.02.2020</a:t>
+              <a:t>02.02.2020</a:t>
             </a:fld>
             <a:endParaRPr lang="uk-UA"/>
           </a:p>
@@ -1614,62 +1616,6 @@
           <a:bodyPr/>
           <a:lstStyle/>
           <a:p>
-            <a:r>
-              <a:rPr lang="en-US" sz="1200" b="0" i="0" kern="1200" dirty="0">
-                <a:solidFill>
-                  <a:schemeClr val="tx1"/>
-                </a:solidFill>
-                <a:effectLst/>
-                <a:latin typeface="+mn-lt"/>
-                <a:ea typeface="+mn-ea"/>
-                <a:cs typeface="+mn-cs"/>
-              </a:rPr>
-              <a:t>No matter how great we are at programming, sometimes our scripts have errors. They may occur because of our mistakes, an unexpected user input, an erroneous server response, and for a thousand other reasons.</a:t>
-            </a:r>
-          </a:p>
-          <a:p>
-            <a:r>
-              <a:rPr lang="en-US" sz="1200" b="0" i="0" kern="1200" dirty="0">
-                <a:solidFill>
-                  <a:schemeClr val="tx1"/>
-                </a:solidFill>
-                <a:effectLst/>
-                <a:latin typeface="+mn-lt"/>
-                <a:ea typeface="+mn-ea"/>
-                <a:cs typeface="+mn-cs"/>
-              </a:rPr>
-              <a:t>Usually, a script “dies” (immediately stops) in case of an error, printing it to console.</a:t>
-            </a:r>
-          </a:p>
-          <a:p>
-            <a:r>
-              <a:rPr lang="en-US" sz="1200" b="0" i="0" kern="1200" dirty="0">
-                <a:solidFill>
-                  <a:schemeClr val="tx1"/>
-                </a:solidFill>
-                <a:effectLst/>
-                <a:latin typeface="+mn-lt"/>
-                <a:ea typeface="+mn-ea"/>
-                <a:cs typeface="+mn-cs"/>
-              </a:rPr>
-              <a:t>But there’s a syntax construct </a:t>
-            </a:r>
-            <a:r>
-              <a:rPr lang="en-US" dirty="0" err="1"/>
-              <a:t>try..catch</a:t>
-            </a:r>
-            <a:r>
-              <a:rPr lang="en-US" sz="1200" b="0" i="0" kern="1200" dirty="0">
-                <a:solidFill>
-                  <a:schemeClr val="tx1"/>
-                </a:solidFill>
-                <a:effectLst/>
-                <a:latin typeface="+mn-lt"/>
-                <a:ea typeface="+mn-ea"/>
-                <a:cs typeface="+mn-cs"/>
-              </a:rPr>
-              <a:t> that allows to “catch” errors and, instead of dying, do something more reasonable.</a:t>
-            </a:r>
             <a:endParaRPr lang="uk-UA" dirty="0"/>
           </a:p>
         </p:txBody>
@@ -1764,7 +1710,7 @@
                 <a:ea typeface="+mn-ea"/>
                 <a:cs typeface="+mn-cs"/>
               </a:rPr>
-              <a:t>The try statement allows you to define a block of code to be tested for errors while it is being executed.</a:t>
+              <a:t>No matter how great we are at programming, sometimes our scripts have errors. They may occur because of our mistakes, an unexpected user input, an erroneous server response, and for a thousand other reasons.</a:t>
             </a:r>
           </a:p>
           <a:p>
@@ -1778,12 +1724,12 @@
                 <a:ea typeface="+mn-ea"/>
                 <a:cs typeface="+mn-cs"/>
               </a:rPr>
-              <a:t>The catch statement allows you to define a block of code to be executed, if an error occurs in the try block.</a:t>
-            </a:r>
-          </a:p>
-          <a:p>
-            <a:r>
-              <a:rPr lang="en-US" sz="1200" b="0" i="0" kern="1200">
+              <a:t>Usually, a script “dies” (immediately stops) in case of an error, printing it to console.</a:t>
+            </a:r>
+          </a:p>
+          <a:p>
+            <a:r>
+              <a:rPr lang="en-US" sz="1200" b="0" i="0" kern="1200" dirty="0">
                 <a:solidFill>
                   <a:schemeClr val="tx1"/>
                 </a:solidFill>
@@ -1792,10 +1738,24 @@
                 <a:ea typeface="+mn-ea"/>
                 <a:cs typeface="+mn-cs"/>
               </a:rPr>
-              <a:t>The JavaScript statements try and catch come in pairs</a:t>
-            </a:r>
-          </a:p>
-          <a:p>
+              <a:t>But there’s a syntax construct </a:t>
+            </a:r>
+            <a:r>
+              <a:rPr lang="en-US" dirty="0" err="1"/>
+              <a:t>try..catch</a:t>
+            </a:r>
+            <a:r>
+              <a:rPr lang="en-US" sz="1200" b="0" i="0" kern="1200" dirty="0">
+                <a:solidFill>
+                  <a:schemeClr val="tx1"/>
+                </a:solidFill>
+                <a:effectLst/>
+                <a:latin typeface="+mn-lt"/>
+                <a:ea typeface="+mn-ea"/>
+                <a:cs typeface="+mn-cs"/>
+              </a:rPr>
+              <a:t> that allows to “catch” errors and, instead of dying, do something more reasonable.</a:t>
+            </a:r>
             <a:endParaRPr lang="uk-UA" dirty="0"/>
           </a:p>
         </p:txBody>
@@ -1826,7 +1786,7 @@
     </p:spTree>
     <p:extLst>
       <p:ext uri="{BB962C8B-B14F-4D97-AF65-F5344CB8AC3E}">
-        <p14:creationId xmlns:p14="http://schemas.microsoft.com/office/powerpoint/2010/main" val="2691836891"/>
+        <p14:creationId xmlns:p14="http://schemas.microsoft.com/office/powerpoint/2010/main" val="1877486434"/>
       </p:ext>
     </p:extLst>
   </p:cSld>
@@ -1890,7 +1850,7 @@
                 <a:ea typeface="+mn-ea"/>
                 <a:cs typeface="+mn-cs"/>
               </a:rPr>
-              <a:t>It works like this:</a:t>
+              <a:t>The try statement allows you to define a block of code to be tested for errors while it is being executed.</a:t>
             </a:r>
           </a:p>
           <a:p>
@@ -1904,12 +1864,12 @@
                 <a:ea typeface="+mn-ea"/>
                 <a:cs typeface="+mn-cs"/>
               </a:rPr>
-              <a:t>First, the code in try {...} is executed.</a:t>
-            </a:r>
-          </a:p>
-          <a:p>
-            <a:r>
-              <a:rPr lang="en-US" sz="1200" b="0" i="0" kern="1200" dirty="0">
+              <a:t>The catch statement allows you to define a block of code to be executed, if an error occurs in the try block.</a:t>
+            </a:r>
+          </a:p>
+          <a:p>
+            <a:r>
+              <a:rPr lang="en-US" sz="1200" b="0" i="0" kern="1200">
                 <a:solidFill>
                   <a:schemeClr val="tx1"/>
                 </a:solidFill>
@@ -1918,30 +1878,8 @@
                 <a:ea typeface="+mn-ea"/>
                 <a:cs typeface="+mn-cs"/>
               </a:rPr>
-              <a:t>If there were no errors, then catch(err) is ignored: the execution reaches the end of try and goes on, skipping catch.</a:t>
-            </a:r>
-          </a:p>
-          <a:p>
-            <a:r>
-              <a:rPr lang="en-US" sz="1200" b="0" i="0" kern="1200" dirty="0">
-                <a:solidFill>
-                  <a:schemeClr val="tx1"/>
-                </a:solidFill>
-                <a:effectLst/>
-                <a:latin typeface="+mn-lt"/>
-                <a:ea typeface="+mn-ea"/>
-                <a:cs typeface="+mn-cs"/>
-              </a:rPr>
-              <a:t>If an error occurs, then try execution is stopped, and the control flows to the beginning of catch(err). The err variable (can use any name for it) will contain an error object with details about what happened.</a:t>
-            </a:r>
-          </a:p>
-          <a:p>
-            <a:br>
-              <a:rPr lang="en-US" dirty="0">
-                <a:effectLst/>
-              </a:rPr>
-            </a:br>
-            <a:endParaRPr lang="uk-UA" dirty="0"/>
+              <a:t>The JavaScript statements try and catch come in pairs</a:t>
+            </a:r>
           </a:p>
           <a:p>
             <a:endParaRPr lang="uk-UA" dirty="0"/>
@@ -1974,7 +1912,7 @@
     </p:spTree>
     <p:extLst>
       <p:ext uri="{BB962C8B-B14F-4D97-AF65-F5344CB8AC3E}">
-        <p14:creationId xmlns:p14="http://schemas.microsoft.com/office/powerpoint/2010/main" val="1912314382"/>
+        <p14:creationId xmlns:p14="http://schemas.microsoft.com/office/powerpoint/2010/main" val="2691836891"/>
       </p:ext>
     </p:extLst>
   </p:cSld>
@@ -2112,6 +2050,70 @@
           <a:bodyPr/>
           <a:lstStyle/>
           <a:p>
+            <a:r>
+              <a:rPr lang="en-US" sz="1200" b="0" i="0" kern="1200" dirty="0">
+                <a:solidFill>
+                  <a:schemeClr val="tx1"/>
+                </a:solidFill>
+                <a:effectLst/>
+                <a:latin typeface="+mn-lt"/>
+                <a:ea typeface="+mn-ea"/>
+                <a:cs typeface="+mn-cs"/>
+              </a:rPr>
+              <a:t>It works like this:</a:t>
+            </a:r>
+          </a:p>
+          <a:p>
+            <a:r>
+              <a:rPr lang="en-US" sz="1200" b="0" i="0" kern="1200" dirty="0">
+                <a:solidFill>
+                  <a:schemeClr val="tx1"/>
+                </a:solidFill>
+                <a:effectLst/>
+                <a:latin typeface="+mn-lt"/>
+                <a:ea typeface="+mn-ea"/>
+                <a:cs typeface="+mn-cs"/>
+              </a:rPr>
+              <a:t>First, the code in try {...} is executed.</a:t>
+            </a:r>
+          </a:p>
+          <a:p>
+            <a:r>
+              <a:rPr lang="en-US" sz="1200" b="0" i="0" kern="1200" dirty="0">
+                <a:solidFill>
+                  <a:schemeClr val="tx1"/>
+                </a:solidFill>
+                <a:effectLst/>
+                <a:latin typeface="+mn-lt"/>
+                <a:ea typeface="+mn-ea"/>
+                <a:cs typeface="+mn-cs"/>
+              </a:rPr>
+              <a:t>If there were no errors, then catch(err) is ignored: the execution reaches the end of try and goes on, skipping catch.</a:t>
+            </a:r>
+          </a:p>
+          <a:p>
+            <a:r>
+              <a:rPr lang="en-US" sz="1200" b="0" i="0" kern="1200" dirty="0">
+                <a:solidFill>
+                  <a:schemeClr val="tx1"/>
+                </a:solidFill>
+                <a:effectLst/>
+                <a:latin typeface="+mn-lt"/>
+                <a:ea typeface="+mn-ea"/>
+                <a:cs typeface="+mn-cs"/>
+              </a:rPr>
+              <a:t>If an error occurs, then try execution is stopped, and the control flows to the beginning of catch(err). The err variable (can use any name for it) will contain an error object with details about what happened.</a:t>
+            </a:r>
+          </a:p>
+          <a:p>
+            <a:br>
+              <a:rPr lang="en-US" dirty="0">
+                <a:effectLst/>
+              </a:rPr>
+            </a:br>
+            <a:endParaRPr lang="uk-UA" dirty="0"/>
+          </a:p>
+          <a:p>
             <a:endParaRPr lang="uk-UA" dirty="0"/>
           </a:p>
         </p:txBody>
@@ -2133,7 +2135,7 @@
           <a:p>
             <a:fld id="{C6B9B3CE-BC21-41F4-8896-5AF0EBA9693C}" type="slidenum">
               <a:rPr lang="uk-UA" smtClean="0"/>
-              <a:t>30</a:t>
+              <a:t>29</a:t>
             </a:fld>
             <a:endParaRPr lang="uk-UA"/>
           </a:p>
@@ -2142,7 +2144,7 @@
     </p:spTree>
     <p:extLst>
       <p:ext uri="{BB962C8B-B14F-4D97-AF65-F5344CB8AC3E}">
-        <p14:creationId xmlns:p14="http://schemas.microsoft.com/office/powerpoint/2010/main" val="2148290258"/>
+        <p14:creationId xmlns:p14="http://schemas.microsoft.com/office/powerpoint/2010/main" val="1912314382"/>
       </p:ext>
     </p:extLst>
   </p:cSld>
@@ -2196,142 +2198,6 @@
           <a:bodyPr/>
           <a:lstStyle/>
           <a:p>
-            <a:r>
-              <a:rPr lang="en-US" sz="1200" b="0" i="0" kern="1200" dirty="0">
-                <a:solidFill>
-                  <a:schemeClr val="tx1"/>
-                </a:solidFill>
-                <a:effectLst/>
-                <a:latin typeface="+mn-lt"/>
-                <a:ea typeface="+mn-ea"/>
-                <a:cs typeface="+mn-cs"/>
-              </a:rPr>
-              <a:t>For </a:t>
-            </a:r>
-            <a:r>
-              <a:rPr lang="en-US" sz="1200" b="0" i="0" kern="1200" dirty="0" err="1">
-                <a:solidFill>
-                  <a:schemeClr val="tx1"/>
-                </a:solidFill>
-                <a:effectLst/>
-                <a:latin typeface="+mn-lt"/>
-                <a:ea typeface="+mn-ea"/>
-                <a:cs typeface="+mn-cs"/>
-              </a:rPr>
-              <a:t>try..catch</a:t>
-            </a:r>
-            <a:r>
-              <a:rPr lang="en-US" sz="1200" b="0" i="0" kern="1200" dirty="0">
-                <a:solidFill>
-                  <a:schemeClr val="tx1"/>
-                </a:solidFill>
-                <a:effectLst/>
-                <a:latin typeface="+mn-lt"/>
-                <a:ea typeface="+mn-ea"/>
-                <a:cs typeface="+mn-cs"/>
-              </a:rPr>
-              <a:t> to work, the code must be runnable. In other words, it should be valid JavaScript. It won’t work if the code is syntactically wrong.</a:t>
-            </a:r>
-          </a:p>
-          <a:p>
-            <a:r>
-              <a:rPr lang="en-US" sz="1200" b="0" i="0" kern="1200" dirty="0">
-                <a:solidFill>
-                  <a:schemeClr val="tx1"/>
-                </a:solidFill>
-                <a:effectLst/>
-                <a:latin typeface="+mn-lt"/>
-                <a:ea typeface="+mn-ea"/>
-                <a:cs typeface="+mn-cs"/>
-              </a:rPr>
-              <a:t>The JavaScript engine first reads the code, and then runs it. The errors that occur on the reading phase are called “parse-time” errors and are unrecoverable (from inside that code). That’s because the engine can’t understand the code.</a:t>
-            </a:r>
-          </a:p>
-          <a:p>
-            <a:endParaRPr lang="en-US" sz="1200" b="0" i="0" kern="1200" dirty="0">
-              <a:solidFill>
-                <a:schemeClr val="tx1"/>
-              </a:solidFill>
-              <a:effectLst/>
-              <a:latin typeface="+mn-lt"/>
-              <a:ea typeface="+mn-ea"/>
-              <a:cs typeface="+mn-cs"/>
-            </a:endParaRPr>
-          </a:p>
-          <a:p>
-            <a:r>
-              <a:rPr lang="en-US" sz="1200" b="0" i="0" kern="1200" dirty="0">
-                <a:solidFill>
-                  <a:schemeClr val="tx1"/>
-                </a:solidFill>
-                <a:effectLst/>
-                <a:latin typeface="+mn-lt"/>
-                <a:ea typeface="+mn-ea"/>
-                <a:cs typeface="+mn-cs"/>
-              </a:rPr>
-              <a:t>If an exception happens in “scheduled” code, like in </a:t>
-            </a:r>
-            <a:r>
-              <a:rPr lang="en-US" dirty="0" err="1"/>
-              <a:t>setTimeout</a:t>
-            </a:r>
-            <a:r>
-              <a:rPr lang="en-US" sz="1200" b="0" i="0" kern="1200" dirty="0">
-                <a:solidFill>
-                  <a:schemeClr val="tx1"/>
-                </a:solidFill>
-                <a:effectLst/>
-                <a:latin typeface="+mn-lt"/>
-                <a:ea typeface="+mn-ea"/>
-                <a:cs typeface="+mn-cs"/>
-              </a:rPr>
-              <a:t>, then </a:t>
-            </a:r>
-            <a:r>
-              <a:rPr lang="en-US" dirty="0" err="1"/>
-              <a:t>try..catch</a:t>
-            </a:r>
-            <a:r>
-              <a:rPr lang="en-US" sz="1200" b="0" i="0" kern="1200" dirty="0">
-                <a:solidFill>
-                  <a:schemeClr val="tx1"/>
-                </a:solidFill>
-                <a:effectLst/>
-                <a:latin typeface="+mn-lt"/>
-                <a:ea typeface="+mn-ea"/>
-                <a:cs typeface="+mn-cs"/>
-              </a:rPr>
-              <a:t> won’t catch it: That’s because the function itself is executed later, when the engine has already left the </a:t>
-            </a:r>
-            <a:r>
-              <a:rPr lang="en-US" dirty="0" err="1"/>
-              <a:t>try..catch</a:t>
-            </a:r>
-            <a:r>
-              <a:rPr lang="en-US" sz="1200" b="0" i="0" kern="1200" dirty="0">
-                <a:solidFill>
-                  <a:schemeClr val="tx1"/>
-                </a:solidFill>
-                <a:effectLst/>
-                <a:latin typeface="+mn-lt"/>
-                <a:ea typeface="+mn-ea"/>
-                <a:cs typeface="+mn-cs"/>
-              </a:rPr>
-              <a:t> construct.</a:t>
-            </a:r>
-          </a:p>
-          <a:p>
-            <a:endParaRPr lang="en-US" sz="1200" b="0" i="0" kern="1200" dirty="0">
-              <a:solidFill>
-                <a:schemeClr val="tx1"/>
-              </a:solidFill>
-              <a:effectLst/>
-              <a:latin typeface="+mn-lt"/>
-              <a:ea typeface="+mn-ea"/>
-              <a:cs typeface="+mn-cs"/>
-            </a:endParaRPr>
-          </a:p>
-          <a:p>
             <a:endParaRPr lang="uk-UA" dirty="0"/>
           </a:p>
         </p:txBody>
@@ -2362,7 +2228,7 @@
     </p:spTree>
     <p:extLst>
       <p:ext uri="{BB962C8B-B14F-4D97-AF65-F5344CB8AC3E}">
-        <p14:creationId xmlns:p14="http://schemas.microsoft.com/office/powerpoint/2010/main" val="3337258909"/>
+        <p14:creationId xmlns:p14="http://schemas.microsoft.com/office/powerpoint/2010/main" val="2148290258"/>
       </p:ext>
     </p:extLst>
   </p:cSld>
@@ -2426,10 +2292,18 @@
                 <a:ea typeface="+mn-ea"/>
                 <a:cs typeface="+mn-cs"/>
               </a:rPr>
-              <a:t>To catch an exception inside a scheduled function, </a:t>
-            </a:r>
-            <a:r>
-              <a:rPr lang="en-US" dirty="0" err="1"/>
+              <a:t>For </a:t>
+            </a:r>
+            <a:r>
+              <a:rPr lang="en-US" sz="1200" b="0" i="0" kern="1200" dirty="0" err="1">
+                <a:solidFill>
+                  <a:schemeClr val="tx1"/>
+                </a:solidFill>
+                <a:effectLst/>
+                <a:latin typeface="+mn-lt"/>
+                <a:ea typeface="+mn-ea"/>
+                <a:cs typeface="+mn-cs"/>
+              </a:rPr>
               <a:t>try..catch</a:t>
             </a:r>
             <a:r>
@@ -2442,8 +2316,108 @@
                 <a:ea typeface="+mn-ea"/>
                 <a:cs typeface="+mn-cs"/>
               </a:rPr>
-              <a:t> must be inside that function</a:t>
-            </a:r>
+              <a:t> to work, the code must be runnable. In other words, it should be valid JavaScript. It won’t work if the code is syntactically wrong.</a:t>
+            </a:r>
+          </a:p>
+          <a:p>
+            <a:r>
+              <a:rPr lang="en-US" sz="1200" b="0" i="0" kern="1200" dirty="0">
+                <a:solidFill>
+                  <a:schemeClr val="tx1"/>
+                </a:solidFill>
+                <a:effectLst/>
+                <a:latin typeface="+mn-lt"/>
+                <a:ea typeface="+mn-ea"/>
+                <a:cs typeface="+mn-cs"/>
+              </a:rPr>
+              <a:t>The JavaScript engine first reads the code, and then runs it. The errors that occur on the reading phase are called “parse-time” errors and are unrecoverable (from inside that code). That’s because the engine can’t understand the code.</a:t>
+            </a:r>
+          </a:p>
+          <a:p>
+            <a:endParaRPr lang="en-US" sz="1200" b="0" i="0" kern="1200" dirty="0">
+              <a:solidFill>
+                <a:schemeClr val="tx1"/>
+              </a:solidFill>
+              <a:effectLst/>
+              <a:latin typeface="+mn-lt"/>
+              <a:ea typeface="+mn-ea"/>
+              <a:cs typeface="+mn-cs"/>
+            </a:endParaRPr>
+          </a:p>
+          <a:p>
+            <a:r>
+              <a:rPr lang="en-US" sz="1200" b="0" i="0" kern="1200" dirty="0">
+                <a:solidFill>
+                  <a:schemeClr val="tx1"/>
+                </a:solidFill>
+                <a:effectLst/>
+                <a:latin typeface="+mn-lt"/>
+                <a:ea typeface="+mn-ea"/>
+                <a:cs typeface="+mn-cs"/>
+              </a:rPr>
+              <a:t>If an exception happens in “scheduled” code, like in </a:t>
+            </a:r>
+            <a:r>
+              <a:rPr lang="en-US" dirty="0" err="1"/>
+              <a:t>setTimeout</a:t>
+            </a:r>
+            <a:r>
+              <a:rPr lang="en-US" sz="1200" b="0" i="0" kern="1200" dirty="0">
+                <a:solidFill>
+                  <a:schemeClr val="tx1"/>
+                </a:solidFill>
+                <a:effectLst/>
+                <a:latin typeface="+mn-lt"/>
+                <a:ea typeface="+mn-ea"/>
+                <a:cs typeface="+mn-cs"/>
+              </a:rPr>
+              <a:t>, then </a:t>
+            </a:r>
+            <a:r>
+              <a:rPr lang="en-US" dirty="0" err="1"/>
+              <a:t>try..catch</a:t>
+            </a:r>
+            <a:r>
+              <a:rPr lang="en-US" sz="1200" b="0" i="0" kern="1200" dirty="0">
+                <a:solidFill>
+                  <a:schemeClr val="tx1"/>
+                </a:solidFill>
+                <a:effectLst/>
+                <a:latin typeface="+mn-lt"/>
+                <a:ea typeface="+mn-ea"/>
+                <a:cs typeface="+mn-cs"/>
+              </a:rPr>
+              <a:t> won’t catch it: That’s because the function itself is executed later, when the engine has already left the </a:t>
+            </a:r>
+            <a:r>
+              <a:rPr lang="en-US" dirty="0" err="1"/>
+              <a:t>try..catch</a:t>
+            </a:r>
+            <a:r>
+              <a:rPr lang="en-US" sz="1200" b="0" i="0" kern="1200" dirty="0">
+                <a:solidFill>
+                  <a:schemeClr val="tx1"/>
+                </a:solidFill>
+                <a:effectLst/>
+                <a:latin typeface="+mn-lt"/>
+                <a:ea typeface="+mn-ea"/>
+                <a:cs typeface="+mn-cs"/>
+              </a:rPr>
+              <a:t> construct.</a:t>
+            </a:r>
+          </a:p>
+          <a:p>
+            <a:endParaRPr lang="en-US" sz="1200" b="0" i="0" kern="1200" dirty="0">
+              <a:solidFill>
+                <a:schemeClr val="tx1"/>
+              </a:solidFill>
+              <a:effectLst/>
+              <a:latin typeface="+mn-lt"/>
+              <a:ea typeface="+mn-ea"/>
+              <a:cs typeface="+mn-cs"/>
+            </a:endParaRPr>
+          </a:p>
+          <a:p>
             <a:endParaRPr lang="uk-UA" dirty="0"/>
           </a:p>
         </p:txBody>
@@ -2474,7 +2448,7 @@
     </p:spTree>
     <p:extLst>
       <p:ext uri="{BB962C8B-B14F-4D97-AF65-F5344CB8AC3E}">
-        <p14:creationId xmlns:p14="http://schemas.microsoft.com/office/powerpoint/2010/main" val="993215406"/>
+        <p14:creationId xmlns:p14="http://schemas.microsoft.com/office/powerpoint/2010/main" val="3337258909"/>
       </p:ext>
     </p:extLst>
   </p:cSld>
@@ -2528,6 +2502,34 @@
           <a:bodyPr/>
           <a:lstStyle/>
           <a:p>
+            <a:r>
+              <a:rPr lang="en-US" sz="1200" b="0" i="0" kern="1200" dirty="0">
+                <a:solidFill>
+                  <a:schemeClr val="tx1"/>
+                </a:solidFill>
+                <a:effectLst/>
+                <a:latin typeface="+mn-lt"/>
+                <a:ea typeface="+mn-ea"/>
+                <a:cs typeface="+mn-cs"/>
+              </a:rPr>
+              <a:t>To catch an exception inside a scheduled function, </a:t>
+            </a:r>
+            <a:r>
+              <a:rPr lang="en-US" dirty="0" err="1"/>
+              <a:t>try..catch</a:t>
+            </a:r>
+            <a:r>
+              <a:rPr lang="en-US" sz="1200" b="0" i="0" kern="1200" dirty="0">
+                <a:solidFill>
+                  <a:schemeClr val="tx1"/>
+                </a:solidFill>
+                <a:effectLst/>
+                <a:latin typeface="+mn-lt"/>
+                <a:ea typeface="+mn-ea"/>
+                <a:cs typeface="+mn-cs"/>
+              </a:rPr>
+              <a:t> must be inside that function</a:t>
+            </a:r>
             <a:endParaRPr lang="uk-UA" dirty="0"/>
           </a:p>
         </p:txBody>
@@ -2549,7 +2551,7 @@
           <a:p>
             <a:fld id="{C6B9B3CE-BC21-41F4-8896-5AF0EBA9693C}" type="slidenum">
               <a:rPr lang="uk-UA" smtClean="0"/>
-              <a:t>34</a:t>
+              <a:t>33</a:t>
             </a:fld>
             <a:endParaRPr lang="uk-UA"/>
           </a:p>
@@ -2558,7 +2560,7 @@
     </p:spTree>
     <p:extLst>
       <p:ext uri="{BB962C8B-B14F-4D97-AF65-F5344CB8AC3E}">
-        <p14:creationId xmlns:p14="http://schemas.microsoft.com/office/powerpoint/2010/main" val="1000588193"/>
+        <p14:creationId xmlns:p14="http://schemas.microsoft.com/office/powerpoint/2010/main" val="993215406"/>
       </p:ext>
     </p:extLst>
   </p:cSld>
@@ -2612,297 +2614,6 @@
           <a:bodyPr/>
           <a:lstStyle/>
           <a:p>
-            <a:r>
-              <a:rPr lang="en-US" sz="1200" b="0" i="0" kern="1200" dirty="0">
-                <a:solidFill>
-                  <a:schemeClr val="tx1"/>
-                </a:solidFill>
-                <a:effectLst/>
-                <a:latin typeface="+mn-lt"/>
-                <a:ea typeface="+mn-ea"/>
-                <a:cs typeface="+mn-cs"/>
-              </a:rPr>
-              <a:t>An </a:t>
-            </a:r>
-            <a:r>
-              <a:rPr lang="en-US" dirty="0" err="1"/>
-              <a:t>EvalError</a:t>
-            </a:r>
-            <a:r>
-              <a:rPr lang="en-US" sz="1200" b="0" i="0" kern="1200" dirty="0">
-                <a:solidFill>
-                  <a:schemeClr val="tx1"/>
-                </a:solidFill>
-                <a:effectLst/>
-                <a:latin typeface="+mn-lt"/>
-                <a:ea typeface="+mn-ea"/>
-                <a:cs typeface="+mn-cs"/>
-              </a:rPr>
-              <a:t> indicates an error in the eval() function. Newer versions of JavaScript do not throw </a:t>
-            </a:r>
-            <a:r>
-              <a:rPr lang="en-US" sz="1200" b="0" i="0" kern="1200" dirty="0" err="1">
-                <a:solidFill>
-                  <a:schemeClr val="tx1"/>
-                </a:solidFill>
-                <a:effectLst/>
-                <a:latin typeface="+mn-lt"/>
-                <a:ea typeface="+mn-ea"/>
-                <a:cs typeface="+mn-cs"/>
-              </a:rPr>
-              <a:t>EvalError</a:t>
-            </a:r>
-            <a:r>
-              <a:rPr lang="en-US" sz="1200" b="0" i="0" kern="1200" dirty="0">
-                <a:solidFill>
-                  <a:schemeClr val="tx1"/>
-                </a:solidFill>
-                <a:effectLst/>
-                <a:latin typeface="+mn-lt"/>
-                <a:ea typeface="+mn-ea"/>
-                <a:cs typeface="+mn-cs"/>
-              </a:rPr>
-              <a:t>. Use </a:t>
-            </a:r>
-            <a:r>
-              <a:rPr lang="en-US" sz="1200" b="0" i="0" kern="1200" dirty="0" err="1">
-                <a:solidFill>
-                  <a:schemeClr val="tx1"/>
-                </a:solidFill>
-                <a:effectLst/>
-                <a:latin typeface="+mn-lt"/>
-                <a:ea typeface="+mn-ea"/>
-                <a:cs typeface="+mn-cs"/>
-              </a:rPr>
-              <a:t>SyntaxError</a:t>
-            </a:r>
-            <a:r>
-              <a:rPr lang="en-US" sz="1200" b="0" i="0" kern="1200" dirty="0">
-                <a:solidFill>
-                  <a:schemeClr val="tx1"/>
-                </a:solidFill>
-                <a:effectLst/>
-                <a:latin typeface="+mn-lt"/>
-                <a:ea typeface="+mn-ea"/>
-                <a:cs typeface="+mn-cs"/>
-              </a:rPr>
-              <a:t> instead.</a:t>
-            </a:r>
-          </a:p>
-          <a:p>
-            <a:endParaRPr lang="en-US" sz="1200" b="0" i="0" kern="1200" dirty="0">
-              <a:solidFill>
-                <a:schemeClr val="tx1"/>
-              </a:solidFill>
-              <a:effectLst/>
-              <a:latin typeface="+mn-lt"/>
-              <a:ea typeface="+mn-ea"/>
-              <a:cs typeface="+mn-cs"/>
-            </a:endParaRPr>
-          </a:p>
-          <a:p>
-            <a:r>
-              <a:rPr lang="en-US" sz="1200" b="0" i="0" kern="1200" dirty="0">
-                <a:solidFill>
-                  <a:schemeClr val="tx1"/>
-                </a:solidFill>
-                <a:effectLst/>
-                <a:latin typeface="+mn-lt"/>
-                <a:ea typeface="+mn-ea"/>
-                <a:cs typeface="+mn-cs"/>
-              </a:rPr>
-              <a:t>A </a:t>
-            </a:r>
-            <a:r>
-              <a:rPr lang="en-US" sz="1200" b="0" i="0" kern="1200" dirty="0" err="1">
-                <a:solidFill>
-                  <a:schemeClr val="tx1"/>
-                </a:solidFill>
-                <a:effectLst/>
-                <a:latin typeface="+mn-lt"/>
-                <a:ea typeface="+mn-ea"/>
-                <a:cs typeface="+mn-cs"/>
-              </a:rPr>
-              <a:t>RangeError</a:t>
-            </a:r>
-            <a:r>
-              <a:rPr lang="en-US" sz="1200" b="0" i="0" kern="1200" dirty="0">
-                <a:solidFill>
-                  <a:schemeClr val="tx1"/>
-                </a:solidFill>
-                <a:effectLst/>
-                <a:latin typeface="+mn-lt"/>
-                <a:ea typeface="+mn-ea"/>
-                <a:cs typeface="+mn-cs"/>
-              </a:rPr>
-              <a:t> is thrown if you use a number that is outside the range of legal values. For example: You cannot set the number of significant digits of a number to 500.</a:t>
-            </a:r>
-          </a:p>
-          <a:p>
-            <a:endParaRPr lang="en-US" sz="1200" b="0" i="0" kern="1200" dirty="0">
-              <a:solidFill>
-                <a:schemeClr val="tx1"/>
-              </a:solidFill>
-              <a:effectLst/>
-              <a:latin typeface="+mn-lt"/>
-              <a:ea typeface="+mn-ea"/>
-              <a:cs typeface="+mn-cs"/>
-            </a:endParaRPr>
-          </a:p>
-          <a:p>
-            <a:r>
-              <a:rPr lang="en-US" sz="1200" b="0" i="0" kern="1200" dirty="0">
-                <a:solidFill>
-                  <a:schemeClr val="tx1"/>
-                </a:solidFill>
-                <a:effectLst/>
-                <a:latin typeface="+mn-lt"/>
-                <a:ea typeface="+mn-ea"/>
-                <a:cs typeface="+mn-cs"/>
-              </a:rPr>
-              <a:t>A </a:t>
-            </a:r>
-            <a:r>
-              <a:rPr lang="en-US" dirty="0" err="1"/>
-              <a:t>ReferenceError</a:t>
-            </a:r>
-            <a:r>
-              <a:rPr lang="en-US" sz="1200" b="0" i="0" kern="1200" dirty="0">
-                <a:solidFill>
-                  <a:schemeClr val="tx1"/>
-                </a:solidFill>
-                <a:effectLst/>
-                <a:latin typeface="+mn-lt"/>
-                <a:ea typeface="+mn-ea"/>
-                <a:cs typeface="+mn-cs"/>
-              </a:rPr>
-              <a:t> is thrown if you use (reference) a variable that has not been declared.</a:t>
-            </a:r>
-          </a:p>
-          <a:p>
-            <a:endParaRPr lang="en-US" sz="1200" b="0" i="0" kern="1200" dirty="0">
-              <a:solidFill>
-                <a:schemeClr val="tx1"/>
-              </a:solidFill>
-              <a:effectLst/>
-              <a:latin typeface="+mn-lt"/>
-              <a:ea typeface="+mn-ea"/>
-              <a:cs typeface="+mn-cs"/>
-            </a:endParaRPr>
-          </a:p>
-          <a:p>
-            <a:r>
-              <a:rPr lang="en-US" sz="1200" b="0" i="0" kern="1200" dirty="0">
-                <a:solidFill>
-                  <a:schemeClr val="tx1"/>
-                </a:solidFill>
-                <a:effectLst/>
-                <a:latin typeface="+mn-lt"/>
-                <a:ea typeface="+mn-ea"/>
-                <a:cs typeface="+mn-cs"/>
-              </a:rPr>
-              <a:t>A </a:t>
-            </a:r>
-            <a:r>
-              <a:rPr lang="en-US" dirty="0" err="1"/>
-              <a:t>SyntaxError</a:t>
-            </a:r>
-            <a:r>
-              <a:rPr lang="en-US" sz="1200" b="0" i="0" kern="1200" dirty="0">
-                <a:solidFill>
-                  <a:schemeClr val="tx1"/>
-                </a:solidFill>
-                <a:effectLst/>
-                <a:latin typeface="+mn-lt"/>
-                <a:ea typeface="+mn-ea"/>
-                <a:cs typeface="+mn-cs"/>
-              </a:rPr>
-              <a:t> is thrown if you try to evaluate code with a syntax error.</a:t>
-            </a:r>
-          </a:p>
-          <a:p>
-            <a:endParaRPr lang="en-US" sz="1200" b="0" i="0" kern="1200" dirty="0">
-              <a:solidFill>
-                <a:schemeClr val="tx1"/>
-              </a:solidFill>
-              <a:effectLst/>
-              <a:latin typeface="+mn-lt"/>
-              <a:ea typeface="+mn-ea"/>
-              <a:cs typeface="+mn-cs"/>
-            </a:endParaRPr>
-          </a:p>
-          <a:p>
-            <a:r>
-              <a:rPr lang="en-US" sz="1200" b="0" i="0" kern="1200" dirty="0">
-                <a:solidFill>
-                  <a:schemeClr val="tx1"/>
-                </a:solidFill>
-                <a:effectLst/>
-                <a:latin typeface="+mn-lt"/>
-                <a:ea typeface="+mn-ea"/>
-                <a:cs typeface="+mn-cs"/>
-              </a:rPr>
-              <a:t>A </a:t>
-            </a:r>
-            <a:r>
-              <a:rPr lang="en-US" dirty="0" err="1"/>
-              <a:t>TypeError</a:t>
-            </a:r>
-            <a:r>
-              <a:rPr lang="en-US" sz="1200" b="0" i="0" kern="1200" dirty="0">
-                <a:solidFill>
-                  <a:schemeClr val="tx1"/>
-                </a:solidFill>
-                <a:effectLst/>
-                <a:latin typeface="+mn-lt"/>
-                <a:ea typeface="+mn-ea"/>
-                <a:cs typeface="+mn-cs"/>
-              </a:rPr>
-              <a:t> is thrown if you use a value that is outside the range of expected types.</a:t>
-            </a:r>
-          </a:p>
-          <a:p>
-            <a:endParaRPr lang="en-US" sz="1200" b="0" i="0" kern="1200" dirty="0">
-              <a:solidFill>
-                <a:schemeClr val="tx1"/>
-              </a:solidFill>
-              <a:effectLst/>
-              <a:latin typeface="+mn-lt"/>
-              <a:ea typeface="+mn-ea"/>
-              <a:cs typeface="+mn-cs"/>
-            </a:endParaRPr>
-          </a:p>
-          <a:p>
-            <a:r>
-              <a:rPr lang="en-US" sz="1200" b="0" i="0" kern="1200" dirty="0">
-                <a:solidFill>
-                  <a:schemeClr val="tx1"/>
-                </a:solidFill>
-                <a:effectLst/>
-                <a:latin typeface="+mn-lt"/>
-                <a:ea typeface="+mn-ea"/>
-                <a:cs typeface="+mn-cs"/>
-              </a:rPr>
-              <a:t>A </a:t>
-            </a:r>
-            <a:r>
-              <a:rPr lang="en-US" dirty="0" err="1"/>
-              <a:t>URIError</a:t>
-            </a:r>
-            <a:r>
-              <a:rPr lang="en-US" sz="1200" b="0" i="0" kern="1200" dirty="0">
-                <a:solidFill>
-                  <a:schemeClr val="tx1"/>
-                </a:solidFill>
-                <a:effectLst/>
-                <a:latin typeface="+mn-lt"/>
-                <a:ea typeface="+mn-ea"/>
-                <a:cs typeface="+mn-cs"/>
-              </a:rPr>
-              <a:t> is thrown if you use illegal characters in a URI function.</a:t>
-            </a:r>
-          </a:p>
-          <a:p>
             <a:endParaRPr lang="uk-UA" dirty="0"/>
           </a:p>
         </p:txBody>
@@ -2933,7 +2644,7 @@
     </p:spTree>
     <p:extLst>
       <p:ext uri="{BB962C8B-B14F-4D97-AF65-F5344CB8AC3E}">
-        <p14:creationId xmlns:p14="http://schemas.microsoft.com/office/powerpoint/2010/main" val="2367394363"/>
+        <p14:creationId xmlns:p14="http://schemas.microsoft.com/office/powerpoint/2010/main" val="1000588193"/>
       </p:ext>
     </p:extLst>
   </p:cSld>
@@ -2997,11 +2708,11 @@
                 <a:ea typeface="+mn-ea"/>
                 <a:cs typeface="+mn-cs"/>
               </a:rPr>
-              <a:t>Technically, we can use anything as an error object. That may be even a primitive, like a number or a string, but it’s better to use objects, preferably with </a:t>
-            </a:r>
-            <a:r>
-              <a:rPr lang="en-US" dirty="0"/>
-              <a:t>name</a:t>
+              <a:t>An </a:t>
+            </a:r>
+            <a:r>
+              <a:rPr lang="en-US" dirty="0" err="1"/>
+              <a:t>EvalError</a:t>
             </a:r>
             <a:r>
               <a:rPr lang="en-US" sz="1200" b="0" i="0" kern="1200" dirty="0">
@@ -3013,11 +2724,19 @@
                 <a:ea typeface="+mn-ea"/>
                 <a:cs typeface="+mn-cs"/>
               </a:rPr>
-              <a:t> and </a:t>
-            </a:r>
-            <a:r>
-              <a:rPr lang="en-US" dirty="0"/>
-              <a:t>message</a:t>
+              <a:t> indicates an error in the eval() function. Newer versions of JavaScript do not throw </a:t>
+            </a:r>
+            <a:r>
+              <a:rPr lang="en-US" sz="1200" b="0" i="0" kern="1200" dirty="0" err="1">
+                <a:solidFill>
+                  <a:schemeClr val="tx1"/>
+                </a:solidFill>
+                <a:effectLst/>
+                <a:latin typeface="+mn-lt"/>
+                <a:ea typeface="+mn-ea"/>
+                <a:cs typeface="+mn-cs"/>
+              </a:rPr>
+              <a:t>EvalError</a:t>
             </a:r>
             <a:r>
               <a:rPr lang="en-US" sz="1200" b="0" i="0" kern="1200" dirty="0">
@@ -3029,7 +2748,31 @@
                 <a:ea typeface="+mn-ea"/>
                 <a:cs typeface="+mn-cs"/>
               </a:rPr>
-              <a:t> properties (to stay somewhat compatible with built-in errors).</a:t>
+              <a:t>. Use </a:t>
+            </a:r>
+            <a:r>
+              <a:rPr lang="en-US" sz="1200" b="0" i="0" kern="1200" dirty="0" err="1">
+                <a:solidFill>
+                  <a:schemeClr val="tx1"/>
+                </a:solidFill>
+                <a:effectLst/>
+                <a:latin typeface="+mn-lt"/>
+                <a:ea typeface="+mn-ea"/>
+                <a:cs typeface="+mn-cs"/>
+              </a:rPr>
+              <a:t>SyntaxError</a:t>
+            </a:r>
+            <a:r>
+              <a:rPr lang="en-US" sz="1200" b="0" i="0" kern="1200" dirty="0">
+                <a:solidFill>
+                  <a:schemeClr val="tx1"/>
+                </a:solidFill>
+                <a:effectLst/>
+                <a:latin typeface="+mn-lt"/>
+                <a:ea typeface="+mn-ea"/>
+                <a:cs typeface="+mn-cs"/>
+              </a:rPr>
+              <a:t> instead.</a:t>
             </a:r>
           </a:p>
           <a:p>
@@ -3054,8 +2797,198 @@
                 <a:ea typeface="+mn-ea"/>
                 <a:cs typeface="+mn-cs"/>
               </a:rPr>
-              <a:t>JavaScript has many built-in constructors for standard errors, We can use them to create error objects as well.</a:t>
-            </a:r>
+              <a:t>A </a:t>
+            </a:r>
+            <a:r>
+              <a:rPr lang="en-US" sz="1200" b="0" i="0" kern="1200" dirty="0" err="1">
+                <a:solidFill>
+                  <a:schemeClr val="tx1"/>
+                </a:solidFill>
+                <a:effectLst/>
+                <a:latin typeface="+mn-lt"/>
+                <a:ea typeface="+mn-ea"/>
+                <a:cs typeface="+mn-cs"/>
+              </a:rPr>
+              <a:t>RangeError</a:t>
+            </a:r>
+            <a:r>
+              <a:rPr lang="en-US" sz="1200" b="0" i="0" kern="1200" dirty="0">
+                <a:solidFill>
+                  <a:schemeClr val="tx1"/>
+                </a:solidFill>
+                <a:effectLst/>
+                <a:latin typeface="+mn-lt"/>
+                <a:ea typeface="+mn-ea"/>
+                <a:cs typeface="+mn-cs"/>
+              </a:rPr>
+              <a:t> is thrown if you use a number that is outside the range of legal values. For example: You cannot set the number of significant digits of a number to 500.</a:t>
+            </a:r>
+          </a:p>
+          <a:p>
+            <a:endParaRPr lang="en-US" sz="1200" b="0" i="0" kern="1200" dirty="0">
+              <a:solidFill>
+                <a:schemeClr val="tx1"/>
+              </a:solidFill>
+              <a:effectLst/>
+              <a:latin typeface="+mn-lt"/>
+              <a:ea typeface="+mn-ea"/>
+              <a:cs typeface="+mn-cs"/>
+            </a:endParaRPr>
+          </a:p>
+          <a:p>
+            <a:r>
+              <a:rPr lang="en-US" sz="1200" b="0" i="0" kern="1200" dirty="0">
+                <a:solidFill>
+                  <a:schemeClr val="tx1"/>
+                </a:solidFill>
+                <a:effectLst/>
+                <a:latin typeface="+mn-lt"/>
+                <a:ea typeface="+mn-ea"/>
+                <a:cs typeface="+mn-cs"/>
+              </a:rPr>
+              <a:t>A </a:t>
+            </a:r>
+            <a:r>
+              <a:rPr lang="en-US" dirty="0" err="1"/>
+              <a:t>ReferenceError</a:t>
+            </a:r>
+            <a:r>
+              <a:rPr lang="en-US" sz="1200" b="0" i="0" kern="1200" dirty="0">
+                <a:solidFill>
+                  <a:schemeClr val="tx1"/>
+                </a:solidFill>
+                <a:effectLst/>
+                <a:latin typeface="+mn-lt"/>
+                <a:ea typeface="+mn-ea"/>
+                <a:cs typeface="+mn-cs"/>
+              </a:rPr>
+              <a:t> is thrown if you use (reference) a variable that has not been declared.</a:t>
+            </a:r>
+          </a:p>
+          <a:p>
+            <a:endParaRPr lang="en-US" sz="1200" b="0" i="0" kern="1200" dirty="0">
+              <a:solidFill>
+                <a:schemeClr val="tx1"/>
+              </a:solidFill>
+              <a:effectLst/>
+              <a:latin typeface="+mn-lt"/>
+              <a:ea typeface="+mn-ea"/>
+              <a:cs typeface="+mn-cs"/>
+            </a:endParaRPr>
+          </a:p>
+          <a:p>
+            <a:r>
+              <a:rPr lang="en-US" sz="1200" b="0" i="0" kern="1200" dirty="0">
+                <a:solidFill>
+                  <a:schemeClr val="tx1"/>
+                </a:solidFill>
+                <a:effectLst/>
+                <a:latin typeface="+mn-lt"/>
+                <a:ea typeface="+mn-ea"/>
+                <a:cs typeface="+mn-cs"/>
+              </a:rPr>
+              <a:t>A </a:t>
+            </a:r>
+            <a:r>
+              <a:rPr lang="en-US" dirty="0" err="1"/>
+              <a:t>SyntaxError</a:t>
+            </a:r>
+            <a:r>
+              <a:rPr lang="en-US" sz="1200" b="0" i="0" kern="1200" dirty="0">
+                <a:solidFill>
+                  <a:schemeClr val="tx1"/>
+                </a:solidFill>
+                <a:effectLst/>
+                <a:latin typeface="+mn-lt"/>
+                <a:ea typeface="+mn-ea"/>
+                <a:cs typeface="+mn-cs"/>
+              </a:rPr>
+              <a:t> is thrown if you try to evaluate code with a syntax error.</a:t>
+            </a:r>
+          </a:p>
+          <a:p>
+            <a:endParaRPr lang="en-US" sz="1200" b="0" i="0" kern="1200" dirty="0">
+              <a:solidFill>
+                <a:schemeClr val="tx1"/>
+              </a:solidFill>
+              <a:effectLst/>
+              <a:latin typeface="+mn-lt"/>
+              <a:ea typeface="+mn-ea"/>
+              <a:cs typeface="+mn-cs"/>
+            </a:endParaRPr>
+          </a:p>
+          <a:p>
+            <a:r>
+              <a:rPr lang="en-US" sz="1200" b="0" i="0" kern="1200" dirty="0">
+                <a:solidFill>
+                  <a:schemeClr val="tx1"/>
+                </a:solidFill>
+                <a:effectLst/>
+                <a:latin typeface="+mn-lt"/>
+                <a:ea typeface="+mn-ea"/>
+                <a:cs typeface="+mn-cs"/>
+              </a:rPr>
+              <a:t>A </a:t>
+            </a:r>
+            <a:r>
+              <a:rPr lang="en-US" dirty="0" err="1"/>
+              <a:t>TypeError</a:t>
+            </a:r>
+            <a:r>
+              <a:rPr lang="en-US" sz="1200" b="0" i="0" kern="1200" dirty="0">
+                <a:solidFill>
+                  <a:schemeClr val="tx1"/>
+                </a:solidFill>
+                <a:effectLst/>
+                <a:latin typeface="+mn-lt"/>
+                <a:ea typeface="+mn-ea"/>
+                <a:cs typeface="+mn-cs"/>
+              </a:rPr>
+              <a:t> is thrown if you use a value that is outside the range of expected types.</a:t>
+            </a:r>
+          </a:p>
+          <a:p>
+            <a:endParaRPr lang="en-US" sz="1200" b="0" i="0" kern="1200" dirty="0">
+              <a:solidFill>
+                <a:schemeClr val="tx1"/>
+              </a:solidFill>
+              <a:effectLst/>
+              <a:latin typeface="+mn-lt"/>
+              <a:ea typeface="+mn-ea"/>
+              <a:cs typeface="+mn-cs"/>
+            </a:endParaRPr>
+          </a:p>
+          <a:p>
+            <a:r>
+              <a:rPr lang="en-US" sz="1200" b="0" i="0" kern="1200" dirty="0">
+                <a:solidFill>
+                  <a:schemeClr val="tx1"/>
+                </a:solidFill>
+                <a:effectLst/>
+                <a:latin typeface="+mn-lt"/>
+                <a:ea typeface="+mn-ea"/>
+                <a:cs typeface="+mn-cs"/>
+              </a:rPr>
+              <a:t>A </a:t>
+            </a:r>
+            <a:r>
+              <a:rPr lang="en-US" dirty="0" err="1"/>
+              <a:t>URIError</a:t>
+            </a:r>
+            <a:r>
+              <a:rPr lang="en-US" sz="1200" b="0" i="0" kern="1200" dirty="0">
+                <a:solidFill>
+                  <a:schemeClr val="tx1"/>
+                </a:solidFill>
+                <a:effectLst/>
+                <a:latin typeface="+mn-lt"/>
+                <a:ea typeface="+mn-ea"/>
+                <a:cs typeface="+mn-cs"/>
+              </a:rPr>
+              <a:t> is thrown if you use illegal characters in a URI function.</a:t>
+            </a:r>
+          </a:p>
+          <a:p>
             <a:endParaRPr lang="uk-UA" dirty="0"/>
           </a:p>
         </p:txBody>
@@ -3086,7 +3019,7 @@
     </p:spTree>
     <p:extLst>
       <p:ext uri="{BB962C8B-B14F-4D97-AF65-F5344CB8AC3E}">
-        <p14:creationId xmlns:p14="http://schemas.microsoft.com/office/powerpoint/2010/main" val="1238530652"/>
+        <p14:creationId xmlns:p14="http://schemas.microsoft.com/office/powerpoint/2010/main" val="2367394363"/>
       </p:ext>
     </p:extLst>
   </p:cSld>
@@ -3140,6 +3073,75 @@
           <a:bodyPr/>
           <a:lstStyle/>
           <a:p>
+            <a:r>
+              <a:rPr lang="en-US" sz="1200" b="0" i="0" kern="1200" dirty="0">
+                <a:solidFill>
+                  <a:schemeClr val="tx1"/>
+                </a:solidFill>
+                <a:effectLst/>
+                <a:latin typeface="+mn-lt"/>
+                <a:ea typeface="+mn-ea"/>
+                <a:cs typeface="+mn-cs"/>
+              </a:rPr>
+              <a:t>Technically, we can use anything as an error object. That may be even a primitive, like a number or a string, but it’s better to use objects, preferably with </a:t>
+            </a:r>
+            <a:r>
+              <a:rPr lang="en-US" dirty="0"/>
+              <a:t>name</a:t>
+            </a:r>
+            <a:r>
+              <a:rPr lang="en-US" sz="1200" b="0" i="0" kern="1200" dirty="0">
+                <a:solidFill>
+                  <a:schemeClr val="tx1"/>
+                </a:solidFill>
+                <a:effectLst/>
+                <a:latin typeface="+mn-lt"/>
+                <a:ea typeface="+mn-ea"/>
+                <a:cs typeface="+mn-cs"/>
+              </a:rPr>
+              <a:t> and </a:t>
+            </a:r>
+            <a:r>
+              <a:rPr lang="en-US" dirty="0"/>
+              <a:t>message</a:t>
+            </a:r>
+            <a:r>
+              <a:rPr lang="en-US" sz="1200" b="0" i="0" kern="1200" dirty="0">
+                <a:solidFill>
+                  <a:schemeClr val="tx1"/>
+                </a:solidFill>
+                <a:effectLst/>
+                <a:latin typeface="+mn-lt"/>
+                <a:ea typeface="+mn-ea"/>
+                <a:cs typeface="+mn-cs"/>
+              </a:rPr>
+              <a:t> properties (to stay somewhat compatible with built-in errors).</a:t>
+            </a:r>
+          </a:p>
+          <a:p>
+            <a:endParaRPr lang="en-US" sz="1200" b="0" i="0" kern="1200" dirty="0">
+              <a:solidFill>
+                <a:schemeClr val="tx1"/>
+              </a:solidFill>
+              <a:effectLst/>
+              <a:latin typeface="+mn-lt"/>
+              <a:ea typeface="+mn-ea"/>
+              <a:cs typeface="+mn-cs"/>
+            </a:endParaRPr>
+          </a:p>
+          <a:p>
+            <a:r>
+              <a:rPr lang="en-US" sz="1200" b="0" i="0" kern="1200" dirty="0">
+                <a:solidFill>
+                  <a:schemeClr val="tx1"/>
+                </a:solidFill>
+                <a:effectLst/>
+                <a:latin typeface="+mn-lt"/>
+                <a:ea typeface="+mn-ea"/>
+                <a:cs typeface="+mn-cs"/>
+              </a:rPr>
+              <a:t>JavaScript has many built-in constructors for standard errors, We can use them to create error objects as well.</a:t>
+            </a:r>
             <a:endParaRPr lang="uk-UA" dirty="0"/>
           </a:p>
         </p:txBody>
@@ -3170,7 +3172,7 @@
     </p:spTree>
     <p:extLst>
       <p:ext uri="{BB962C8B-B14F-4D97-AF65-F5344CB8AC3E}">
-        <p14:creationId xmlns:p14="http://schemas.microsoft.com/office/powerpoint/2010/main" val="161897643"/>
+        <p14:creationId xmlns:p14="http://schemas.microsoft.com/office/powerpoint/2010/main" val="1238530652"/>
       </p:ext>
     </p:extLst>
   </p:cSld>
@@ -3224,99 +3226,6 @@
           <a:bodyPr/>
           <a:lstStyle/>
           <a:p>
-            <a:r>
-              <a:rPr lang="en-US" sz="1200" dirty="0">
-                <a:latin typeface="Open Sans" panose="020B0604020202020204" charset="0"/>
-                <a:ea typeface="Open Sans" panose="020B0604020202020204" charset="0"/>
-                <a:cs typeface="Open Sans" panose="020B0604020202020204" charset="0"/>
-              </a:rPr>
-              <a:t>The </a:t>
-            </a:r>
-            <a:r>
-              <a:rPr lang="en-US" sz="1200" dirty="0" err="1">
-                <a:latin typeface="Open Sans" panose="020B0604020202020204" charset="0"/>
-                <a:ea typeface="Open Sans" panose="020B0604020202020204" charset="0"/>
-                <a:cs typeface="Open Sans" panose="020B0604020202020204" charset="0"/>
-              </a:rPr>
-              <a:t>try..finally</a:t>
-            </a:r>
-            <a:r>
-              <a:rPr lang="en-US" sz="1200" dirty="0">
-                <a:latin typeface="Open Sans" panose="020B0604020202020204" charset="0"/>
-                <a:ea typeface="Open Sans" panose="020B0604020202020204" charset="0"/>
-                <a:cs typeface="Open Sans" panose="020B0604020202020204" charset="0"/>
-              </a:rPr>
-              <a:t> construct, without catch clause, is also useful. We apply it when we don’t want to handle errors here (let them fall through), but want to be sure that processes that we started are finalized.</a:t>
-            </a:r>
-          </a:p>
-          <a:p>
-            <a:endParaRPr lang="en-US" sz="1200" dirty="0">
-              <a:latin typeface="Open Sans" panose="020B0604020202020204" charset="0"/>
-              <a:ea typeface="Open Sans" panose="020B0604020202020204" charset="0"/>
-              <a:cs typeface="Open Sans" panose="020B0604020202020204" charset="0"/>
-            </a:endParaRPr>
-          </a:p>
-          <a:p>
-            <a:r>
-              <a:rPr lang="en-US" sz="1200" b="0" i="0" kern="1200" dirty="0">
-                <a:solidFill>
-                  <a:schemeClr val="tx1"/>
-                </a:solidFill>
-                <a:effectLst/>
-                <a:latin typeface="+mn-lt"/>
-                <a:ea typeface="+mn-ea"/>
-                <a:cs typeface="+mn-cs"/>
-              </a:rPr>
-              <a:t>In the code above, an error inside </a:t>
-            </a:r>
-            <a:r>
-              <a:rPr lang="en-US" dirty="0"/>
-              <a:t>try</a:t>
-            </a:r>
-            <a:r>
-              <a:rPr lang="en-US" sz="1200" b="0" i="0" kern="1200" dirty="0">
-                <a:solidFill>
-                  <a:schemeClr val="tx1"/>
-                </a:solidFill>
-                <a:effectLst/>
-                <a:latin typeface="+mn-lt"/>
-                <a:ea typeface="+mn-ea"/>
-                <a:cs typeface="+mn-cs"/>
-              </a:rPr>
-              <a:t> always falls out, because there’s no </a:t>
-            </a:r>
-            <a:r>
-              <a:rPr lang="en-US" dirty="0"/>
-              <a:t>catch</a:t>
-            </a:r>
-            <a:r>
-              <a:rPr lang="en-US" sz="1200" b="0" i="0" kern="1200" dirty="0">
-                <a:solidFill>
-                  <a:schemeClr val="tx1"/>
-                </a:solidFill>
-                <a:effectLst/>
-                <a:latin typeface="+mn-lt"/>
-                <a:ea typeface="+mn-ea"/>
-                <a:cs typeface="+mn-cs"/>
-              </a:rPr>
-              <a:t>. But </a:t>
-            </a:r>
-            <a:r>
-              <a:rPr lang="en-US" dirty="0"/>
-              <a:t>finally</a:t>
-            </a:r>
-            <a:r>
-              <a:rPr lang="en-US" sz="1200" b="0" i="0" kern="1200" dirty="0">
-                <a:solidFill>
-                  <a:schemeClr val="tx1"/>
-                </a:solidFill>
-                <a:effectLst/>
-                <a:latin typeface="+mn-lt"/>
-                <a:ea typeface="+mn-ea"/>
-                <a:cs typeface="+mn-cs"/>
-              </a:rPr>
-              <a:t> works before the execution flow leaves the function.</a:t>
-            </a:r>
             <a:endParaRPr lang="uk-UA" dirty="0"/>
           </a:p>
         </p:txBody>
@@ -3338,7 +3247,7 @@
           <a:p>
             <a:fld id="{C6B9B3CE-BC21-41F4-8896-5AF0EBA9693C}" type="slidenum">
               <a:rPr lang="uk-UA" smtClean="0"/>
-              <a:t>39</a:t>
+              <a:t>38</a:t>
             </a:fld>
             <a:endParaRPr lang="uk-UA"/>
           </a:p>
@@ -3347,7 +3256,7 @@
     </p:spTree>
     <p:extLst>
       <p:ext uri="{BB962C8B-B14F-4D97-AF65-F5344CB8AC3E}">
-        <p14:creationId xmlns:p14="http://schemas.microsoft.com/office/powerpoint/2010/main" val="2956357110"/>
+        <p14:creationId xmlns:p14="http://schemas.microsoft.com/office/powerpoint/2010/main" val="161897643"/>
       </p:ext>
     </p:extLst>
   </p:cSld>
@@ -3402,6 +3311,39 @@
           <a:lstStyle/>
           <a:p>
             <a:r>
+              <a:rPr lang="en-US" sz="1200" dirty="0">
+                <a:latin typeface="Open Sans" panose="020B0604020202020204" charset="0"/>
+                <a:ea typeface="Open Sans" panose="020B0604020202020204" charset="0"/>
+                <a:cs typeface="Open Sans" panose="020B0604020202020204" charset="0"/>
+              </a:rPr>
+              <a:t>The </a:t>
+            </a:r>
+            <a:r>
+              <a:rPr lang="en-US" sz="1200" dirty="0" err="1">
+                <a:latin typeface="Open Sans" panose="020B0604020202020204" charset="0"/>
+                <a:ea typeface="Open Sans" panose="020B0604020202020204" charset="0"/>
+                <a:cs typeface="Open Sans" panose="020B0604020202020204" charset="0"/>
+              </a:rPr>
+              <a:t>try..finally</a:t>
+            </a:r>
+            <a:r>
+              <a:rPr lang="en-US" sz="1200" dirty="0">
+                <a:latin typeface="Open Sans" panose="020B0604020202020204" charset="0"/>
+                <a:ea typeface="Open Sans" panose="020B0604020202020204" charset="0"/>
+                <a:cs typeface="Open Sans" panose="020B0604020202020204" charset="0"/>
+              </a:rPr>
+              <a:t> construct, without catch clause, is also useful. We apply it when we don’t want to handle errors here (let them fall through), but want to be sure that processes that we started are finalized.</a:t>
+            </a:r>
+          </a:p>
+          <a:p>
+            <a:endParaRPr lang="en-US" sz="1200" dirty="0">
+              <a:latin typeface="Open Sans" panose="020B0604020202020204" charset="0"/>
+              <a:ea typeface="Open Sans" panose="020B0604020202020204" charset="0"/>
+              <a:cs typeface="Open Sans" panose="020B0604020202020204" charset="0"/>
+            </a:endParaRPr>
+          </a:p>
+          <a:p>
+            <a:r>
               <a:rPr lang="en-US" sz="1200" b="0" i="0" kern="1200" dirty="0">
                 <a:solidFill>
                   <a:schemeClr val="tx1"/>
@@ -3411,19 +3353,11 @@
                 <a:ea typeface="+mn-ea"/>
                 <a:cs typeface="+mn-cs"/>
               </a:rPr>
-              <a:t>Let’s imagine we’ve got a fatal error outside of </a:t>
-            </a:r>
-            <a:r>
-              <a:rPr lang="en-US" sz="1200" b="0" i="0" kern="1200" dirty="0" err="1">
-                <a:solidFill>
-                  <a:schemeClr val="tx1"/>
-                </a:solidFill>
-                <a:effectLst/>
-                <a:latin typeface="+mn-lt"/>
-                <a:ea typeface="+mn-ea"/>
-                <a:cs typeface="+mn-cs"/>
-              </a:rPr>
-              <a:t>try..catch</a:t>
+              <a:t>In the code above, an error inside </a:t>
+            </a:r>
+            <a:r>
+              <a:rPr lang="en-US" dirty="0"/>
+              <a:t>try</a:t>
             </a:r>
             <a:r>
               <a:rPr lang="en-US" sz="1200" b="0" i="0" kern="1200" dirty="0">
@@ -3435,10 +3369,12 @@
                 <a:ea typeface="+mn-ea"/>
                 <a:cs typeface="+mn-cs"/>
               </a:rPr>
-              <a:t>, and the script died. Like a programming error or some other terrible thing.</a:t>
-            </a:r>
-          </a:p>
-          <a:p>
+              <a:t> always falls out, because there’s no </a:t>
+            </a:r>
+            <a:r>
+              <a:rPr lang="en-US" dirty="0"/>
+              <a:t>catch</a:t>
+            </a:r>
             <a:r>
               <a:rPr lang="en-US" sz="1200" b="0" i="0" kern="1200" dirty="0">
                 <a:solidFill>
@@ -3449,21 +3385,12 @@
                 <a:ea typeface="+mn-ea"/>
                 <a:cs typeface="+mn-cs"/>
               </a:rPr>
-              <a:t>Is there a way to react on such occurrences? We may want to log the error, show something to the user (normally they don’t see error messages), etc.</a:t>
-            </a:r>
-          </a:p>
-          <a:p>
-            <a:endParaRPr lang="en-US" sz="1200" b="0" i="0" kern="1200" dirty="0">
-              <a:solidFill>
-                <a:schemeClr val="tx1"/>
-              </a:solidFill>
-              <a:effectLst/>
-              <a:latin typeface="+mn-lt"/>
-              <a:ea typeface="+mn-ea"/>
-              <a:cs typeface="+mn-cs"/>
-            </a:endParaRPr>
-          </a:p>
-          <a:p>
+              <a:t>. But </a:t>
+            </a:r>
+            <a:r>
+              <a:rPr lang="en-US" dirty="0"/>
+              <a:t>finally</a:t>
+            </a:r>
             <a:r>
               <a:rPr lang="en-US" sz="1200" b="0" i="0" kern="1200" dirty="0">
                 <a:solidFill>
@@ -3474,10 +3401,8 @@
                 <a:ea typeface="+mn-ea"/>
                 <a:cs typeface="+mn-cs"/>
               </a:rPr>
-              <a:t> is not a part of the core JavaScript.</a:t>
-            </a:r>
-          </a:p>
-          <a:p>
+              <a:t> works before the execution flow leaves the function.</a:t>
+            </a:r>
             <a:endParaRPr lang="uk-UA" dirty="0"/>
           </a:p>
         </p:txBody>
@@ -3508,7 +3433,7 @@
     </p:spTree>
     <p:extLst>
       <p:ext uri="{BB962C8B-B14F-4D97-AF65-F5344CB8AC3E}">
-        <p14:creationId xmlns:p14="http://schemas.microsoft.com/office/powerpoint/2010/main" val="2995862799"/>
+        <p14:creationId xmlns:p14="http://schemas.microsoft.com/office/powerpoint/2010/main" val="2956357110"/>
       </p:ext>
     </p:extLst>
   </p:cSld>
@@ -3572,8 +3497,73 @@
                 <a:ea typeface="+mn-ea"/>
                 <a:cs typeface="+mn-cs"/>
               </a:rPr>
-              <a:t>Strict Mode is a new feature in ECMAScript 5 that allows you to place a program, or a function, in a “strict” operating context. This strict context prevents certain actions from being taken and throws more exceptions. The statement “use strict”; instructs the browser to use the Strict mode, which is a reduced and safer feature set of JavaScript.</a:t>
-            </a:r>
+              <a:t>Let’s imagine we’ve got a fatal error outside of </a:t>
+            </a:r>
+            <a:r>
+              <a:rPr lang="en-US" sz="1200" b="0" i="0" kern="1200" dirty="0" err="1">
+                <a:solidFill>
+                  <a:schemeClr val="tx1"/>
+                </a:solidFill>
+                <a:effectLst/>
+                <a:latin typeface="+mn-lt"/>
+                <a:ea typeface="+mn-ea"/>
+                <a:cs typeface="+mn-cs"/>
+              </a:rPr>
+              <a:t>try..catch</a:t>
+            </a:r>
+            <a:r>
+              <a:rPr lang="en-US" sz="1200" b="0" i="0" kern="1200" dirty="0">
+                <a:solidFill>
+                  <a:schemeClr val="tx1"/>
+                </a:solidFill>
+                <a:effectLst/>
+                <a:latin typeface="+mn-lt"/>
+                <a:ea typeface="+mn-ea"/>
+                <a:cs typeface="+mn-cs"/>
+              </a:rPr>
+              <a:t>, and the script died. Like a programming error or some other terrible thing.</a:t>
+            </a:r>
+          </a:p>
+          <a:p>
+            <a:r>
+              <a:rPr lang="en-US" sz="1200" b="0" i="0" kern="1200" dirty="0">
+                <a:solidFill>
+                  <a:schemeClr val="tx1"/>
+                </a:solidFill>
+                <a:effectLst/>
+                <a:latin typeface="+mn-lt"/>
+                <a:ea typeface="+mn-ea"/>
+                <a:cs typeface="+mn-cs"/>
+              </a:rPr>
+              <a:t>Is there a way to react on such occurrences? We may want to log the error, show something to the user (normally they don’t see error messages), etc.</a:t>
+            </a:r>
+          </a:p>
+          <a:p>
+            <a:endParaRPr lang="en-US" sz="1200" b="0" i="0" kern="1200" dirty="0">
+              <a:solidFill>
+                <a:schemeClr val="tx1"/>
+              </a:solidFill>
+              <a:effectLst/>
+              <a:latin typeface="+mn-lt"/>
+              <a:ea typeface="+mn-ea"/>
+              <a:cs typeface="+mn-cs"/>
+            </a:endParaRPr>
+          </a:p>
+          <a:p>
+            <a:r>
+              <a:rPr lang="en-US" sz="1200" b="0" i="0" kern="1200" dirty="0">
+                <a:solidFill>
+                  <a:schemeClr val="tx1"/>
+                </a:solidFill>
+                <a:effectLst/>
+                <a:latin typeface="+mn-lt"/>
+                <a:ea typeface="+mn-ea"/>
+                <a:cs typeface="+mn-cs"/>
+              </a:rPr>
+              <a:t> is not a part of the core JavaScript.</a:t>
+            </a:r>
+          </a:p>
+          <a:p>
             <a:endParaRPr lang="uk-UA" dirty="0"/>
           </a:p>
         </p:txBody>
@@ -3604,7 +3594,7 @@
     </p:spTree>
     <p:extLst>
       <p:ext uri="{BB962C8B-B14F-4D97-AF65-F5344CB8AC3E}">
-        <p14:creationId xmlns:p14="http://schemas.microsoft.com/office/powerpoint/2010/main" val="2589295412"/>
+        <p14:creationId xmlns:p14="http://schemas.microsoft.com/office/powerpoint/2010/main" val="2995862799"/>
       </p:ext>
     </p:extLst>
   </p:cSld>
@@ -3742,6 +3732,18 @@
           <a:bodyPr/>
           <a:lstStyle/>
           <a:p>
+            <a:r>
+              <a:rPr lang="en-US" sz="1200" b="0" i="0" kern="1200" dirty="0">
+                <a:solidFill>
+                  <a:schemeClr val="tx1"/>
+                </a:solidFill>
+                <a:effectLst/>
+                <a:latin typeface="+mn-lt"/>
+                <a:ea typeface="+mn-ea"/>
+                <a:cs typeface="+mn-cs"/>
+              </a:rPr>
+              <a:t>Strict Mode is a new feature in ECMAScript 5 that allows you to place a program, or a function, in a “strict” operating context. This strict context prevents certain actions from being taken and throws more exceptions. The statement “use strict”; instructs the browser to use the Strict mode, which is a reduced and safer feature set of JavaScript.</a:t>
+            </a:r>
             <a:endParaRPr lang="uk-UA" dirty="0"/>
           </a:p>
         </p:txBody>
@@ -3763,7 +3765,7 @@
           <a:p>
             <a:fld id="{C6B9B3CE-BC21-41F4-8896-5AF0EBA9693C}" type="slidenum">
               <a:rPr lang="uk-UA" smtClean="0"/>
-              <a:t>44</a:t>
+              <a:t>42</a:t>
             </a:fld>
             <a:endParaRPr lang="uk-UA"/>
           </a:p>
@@ -3772,7 +3774,7 @@
     </p:spTree>
     <p:extLst>
       <p:ext uri="{BB962C8B-B14F-4D97-AF65-F5344CB8AC3E}">
-        <p14:creationId xmlns:p14="http://schemas.microsoft.com/office/powerpoint/2010/main" val="2053356844"/>
+        <p14:creationId xmlns:p14="http://schemas.microsoft.com/office/powerpoint/2010/main" val="2589295412"/>
       </p:ext>
     </p:extLst>
   </p:cSld>
@@ -3848,6 +3850,90 @@
             <a:fld id="{C6B9B3CE-BC21-41F4-8896-5AF0EBA9693C}" type="slidenum">
               <a:rPr lang="uk-UA" smtClean="0"/>
               <a:t>45</a:t>
+            </a:fld>
+            <a:endParaRPr lang="uk-UA"/>
+          </a:p>
+        </p:txBody>
+      </p:sp>
+    </p:spTree>
+    <p:extLst>
+      <p:ext uri="{BB962C8B-B14F-4D97-AF65-F5344CB8AC3E}">
+        <p14:creationId xmlns:p14="http://schemas.microsoft.com/office/powerpoint/2010/main" val="2053356844"/>
+      </p:ext>
+    </p:extLst>
+  </p:cSld>
+  <p:clrMapOvr>
+    <a:masterClrMapping/>
+  </p:clrMapOvr>
+</p:notes>
+</file>
+
+<file path=ppt/notesSlides/notesSlide32.xml><?xml version="1.0" encoding="utf-8"?>
+<p:notes xmlns:a="http://schemas.openxmlformats.org/drawingml/2006/main" xmlns:r="http://schemas.openxmlformats.org/officeDocument/2006/relationships" xmlns:p="http://schemas.openxmlformats.org/presentationml/2006/main">
+  <p:cSld>
+    <p:spTree>
+      <p:nvGrpSpPr>
+        <p:cNvPr id="1" name=""/>
+        <p:cNvGrpSpPr/>
+        <p:nvPr/>
+      </p:nvGrpSpPr>
+      <p:grpSpPr>
+        <a:xfrm>
+          <a:off x="0" y="0"/>
+          <a:ext cx="0" cy="0"/>
+          <a:chOff x="0" y="0"/>
+          <a:chExt cx="0" cy="0"/>
+        </a:xfrm>
+      </p:grpSpPr>
+      <p:sp>
+        <p:nvSpPr>
+          <p:cNvPr id="2" name="Образ слайда 1"/>
+          <p:cNvSpPr>
+            <a:spLocks noGrp="1" noRot="1" noChangeAspect="1"/>
+          </p:cNvSpPr>
+          <p:nvPr>
+            <p:ph type="sldImg"/>
+          </p:nvPr>
+        </p:nvSpPr>
+        <p:spPr/>
+      </p:sp>
+      <p:sp>
+        <p:nvSpPr>
+          <p:cNvPr id="3" name="Заметки 2"/>
+          <p:cNvSpPr>
+            <a:spLocks noGrp="1"/>
+          </p:cNvSpPr>
+          <p:nvPr>
+            <p:ph type="body" idx="1"/>
+          </p:nvPr>
+        </p:nvSpPr>
+        <p:spPr/>
+        <p:txBody>
+          <a:bodyPr/>
+          <a:lstStyle/>
+          <a:p>
+            <a:endParaRPr lang="uk-UA" dirty="0"/>
+          </a:p>
+        </p:txBody>
+      </p:sp>
+      <p:sp>
+        <p:nvSpPr>
+          <p:cNvPr id="4" name="Номер слайда 3"/>
+          <p:cNvSpPr>
+            <a:spLocks noGrp="1"/>
+          </p:cNvSpPr>
+          <p:nvPr>
+            <p:ph type="sldNum" sz="quarter" idx="5"/>
+          </p:nvPr>
+        </p:nvSpPr>
+        <p:spPr/>
+        <p:txBody>
+          <a:bodyPr/>
+          <a:lstStyle/>
+          <a:p>
+            <a:fld id="{C6B9B3CE-BC21-41F4-8896-5AF0EBA9693C}" type="slidenum">
+              <a:rPr lang="uk-UA" smtClean="0"/>
+              <a:t>46</a:t>
             </a:fld>
             <a:endParaRPr lang="uk-UA"/>
           </a:p>
@@ -11905,41 +11991,109 @@
             <a:br>
               <a:rPr lang="en-US" sz="6000" dirty="0"/>
             </a:br>
-            <a:r>
-              <a:rPr lang="en-US" sz="2400" dirty="0">
-                <a:latin typeface="Open Sans" panose="020B0604020202020204" charset="0"/>
-                <a:ea typeface="Open Sans" panose="020B0604020202020204" charset="0"/>
-                <a:cs typeface="Open Sans" panose="020B0604020202020204" charset="0"/>
-              </a:rPr>
-              <a:t>When executing JavaScript code, different errors can occur.</a:t>
-            </a:r>
-            <a:br>
-              <a:rPr lang="en-US" sz="2400" dirty="0">
-                <a:latin typeface="Open Sans" panose="020B0604020202020204" charset="0"/>
-                <a:ea typeface="Open Sans" panose="020B0604020202020204" charset="0"/>
-                <a:cs typeface="Open Sans" panose="020B0604020202020204" charset="0"/>
-              </a:rPr>
-            </a:br>
-            <a:br>
-              <a:rPr lang="en-US" sz="2400" dirty="0">
-                <a:latin typeface="Open Sans" panose="020B0604020202020204" charset="0"/>
-                <a:ea typeface="Open Sans" panose="020B0604020202020204" charset="0"/>
-                <a:cs typeface="Open Sans" panose="020B0604020202020204" charset="0"/>
-              </a:rPr>
-            </a:br>
-            <a:r>
-              <a:rPr lang="en-US" sz="2400" dirty="0">
-                <a:latin typeface="Open Sans" panose="020B0604020202020204" charset="0"/>
-                <a:ea typeface="Open Sans" panose="020B0604020202020204" charset="0"/>
-                <a:cs typeface="Open Sans" panose="020B0604020202020204" charset="0"/>
-              </a:rPr>
-              <a:t>Errors can be coding errors made by the programmer, errors due to wrong input, and other unforeseeable things.</a:t>
-            </a:r>
             <a:endParaRPr lang="uk-UA" sz="2400" dirty="0">
               <a:latin typeface="Open Sans" panose="020B0604020202020204" charset="0"/>
               <a:ea typeface="Open Sans" panose="020B0604020202020204" charset="0"/>
               <a:cs typeface="Open Sans" panose="020B0604020202020204" charset="0"/>
             </a:endParaRPr>
+          </a:p>
+        </p:txBody>
+      </p:sp>
+      <p:pic>
+        <p:nvPicPr>
+          <p:cNvPr id="4" name="Рисунок 3">
+            <a:extLst>
+              <a:ext uri="{FF2B5EF4-FFF2-40B4-BE49-F238E27FC236}">
+                <a16:creationId xmlns:a16="http://schemas.microsoft.com/office/drawing/2014/main" id="{03A4959C-AE79-4853-9805-B7AD26A6AB21}"/>
+              </a:ext>
+            </a:extLst>
+          </p:cNvPr>
+          <p:cNvPicPr>
+            <a:picLocks noChangeAspect="1"/>
+          </p:cNvPicPr>
+          <p:nvPr/>
+        </p:nvPicPr>
+        <p:blipFill>
+          <a:blip r:embed="rId3">
+            <a:extLst>
+              <a:ext uri="{28A0092B-C50C-407E-A947-70E740481C1C}">
+                <a14:useLocalDpi xmlns:a14="http://schemas.microsoft.com/office/drawing/2010/main" val="0"/>
+              </a:ext>
+            </a:extLst>
+          </a:blip>
+          <a:stretch>
+            <a:fillRect/>
+          </a:stretch>
+        </p:blipFill>
+        <p:spPr>
+          <a:xfrm>
+            <a:off x="685799" y="1835619"/>
+            <a:ext cx="6303818" cy="4814797"/>
+          </a:xfrm>
+          <a:prstGeom prst="rect">
+            <a:avLst/>
+          </a:prstGeom>
+        </p:spPr>
+      </p:pic>
+      <p:sp>
+        <p:nvSpPr>
+          <p:cNvPr id="5" name="TextBox 4">
+            <a:extLst>
+              <a:ext uri="{FF2B5EF4-FFF2-40B4-BE49-F238E27FC236}">
+                <a16:creationId xmlns:a16="http://schemas.microsoft.com/office/drawing/2014/main" id="{3D054B7F-AECE-4FF4-A7E0-989A24DFAE6F}"/>
+              </a:ext>
+            </a:extLst>
+          </p:cNvPr>
+          <p:cNvSpPr txBox="1"/>
+          <p:nvPr/>
+        </p:nvSpPr>
+        <p:spPr>
+          <a:xfrm>
+            <a:off x="4007427" y="2304025"/>
+            <a:ext cx="2580409" cy="1938992"/>
+          </a:xfrm>
+          <a:prstGeom prst="rect">
+            <a:avLst/>
+          </a:prstGeom>
+          <a:noFill/>
+        </p:spPr>
+        <p:txBody>
+          <a:bodyPr wrap="square" rtlCol="0">
+            <a:spAutoFit/>
+          </a:bodyPr>
+          <a:lstStyle/>
+          <a:p>
+            <a:pPr algn="ctr"/>
+            <a:r>
+              <a:rPr lang="en-US" sz="4000" b="1" dirty="0">
+                <a:latin typeface="Open Sans" panose="020B0604020202020204" charset="0"/>
+                <a:ea typeface="Open Sans" panose="020B0604020202020204" charset="0"/>
+                <a:cs typeface="Open Sans" panose="020B0604020202020204" charset="0"/>
+              </a:rPr>
+              <a:t>Errors </a:t>
+            </a:r>
+          </a:p>
+          <a:p>
+            <a:pPr algn="ctr"/>
+            <a:r>
+              <a:rPr lang="en-US" sz="4000" b="1" dirty="0">
+                <a:latin typeface="Open Sans" panose="020B0604020202020204" charset="0"/>
+                <a:ea typeface="Open Sans" panose="020B0604020202020204" charset="0"/>
+                <a:cs typeface="Open Sans" panose="020B0604020202020204" charset="0"/>
+              </a:rPr>
+              <a:t>will </a:t>
+            </a:r>
+          </a:p>
+          <a:p>
+            <a:pPr algn="ctr"/>
+            <a:r>
+              <a:rPr lang="en-US" sz="4000" b="1" dirty="0">
+                <a:latin typeface="Open Sans" panose="020B0604020202020204" charset="0"/>
+                <a:ea typeface="Open Sans" panose="020B0604020202020204" charset="0"/>
+                <a:cs typeface="Open Sans" panose="020B0604020202020204" charset="0"/>
+              </a:rPr>
+              <a:t>happen!</a:t>
+            </a:r>
           </a:p>
         </p:txBody>
       </p:sp>
@@ -11957,6 +12111,108 @@
 </file>
 
 <file path=ppt/slides/slide27.xml><?xml version="1.0" encoding="utf-8"?>
+<p:sld xmlns:a="http://schemas.openxmlformats.org/drawingml/2006/main" xmlns:r="http://schemas.openxmlformats.org/officeDocument/2006/relationships" xmlns:p="http://schemas.openxmlformats.org/presentationml/2006/main">
+  <p:cSld>
+    <p:spTree>
+      <p:nvGrpSpPr>
+        <p:cNvPr id="1" name=""/>
+        <p:cNvGrpSpPr/>
+        <p:nvPr/>
+      </p:nvGrpSpPr>
+      <p:grpSpPr>
+        <a:xfrm>
+          <a:off x="0" y="0"/>
+          <a:ext cx="0" cy="0"/>
+          <a:chOff x="0" y="0"/>
+          <a:chExt cx="0" cy="0"/>
+        </a:xfrm>
+      </p:grpSpPr>
+      <p:sp>
+        <p:nvSpPr>
+          <p:cNvPr id="2" name="Заголовок 1">
+            <a:extLst>
+              <a:ext uri="{FF2B5EF4-FFF2-40B4-BE49-F238E27FC236}">
+                <a16:creationId xmlns:a16="http://schemas.microsoft.com/office/drawing/2014/main" id="{7C0919D3-3EBC-495D-B03B-E2E6A3E4DF89}"/>
+              </a:ext>
+            </a:extLst>
+          </p:cNvPr>
+          <p:cNvSpPr>
+            <a:spLocks noGrp="1"/>
+          </p:cNvSpPr>
+          <p:nvPr>
+            <p:ph type="title"/>
+          </p:nvPr>
+        </p:nvSpPr>
+        <p:spPr/>
+        <p:txBody>
+          <a:bodyPr/>
+          <a:lstStyle/>
+          <a:p>
+            <a:pPr>
+              <a:lnSpc>
+                <a:spcPct val="100000"/>
+              </a:lnSpc>
+            </a:pPr>
+            <a:r>
+              <a:rPr lang="en-US" sz="2400">
+                <a:latin typeface="Open Sans" panose="020B0604020202020204" charset="0"/>
+                <a:ea typeface="Open Sans" panose="020B0604020202020204" charset="0"/>
+                <a:cs typeface="Open Sans" panose="020B0604020202020204" charset="0"/>
+              </a:rPr>
+              <a:t>When </a:t>
+            </a:r>
+            <a:r>
+              <a:rPr lang="en-US" sz="2400" dirty="0">
+                <a:latin typeface="Open Sans" panose="020B0604020202020204" charset="0"/>
+                <a:ea typeface="Open Sans" panose="020B0604020202020204" charset="0"/>
+                <a:cs typeface="Open Sans" panose="020B0604020202020204" charset="0"/>
+              </a:rPr>
+              <a:t>executing JavaScript code, different errors can occur.</a:t>
+            </a:r>
+            <a:br>
+              <a:rPr lang="en-US" sz="2400" dirty="0">
+                <a:latin typeface="Open Sans" panose="020B0604020202020204" charset="0"/>
+                <a:ea typeface="Open Sans" panose="020B0604020202020204" charset="0"/>
+                <a:cs typeface="Open Sans" panose="020B0604020202020204" charset="0"/>
+              </a:rPr>
+            </a:br>
+            <a:br>
+              <a:rPr lang="en-US" sz="2400" dirty="0">
+                <a:latin typeface="Open Sans" panose="020B0604020202020204" charset="0"/>
+                <a:ea typeface="Open Sans" panose="020B0604020202020204" charset="0"/>
+                <a:cs typeface="Open Sans" panose="020B0604020202020204" charset="0"/>
+              </a:rPr>
+            </a:br>
+            <a:r>
+              <a:rPr lang="en-US" sz="2400" dirty="0">
+                <a:latin typeface="Open Sans" panose="020B0604020202020204" charset="0"/>
+                <a:ea typeface="Open Sans" panose="020B0604020202020204" charset="0"/>
+                <a:cs typeface="Open Sans" panose="020B0604020202020204" charset="0"/>
+              </a:rPr>
+              <a:t>Errors can be coding errors made by the programmer, errors due to wrong input, and other unforeseeable things.</a:t>
+            </a:r>
+            <a:endParaRPr lang="uk-UA" sz="2400" dirty="0">
+              <a:latin typeface="Open Sans" panose="020B0604020202020204" charset="0"/>
+              <a:ea typeface="Open Sans" panose="020B0604020202020204" charset="0"/>
+              <a:cs typeface="Open Sans" panose="020B0604020202020204" charset="0"/>
+            </a:endParaRPr>
+          </a:p>
+        </p:txBody>
+      </p:sp>
+    </p:spTree>
+    <p:extLst>
+      <p:ext uri="{BB962C8B-B14F-4D97-AF65-F5344CB8AC3E}">
+        <p14:creationId xmlns:p14="http://schemas.microsoft.com/office/powerpoint/2010/main" val="2128798078"/>
+      </p:ext>
+    </p:extLst>
+  </p:cSld>
+  <p:clrMapOvr>
+    <a:masterClrMapping/>
+  </p:clrMapOvr>
+</p:sld>
+</file>
+
+<file path=ppt/slides/slide28.xml><?xml version="1.0" encoding="utf-8"?>
 <p:sld xmlns:a="http://schemas.openxmlformats.org/drawingml/2006/main" xmlns:r="http://schemas.openxmlformats.org/officeDocument/2006/relationships" xmlns:p="http://schemas.openxmlformats.org/presentationml/2006/main">
   <p:cSld>
     <p:spTree>
@@ -12094,7 +12350,7 @@
 </p:sld>
 </file>
 
-<file path=ppt/slides/slide28.xml><?xml version="1.0" encoding="utf-8"?>
+<file path=ppt/slides/slide29.xml><?xml version="1.0" encoding="utf-8"?>
 <p:sld xmlns:a="http://schemas.openxmlformats.org/drawingml/2006/main" xmlns:r="http://schemas.openxmlformats.org/officeDocument/2006/relationships" xmlns:p="http://schemas.openxmlformats.org/presentationml/2006/main">
   <p:cSld>
     <p:spTree>
@@ -12180,114 +12436,6 @@
     <p:extLst>
       <p:ext uri="{BB962C8B-B14F-4D97-AF65-F5344CB8AC3E}">
         <p14:creationId xmlns:p14="http://schemas.microsoft.com/office/powerpoint/2010/main" val="1530793926"/>
-      </p:ext>
-    </p:extLst>
-  </p:cSld>
-  <p:clrMapOvr>
-    <a:masterClrMapping/>
-  </p:clrMapOvr>
-</p:sld>
-</file>
-
-<file path=ppt/slides/slide29.xml><?xml version="1.0" encoding="utf-8"?>
-<p:sld xmlns:a="http://schemas.openxmlformats.org/drawingml/2006/main" xmlns:r="http://schemas.openxmlformats.org/officeDocument/2006/relationships" xmlns:p="http://schemas.openxmlformats.org/presentationml/2006/main">
-  <p:cSld>
-    <p:spTree>
-      <p:nvGrpSpPr>
-        <p:cNvPr id="1" name=""/>
-        <p:cNvGrpSpPr/>
-        <p:nvPr/>
-      </p:nvGrpSpPr>
-      <p:grpSpPr>
-        <a:xfrm>
-          <a:off x="0" y="0"/>
-          <a:ext cx="0" cy="0"/>
-          <a:chOff x="0" y="0"/>
-          <a:chExt cx="0" cy="0"/>
-        </a:xfrm>
-      </p:grpSpPr>
-      <p:sp>
-        <p:nvSpPr>
-          <p:cNvPr id="2" name="Заголовок 1">
-            <a:extLst>
-              <a:ext uri="{FF2B5EF4-FFF2-40B4-BE49-F238E27FC236}">
-                <a16:creationId xmlns:a16="http://schemas.microsoft.com/office/drawing/2014/main" id="{05F15C77-5C2C-4144-9DED-B0BC784683E0}"/>
-              </a:ext>
-            </a:extLst>
-          </p:cNvPr>
-          <p:cNvSpPr>
-            <a:spLocks noGrp="1"/>
-          </p:cNvSpPr>
-          <p:nvPr>
-            <p:ph type="title"/>
-          </p:nvPr>
-        </p:nvSpPr>
-        <p:spPr/>
-        <p:txBody>
-          <a:bodyPr/>
-          <a:lstStyle/>
-          <a:p>
-            <a:pPr>
-              <a:lnSpc>
-                <a:spcPct val="100000"/>
-              </a:lnSpc>
-            </a:pPr>
-            <a:r>
-              <a:rPr lang="en-US" sz="2400" dirty="0">
-                <a:latin typeface="Open Sans" panose="020B0604020202020204" charset="0"/>
-                <a:ea typeface="Open Sans" panose="020B0604020202020204" charset="0"/>
-                <a:cs typeface="Open Sans" panose="020B0604020202020204" charset="0"/>
-              </a:rPr>
-              <a:t>Example</a:t>
-            </a:r>
-            <a:endParaRPr lang="uk-UA" sz="2400" dirty="0">
-              <a:latin typeface="Open Sans" panose="020B0604020202020204" charset="0"/>
-              <a:ea typeface="Open Sans" panose="020B0604020202020204" charset="0"/>
-              <a:cs typeface="Open Sans" panose="020B0604020202020204" charset="0"/>
-            </a:endParaRPr>
-          </a:p>
-        </p:txBody>
-      </p:sp>
-      <p:pic>
-        <p:nvPicPr>
-          <p:cNvPr id="5" name="Рисунок 4">
-            <a:extLst>
-              <a:ext uri="{FF2B5EF4-FFF2-40B4-BE49-F238E27FC236}">
-                <a16:creationId xmlns:a16="http://schemas.microsoft.com/office/drawing/2014/main" id="{FB5EA54F-BB15-4B92-A448-8BA5DBF8B145}"/>
-              </a:ext>
-            </a:extLst>
-          </p:cNvPr>
-          <p:cNvPicPr>
-            <a:picLocks noChangeAspect="1"/>
-          </p:cNvPicPr>
-          <p:nvPr/>
-        </p:nvPicPr>
-        <p:blipFill>
-          <a:blip r:embed="rId2">
-            <a:extLst>
-              <a:ext uri="{28A0092B-C50C-407E-A947-70E740481C1C}">
-                <a14:useLocalDpi xmlns:a14="http://schemas.microsoft.com/office/drawing/2010/main" val="0"/>
-              </a:ext>
-            </a:extLst>
-          </a:blip>
-          <a:stretch>
-            <a:fillRect/>
-          </a:stretch>
-        </p:blipFill>
-        <p:spPr>
-          <a:xfrm>
-            <a:off x="1191491" y="1594418"/>
-            <a:ext cx="9809018" cy="3669164"/>
-          </a:xfrm>
-          <a:prstGeom prst="rect">
-            <a:avLst/>
-          </a:prstGeom>
-        </p:spPr>
-      </p:pic>
-    </p:spTree>
-    <p:extLst>
-      <p:ext uri="{BB962C8B-B14F-4D97-AF65-F5344CB8AC3E}">
-        <p14:creationId xmlns:p14="http://schemas.microsoft.com/office/powerpoint/2010/main" val="1384394345"/>
       </p:ext>
     </p:extLst>
   </p:cSld>
@@ -12473,6 +12621,114 @@
       </p:sp>
       <p:pic>
         <p:nvPicPr>
+          <p:cNvPr id="5" name="Рисунок 4">
+            <a:extLst>
+              <a:ext uri="{FF2B5EF4-FFF2-40B4-BE49-F238E27FC236}">
+                <a16:creationId xmlns:a16="http://schemas.microsoft.com/office/drawing/2014/main" id="{FB5EA54F-BB15-4B92-A448-8BA5DBF8B145}"/>
+              </a:ext>
+            </a:extLst>
+          </p:cNvPr>
+          <p:cNvPicPr>
+            <a:picLocks noChangeAspect="1"/>
+          </p:cNvPicPr>
+          <p:nvPr/>
+        </p:nvPicPr>
+        <p:blipFill>
+          <a:blip r:embed="rId2">
+            <a:extLst>
+              <a:ext uri="{28A0092B-C50C-407E-A947-70E740481C1C}">
+                <a14:useLocalDpi xmlns:a14="http://schemas.microsoft.com/office/drawing/2010/main" val="0"/>
+              </a:ext>
+            </a:extLst>
+          </a:blip>
+          <a:stretch>
+            <a:fillRect/>
+          </a:stretch>
+        </p:blipFill>
+        <p:spPr>
+          <a:xfrm>
+            <a:off x="1191491" y="1594418"/>
+            <a:ext cx="9809018" cy="3669164"/>
+          </a:xfrm>
+          <a:prstGeom prst="rect">
+            <a:avLst/>
+          </a:prstGeom>
+        </p:spPr>
+      </p:pic>
+    </p:spTree>
+    <p:extLst>
+      <p:ext uri="{BB962C8B-B14F-4D97-AF65-F5344CB8AC3E}">
+        <p14:creationId xmlns:p14="http://schemas.microsoft.com/office/powerpoint/2010/main" val="1384394345"/>
+      </p:ext>
+    </p:extLst>
+  </p:cSld>
+  <p:clrMapOvr>
+    <a:masterClrMapping/>
+  </p:clrMapOvr>
+</p:sld>
+</file>
+
+<file path=ppt/slides/slide31.xml><?xml version="1.0" encoding="utf-8"?>
+<p:sld xmlns:a="http://schemas.openxmlformats.org/drawingml/2006/main" xmlns:r="http://schemas.openxmlformats.org/officeDocument/2006/relationships" xmlns:p="http://schemas.openxmlformats.org/presentationml/2006/main">
+  <p:cSld>
+    <p:spTree>
+      <p:nvGrpSpPr>
+        <p:cNvPr id="1" name=""/>
+        <p:cNvGrpSpPr/>
+        <p:nvPr/>
+      </p:nvGrpSpPr>
+      <p:grpSpPr>
+        <a:xfrm>
+          <a:off x="0" y="0"/>
+          <a:ext cx="0" cy="0"/>
+          <a:chOff x="0" y="0"/>
+          <a:chExt cx="0" cy="0"/>
+        </a:xfrm>
+      </p:grpSpPr>
+      <p:sp>
+        <p:nvSpPr>
+          <p:cNvPr id="2" name="Заголовок 1">
+            <a:extLst>
+              <a:ext uri="{FF2B5EF4-FFF2-40B4-BE49-F238E27FC236}">
+                <a16:creationId xmlns:a16="http://schemas.microsoft.com/office/drawing/2014/main" id="{05F15C77-5C2C-4144-9DED-B0BC784683E0}"/>
+              </a:ext>
+            </a:extLst>
+          </p:cNvPr>
+          <p:cNvSpPr>
+            <a:spLocks noGrp="1"/>
+          </p:cNvSpPr>
+          <p:nvPr>
+            <p:ph type="title"/>
+          </p:nvPr>
+        </p:nvSpPr>
+        <p:spPr/>
+        <p:txBody>
+          <a:bodyPr/>
+          <a:lstStyle/>
+          <a:p>
+            <a:pPr>
+              <a:lnSpc>
+                <a:spcPct val="100000"/>
+              </a:lnSpc>
+            </a:pPr>
+            <a:r>
+              <a:rPr lang="en-US" sz="2400" dirty="0">
+                <a:latin typeface="Open Sans" panose="020B0604020202020204" charset="0"/>
+                <a:ea typeface="Open Sans" panose="020B0604020202020204" charset="0"/>
+                <a:cs typeface="Open Sans" panose="020B0604020202020204" charset="0"/>
+              </a:rPr>
+              <a:t>Example</a:t>
+            </a:r>
+            <a:endParaRPr lang="uk-UA" sz="2400" dirty="0">
+              <a:latin typeface="Open Sans" panose="020B0604020202020204" charset="0"/>
+              <a:ea typeface="Open Sans" panose="020B0604020202020204" charset="0"/>
+              <a:cs typeface="Open Sans" panose="020B0604020202020204" charset="0"/>
+            </a:endParaRPr>
+          </a:p>
+        </p:txBody>
+      </p:sp>
+      <p:pic>
+        <p:nvPicPr>
           <p:cNvPr id="4" name="Рисунок 3">
             <a:extLst>
               <a:ext uri="{FF2B5EF4-FFF2-40B4-BE49-F238E27FC236}">
@@ -12520,7 +12776,7 @@
 </p:sld>
 </file>
 
-<file path=ppt/slides/slide31.xml><?xml version="1.0" encoding="utf-8"?>
+<file path=ppt/slides/slide32.xml><?xml version="1.0" encoding="utf-8"?>
 <p:sld xmlns:a="http://schemas.openxmlformats.org/drawingml/2006/main" xmlns:r="http://schemas.openxmlformats.org/officeDocument/2006/relationships" xmlns:p="http://schemas.openxmlformats.org/presentationml/2006/main">
   <p:cSld>
     <p:spTree>
@@ -12668,7 +12924,7 @@
 </p:sld>
 </file>
 
-<file path=ppt/slides/slide32.xml><?xml version="1.0" encoding="utf-8"?>
+<file path=ppt/slides/slide33.xml><?xml version="1.0" encoding="utf-8"?>
 <p:sld xmlns:a="http://schemas.openxmlformats.org/drawingml/2006/main" xmlns:r="http://schemas.openxmlformats.org/officeDocument/2006/relationships" xmlns:p="http://schemas.openxmlformats.org/presentationml/2006/main">
   <p:cSld>
     <p:spTree>
@@ -12798,7 +13054,7 @@
 </p:sld>
 </file>
 
-<file path=ppt/slides/slide33.xml><?xml version="1.0" encoding="utf-8"?>
+<file path=ppt/slides/slide34.xml><?xml version="1.0" encoding="utf-8"?>
 <p:sld xmlns:a="http://schemas.openxmlformats.org/drawingml/2006/main" xmlns:r="http://schemas.openxmlformats.org/officeDocument/2006/relationships" xmlns:p="http://schemas.openxmlformats.org/presentationml/2006/main">
   <p:cSld>
     <p:spTree>
@@ -12913,7 +13169,7 @@
 </p:sld>
 </file>
 
-<file path=ppt/slides/slide34.xml><?xml version="1.0" encoding="utf-8"?>
+<file path=ppt/slides/slide35.xml><?xml version="1.0" encoding="utf-8"?>
 <p:sld xmlns:a="http://schemas.openxmlformats.org/drawingml/2006/main" xmlns:r="http://schemas.openxmlformats.org/officeDocument/2006/relationships" xmlns:p="http://schemas.openxmlformats.org/presentationml/2006/main">
   <p:cSld>
     <p:spTree>
@@ -13028,7 +13284,7 @@
 </p:sld>
 </file>
 
-<file path=ppt/slides/slide35.xml><?xml version="1.0" encoding="utf-8"?>
+<file path=ppt/slides/slide36.xml><?xml version="1.0" encoding="utf-8"?>
 <p:sld xmlns:a="http://schemas.openxmlformats.org/drawingml/2006/main" xmlns:r="http://schemas.openxmlformats.org/officeDocument/2006/relationships" xmlns:p="http://schemas.openxmlformats.org/presentationml/2006/main">
   <p:cSld>
     <p:spTree>
@@ -13143,7 +13399,7 @@
 </p:sld>
 </file>
 
-<file path=ppt/slides/slide36.xml><?xml version="1.0" encoding="utf-8"?>
+<file path=ppt/slides/slide37.xml><?xml version="1.0" encoding="utf-8"?>
 <p:sld xmlns:a="http://schemas.openxmlformats.org/drawingml/2006/main" xmlns:r="http://schemas.openxmlformats.org/officeDocument/2006/relationships" xmlns:p="http://schemas.openxmlformats.org/presentationml/2006/main">
   <p:cSld>
     <p:spTree>
@@ -13297,7 +13553,7 @@
 </p:sld>
 </file>
 
-<file path=ppt/slides/slide37.xml><?xml version="1.0" encoding="utf-8"?>
+<file path=ppt/slides/slide38.xml><?xml version="1.0" encoding="utf-8"?>
 <p:sld xmlns:a="http://schemas.openxmlformats.org/drawingml/2006/main" xmlns:r="http://schemas.openxmlformats.org/officeDocument/2006/relationships" xmlns:p="http://schemas.openxmlformats.org/presentationml/2006/main">
   <p:cSld>
     <p:spTree>
@@ -13480,7 +13736,7 @@
 </p:sld>
 </file>
 
-<file path=ppt/slides/slide38.xml><?xml version="1.0" encoding="utf-8"?>
+<file path=ppt/slides/slide39.xml><?xml version="1.0" encoding="utf-8"?>
 <p:sld xmlns:a="http://schemas.openxmlformats.org/drawingml/2006/main" xmlns:r="http://schemas.openxmlformats.org/officeDocument/2006/relationships" xmlns:p="http://schemas.openxmlformats.org/presentationml/2006/main">
   <p:cSld>
     <p:spTree>
@@ -13602,113 +13858,6 @@
     <p:extLst>
       <p:ext uri="{BB962C8B-B14F-4D97-AF65-F5344CB8AC3E}">
         <p14:creationId xmlns:p14="http://schemas.microsoft.com/office/powerpoint/2010/main" val="3646732185"/>
-      </p:ext>
-    </p:extLst>
-  </p:cSld>
-  <p:clrMapOvr>
-    <a:masterClrMapping/>
-  </p:clrMapOvr>
-</p:sld>
-</file>
-
-<file path=ppt/slides/slide39.xml><?xml version="1.0" encoding="utf-8"?>
-<p:sld xmlns:a="http://schemas.openxmlformats.org/drawingml/2006/main" xmlns:r="http://schemas.openxmlformats.org/officeDocument/2006/relationships" xmlns:p="http://schemas.openxmlformats.org/presentationml/2006/main">
-  <p:cSld>
-    <p:spTree>
-      <p:nvGrpSpPr>
-        <p:cNvPr id="1" name=""/>
-        <p:cNvGrpSpPr/>
-        <p:nvPr/>
-      </p:nvGrpSpPr>
-      <p:grpSpPr>
-        <a:xfrm>
-          <a:off x="0" y="0"/>
-          <a:ext cx="0" cy="0"/>
-          <a:chOff x="0" y="0"/>
-          <a:chExt cx="0" cy="0"/>
-        </a:xfrm>
-      </p:grpSpPr>
-      <p:sp>
-        <p:nvSpPr>
-          <p:cNvPr id="2" name="Заголовок 1">
-            <a:extLst>
-              <a:ext uri="{FF2B5EF4-FFF2-40B4-BE49-F238E27FC236}">
-                <a16:creationId xmlns:a16="http://schemas.microsoft.com/office/drawing/2014/main" id="{E44DD881-5C6A-4911-94CB-2217A9B5F678}"/>
-              </a:ext>
-            </a:extLst>
-          </p:cNvPr>
-          <p:cNvSpPr>
-            <a:spLocks noGrp="1"/>
-          </p:cNvSpPr>
-          <p:nvPr>
-            <p:ph type="title"/>
-          </p:nvPr>
-        </p:nvSpPr>
-        <p:spPr/>
-        <p:txBody>
-          <a:bodyPr/>
-          <a:lstStyle/>
-          <a:p>
-            <a:pPr>
-              <a:lnSpc>
-                <a:spcPct val="100000"/>
-              </a:lnSpc>
-            </a:pPr>
-            <a:r>
-              <a:rPr lang="en-US" sz="4000" b="1" dirty="0" err="1"/>
-              <a:t>try..finally</a:t>
-            </a:r>
-            <a:br>
-              <a:rPr lang="en-US" sz="4000" b="1" dirty="0"/>
-            </a:br>
-            <a:endParaRPr lang="uk-UA" sz="2400" dirty="0">
-              <a:latin typeface="Open Sans" panose="020B0604020202020204" charset="0"/>
-              <a:ea typeface="Open Sans" panose="020B0604020202020204" charset="0"/>
-              <a:cs typeface="Open Sans" panose="020B0604020202020204" charset="0"/>
-            </a:endParaRPr>
-          </a:p>
-        </p:txBody>
-      </p:sp>
-      <p:pic>
-        <p:nvPicPr>
-          <p:cNvPr id="5" name="Рисунок 4">
-            <a:extLst>
-              <a:ext uri="{FF2B5EF4-FFF2-40B4-BE49-F238E27FC236}">
-                <a16:creationId xmlns:a16="http://schemas.microsoft.com/office/drawing/2014/main" id="{3BB815C3-9A26-4642-8608-5D230717138B}"/>
-              </a:ext>
-            </a:extLst>
-          </p:cNvPr>
-          <p:cNvPicPr>
-            <a:picLocks noChangeAspect="1"/>
-          </p:cNvPicPr>
-          <p:nvPr/>
-        </p:nvPicPr>
-        <p:blipFill>
-          <a:blip r:embed="rId3">
-            <a:extLst>
-              <a:ext uri="{28A0092B-C50C-407E-A947-70E740481C1C}">
-                <a14:useLocalDpi xmlns:a14="http://schemas.microsoft.com/office/drawing/2010/main" val="0"/>
-              </a:ext>
-            </a:extLst>
-          </a:blip>
-          <a:stretch>
-            <a:fillRect/>
-          </a:stretch>
-        </p:blipFill>
-        <p:spPr>
-          <a:xfrm>
-            <a:off x="2153972" y="2297749"/>
-            <a:ext cx="7884056" cy="2262502"/>
-          </a:xfrm>
-          <a:prstGeom prst="rect">
-            <a:avLst/>
-          </a:prstGeom>
-        </p:spPr>
-      </p:pic>
-    </p:spTree>
-    <p:extLst>
-      <p:ext uri="{BB962C8B-B14F-4D97-AF65-F5344CB8AC3E}">
-        <p14:creationId xmlns:p14="http://schemas.microsoft.com/office/powerpoint/2010/main" val="3567499270"/>
       </p:ext>
     </p:extLst>
   </p:cSld>
@@ -13862,6 +14011,113 @@
           <p:cNvPr id="2" name="Заголовок 1">
             <a:extLst>
               <a:ext uri="{FF2B5EF4-FFF2-40B4-BE49-F238E27FC236}">
+                <a16:creationId xmlns:a16="http://schemas.microsoft.com/office/drawing/2014/main" id="{E44DD881-5C6A-4911-94CB-2217A9B5F678}"/>
+              </a:ext>
+            </a:extLst>
+          </p:cNvPr>
+          <p:cNvSpPr>
+            <a:spLocks noGrp="1"/>
+          </p:cNvSpPr>
+          <p:nvPr>
+            <p:ph type="title"/>
+          </p:nvPr>
+        </p:nvSpPr>
+        <p:spPr/>
+        <p:txBody>
+          <a:bodyPr/>
+          <a:lstStyle/>
+          <a:p>
+            <a:pPr>
+              <a:lnSpc>
+                <a:spcPct val="100000"/>
+              </a:lnSpc>
+            </a:pPr>
+            <a:r>
+              <a:rPr lang="en-US" sz="4000" b="1" dirty="0" err="1"/>
+              <a:t>try..finally</a:t>
+            </a:r>
+            <a:br>
+              <a:rPr lang="en-US" sz="4000" b="1" dirty="0"/>
+            </a:br>
+            <a:endParaRPr lang="uk-UA" sz="2400" dirty="0">
+              <a:latin typeface="Open Sans" panose="020B0604020202020204" charset="0"/>
+              <a:ea typeface="Open Sans" panose="020B0604020202020204" charset="0"/>
+              <a:cs typeface="Open Sans" panose="020B0604020202020204" charset="0"/>
+            </a:endParaRPr>
+          </a:p>
+        </p:txBody>
+      </p:sp>
+      <p:pic>
+        <p:nvPicPr>
+          <p:cNvPr id="5" name="Рисунок 4">
+            <a:extLst>
+              <a:ext uri="{FF2B5EF4-FFF2-40B4-BE49-F238E27FC236}">
+                <a16:creationId xmlns:a16="http://schemas.microsoft.com/office/drawing/2014/main" id="{3BB815C3-9A26-4642-8608-5D230717138B}"/>
+              </a:ext>
+            </a:extLst>
+          </p:cNvPr>
+          <p:cNvPicPr>
+            <a:picLocks noChangeAspect="1"/>
+          </p:cNvPicPr>
+          <p:nvPr/>
+        </p:nvPicPr>
+        <p:blipFill>
+          <a:blip r:embed="rId3">
+            <a:extLst>
+              <a:ext uri="{28A0092B-C50C-407E-A947-70E740481C1C}">
+                <a14:useLocalDpi xmlns:a14="http://schemas.microsoft.com/office/drawing/2010/main" val="0"/>
+              </a:ext>
+            </a:extLst>
+          </a:blip>
+          <a:stretch>
+            <a:fillRect/>
+          </a:stretch>
+        </p:blipFill>
+        <p:spPr>
+          <a:xfrm>
+            <a:off x="2153972" y="2297749"/>
+            <a:ext cx="7884056" cy="2262502"/>
+          </a:xfrm>
+          <a:prstGeom prst="rect">
+            <a:avLst/>
+          </a:prstGeom>
+        </p:spPr>
+      </p:pic>
+    </p:spTree>
+    <p:extLst>
+      <p:ext uri="{BB962C8B-B14F-4D97-AF65-F5344CB8AC3E}">
+        <p14:creationId xmlns:p14="http://schemas.microsoft.com/office/powerpoint/2010/main" val="3567499270"/>
+      </p:ext>
+    </p:extLst>
+  </p:cSld>
+  <p:clrMapOvr>
+    <a:masterClrMapping/>
+  </p:clrMapOvr>
+</p:sld>
+</file>
+
+<file path=ppt/slides/slide41.xml><?xml version="1.0" encoding="utf-8"?>
+<p:sld xmlns:a="http://schemas.openxmlformats.org/drawingml/2006/main" xmlns:r="http://schemas.openxmlformats.org/officeDocument/2006/relationships" xmlns:p="http://schemas.openxmlformats.org/presentationml/2006/main">
+  <p:cSld>
+    <p:spTree>
+      <p:nvGrpSpPr>
+        <p:cNvPr id="1" name=""/>
+        <p:cNvGrpSpPr/>
+        <p:nvPr/>
+      </p:nvGrpSpPr>
+      <p:grpSpPr>
+        <a:xfrm>
+          <a:off x="0" y="0"/>
+          <a:ext cx="0" cy="0"/>
+          <a:chOff x="0" y="0"/>
+          <a:chExt cx="0" cy="0"/>
+        </a:xfrm>
+      </p:grpSpPr>
+      <p:sp>
+        <p:nvSpPr>
+          <p:cNvPr id="2" name="Заголовок 1">
+            <a:extLst>
+              <a:ext uri="{FF2B5EF4-FFF2-40B4-BE49-F238E27FC236}">
                 <a16:creationId xmlns:a16="http://schemas.microsoft.com/office/drawing/2014/main" id="{E376A246-42CB-42CD-927A-92E6A7344ECC}"/>
               </a:ext>
             </a:extLst>
@@ -13971,84 +14227,6 @@
 </p:sld>
 </file>
 
-<file path=ppt/slides/slide41.xml><?xml version="1.0" encoding="utf-8"?>
-<p:sld xmlns:a="http://schemas.openxmlformats.org/drawingml/2006/main" xmlns:r="http://schemas.openxmlformats.org/officeDocument/2006/relationships" xmlns:p="http://schemas.openxmlformats.org/presentationml/2006/main">
-  <p:cSld>
-    <p:spTree>
-      <p:nvGrpSpPr>
-        <p:cNvPr id="1" name=""/>
-        <p:cNvGrpSpPr/>
-        <p:nvPr/>
-      </p:nvGrpSpPr>
-      <p:grpSpPr>
-        <a:xfrm>
-          <a:off x="0" y="0"/>
-          <a:ext cx="0" cy="0"/>
-          <a:chOff x="0" y="0"/>
-          <a:chExt cx="0" cy="0"/>
-        </a:xfrm>
-      </p:grpSpPr>
-      <p:sp>
-        <p:nvSpPr>
-          <p:cNvPr id="2" name="Заголовок 1">
-            <a:extLst>
-              <a:ext uri="{FF2B5EF4-FFF2-40B4-BE49-F238E27FC236}">
-                <a16:creationId xmlns:a16="http://schemas.microsoft.com/office/drawing/2014/main" id="{F18364EC-DAFA-4F05-9138-5FEE8236AD93}"/>
-              </a:ext>
-            </a:extLst>
-          </p:cNvPr>
-          <p:cNvSpPr>
-            <a:spLocks noGrp="1"/>
-          </p:cNvSpPr>
-          <p:nvPr>
-            <p:ph type="title"/>
-          </p:nvPr>
-        </p:nvSpPr>
-        <p:spPr/>
-        <p:txBody>
-          <a:bodyPr/>
-          <a:lstStyle/>
-          <a:p>
-            <a:pPr>
-              <a:lnSpc>
-                <a:spcPct val="100000"/>
-              </a:lnSpc>
-            </a:pPr>
-            <a:r>
-              <a:rPr lang="en-US" sz="6000" dirty="0"/>
-              <a:t>Strict mode</a:t>
-            </a:r>
-            <a:br>
-              <a:rPr lang="en-US" sz="6000" dirty="0"/>
-            </a:br>
-            <a:r>
-              <a:rPr lang="en-US" sz="2400" dirty="0">
-                <a:latin typeface="Open Sans" panose="020B0604020202020204" charset="0"/>
-                <a:ea typeface="Open Sans" panose="020B0604020202020204" charset="0"/>
-                <a:cs typeface="Open Sans" panose="020B0604020202020204" charset="0"/>
-              </a:rPr>
-              <a:t>ECMAScript 5 (ES5) appeared in 2009. It added new features to the language and modified some of the existing ones. To keep the old code working, most such modifications are off by default. You need to explicitly enable them with a special directive: "use strict".</a:t>
-            </a:r>
-            <a:br>
-              <a:rPr lang="en-US" dirty="0"/>
-            </a:br>
-            <a:endParaRPr lang="uk-UA" dirty="0"/>
-          </a:p>
-        </p:txBody>
-      </p:sp>
-    </p:spTree>
-    <p:extLst>
-      <p:ext uri="{BB962C8B-B14F-4D97-AF65-F5344CB8AC3E}">
-        <p14:creationId xmlns:p14="http://schemas.microsoft.com/office/powerpoint/2010/main" val="3859329213"/>
-      </p:ext>
-    </p:extLst>
-  </p:cSld>
-  <p:clrMapOvr>
-    <a:masterClrMapping/>
-  </p:clrMapOvr>
-</p:sld>
-</file>
-
 <file path=ppt/slides/slide42.xml><?xml version="1.0" encoding="utf-8"?>
 <p:sld xmlns:a="http://schemas.openxmlformats.org/drawingml/2006/main" xmlns:r="http://schemas.openxmlformats.org/officeDocument/2006/relationships" xmlns:p="http://schemas.openxmlformats.org/presentationml/2006/main">
   <p:cSld>
@@ -14071,7 +14249,7 @@
           <p:cNvPr id="2" name="Заголовок 1">
             <a:extLst>
               <a:ext uri="{FF2B5EF4-FFF2-40B4-BE49-F238E27FC236}">
-                <a16:creationId xmlns:a16="http://schemas.microsoft.com/office/drawing/2014/main" id="{B81F1240-77B8-4C05-A8E6-DC5C2798FD9B}"/>
+                <a16:creationId xmlns:a16="http://schemas.microsoft.com/office/drawing/2014/main" id="{F18364EC-DAFA-4F05-9138-5FEE8236AD93}"/>
               </a:ext>
             </a:extLst>
           </p:cNvPr>
@@ -14093,121 +14271,31 @@
               </a:lnSpc>
             </a:pPr>
             <a:r>
-              <a:rPr lang="en-US" sz="4000" b="1" dirty="0" err="1"/>
-              <a:t>Benifits</a:t>
-            </a:r>
-            <a:r>
-              <a:rPr lang="en-US" sz="4000" b="1" dirty="0"/>
-              <a:t> of using ‘use strict’</a:t>
+              <a:rPr lang="en-US" sz="6000" dirty="0"/>
+              <a:t>Strict mode</a:t>
             </a:r>
             <a:br>
-              <a:rPr lang="en-US" sz="2000" dirty="0">
-                <a:latin typeface="Open Sans" panose="020B0604020202020204" charset="0"/>
-                <a:ea typeface="Open Sans" panose="020B0604020202020204" charset="0"/>
-                <a:cs typeface="Open Sans" panose="020B0604020202020204" charset="0"/>
-              </a:rPr>
+              <a:rPr lang="en-US" sz="6000" dirty="0"/>
             </a:br>
+            <a:r>
+              <a:rPr lang="en-US" sz="2400" dirty="0">
+                <a:latin typeface="Open Sans" panose="020B0604020202020204" charset="0"/>
+                <a:ea typeface="Open Sans" panose="020B0604020202020204" charset="0"/>
+                <a:cs typeface="Open Sans" panose="020B0604020202020204" charset="0"/>
+              </a:rPr>
+              <a:t>ECMAScript 5 (ES5) appeared in 2009. It added new features to the language and modified some of the existing ones. To keep the old code working, most such modifications are off by default. You need to explicitly enable them with a special directive: "use strict".</a:t>
+            </a:r>
             <a:br>
-              <a:rPr lang="en-US" sz="2000" dirty="0">
-                <a:latin typeface="Open Sans" panose="020B0604020202020204" charset="0"/>
-                <a:ea typeface="Open Sans" panose="020B0604020202020204" charset="0"/>
-                <a:cs typeface="Open Sans" panose="020B0604020202020204" charset="0"/>
-              </a:rPr>
+              <a:rPr lang="en-US" dirty="0"/>
             </a:br>
-            <a:r>
-              <a:rPr lang="en-US" sz="2000" dirty="0">
-                <a:latin typeface="Open Sans" panose="020B0604020202020204" charset="0"/>
-                <a:ea typeface="Open Sans" panose="020B0604020202020204" charset="0"/>
-                <a:cs typeface="Open Sans" panose="020B0604020202020204" charset="0"/>
-              </a:rPr>
-              <a:t>- eliminates some JavaScript silent errors by changing them to throw errors.</a:t>
-            </a:r>
-            <a:br>
-              <a:rPr lang="en-US" sz="2000" dirty="0">
-                <a:latin typeface="Open Sans" panose="020B0604020202020204" charset="0"/>
-                <a:ea typeface="Open Sans" panose="020B0604020202020204" charset="0"/>
-                <a:cs typeface="Open Sans" panose="020B0604020202020204" charset="0"/>
-              </a:rPr>
-            </a:br>
-            <a:r>
-              <a:rPr lang="en-US" sz="2000" dirty="0">
-                <a:latin typeface="Open Sans" panose="020B0604020202020204" charset="0"/>
-                <a:ea typeface="Open Sans" panose="020B0604020202020204" charset="0"/>
-                <a:cs typeface="Open Sans" panose="020B0604020202020204" charset="0"/>
-              </a:rPr>
-              <a:t>- fixes mistakes that make it difficult for JavaScript engines to perform optimizations: strict mode code can sometimes be made to run faster than identical code that’s not strict mode.</a:t>
-            </a:r>
-            <a:br>
-              <a:rPr lang="en-US" sz="2000" dirty="0">
-                <a:latin typeface="Open Sans" panose="020B0604020202020204" charset="0"/>
-                <a:ea typeface="Open Sans" panose="020B0604020202020204" charset="0"/>
-                <a:cs typeface="Open Sans" panose="020B0604020202020204" charset="0"/>
-              </a:rPr>
-            </a:br>
-            <a:r>
-              <a:rPr lang="en-US" sz="2000" dirty="0">
-                <a:latin typeface="Open Sans" panose="020B0604020202020204" charset="0"/>
-                <a:ea typeface="Open Sans" panose="020B0604020202020204" charset="0"/>
-                <a:cs typeface="Open Sans" panose="020B0604020202020204" charset="0"/>
-              </a:rPr>
-              <a:t>- prohibits some syntax likely to be defined in future versions of ECMAScript.</a:t>
-            </a:r>
-            <a:br>
-              <a:rPr lang="en-US" sz="2000" dirty="0">
-                <a:latin typeface="Open Sans" panose="020B0604020202020204" charset="0"/>
-                <a:ea typeface="Open Sans" panose="020B0604020202020204" charset="0"/>
-                <a:cs typeface="Open Sans" panose="020B0604020202020204" charset="0"/>
-              </a:rPr>
-            </a:br>
-            <a:r>
-              <a:rPr lang="en-US" sz="2000" dirty="0">
-                <a:latin typeface="Open Sans" panose="020B0604020202020204" charset="0"/>
-                <a:ea typeface="Open Sans" panose="020B0604020202020204" charset="0"/>
-                <a:cs typeface="Open Sans" panose="020B0604020202020204" charset="0"/>
-              </a:rPr>
-              <a:t>- prevents, or throws errors, when relatively “unsafe” actions are taken (such as gaining access to the global object).</a:t>
-            </a:r>
-            <a:br>
-              <a:rPr lang="en-US" sz="2000" dirty="0">
-                <a:latin typeface="Open Sans" panose="020B0604020202020204" charset="0"/>
-                <a:ea typeface="Open Sans" panose="020B0604020202020204" charset="0"/>
-                <a:cs typeface="Open Sans" panose="020B0604020202020204" charset="0"/>
-              </a:rPr>
-            </a:br>
-            <a:r>
-              <a:rPr lang="en-US" sz="2000" dirty="0">
-                <a:latin typeface="Open Sans" panose="020B0604020202020204" charset="0"/>
-                <a:ea typeface="Open Sans" panose="020B0604020202020204" charset="0"/>
-                <a:cs typeface="Open Sans" panose="020B0604020202020204" charset="0"/>
-              </a:rPr>
-              <a:t>- disables features that are confusing or poorly thought out.</a:t>
-            </a:r>
-            <a:br>
-              <a:rPr lang="en-US" sz="2000" dirty="0">
-                <a:latin typeface="Open Sans" panose="020B0604020202020204" charset="0"/>
-                <a:ea typeface="Open Sans" panose="020B0604020202020204" charset="0"/>
-                <a:cs typeface="Open Sans" panose="020B0604020202020204" charset="0"/>
-              </a:rPr>
-            </a:br>
-            <a:r>
-              <a:rPr lang="en-US" sz="2000" dirty="0">
-                <a:latin typeface="Open Sans" panose="020B0604020202020204" charset="0"/>
-                <a:ea typeface="Open Sans" panose="020B0604020202020204" charset="0"/>
-                <a:cs typeface="Open Sans" panose="020B0604020202020204" charset="0"/>
-              </a:rPr>
-              <a:t>- makes it easier to write “secure” JavaScript.</a:t>
-            </a:r>
-            <a:br>
-              <a:rPr lang="en-US" sz="4000" b="1" dirty="0"/>
-            </a:br>
-            <a:endParaRPr lang="uk-UA" sz="4000" dirty="0"/>
+            <a:endParaRPr lang="uk-UA" dirty="0"/>
           </a:p>
         </p:txBody>
       </p:sp>
     </p:spTree>
     <p:extLst>
       <p:ext uri="{BB962C8B-B14F-4D97-AF65-F5344CB8AC3E}">
-        <p14:creationId xmlns:p14="http://schemas.microsoft.com/office/powerpoint/2010/main" val="1331754776"/>
+        <p14:creationId xmlns:p14="http://schemas.microsoft.com/office/powerpoint/2010/main" val="3859329213"/>
       </p:ext>
     </p:extLst>
   </p:cSld>
@@ -14239,6 +14327,174 @@
           <p:cNvPr id="2" name="Заголовок 1">
             <a:extLst>
               <a:ext uri="{FF2B5EF4-FFF2-40B4-BE49-F238E27FC236}">
+                <a16:creationId xmlns:a16="http://schemas.microsoft.com/office/drawing/2014/main" id="{B81F1240-77B8-4C05-A8E6-DC5C2798FD9B}"/>
+              </a:ext>
+            </a:extLst>
+          </p:cNvPr>
+          <p:cNvSpPr>
+            <a:spLocks noGrp="1"/>
+          </p:cNvSpPr>
+          <p:nvPr>
+            <p:ph type="title"/>
+          </p:nvPr>
+        </p:nvSpPr>
+        <p:spPr/>
+        <p:txBody>
+          <a:bodyPr/>
+          <a:lstStyle/>
+          <a:p>
+            <a:pPr>
+              <a:lnSpc>
+                <a:spcPct val="100000"/>
+              </a:lnSpc>
+            </a:pPr>
+            <a:r>
+              <a:rPr lang="en-US" sz="4000" b="1" dirty="0" err="1"/>
+              <a:t>Benifits</a:t>
+            </a:r>
+            <a:r>
+              <a:rPr lang="en-US" sz="4000" b="1" dirty="0"/>
+              <a:t> of using ‘use strict’</a:t>
+            </a:r>
+            <a:br>
+              <a:rPr lang="en-US" sz="2000" dirty="0">
+                <a:latin typeface="Open Sans" panose="020B0604020202020204" charset="0"/>
+                <a:ea typeface="Open Sans" panose="020B0604020202020204" charset="0"/>
+                <a:cs typeface="Open Sans" panose="020B0604020202020204" charset="0"/>
+              </a:rPr>
+            </a:br>
+            <a:br>
+              <a:rPr lang="en-US" sz="2000" dirty="0">
+                <a:latin typeface="Open Sans" panose="020B0604020202020204" charset="0"/>
+                <a:ea typeface="Open Sans" panose="020B0604020202020204" charset="0"/>
+                <a:cs typeface="Open Sans" panose="020B0604020202020204" charset="0"/>
+              </a:rPr>
+            </a:br>
+            <a:r>
+              <a:rPr lang="en-US" sz="2000" dirty="0">
+                <a:latin typeface="Open Sans" panose="020B0604020202020204" charset="0"/>
+                <a:ea typeface="Open Sans" panose="020B0604020202020204" charset="0"/>
+                <a:cs typeface="Open Sans" panose="020B0604020202020204" charset="0"/>
+              </a:rPr>
+              <a:t>- eliminates some JavaScript silent errors by changing them to throw errors.</a:t>
+            </a:r>
+            <a:br>
+              <a:rPr lang="en-US" sz="2000" dirty="0">
+                <a:latin typeface="Open Sans" panose="020B0604020202020204" charset="0"/>
+                <a:ea typeface="Open Sans" panose="020B0604020202020204" charset="0"/>
+                <a:cs typeface="Open Sans" panose="020B0604020202020204" charset="0"/>
+              </a:rPr>
+            </a:br>
+            <a:r>
+              <a:rPr lang="en-US" sz="2000" dirty="0">
+                <a:latin typeface="Open Sans" panose="020B0604020202020204" charset="0"/>
+                <a:ea typeface="Open Sans" panose="020B0604020202020204" charset="0"/>
+                <a:cs typeface="Open Sans" panose="020B0604020202020204" charset="0"/>
+              </a:rPr>
+              <a:t>- fixes mistakes that make it difficult for JavaScript engines to perform optimizations: strict mode code can sometimes be made to run faster than identical code that’s not strict mode.</a:t>
+            </a:r>
+            <a:br>
+              <a:rPr lang="en-US" sz="2000" dirty="0">
+                <a:latin typeface="Open Sans" panose="020B0604020202020204" charset="0"/>
+                <a:ea typeface="Open Sans" panose="020B0604020202020204" charset="0"/>
+                <a:cs typeface="Open Sans" panose="020B0604020202020204" charset="0"/>
+              </a:rPr>
+            </a:br>
+            <a:r>
+              <a:rPr lang="en-US" sz="2000" dirty="0">
+                <a:latin typeface="Open Sans" panose="020B0604020202020204" charset="0"/>
+                <a:ea typeface="Open Sans" panose="020B0604020202020204" charset="0"/>
+                <a:cs typeface="Open Sans" panose="020B0604020202020204" charset="0"/>
+              </a:rPr>
+              <a:t>- prohibits some syntax likely to be defined in future versions of ECMAScript.</a:t>
+            </a:r>
+            <a:br>
+              <a:rPr lang="en-US" sz="2000" dirty="0">
+                <a:latin typeface="Open Sans" panose="020B0604020202020204" charset="0"/>
+                <a:ea typeface="Open Sans" panose="020B0604020202020204" charset="0"/>
+                <a:cs typeface="Open Sans" panose="020B0604020202020204" charset="0"/>
+              </a:rPr>
+            </a:br>
+            <a:r>
+              <a:rPr lang="en-US" sz="2000" dirty="0">
+                <a:latin typeface="Open Sans" panose="020B0604020202020204" charset="0"/>
+                <a:ea typeface="Open Sans" panose="020B0604020202020204" charset="0"/>
+                <a:cs typeface="Open Sans" panose="020B0604020202020204" charset="0"/>
+              </a:rPr>
+              <a:t>- prevents, or throws errors, when relatively “unsafe” actions are taken (such as gaining access to the global object).</a:t>
+            </a:r>
+            <a:br>
+              <a:rPr lang="en-US" sz="2000" dirty="0">
+                <a:latin typeface="Open Sans" panose="020B0604020202020204" charset="0"/>
+                <a:ea typeface="Open Sans" panose="020B0604020202020204" charset="0"/>
+                <a:cs typeface="Open Sans" panose="020B0604020202020204" charset="0"/>
+              </a:rPr>
+            </a:br>
+            <a:r>
+              <a:rPr lang="en-US" sz="2000" dirty="0">
+                <a:latin typeface="Open Sans" panose="020B0604020202020204" charset="0"/>
+                <a:ea typeface="Open Sans" panose="020B0604020202020204" charset="0"/>
+                <a:cs typeface="Open Sans" panose="020B0604020202020204" charset="0"/>
+              </a:rPr>
+              <a:t>- disables features that are confusing or poorly thought out.</a:t>
+            </a:r>
+            <a:br>
+              <a:rPr lang="en-US" sz="2000" dirty="0">
+                <a:latin typeface="Open Sans" panose="020B0604020202020204" charset="0"/>
+                <a:ea typeface="Open Sans" panose="020B0604020202020204" charset="0"/>
+                <a:cs typeface="Open Sans" panose="020B0604020202020204" charset="0"/>
+              </a:rPr>
+            </a:br>
+            <a:r>
+              <a:rPr lang="en-US" sz="2000" dirty="0">
+                <a:latin typeface="Open Sans" panose="020B0604020202020204" charset="0"/>
+                <a:ea typeface="Open Sans" panose="020B0604020202020204" charset="0"/>
+                <a:cs typeface="Open Sans" panose="020B0604020202020204" charset="0"/>
+              </a:rPr>
+              <a:t>- makes it easier to write “secure” JavaScript.</a:t>
+            </a:r>
+            <a:br>
+              <a:rPr lang="en-US" sz="4000" b="1" dirty="0"/>
+            </a:br>
+            <a:endParaRPr lang="uk-UA" sz="4000" dirty="0"/>
+          </a:p>
+        </p:txBody>
+      </p:sp>
+    </p:spTree>
+    <p:extLst>
+      <p:ext uri="{BB962C8B-B14F-4D97-AF65-F5344CB8AC3E}">
+        <p14:creationId xmlns:p14="http://schemas.microsoft.com/office/powerpoint/2010/main" val="1331754776"/>
+      </p:ext>
+    </p:extLst>
+  </p:cSld>
+  <p:clrMapOvr>
+    <a:masterClrMapping/>
+  </p:clrMapOvr>
+</p:sld>
+</file>
+
+<file path=ppt/slides/slide44.xml><?xml version="1.0" encoding="utf-8"?>
+<p:sld xmlns:a="http://schemas.openxmlformats.org/drawingml/2006/main" xmlns:r="http://schemas.openxmlformats.org/officeDocument/2006/relationships" xmlns:p="http://schemas.openxmlformats.org/presentationml/2006/main">
+  <p:cSld>
+    <p:spTree>
+      <p:nvGrpSpPr>
+        <p:cNvPr id="1" name=""/>
+        <p:cNvGrpSpPr/>
+        <p:nvPr/>
+      </p:nvGrpSpPr>
+      <p:grpSpPr>
+        <a:xfrm>
+          <a:off x="0" y="0"/>
+          <a:ext cx="0" cy="0"/>
+          <a:chOff x="0" y="0"/>
+          <a:chExt cx="0" cy="0"/>
+        </a:xfrm>
+      </p:grpSpPr>
+      <p:sp>
+        <p:nvSpPr>
+          <p:cNvPr id="2" name="Заголовок 1">
+            <a:extLst>
+              <a:ext uri="{FF2B5EF4-FFF2-40B4-BE49-F238E27FC236}">
                 <a16:creationId xmlns:a16="http://schemas.microsoft.com/office/drawing/2014/main" id="{F134F38D-9DD3-4A4B-B21B-7D01F4863BA7}"/>
               </a:ext>
             </a:extLst>
@@ -14296,7 +14552,7 @@
 </p:sld>
 </file>
 
-<file path=ppt/slides/slide44.xml><?xml version="1.0" encoding="utf-8"?>
+<file path=ppt/slides/slide45.xml><?xml version="1.0" encoding="utf-8"?>
 <p:sld xmlns:a="http://schemas.openxmlformats.org/drawingml/2006/main" xmlns:r="http://schemas.openxmlformats.org/officeDocument/2006/relationships" xmlns:p="http://schemas.openxmlformats.org/presentationml/2006/main">
   <p:cSld>
     <p:spTree>
@@ -14411,7 +14667,7 @@
 </p:sld>
 </file>
 
-<file path=ppt/slides/slide45.xml><?xml version="1.0" encoding="utf-8"?>
+<file path=ppt/slides/slide46.xml><?xml version="1.0" encoding="utf-8"?>
 <p:sld xmlns:a="http://schemas.openxmlformats.org/drawingml/2006/main" xmlns:r="http://schemas.openxmlformats.org/officeDocument/2006/relationships" xmlns:p="http://schemas.openxmlformats.org/presentationml/2006/main">
   <p:cSld>
     <p:spTree>
@@ -14536,7 +14792,7 @@
 </p:sld>
 </file>
 
-<file path=ppt/slides/slide46.xml><?xml version="1.0" encoding="utf-8"?>
+<file path=ppt/slides/slide47.xml><?xml version="1.0" encoding="utf-8"?>
 <p:sld xmlns:a="http://schemas.openxmlformats.org/drawingml/2006/main" xmlns:r="http://schemas.openxmlformats.org/officeDocument/2006/relationships" xmlns:p="http://schemas.openxmlformats.org/presentationml/2006/main">
   <p:cSld>
     <p:spTree>
@@ -16008,6 +16264,23 @@
 </file>
 
 <file path=customXml/item1.xml><?xml version="1.0" encoding="utf-8"?>
+<?mso-contentType ?>
+<FormTemplates xmlns="http://schemas.microsoft.com/sharepoint/v3/contenttype/forms">
+  <Display>DocumentLibraryForm</Display>
+  <Edit>DocumentLibraryForm</Edit>
+  <New>DocumentLibraryForm</New>
+</FormTemplates>
+</file>
+
+<file path=customXml/item2.xml><?xml version="1.0" encoding="utf-8"?>
+<p:properties xmlns:p="http://schemas.microsoft.com/office/2006/metadata/properties" xmlns:xsi="http://www.w3.org/2001/XMLSchema-instance" xmlns:pc="http://schemas.microsoft.com/office/infopath/2007/PartnerControls">
+  <documentManagement>
+    <_x041a__x043e__x043c__x0435__x0442__x0430__x0440_ xmlns="835f28f2-30f1-4728-84d2-86d96e143488" xsi:nil="true"/>
+  </documentManagement>
+</p:properties>
+</file>
+
+<file path=customXml/item3.xml><?xml version="1.0" encoding="utf-8"?>
 <ct:contentTypeSchema xmlns:ct="http://schemas.microsoft.com/office/2006/metadata/contentType" xmlns:ma="http://schemas.microsoft.com/office/2006/metadata/properties/metaAttributes" ct:_="" ma:_="" ma:contentTypeName="Документ" ma:contentTypeID="0x0101004195FC54A15F344D83577B1CDDD67A5D" ma:contentTypeVersion="9" ma:contentTypeDescription="Создание документа." ma:contentTypeScope="" ma:versionID="961ec8db58076c7d3e9f84b9cd82fd45">
   <xsd:schema xmlns:xsd="http://www.w3.org/2001/XMLSchema" xmlns:xs="http://www.w3.org/2001/XMLSchema" xmlns:p="http://schemas.microsoft.com/office/2006/metadata/properties" xmlns:ns2="341e6018-ac0a-4dfb-8409-db9e0d25502e" xmlns:ns3="835f28f2-30f1-4728-84d2-86d96e143488" targetNamespace="http://schemas.microsoft.com/office/2006/metadata/properties" ma:root="true" ma:fieldsID="bd9f0c80ada20ee560e77d723f3ef44e" ns2:_="" ns3:_="">
     <xsd:import namespace="341e6018-ac0a-4dfb-8409-db9e0d25502e"/>
@@ -16206,24 +16479,32 @@
 </ct:contentTypeSchema>
 </file>
 
-<file path=customXml/item2.xml><?xml version="1.0" encoding="utf-8"?>
-<?mso-contentType ?>
-<FormTemplates xmlns="http://schemas.microsoft.com/sharepoint/v3/contenttype/forms">
-  <Display>DocumentLibraryForm</Display>
-  <Edit>DocumentLibraryForm</Edit>
-  <New>DocumentLibraryForm</New>
-</FormTemplates>
+<file path=customXml/itemProps1.xml><?xml version="1.0" encoding="utf-8"?>
+<ds:datastoreItem xmlns:ds="http://schemas.openxmlformats.org/officeDocument/2006/customXml" ds:itemID="{296B3B9E-03D8-4766-BF45-6129617CF026}">
+  <ds:schemaRefs>
+    <ds:schemaRef ds:uri="http://schemas.microsoft.com/sharepoint/v3/contenttype/forms"/>
+  </ds:schemaRefs>
+</ds:datastoreItem>
 </file>
 
-<file path=customXml/item3.xml><?xml version="1.0" encoding="utf-8"?>
-<p:properties xmlns:p="http://schemas.microsoft.com/office/2006/metadata/properties" xmlns:xsi="http://www.w3.org/2001/XMLSchema-instance" xmlns:pc="http://schemas.microsoft.com/office/infopath/2007/PartnerControls">
-  <documentManagement>
-    <_x041a__x043e__x043c__x0435__x0442__x0430__x0440_ xmlns="835f28f2-30f1-4728-84d2-86d96e143488" xsi:nil="true"/>
-  </documentManagement>
-</p:properties>
+<file path=customXml/itemProps2.xml><?xml version="1.0" encoding="utf-8"?>
+<ds:datastoreItem xmlns:ds="http://schemas.openxmlformats.org/officeDocument/2006/customXml" ds:itemID="{B3A1340B-3A1B-4156-ADE3-51DF6C2C795D}">
+  <ds:schemaRefs>
+    <ds:schemaRef ds:uri="http://schemas.microsoft.com/office/2006/documentManagement/types"/>
+    <ds:schemaRef ds:uri="http://purl.org/dc/elements/1.1/"/>
+    <ds:schemaRef ds:uri="835f28f2-30f1-4728-84d2-86d96e143488"/>
+    <ds:schemaRef ds:uri="http://purl.org/dc/dcmitype/"/>
+    <ds:schemaRef ds:uri="http://schemas.microsoft.com/office/infopath/2007/PartnerControls"/>
+    <ds:schemaRef ds:uri="341e6018-ac0a-4dfb-8409-db9e0d25502e"/>
+    <ds:schemaRef ds:uri="http://purl.org/dc/terms/"/>
+    <ds:schemaRef ds:uri="http://schemas.openxmlformats.org/package/2006/metadata/core-properties"/>
+    <ds:schemaRef ds:uri="http://schemas.microsoft.com/office/2006/metadata/properties"/>
+    <ds:schemaRef ds:uri="http://www.w3.org/XML/1998/namespace"/>
+  </ds:schemaRefs>
+</ds:datastoreItem>
 </file>
 
-<file path=customXml/itemProps1.xml><?xml version="1.0" encoding="utf-8"?>
+<file path=customXml/itemProps3.xml><?xml version="1.0" encoding="utf-8"?>
 <ds:datastoreItem xmlns:ds="http://schemas.openxmlformats.org/officeDocument/2006/customXml" ds:itemID="{CAFDAB34-20E1-438F-BCB2-ECDA5496F36D}">
   <ds:schemaRefs>
     <ds:schemaRef ds:uri="http://schemas.microsoft.com/office/2006/metadata/contentType"/>
@@ -16240,29 +16521,4 @@
     <ds:schemaRef ds:uri="http://schemas.microsoft.com/internal/obd"/>
   </ds:schemaRefs>
 </ds:datastoreItem>
-</file>
-
-<file path=customXml/itemProps2.xml><?xml version="1.0" encoding="utf-8"?>
-<ds:datastoreItem xmlns:ds="http://schemas.openxmlformats.org/officeDocument/2006/customXml" ds:itemID="{296B3B9E-03D8-4766-BF45-6129617CF026}">
-  <ds:schemaRefs>
-    <ds:schemaRef ds:uri="http://schemas.microsoft.com/sharepoint/v3/contenttype/forms"/>
-  </ds:schemaRefs>
-</ds:datastoreItem>
-</file>
-
-<file path=customXml/itemProps3.xml><?xml version="1.0" encoding="utf-8"?>
-<ds:datastoreItem xmlns:ds="http://schemas.openxmlformats.org/officeDocument/2006/customXml" ds:itemID="{B3A1340B-3A1B-4156-ADE3-51DF6C2C795D}">
-  <ds:schemaRefs>
-    <ds:schemaRef ds:uri="http://schemas.microsoft.com/office/2006/documentManagement/types"/>
-    <ds:schemaRef ds:uri="http://purl.org/dc/elements/1.1/"/>
-    <ds:schemaRef ds:uri="835f28f2-30f1-4728-84d2-86d96e143488"/>
-    <ds:schemaRef ds:uri="http://purl.org/dc/dcmitype/"/>
-    <ds:schemaRef ds:uri="http://schemas.microsoft.com/office/infopath/2007/PartnerControls"/>
-    <ds:schemaRef ds:uri="341e6018-ac0a-4dfb-8409-db9e0d25502e"/>
-    <ds:schemaRef ds:uri="http://purl.org/dc/terms/"/>
-    <ds:schemaRef ds:uri="http://schemas.openxmlformats.org/package/2006/metadata/core-properties"/>
-    <ds:schemaRef ds:uri="http://schemas.microsoft.com/office/2006/metadata/properties"/>
-    <ds:schemaRef ds:uri="http://www.w3.org/XML/1998/namespace"/>
-  </ds:schemaRefs>
-</ds:datastoreItem>
 </file>